--- a/kubernetes/08_administration.pptx
+++ b/kubernetes/08_administration.pptx
@@ -17919,11 +17919,11 @@
               <a:tabLst/>
             </a:pPr>
             <a:r>
-              <a:rPr lang="en-US" sz="1800" kern="0" dirty="0" err="1">
+              <a:rPr lang="en-US" sz="1800" kern="0">
                 <a:ea typeface="Arial Unicode MS" pitchFamily="34" charset="-128"/>
                 <a:cs typeface="Arial Unicode MS" pitchFamily="34" charset="-128"/>
               </a:rPr>
-              <a:t>crodon</a:t>
+              <a:t>cordon</a:t>
             </a:r>
             <a:endParaRPr kumimoji="0" lang="en-US" sz="1800" b="0" i="0" u="none" strike="noStrike" kern="0" cap="none" spc="0" normalizeH="0" baseline="0" noProof="0" dirty="0" err="1">
               <a:ln>

--- a/kubernetes/08_administration.pptx
+++ b/kubernetes/08_administration.pptx
@@ -5,22 +5,25 @@
     <p:sldMasterId id="2147483733" r:id="rId1"/>
   </p:sldMasterIdLst>
   <p:notesMasterIdLst>
-    <p:notesMasterId r:id="rId12"/>
+    <p:notesMasterId r:id="rId15"/>
   </p:notesMasterIdLst>
   <p:handoutMasterIdLst>
-    <p:handoutMasterId r:id="rId13"/>
+    <p:handoutMasterId r:id="rId16"/>
   </p:handoutMasterIdLst>
   <p:sldIdLst>
     <p:sldId id="433" r:id="rId2"/>
     <p:sldId id="442" r:id="rId3"/>
     <p:sldId id="443" r:id="rId4"/>
     <p:sldId id="444" r:id="rId5"/>
-    <p:sldId id="446" r:id="rId6"/>
-    <p:sldId id="448" r:id="rId7"/>
-    <p:sldId id="445" r:id="rId8"/>
-    <p:sldId id="450" r:id="rId9"/>
-    <p:sldId id="449" r:id="rId10"/>
-    <p:sldId id="265" r:id="rId11"/>
+    <p:sldId id="451" r:id="rId6"/>
+    <p:sldId id="452" r:id="rId7"/>
+    <p:sldId id="453" r:id="rId8"/>
+    <p:sldId id="446" r:id="rId9"/>
+    <p:sldId id="448" r:id="rId10"/>
+    <p:sldId id="445" r:id="rId11"/>
+    <p:sldId id="450" r:id="rId12"/>
+    <p:sldId id="449" r:id="rId13"/>
+    <p:sldId id="265" r:id="rId14"/>
   </p:sldIdLst>
   <p:sldSz cx="12195175" cy="6858000"/>
   <p:notesSz cx="6858000" cy="9144000"/>
@@ -823,6 +826,34 @@
           <a:bodyPr/>
           <a:lstStyle/>
           <a:p>
+            <a:r>
+              <a:rPr lang="en-US" dirty="0"/>
+              <a:t>Private registries</a:t>
+            </a:r>
+            <a:r>
+              <a:rPr lang="en-US" baseline="0" dirty="0"/>
+              <a:t> are usually protect by user &amp; password</a:t>
+            </a:r>
+          </a:p>
+          <a:p>
+            <a:r>
+              <a:rPr lang="en-US" baseline="0" dirty="0"/>
+              <a:t>An anonymous </a:t>
+            </a:r>
+            <a:r>
+              <a:rPr lang="en-US" baseline="0" dirty="0" err="1"/>
+              <a:t>docker</a:t>
+            </a:r>
+            <a:r>
+              <a:rPr lang="en-US" baseline="0" dirty="0"/>
+              <a:t> daemon cannot pull images from a protected registry</a:t>
+            </a:r>
+          </a:p>
+          <a:p>
+            <a:r>
+              <a:rPr lang="en-US" baseline="0" dirty="0"/>
+              <a:t>=&gt; Authentication is required</a:t>
+            </a:r>
             <a:endParaRPr lang="en-US" dirty="0"/>
           </a:p>
         </p:txBody>
@@ -843,9 +874,331 @@
           <a:lstStyle/>
           <a:p>
             <a:fld id="{7D8C2C35-2B8A-446E-BEC0-FD36716C29AC}" type="slidenum">
+              <a:rPr lang="de-DE" smtClean="0"/>
+              <a:pPr/>
+              <a:t>5</a:t>
+            </a:fld>
+            <a:endParaRPr lang="de-DE" dirty="0"/>
+          </a:p>
+        </p:txBody>
+      </p:sp>
+    </p:spTree>
+    <p:extLst>
+      <p:ext uri="{BB962C8B-B14F-4D97-AF65-F5344CB8AC3E}">
+        <p14:creationId xmlns:p14="http://schemas.microsoft.com/office/powerpoint/2010/main" val="1215616285"/>
+      </p:ext>
+    </p:extLst>
+  </p:cSld>
+  <p:clrMapOvr>
+    <a:masterClrMapping/>
+  </p:clrMapOvr>
+</p:notes>
+</file>
+
+<file path=ppt/notesSlides/notesSlide5.xml><?xml version="1.0" encoding="utf-8"?>
+<p:notes xmlns:a="http://schemas.openxmlformats.org/drawingml/2006/main" xmlns:r="http://schemas.openxmlformats.org/officeDocument/2006/relationships" xmlns:p="http://schemas.openxmlformats.org/presentationml/2006/main">
+  <p:cSld>
+    <p:spTree>
+      <p:nvGrpSpPr>
+        <p:cNvPr id="1" name=""/>
+        <p:cNvGrpSpPr/>
+        <p:nvPr/>
+      </p:nvGrpSpPr>
+      <p:grpSpPr>
+        <a:xfrm>
+          <a:off x="0" y="0"/>
+          <a:ext cx="0" cy="0"/>
+          <a:chOff x="0" y="0"/>
+          <a:chExt cx="0" cy="0"/>
+        </a:xfrm>
+      </p:grpSpPr>
+      <p:sp>
+        <p:nvSpPr>
+          <p:cNvPr id="2" name="Slide Image Placeholder 1"/>
+          <p:cNvSpPr>
+            <a:spLocks noGrp="1" noRot="1" noChangeAspect="1"/>
+          </p:cNvSpPr>
+          <p:nvPr>
+            <p:ph type="sldImg"/>
+          </p:nvPr>
+        </p:nvSpPr>
+        <p:spPr/>
+      </p:sp>
+      <p:sp>
+        <p:nvSpPr>
+          <p:cNvPr id="3" name="Notes Placeholder 2"/>
+          <p:cNvSpPr>
+            <a:spLocks noGrp="1"/>
+          </p:cNvSpPr>
+          <p:nvPr>
+            <p:ph type="body" idx="1"/>
+          </p:nvPr>
+        </p:nvSpPr>
+        <p:spPr/>
+        <p:txBody>
+          <a:bodyPr/>
+          <a:lstStyle/>
+          <a:p>
+            <a:r>
+              <a:rPr lang="en-US" dirty="0"/>
+              <a:t>Image Pull</a:t>
+            </a:r>
+            <a:r>
+              <a:rPr lang="en-US" baseline="0" dirty="0"/>
+              <a:t> Secrets contain the same info as .</a:t>
+            </a:r>
+            <a:r>
+              <a:rPr lang="en-US" baseline="0" dirty="0" err="1"/>
+              <a:t>docker</a:t>
+            </a:r>
+            <a:r>
+              <a:rPr lang="en-US" baseline="0" dirty="0"/>
+              <a:t>/</a:t>
+            </a:r>
+            <a:r>
+              <a:rPr lang="en-US" baseline="0" dirty="0" err="1"/>
+              <a:t>config.json</a:t>
+            </a:r>
+            <a:r>
+              <a:rPr lang="en-US" baseline="0" dirty="0"/>
+              <a:t> &amp; works similar to ‘</a:t>
+            </a:r>
+            <a:r>
+              <a:rPr lang="en-US" baseline="0" dirty="0" err="1"/>
+              <a:t>docker</a:t>
+            </a:r>
+            <a:r>
+              <a:rPr lang="en-US" baseline="0" dirty="0"/>
+              <a:t> login …’</a:t>
+            </a:r>
+          </a:p>
+          <a:p>
+            <a:r>
+              <a:rPr lang="en-US" baseline="0" dirty="0" err="1"/>
+              <a:t>ImagePullSecrets</a:t>
+            </a:r>
+            <a:r>
+              <a:rPr lang="en-US" baseline="0" dirty="0"/>
+              <a:t> can be specified as part of the </a:t>
+            </a:r>
+            <a:r>
+              <a:rPr lang="en-US" baseline="0" dirty="0" err="1"/>
+              <a:t>PodSpec</a:t>
+            </a:r>
+            <a:r>
+              <a:rPr lang="en-US" baseline="0" dirty="0"/>
+              <a:t>: </a:t>
+            </a:r>
+            <a:r>
+              <a:rPr lang="en-US" baseline="0" dirty="0"/>
+              <a:t>https://kubernetes.io/docs/reference/generated/kubernetes-api/v1.9/#podspec-v1-core</a:t>
+            </a:r>
+          </a:p>
+        </p:txBody>
+      </p:sp>
+      <p:sp>
+        <p:nvSpPr>
+          <p:cNvPr id="4" name="Slide Number Placeholder 3"/>
+          <p:cNvSpPr>
+            <a:spLocks noGrp="1"/>
+          </p:cNvSpPr>
+          <p:nvPr>
+            <p:ph type="sldNum" sz="quarter" idx="10"/>
+          </p:nvPr>
+        </p:nvSpPr>
+        <p:spPr/>
+        <p:txBody>
+          <a:bodyPr/>
+          <a:lstStyle/>
+          <a:p>
+            <a:fld id="{7D8C2C35-2B8A-446E-BEC0-FD36716C29AC}" type="slidenum">
+              <a:rPr lang="de-DE" smtClean="0"/>
+              <a:pPr/>
+              <a:t>6</a:t>
+            </a:fld>
+            <a:endParaRPr lang="de-DE" dirty="0"/>
+          </a:p>
+        </p:txBody>
+      </p:sp>
+    </p:spTree>
+    <p:extLst>
+      <p:ext uri="{BB962C8B-B14F-4D97-AF65-F5344CB8AC3E}">
+        <p14:creationId xmlns:p14="http://schemas.microsoft.com/office/powerpoint/2010/main" val="4009320709"/>
+      </p:ext>
+    </p:extLst>
+  </p:cSld>
+  <p:clrMapOvr>
+    <a:masterClrMapping/>
+  </p:clrMapOvr>
+</p:notes>
+</file>
+
+<file path=ppt/notesSlides/notesSlide6.xml><?xml version="1.0" encoding="utf-8"?>
+<p:notes xmlns:a="http://schemas.openxmlformats.org/drawingml/2006/main" xmlns:r="http://schemas.openxmlformats.org/officeDocument/2006/relationships" xmlns:p="http://schemas.openxmlformats.org/presentationml/2006/main">
+  <p:cSld>
+    <p:spTree>
+      <p:nvGrpSpPr>
+        <p:cNvPr id="1" name=""/>
+        <p:cNvGrpSpPr/>
+        <p:nvPr/>
+      </p:nvGrpSpPr>
+      <p:grpSpPr>
+        <a:xfrm>
+          <a:off x="0" y="0"/>
+          <a:ext cx="0" cy="0"/>
+          <a:chOff x="0" y="0"/>
+          <a:chExt cx="0" cy="0"/>
+        </a:xfrm>
+      </p:grpSpPr>
+      <p:sp>
+        <p:nvSpPr>
+          <p:cNvPr id="2" name="Slide Image Placeholder 1"/>
+          <p:cNvSpPr>
+            <a:spLocks noGrp="1" noRot="1" noChangeAspect="1"/>
+          </p:cNvSpPr>
+          <p:nvPr>
+            <p:ph type="sldImg"/>
+          </p:nvPr>
+        </p:nvSpPr>
+        <p:spPr/>
+      </p:sp>
+      <p:sp>
+        <p:nvSpPr>
+          <p:cNvPr id="3" name="Notes Placeholder 2"/>
+          <p:cNvSpPr>
+            <a:spLocks noGrp="1"/>
+          </p:cNvSpPr>
+          <p:nvPr>
+            <p:ph type="body" idx="1"/>
+          </p:nvPr>
+        </p:nvSpPr>
+        <p:spPr/>
+        <p:txBody>
+          <a:bodyPr/>
+          <a:lstStyle/>
+          <a:p>
+            <a:r>
+              <a:rPr lang="en-US" dirty="0"/>
+              <a:t>Assign</a:t>
+            </a:r>
+            <a:r>
+              <a:rPr lang="en-US" baseline="0" dirty="0"/>
+              <a:t> the image pull secret to the default (or any other) service account</a:t>
+            </a:r>
+          </a:p>
+          <a:p>
+            <a:r>
+              <a:rPr lang="en-US" baseline="0" dirty="0"/>
+              <a:t>The service account gives its’ identity to the pod =&gt; the pot can use the image pull secret</a:t>
+            </a:r>
+            <a:endParaRPr lang="en-US" dirty="0"/>
+          </a:p>
+        </p:txBody>
+      </p:sp>
+      <p:sp>
+        <p:nvSpPr>
+          <p:cNvPr id="4" name="Slide Number Placeholder 3"/>
+          <p:cNvSpPr>
+            <a:spLocks noGrp="1"/>
+          </p:cNvSpPr>
+          <p:nvPr>
+            <p:ph type="sldNum" sz="quarter" idx="10"/>
+          </p:nvPr>
+        </p:nvSpPr>
+        <p:spPr/>
+        <p:txBody>
+          <a:bodyPr/>
+          <a:lstStyle/>
+          <a:p>
+            <a:fld id="{7D8C2C35-2B8A-446E-BEC0-FD36716C29AC}" type="slidenum">
+              <a:rPr lang="de-DE" smtClean="0"/>
+              <a:pPr/>
+              <a:t>7</a:t>
+            </a:fld>
+            <a:endParaRPr lang="de-DE" dirty="0"/>
+          </a:p>
+        </p:txBody>
+      </p:sp>
+    </p:spTree>
+    <p:extLst>
+      <p:ext uri="{BB962C8B-B14F-4D97-AF65-F5344CB8AC3E}">
+        <p14:creationId xmlns:p14="http://schemas.microsoft.com/office/powerpoint/2010/main" val="2972073235"/>
+      </p:ext>
+    </p:extLst>
+  </p:cSld>
+  <p:clrMapOvr>
+    <a:masterClrMapping/>
+  </p:clrMapOvr>
+</p:notes>
+</file>
+
+<file path=ppt/notesSlides/notesSlide7.xml><?xml version="1.0" encoding="utf-8"?>
+<p:notes xmlns:a="http://schemas.openxmlformats.org/drawingml/2006/main" xmlns:r="http://schemas.openxmlformats.org/officeDocument/2006/relationships" xmlns:p="http://schemas.openxmlformats.org/presentationml/2006/main">
+  <p:cSld>
+    <p:spTree>
+      <p:nvGrpSpPr>
+        <p:cNvPr id="1" name=""/>
+        <p:cNvGrpSpPr/>
+        <p:nvPr/>
+      </p:nvGrpSpPr>
+      <p:grpSpPr>
+        <a:xfrm>
+          <a:off x="0" y="0"/>
+          <a:ext cx="0" cy="0"/>
+          <a:chOff x="0" y="0"/>
+          <a:chExt cx="0" cy="0"/>
+        </a:xfrm>
+      </p:grpSpPr>
+      <p:sp>
+        <p:nvSpPr>
+          <p:cNvPr id="2" name="Slide Image Placeholder 1"/>
+          <p:cNvSpPr>
+            <a:spLocks noGrp="1" noRot="1" noChangeAspect="1"/>
+          </p:cNvSpPr>
+          <p:nvPr>
+            <p:ph type="sldImg"/>
+          </p:nvPr>
+        </p:nvSpPr>
+        <p:spPr/>
+      </p:sp>
+      <p:sp>
+        <p:nvSpPr>
+          <p:cNvPr id="3" name="Notes Placeholder 2"/>
+          <p:cNvSpPr>
+            <a:spLocks noGrp="1"/>
+          </p:cNvSpPr>
+          <p:nvPr>
+            <p:ph type="body" idx="1"/>
+          </p:nvPr>
+        </p:nvSpPr>
+        <p:spPr/>
+        <p:txBody>
+          <a:bodyPr/>
+          <a:lstStyle/>
+          <a:p>
+            <a:endParaRPr lang="en-US" dirty="0"/>
+          </a:p>
+        </p:txBody>
+      </p:sp>
+      <p:sp>
+        <p:nvSpPr>
+          <p:cNvPr id="4" name="Slide Number Placeholder 3"/>
+          <p:cNvSpPr>
+            <a:spLocks noGrp="1"/>
+          </p:cNvSpPr>
+          <p:nvPr>
+            <p:ph type="sldNum" sz="quarter" idx="10"/>
+          </p:nvPr>
+        </p:nvSpPr>
+        <p:spPr/>
+        <p:txBody>
+          <a:bodyPr/>
+          <a:lstStyle/>
+          <a:p>
+            <a:fld id="{7D8C2C35-2B8A-446E-BEC0-FD36716C29AC}" type="slidenum">
               <a:rPr lang="en-US" smtClean="0"/>
               <a:pPr/>
-              <a:t>5</a:t>
+              <a:t>8</a:t>
             </a:fld>
             <a:endParaRPr lang="en-US" dirty="0"/>
           </a:p>
@@ -864,7 +1217,7 @@
 </p:notes>
 </file>
 
-<file path=ppt/notesSlides/notesSlide5.xml><?xml version="1.0" encoding="utf-8"?>
+<file path=ppt/notesSlides/notesSlide8.xml><?xml version="1.0" encoding="utf-8"?>
 <p:notes xmlns:a="http://schemas.openxmlformats.org/drawingml/2006/main" xmlns:r="http://schemas.openxmlformats.org/officeDocument/2006/relationships" xmlns:p="http://schemas.openxmlformats.org/presentationml/2006/main">
   <p:cSld>
     <p:spTree>
@@ -899,7 +1252,7 @@
             <a:fld id="{7D8C2C35-2B8A-446E-BEC0-FD36716C29AC}" type="slidenum">
               <a:rPr lang="en-US" smtClean="0"/>
               <a:pPr/>
-              <a:t>10</a:t>
+              <a:t>13</a:t>
             </a:fld>
             <a:endParaRPr lang="en-US" dirty="0"/>
           </a:p>
@@ -14324,3089 +14677,6 @@
 </file>
 
 <file path=ppt/slides/slide10.xml><?xml version="1.0" encoding="utf-8"?>
-<p:sld xmlns:a="http://schemas.openxmlformats.org/drawingml/2006/main" xmlns:r="http://schemas.openxmlformats.org/officeDocument/2006/relationships" xmlns:p="http://schemas.openxmlformats.org/presentationml/2006/main" show="0">
-  <p:cSld>
-    <p:spTree>
-      <p:nvGrpSpPr>
-        <p:cNvPr id="1" name=""/>
-        <p:cNvGrpSpPr/>
-        <p:nvPr/>
-      </p:nvGrpSpPr>
-      <p:grpSpPr>
-        <a:xfrm>
-          <a:off x="0" y="0"/>
-          <a:ext cx="0" cy="0"/>
-          <a:chOff x="0" y="0"/>
-          <a:chExt cx="0" cy="0"/>
-        </a:xfrm>
-      </p:grpSpPr>
-    </p:spTree>
-  </p:cSld>
-  <p:clrMapOvr>
-    <a:masterClrMapping/>
-  </p:clrMapOvr>
-  <p:transition spd="med"/>
-</p:sld>
-</file>
-
-<file path=ppt/slides/slide2.xml><?xml version="1.0" encoding="utf-8"?>
-<p:sld xmlns:a="http://schemas.openxmlformats.org/drawingml/2006/main" xmlns:r="http://schemas.openxmlformats.org/officeDocument/2006/relationships" xmlns:p="http://schemas.openxmlformats.org/presentationml/2006/main">
-  <p:cSld>
-    <p:spTree>
-      <p:nvGrpSpPr>
-        <p:cNvPr id="1" name=""/>
-        <p:cNvGrpSpPr/>
-        <p:nvPr/>
-      </p:nvGrpSpPr>
-      <p:grpSpPr>
-        <a:xfrm>
-          <a:off x="0" y="0"/>
-          <a:ext cx="0" cy="0"/>
-          <a:chOff x="0" y="0"/>
-          <a:chExt cx="0" cy="0"/>
-        </a:xfrm>
-      </p:grpSpPr>
-      <p:sp>
-        <p:nvSpPr>
-          <p:cNvPr id="13" name="Rectangle 12"/>
-          <p:cNvSpPr/>
-          <p:nvPr/>
-        </p:nvSpPr>
-        <p:spPr bwMode="gray">
-          <a:xfrm>
-            <a:off x="2171701" y="3185160"/>
-            <a:ext cx="6179820" cy="3303743"/>
-          </a:xfrm>
-          <a:prstGeom prst="rect">
-            <a:avLst/>
-          </a:prstGeom>
-          <a:ln>
-            <a:headEnd/>
-            <a:tailEnd/>
-          </a:ln>
-        </p:spPr>
-        <p:style>
-          <a:lnRef idx="2">
-            <a:schemeClr val="accent2">
-              <a:shade val="50000"/>
-            </a:schemeClr>
-          </a:lnRef>
-          <a:fillRef idx="1">
-            <a:schemeClr val="accent2"/>
-          </a:fillRef>
-          <a:effectRef idx="0">
-            <a:schemeClr val="accent2"/>
-          </a:effectRef>
-          <a:fontRef idx="minor">
-            <a:schemeClr val="lt1"/>
-          </a:fontRef>
-        </p:style>
-        <p:txBody>
-          <a:bodyPr lIns="90000" tIns="72000" rIns="90000" bIns="72000" rtlCol="0" anchor="t"/>
-          <a:lstStyle/>
-          <a:p>
-            <a:pPr marR="0" algn="ctr" defTabSz="914400" eaLnBrk="1" fontAlgn="base" latinLnBrk="0" hangingPunct="1">
-              <a:lnSpc>
-                <a:spcPct val="100000"/>
-              </a:lnSpc>
-              <a:spcBef>
-                <a:spcPct val="50000"/>
-              </a:spcBef>
-              <a:spcAft>
-                <a:spcPct val="0"/>
-              </a:spcAft>
-              <a:buClr>
-                <a:srgbClr val="F0AB00"/>
-              </a:buClr>
-              <a:buSzPct val="80000"/>
-              <a:tabLst/>
-            </a:pPr>
-            <a:r>
-              <a:rPr lang="en-US" sz="1600" b="1" kern="0" dirty="0">
-                <a:ea typeface="Arial Unicode MS" pitchFamily="34" charset="-128"/>
-                <a:cs typeface="Arial Unicode MS" pitchFamily="34" charset="-128"/>
-              </a:rPr>
-              <a:t>Namespace</a:t>
-            </a:r>
-            <a:endParaRPr kumimoji="0" lang="en-US" sz="1600" b="1" i="0" u="none" strike="noStrike" kern="0" cap="none" spc="0" normalizeH="0" baseline="0" noProof="0" dirty="0">
-              <a:ln>
-                <a:noFill/>
-              </a:ln>
-              <a:effectLst/>
-              <a:uLnTx/>
-              <a:uFillTx/>
-              <a:ea typeface="Arial Unicode MS" pitchFamily="34" charset="-128"/>
-              <a:cs typeface="Arial Unicode MS" pitchFamily="34" charset="-128"/>
-            </a:endParaRPr>
-          </a:p>
-        </p:txBody>
-      </p:sp>
-      <p:sp>
-        <p:nvSpPr>
-          <p:cNvPr id="2" name="Title 1"/>
-          <p:cNvSpPr>
-            <a:spLocks noGrp="1"/>
-          </p:cNvSpPr>
-          <p:nvPr>
-            <p:ph type="title"/>
-          </p:nvPr>
-        </p:nvSpPr>
-        <p:spPr/>
-        <p:txBody>
-          <a:bodyPr/>
-          <a:lstStyle/>
-          <a:p>
-            <a:r>
-              <a:rPr lang="en-US" dirty="0"/>
-              <a:t>Service Accounts</a:t>
-            </a:r>
-          </a:p>
-        </p:txBody>
-      </p:sp>
-      <p:sp>
-        <p:nvSpPr>
-          <p:cNvPr id="8" name="Rectangle 7"/>
-          <p:cNvSpPr/>
-          <p:nvPr/>
-        </p:nvSpPr>
-        <p:spPr>
-          <a:xfrm>
-            <a:off x="504000" y="1223190"/>
-            <a:ext cx="10918380" cy="1708160"/>
-          </a:xfrm>
-          <a:prstGeom prst="rect">
-            <a:avLst/>
-          </a:prstGeom>
-        </p:spPr>
-        <p:txBody>
-          <a:bodyPr wrap="square">
-            <a:spAutoFit/>
-          </a:bodyPr>
-          <a:lstStyle/>
-          <a:p>
-            <a:pPr marL="342900" indent="-342900">
-              <a:buFont typeface="Wingdings" panose="05000000000000000000" pitchFamily="2" charset="2"/>
-              <a:buChar char="§"/>
-            </a:pPr>
-            <a:r>
-              <a:rPr lang="en-US" dirty="0"/>
-              <a:t>Service accounts are technical user in Kubernetes</a:t>
-            </a:r>
-          </a:p>
-          <a:p>
-            <a:pPr marL="342900" indent="-342900">
-              <a:buFont typeface="Wingdings" panose="05000000000000000000" pitchFamily="2" charset="2"/>
-              <a:buChar char="§"/>
-            </a:pPr>
-            <a:r>
-              <a:rPr lang="en-US" dirty="0"/>
-              <a:t>Bound to a namespace</a:t>
-            </a:r>
-          </a:p>
-          <a:p>
-            <a:pPr marL="342900" indent="-342900">
-              <a:buFont typeface="Wingdings" panose="05000000000000000000" pitchFamily="2" charset="2"/>
-              <a:buChar char="§"/>
-            </a:pPr>
-            <a:r>
-              <a:rPr lang="en-US" dirty="0"/>
-              <a:t>Allowed to communicate with the API server</a:t>
-            </a:r>
-          </a:p>
-          <a:p>
-            <a:pPr marL="342900" indent="-342900">
-              <a:buFont typeface="Wingdings" panose="05000000000000000000" pitchFamily="2" charset="2"/>
-              <a:buChar char="§"/>
-            </a:pPr>
-            <a:r>
-              <a:rPr lang="en-US" dirty="0"/>
-              <a:t>Provide identity for pods</a:t>
-            </a:r>
-          </a:p>
-          <a:p>
-            <a:pPr marL="342900" indent="-342900">
-              <a:buFont typeface="Wingdings" panose="05000000000000000000" pitchFamily="2" charset="2"/>
-              <a:buChar char="§"/>
-            </a:pPr>
-            <a:r>
-              <a:rPr lang="en-US" dirty="0"/>
-              <a:t>Pods can inherit permissions to access the API server or a registry (image pull secret)</a:t>
-            </a:r>
-          </a:p>
-        </p:txBody>
-      </p:sp>
-      <p:sp>
-        <p:nvSpPr>
-          <p:cNvPr id="7" name="Rectangle 6"/>
-          <p:cNvSpPr/>
-          <p:nvPr/>
-        </p:nvSpPr>
-        <p:spPr bwMode="gray">
-          <a:xfrm>
-            <a:off x="3169059" y="3966951"/>
-            <a:ext cx="1627931" cy="1156258"/>
-          </a:xfrm>
-          <a:prstGeom prst="rect">
-            <a:avLst/>
-          </a:prstGeom>
-          <a:ln>
-            <a:headEnd/>
-            <a:tailEnd/>
-          </a:ln>
-        </p:spPr>
-        <p:style>
-          <a:lnRef idx="2">
-            <a:schemeClr val="accent2"/>
-          </a:lnRef>
-          <a:fillRef idx="1">
-            <a:schemeClr val="lt1"/>
-          </a:fillRef>
-          <a:effectRef idx="0">
-            <a:schemeClr val="accent2"/>
-          </a:effectRef>
-          <a:fontRef idx="minor">
-            <a:schemeClr val="dk1"/>
-          </a:fontRef>
-        </p:style>
-        <p:txBody>
-          <a:bodyPr lIns="90000" tIns="72000" rIns="90000" bIns="72000" rtlCol="0" anchor="ctr"/>
-          <a:lstStyle/>
-          <a:p>
-            <a:pPr marR="0" algn="ctr" defTabSz="914400" eaLnBrk="1" fontAlgn="base" latinLnBrk="0" hangingPunct="1">
-              <a:lnSpc>
-                <a:spcPct val="100000"/>
-              </a:lnSpc>
-              <a:spcBef>
-                <a:spcPct val="50000"/>
-              </a:spcBef>
-              <a:spcAft>
-                <a:spcPct val="0"/>
-              </a:spcAft>
-              <a:buClr>
-                <a:srgbClr val="F0AB00"/>
-              </a:buClr>
-              <a:buSzPct val="80000"/>
-              <a:tabLst/>
-            </a:pPr>
-            <a:r>
-              <a:rPr lang="en-US" sz="1800" kern="0" dirty="0">
-                <a:ea typeface="Arial Unicode MS" pitchFamily="34" charset="-128"/>
-                <a:cs typeface="Arial Unicode MS" pitchFamily="34" charset="-128"/>
-              </a:rPr>
-              <a:t>service account</a:t>
-            </a:r>
-          </a:p>
-          <a:p>
-            <a:pPr marR="0" algn="ctr" defTabSz="914400" eaLnBrk="1" fontAlgn="base" latinLnBrk="0" hangingPunct="1">
-              <a:lnSpc>
-                <a:spcPct val="100000"/>
-              </a:lnSpc>
-              <a:spcBef>
-                <a:spcPct val="50000"/>
-              </a:spcBef>
-              <a:spcAft>
-                <a:spcPct val="0"/>
-              </a:spcAft>
-              <a:buClr>
-                <a:srgbClr val="F0AB00"/>
-              </a:buClr>
-              <a:buSzPct val="80000"/>
-              <a:tabLst/>
-            </a:pPr>
-            <a:r>
-              <a:rPr kumimoji="0" lang="en-US" sz="1800" b="0" i="0" u="none" strike="noStrike" kern="0" cap="none" spc="0" normalizeH="0" baseline="0" noProof="0" dirty="0">
-                <a:ln>
-                  <a:noFill/>
-                </a:ln>
-                <a:effectLst/>
-                <a:uLnTx/>
-                <a:uFillTx/>
-                <a:ea typeface="Arial Unicode MS" pitchFamily="34" charset="-128"/>
-                <a:cs typeface="Arial Unicode MS" pitchFamily="34" charset="-128"/>
-              </a:rPr>
-              <a:t>“default”</a:t>
-            </a:r>
-          </a:p>
-        </p:txBody>
-      </p:sp>
-      <p:sp>
-        <p:nvSpPr>
-          <p:cNvPr id="12" name="Rectangle 11"/>
-          <p:cNvSpPr/>
-          <p:nvPr/>
-        </p:nvSpPr>
-        <p:spPr bwMode="gray">
-          <a:xfrm>
-            <a:off x="6624394" y="3542373"/>
-            <a:ext cx="1062486" cy="806724"/>
-          </a:xfrm>
-          <a:prstGeom prst="rect">
-            <a:avLst/>
-          </a:prstGeom>
-          <a:ln>
-            <a:headEnd/>
-            <a:tailEnd/>
-          </a:ln>
-        </p:spPr>
-        <p:style>
-          <a:lnRef idx="2">
-            <a:schemeClr val="accent2"/>
-          </a:lnRef>
-          <a:fillRef idx="1">
-            <a:schemeClr val="lt1"/>
-          </a:fillRef>
-          <a:effectRef idx="0">
-            <a:schemeClr val="accent2"/>
-          </a:effectRef>
-          <a:fontRef idx="minor">
-            <a:schemeClr val="dk1"/>
-          </a:fontRef>
-        </p:style>
-        <p:txBody>
-          <a:bodyPr lIns="90000" tIns="72000" rIns="90000" bIns="72000" rtlCol="0" anchor="ctr"/>
-          <a:lstStyle/>
-          <a:p>
-            <a:pPr marR="0" algn="ctr" defTabSz="914400" eaLnBrk="1" fontAlgn="base" latinLnBrk="0" hangingPunct="1">
-              <a:lnSpc>
-                <a:spcPct val="100000"/>
-              </a:lnSpc>
-              <a:spcBef>
-                <a:spcPct val="50000"/>
-              </a:spcBef>
-              <a:spcAft>
-                <a:spcPct val="0"/>
-              </a:spcAft>
-              <a:buClr>
-                <a:srgbClr val="F0AB00"/>
-              </a:buClr>
-              <a:buSzPct val="80000"/>
-              <a:tabLst/>
-            </a:pPr>
-            <a:r>
-              <a:rPr lang="en-US" sz="1800" kern="0" noProof="0" dirty="0">
-                <a:ea typeface="Arial Unicode MS" pitchFamily="34" charset="-128"/>
-                <a:cs typeface="Arial Unicode MS" pitchFamily="34" charset="-128"/>
-              </a:rPr>
-              <a:t>Pod</a:t>
-            </a:r>
-            <a:r>
-              <a:rPr lang="en-US" sz="1800" kern="0" dirty="0">
-                <a:ea typeface="Arial Unicode MS" pitchFamily="34" charset="-128"/>
-                <a:cs typeface="Arial Unicode MS" pitchFamily="34" charset="-128"/>
-              </a:rPr>
-              <a:t> A</a:t>
-            </a:r>
-            <a:endParaRPr kumimoji="0" lang="en-US" sz="1800" b="0" i="0" u="none" strike="noStrike" kern="0" cap="none" spc="0" normalizeH="0" baseline="0" noProof="0" dirty="0">
-              <a:ln>
-                <a:noFill/>
-              </a:ln>
-              <a:effectLst/>
-              <a:uLnTx/>
-              <a:uFillTx/>
-              <a:ea typeface="Arial Unicode MS" pitchFamily="34" charset="-128"/>
-              <a:cs typeface="Arial Unicode MS" pitchFamily="34" charset="-128"/>
-            </a:endParaRPr>
-          </a:p>
-        </p:txBody>
-      </p:sp>
-      <p:sp>
-        <p:nvSpPr>
-          <p:cNvPr id="14" name="Rectangle 13"/>
-          <p:cNvSpPr/>
-          <p:nvPr/>
-        </p:nvSpPr>
-        <p:spPr bwMode="gray">
-          <a:xfrm>
-            <a:off x="6624394" y="5477853"/>
-            <a:ext cx="1062486" cy="806724"/>
-          </a:xfrm>
-          <a:prstGeom prst="rect">
-            <a:avLst/>
-          </a:prstGeom>
-          <a:ln>
-            <a:headEnd/>
-            <a:tailEnd/>
-          </a:ln>
-        </p:spPr>
-        <p:style>
-          <a:lnRef idx="2">
-            <a:schemeClr val="accent2"/>
-          </a:lnRef>
-          <a:fillRef idx="1">
-            <a:schemeClr val="lt1"/>
-          </a:fillRef>
-          <a:effectRef idx="0">
-            <a:schemeClr val="accent2"/>
-          </a:effectRef>
-          <a:fontRef idx="minor">
-            <a:schemeClr val="dk1"/>
-          </a:fontRef>
-        </p:style>
-        <p:txBody>
-          <a:bodyPr lIns="90000" tIns="72000" rIns="90000" bIns="72000" rtlCol="0" anchor="ctr"/>
-          <a:lstStyle/>
-          <a:p>
-            <a:pPr marR="0" algn="ctr" defTabSz="914400" eaLnBrk="1" fontAlgn="base" latinLnBrk="0" hangingPunct="1">
-              <a:lnSpc>
-                <a:spcPct val="100000"/>
-              </a:lnSpc>
-              <a:spcBef>
-                <a:spcPct val="50000"/>
-              </a:spcBef>
-              <a:spcAft>
-                <a:spcPct val="0"/>
-              </a:spcAft>
-              <a:buClr>
-                <a:srgbClr val="F0AB00"/>
-              </a:buClr>
-              <a:buSzPct val="80000"/>
-              <a:tabLst/>
-            </a:pPr>
-            <a:r>
-              <a:rPr lang="en-US" sz="1800" kern="0" noProof="0" dirty="0">
-                <a:ea typeface="Arial Unicode MS" pitchFamily="34" charset="-128"/>
-                <a:cs typeface="Arial Unicode MS" pitchFamily="34" charset="-128"/>
-              </a:rPr>
-              <a:t>Pod</a:t>
-            </a:r>
-            <a:r>
-              <a:rPr lang="en-US" sz="1800" kern="0" dirty="0">
-                <a:ea typeface="Arial Unicode MS" pitchFamily="34" charset="-128"/>
-                <a:cs typeface="Arial Unicode MS" pitchFamily="34" charset="-128"/>
-              </a:rPr>
-              <a:t> B</a:t>
-            </a:r>
-            <a:endParaRPr kumimoji="0" lang="en-US" sz="1800" b="0" i="0" u="none" strike="noStrike" kern="0" cap="none" spc="0" normalizeH="0" baseline="0" noProof="0" dirty="0">
-              <a:ln>
-                <a:noFill/>
-              </a:ln>
-              <a:effectLst/>
-              <a:uLnTx/>
-              <a:uFillTx/>
-              <a:ea typeface="Arial Unicode MS" pitchFamily="34" charset="-128"/>
-              <a:cs typeface="Arial Unicode MS" pitchFamily="34" charset="-128"/>
-            </a:endParaRPr>
-          </a:p>
-        </p:txBody>
-      </p:sp>
-      <p:cxnSp>
-        <p:nvCxnSpPr>
-          <p:cNvPr id="16" name="Straight Arrow Connector 15"/>
-          <p:cNvCxnSpPr>
-            <a:stCxn id="7" idx="3"/>
-            <a:endCxn id="12" idx="1"/>
-          </p:cNvCxnSpPr>
-          <p:nvPr/>
-        </p:nvCxnSpPr>
-        <p:spPr>
-          <a:xfrm flipV="1">
-            <a:off x="4796990" y="3945735"/>
-            <a:ext cx="1827404" cy="599345"/>
-          </a:xfrm>
-          <a:prstGeom prst="straightConnector1">
-            <a:avLst/>
-          </a:prstGeom>
-          <a:ln w="38100">
-            <a:solidFill>
-              <a:schemeClr val="tx2">
-                <a:lumMod val="60000"/>
-                <a:lumOff val="40000"/>
-              </a:schemeClr>
-            </a:solidFill>
-            <a:headEnd type="none" w="med" len="med"/>
-            <a:tailEnd type="triangle"/>
-          </a:ln>
-        </p:spPr>
-        <p:style>
-          <a:lnRef idx="1">
-            <a:schemeClr val="accent1"/>
-          </a:lnRef>
-          <a:fillRef idx="0">
-            <a:schemeClr val="accent1"/>
-          </a:fillRef>
-          <a:effectRef idx="0">
-            <a:schemeClr val="accent1"/>
-          </a:effectRef>
-          <a:fontRef idx="minor">
-            <a:schemeClr val="tx1"/>
-          </a:fontRef>
-        </p:style>
-      </p:cxnSp>
-      <p:cxnSp>
-        <p:nvCxnSpPr>
-          <p:cNvPr id="17" name="Straight Arrow Connector 16"/>
-          <p:cNvCxnSpPr>
-            <a:stCxn id="7" idx="3"/>
-            <a:endCxn id="14" idx="1"/>
-          </p:cNvCxnSpPr>
-          <p:nvPr/>
-        </p:nvCxnSpPr>
-        <p:spPr>
-          <a:xfrm>
-            <a:off x="4796990" y="4545080"/>
-            <a:ext cx="1827404" cy="1336135"/>
-          </a:xfrm>
-          <a:prstGeom prst="straightConnector1">
-            <a:avLst/>
-          </a:prstGeom>
-          <a:ln w="38100">
-            <a:solidFill>
-              <a:schemeClr val="tx2">
-                <a:lumMod val="60000"/>
-                <a:lumOff val="40000"/>
-              </a:schemeClr>
-            </a:solidFill>
-            <a:headEnd type="none" w="med" len="med"/>
-            <a:tailEnd type="triangle"/>
-          </a:ln>
-        </p:spPr>
-        <p:style>
-          <a:lnRef idx="1">
-            <a:schemeClr val="accent1"/>
-          </a:lnRef>
-          <a:fillRef idx="0">
-            <a:schemeClr val="accent1"/>
-          </a:fillRef>
-          <a:effectRef idx="0">
-            <a:schemeClr val="accent1"/>
-          </a:effectRef>
-          <a:fontRef idx="minor">
-            <a:schemeClr val="tx1"/>
-          </a:fontRef>
-        </p:style>
-      </p:cxnSp>
-      <p:sp>
-        <p:nvSpPr>
-          <p:cNvPr id="22" name="Cylinder 21"/>
-          <p:cNvSpPr/>
-          <p:nvPr/>
-        </p:nvSpPr>
-        <p:spPr bwMode="gray">
-          <a:xfrm>
-            <a:off x="3481540" y="5500723"/>
-            <a:ext cx="1002967" cy="812920"/>
-          </a:xfrm>
-          <a:prstGeom prst="can">
-            <a:avLst/>
-          </a:prstGeom>
-          <a:ln>
-            <a:headEnd/>
-            <a:tailEnd/>
-          </a:ln>
-        </p:spPr>
-        <p:style>
-          <a:lnRef idx="2">
-            <a:schemeClr val="accent2"/>
-          </a:lnRef>
-          <a:fillRef idx="1">
-            <a:schemeClr val="lt1"/>
-          </a:fillRef>
-          <a:effectRef idx="0">
-            <a:schemeClr val="accent2"/>
-          </a:effectRef>
-          <a:fontRef idx="minor">
-            <a:schemeClr val="dk1"/>
-          </a:fontRef>
-        </p:style>
-        <p:txBody>
-          <a:bodyPr lIns="90000" tIns="72000" rIns="90000" bIns="72000" rtlCol="0" anchor="ctr"/>
-          <a:lstStyle/>
-          <a:p>
-            <a:pPr marR="0" algn="ctr" defTabSz="914400" eaLnBrk="1" fontAlgn="base" latinLnBrk="0" hangingPunct="1">
-              <a:lnSpc>
-                <a:spcPct val="100000"/>
-              </a:lnSpc>
-              <a:spcBef>
-                <a:spcPct val="50000"/>
-              </a:spcBef>
-              <a:spcAft>
-                <a:spcPct val="0"/>
-              </a:spcAft>
-              <a:buClr>
-                <a:srgbClr val="F0AB00"/>
-              </a:buClr>
-              <a:buSzPct val="80000"/>
-              <a:tabLst/>
-            </a:pPr>
-            <a:r>
-              <a:rPr lang="en-US" sz="1800" kern="0" dirty="0">
-                <a:ea typeface="Arial Unicode MS" pitchFamily="34" charset="-128"/>
-                <a:cs typeface="Arial Unicode MS" pitchFamily="34" charset="-128"/>
-              </a:rPr>
-              <a:t>secrets</a:t>
-            </a:r>
-            <a:endParaRPr kumimoji="0" lang="en-US" sz="1800" b="0" i="0" u="none" strike="noStrike" kern="0" cap="none" spc="0" normalizeH="0" baseline="0" noProof="0" dirty="0">
-              <a:ln>
-                <a:noFill/>
-              </a:ln>
-              <a:effectLst/>
-              <a:uLnTx/>
-              <a:uFillTx/>
-              <a:ea typeface="Arial Unicode MS" pitchFamily="34" charset="-128"/>
-              <a:cs typeface="Arial Unicode MS" pitchFamily="34" charset="-128"/>
-            </a:endParaRPr>
-          </a:p>
-        </p:txBody>
-      </p:sp>
-      <p:cxnSp>
-        <p:nvCxnSpPr>
-          <p:cNvPr id="24" name="Straight Arrow Connector 23"/>
-          <p:cNvCxnSpPr>
-            <a:stCxn id="22" idx="1"/>
-            <a:endCxn id="7" idx="2"/>
-          </p:cNvCxnSpPr>
-          <p:nvPr/>
-        </p:nvCxnSpPr>
-        <p:spPr>
-          <a:xfrm flipV="1">
-            <a:off x="3983024" y="5123209"/>
-            <a:ext cx="1" cy="377514"/>
-          </a:xfrm>
-          <a:prstGeom prst="straightConnector1">
-            <a:avLst/>
-          </a:prstGeom>
-          <a:ln w="38100">
-            <a:solidFill>
-              <a:schemeClr val="tx2">
-                <a:lumMod val="60000"/>
-                <a:lumOff val="40000"/>
-              </a:schemeClr>
-            </a:solidFill>
-            <a:headEnd type="none" w="med" len="med"/>
-            <a:tailEnd type="triangle"/>
-          </a:ln>
-        </p:spPr>
-        <p:style>
-          <a:lnRef idx="1">
-            <a:schemeClr val="accent1"/>
-          </a:lnRef>
-          <a:fillRef idx="0">
-            <a:schemeClr val="accent1"/>
-          </a:fillRef>
-          <a:effectRef idx="0">
-            <a:schemeClr val="accent1"/>
-          </a:effectRef>
-          <a:fontRef idx="minor">
-            <a:schemeClr val="tx1"/>
-          </a:fontRef>
-        </p:style>
-      </p:cxnSp>
-    </p:spTree>
-    <p:extLst>
-      <p:ext uri="{BB962C8B-B14F-4D97-AF65-F5344CB8AC3E}">
-        <p14:creationId xmlns:p14="http://schemas.microsoft.com/office/powerpoint/2010/main" val="864191870"/>
-      </p:ext>
-    </p:extLst>
-  </p:cSld>
-  <p:clrMapOvr>
-    <a:masterClrMapping/>
-  </p:clrMapOvr>
-</p:sld>
-</file>
-
-<file path=ppt/slides/slide3.xml><?xml version="1.0" encoding="utf-8"?>
-<p:sld xmlns:a="http://schemas.openxmlformats.org/drawingml/2006/main" xmlns:r="http://schemas.openxmlformats.org/officeDocument/2006/relationships" xmlns:p="http://schemas.openxmlformats.org/presentationml/2006/main">
-  <p:cSld>
-    <p:spTree>
-      <p:nvGrpSpPr>
-        <p:cNvPr id="1" name=""/>
-        <p:cNvGrpSpPr/>
-        <p:nvPr/>
-      </p:nvGrpSpPr>
-      <p:grpSpPr>
-        <a:xfrm>
-          <a:off x="0" y="0"/>
-          <a:ext cx="0" cy="0"/>
-          <a:chOff x="0" y="0"/>
-          <a:chExt cx="0" cy="0"/>
-        </a:xfrm>
-      </p:grpSpPr>
-      <p:sp>
-        <p:nvSpPr>
-          <p:cNvPr id="13" name="Rectangle 12"/>
-          <p:cNvSpPr/>
-          <p:nvPr/>
-        </p:nvSpPr>
-        <p:spPr bwMode="gray">
-          <a:xfrm>
-            <a:off x="2171701" y="3185160"/>
-            <a:ext cx="6179820" cy="3303743"/>
-          </a:xfrm>
-          <a:prstGeom prst="rect">
-            <a:avLst/>
-          </a:prstGeom>
-          <a:ln>
-            <a:headEnd/>
-            <a:tailEnd/>
-          </a:ln>
-        </p:spPr>
-        <p:style>
-          <a:lnRef idx="2">
-            <a:schemeClr val="accent2">
-              <a:shade val="50000"/>
-            </a:schemeClr>
-          </a:lnRef>
-          <a:fillRef idx="1">
-            <a:schemeClr val="accent2"/>
-          </a:fillRef>
-          <a:effectRef idx="0">
-            <a:schemeClr val="accent2"/>
-          </a:effectRef>
-          <a:fontRef idx="minor">
-            <a:schemeClr val="lt1"/>
-          </a:fontRef>
-        </p:style>
-        <p:txBody>
-          <a:bodyPr lIns="90000" tIns="72000" rIns="90000" bIns="72000" rtlCol="0" anchor="t"/>
-          <a:lstStyle/>
-          <a:p>
-            <a:pPr marR="0" algn="ctr" defTabSz="914400" eaLnBrk="1" fontAlgn="base" latinLnBrk="0" hangingPunct="1">
-              <a:lnSpc>
-                <a:spcPct val="100000"/>
-              </a:lnSpc>
-              <a:spcBef>
-                <a:spcPct val="50000"/>
-              </a:spcBef>
-              <a:spcAft>
-                <a:spcPct val="0"/>
-              </a:spcAft>
-              <a:buClr>
-                <a:srgbClr val="F0AB00"/>
-              </a:buClr>
-              <a:buSzPct val="80000"/>
-              <a:tabLst/>
-            </a:pPr>
-            <a:r>
-              <a:rPr lang="en-US" sz="1600" b="1" kern="0" dirty="0">
-                <a:ea typeface="Arial Unicode MS" pitchFamily="34" charset="-128"/>
-                <a:cs typeface="Arial Unicode MS" pitchFamily="34" charset="-128"/>
-              </a:rPr>
-              <a:t>Namespace</a:t>
-            </a:r>
-            <a:endParaRPr kumimoji="0" lang="en-US" sz="1600" b="1" i="0" u="none" strike="noStrike" kern="0" cap="none" spc="0" normalizeH="0" baseline="0" noProof="0" dirty="0">
-              <a:ln>
-                <a:noFill/>
-              </a:ln>
-              <a:effectLst/>
-              <a:uLnTx/>
-              <a:uFillTx/>
-              <a:ea typeface="Arial Unicode MS" pitchFamily="34" charset="-128"/>
-              <a:cs typeface="Arial Unicode MS" pitchFamily="34" charset="-128"/>
-            </a:endParaRPr>
-          </a:p>
-        </p:txBody>
-      </p:sp>
-      <p:sp>
-        <p:nvSpPr>
-          <p:cNvPr id="2" name="Title 1"/>
-          <p:cNvSpPr>
-            <a:spLocks noGrp="1"/>
-          </p:cNvSpPr>
-          <p:nvPr>
-            <p:ph type="title"/>
-          </p:nvPr>
-        </p:nvSpPr>
-        <p:spPr/>
-        <p:txBody>
-          <a:bodyPr/>
-          <a:lstStyle/>
-          <a:p>
-            <a:r>
-              <a:rPr lang="en-US" dirty="0"/>
-              <a:t>Role based authorization (RBAC)</a:t>
-            </a:r>
-          </a:p>
-        </p:txBody>
-      </p:sp>
-      <p:sp>
-        <p:nvSpPr>
-          <p:cNvPr id="8" name="Rectangle 7"/>
-          <p:cNvSpPr/>
-          <p:nvPr/>
-        </p:nvSpPr>
-        <p:spPr>
-          <a:xfrm>
-            <a:off x="504000" y="1223190"/>
-            <a:ext cx="10918380" cy="1384995"/>
-          </a:xfrm>
-          <a:prstGeom prst="rect">
-            <a:avLst/>
-          </a:prstGeom>
-        </p:spPr>
-        <p:txBody>
-          <a:bodyPr wrap="square">
-            <a:spAutoFit/>
-          </a:bodyPr>
-          <a:lstStyle/>
-          <a:p>
-            <a:pPr marL="342900" indent="-342900">
-              <a:buFont typeface="Wingdings" panose="05000000000000000000" pitchFamily="2" charset="2"/>
-              <a:buChar char="§"/>
-            </a:pPr>
-            <a:r>
-              <a:rPr lang="en-US" dirty="0"/>
-              <a:t>roles define which </a:t>
-            </a:r>
-            <a:r>
-              <a:rPr lang="en-US" dirty="0" err="1"/>
-              <a:t>api’s</a:t>
-            </a:r>
-            <a:r>
-              <a:rPr lang="en-US" dirty="0"/>
-              <a:t> / resources can be accessed in which way</a:t>
-            </a:r>
-          </a:p>
-          <a:p>
-            <a:pPr marL="342900" indent="-342900">
-              <a:buFont typeface="Wingdings" panose="05000000000000000000" pitchFamily="2" charset="2"/>
-              <a:buChar char="§"/>
-            </a:pPr>
-            <a:r>
-              <a:rPr lang="en-US" dirty="0"/>
-              <a:t>Roles can be assigned to service accounts</a:t>
-            </a:r>
-          </a:p>
-          <a:p>
-            <a:pPr marL="342900" indent="-342900">
-              <a:buFont typeface="Wingdings" panose="05000000000000000000" pitchFamily="2" charset="2"/>
-              <a:buChar char="§"/>
-            </a:pPr>
-            <a:r>
-              <a:rPr lang="en-US" dirty="0"/>
-              <a:t>Roles are pre-configured or custom defined</a:t>
-            </a:r>
-          </a:p>
-          <a:p>
-            <a:pPr marL="342900" indent="-342900">
-              <a:buFont typeface="Wingdings" panose="05000000000000000000" pitchFamily="2" charset="2"/>
-              <a:buChar char="§"/>
-            </a:pPr>
-            <a:r>
-              <a:rPr lang="en-US" dirty="0"/>
-              <a:t>Bindings: cluster-wide or restricted to namespace </a:t>
-            </a:r>
-          </a:p>
-        </p:txBody>
-      </p:sp>
-      <p:sp>
-        <p:nvSpPr>
-          <p:cNvPr id="7" name="Rectangle 6"/>
-          <p:cNvSpPr/>
-          <p:nvPr/>
-        </p:nvSpPr>
-        <p:spPr bwMode="gray">
-          <a:xfrm>
-            <a:off x="3230020" y="4349097"/>
-            <a:ext cx="1315448" cy="774112"/>
-          </a:xfrm>
-          <a:prstGeom prst="rect">
-            <a:avLst/>
-          </a:prstGeom>
-          <a:ln>
-            <a:headEnd/>
-            <a:tailEnd/>
-          </a:ln>
-        </p:spPr>
-        <p:style>
-          <a:lnRef idx="2">
-            <a:schemeClr val="accent2"/>
-          </a:lnRef>
-          <a:fillRef idx="1">
-            <a:schemeClr val="lt1"/>
-          </a:fillRef>
-          <a:effectRef idx="0">
-            <a:schemeClr val="accent2"/>
-          </a:effectRef>
-          <a:fontRef idx="minor">
-            <a:schemeClr val="dk1"/>
-          </a:fontRef>
-        </p:style>
-        <p:txBody>
-          <a:bodyPr lIns="90000" tIns="72000" rIns="90000" bIns="72000" rtlCol="0" anchor="ctr"/>
-          <a:lstStyle/>
-          <a:p>
-            <a:pPr marR="0" algn="ctr" defTabSz="914400" eaLnBrk="1" fontAlgn="base" latinLnBrk="0" hangingPunct="1">
-              <a:lnSpc>
-                <a:spcPct val="100000"/>
-              </a:lnSpc>
-              <a:spcBef>
-                <a:spcPct val="50000"/>
-              </a:spcBef>
-              <a:spcAft>
-                <a:spcPct val="0"/>
-              </a:spcAft>
-              <a:buClr>
-                <a:srgbClr val="F0AB00"/>
-              </a:buClr>
-              <a:buSzPct val="80000"/>
-              <a:tabLst/>
-            </a:pPr>
-            <a:r>
-              <a:rPr lang="en-US" sz="1800" kern="0" dirty="0">
-                <a:ea typeface="Arial Unicode MS" pitchFamily="34" charset="-128"/>
-                <a:cs typeface="Arial Unicode MS" pitchFamily="34" charset="-128"/>
-              </a:rPr>
-              <a:t>Role binding</a:t>
-            </a:r>
-            <a:endParaRPr kumimoji="0" lang="en-US" sz="1800" b="0" i="0" u="none" strike="noStrike" kern="0" cap="none" spc="0" normalizeH="0" baseline="0" noProof="0" dirty="0">
-              <a:ln>
-                <a:noFill/>
-              </a:ln>
-              <a:effectLst/>
-              <a:uLnTx/>
-              <a:uFillTx/>
-              <a:ea typeface="Arial Unicode MS" pitchFamily="34" charset="-128"/>
-              <a:cs typeface="Arial Unicode MS" pitchFamily="34" charset="-128"/>
-            </a:endParaRPr>
-          </a:p>
-        </p:txBody>
-      </p:sp>
-      <p:sp>
-        <p:nvSpPr>
-          <p:cNvPr id="12" name="Rectangle 11"/>
-          <p:cNvSpPr/>
-          <p:nvPr/>
-        </p:nvSpPr>
-        <p:spPr bwMode="gray">
-          <a:xfrm>
-            <a:off x="6624394" y="3542373"/>
-            <a:ext cx="1062486" cy="806724"/>
-          </a:xfrm>
-          <a:prstGeom prst="rect">
-            <a:avLst/>
-          </a:prstGeom>
-          <a:ln>
-            <a:headEnd/>
-            <a:tailEnd/>
-          </a:ln>
-        </p:spPr>
-        <p:style>
-          <a:lnRef idx="2">
-            <a:schemeClr val="accent2"/>
-          </a:lnRef>
-          <a:fillRef idx="1">
-            <a:schemeClr val="lt1"/>
-          </a:fillRef>
-          <a:effectRef idx="0">
-            <a:schemeClr val="accent2"/>
-          </a:effectRef>
-          <a:fontRef idx="minor">
-            <a:schemeClr val="dk1"/>
-          </a:fontRef>
-        </p:style>
-        <p:txBody>
-          <a:bodyPr lIns="90000" tIns="72000" rIns="90000" bIns="72000" rtlCol="0" anchor="ctr"/>
-          <a:lstStyle/>
-          <a:p>
-            <a:pPr marR="0" algn="ctr" defTabSz="914400" eaLnBrk="1" fontAlgn="base" latinLnBrk="0" hangingPunct="1">
-              <a:lnSpc>
-                <a:spcPct val="100000"/>
-              </a:lnSpc>
-              <a:spcBef>
-                <a:spcPct val="50000"/>
-              </a:spcBef>
-              <a:spcAft>
-                <a:spcPct val="0"/>
-              </a:spcAft>
-              <a:buClr>
-                <a:srgbClr val="F0AB00"/>
-              </a:buClr>
-              <a:buSzPct val="80000"/>
-              <a:tabLst/>
-            </a:pPr>
-            <a:r>
-              <a:rPr lang="en-US" sz="1800" kern="0" noProof="0" dirty="0">
-                <a:ea typeface="Arial Unicode MS" pitchFamily="34" charset="-128"/>
-                <a:cs typeface="Arial Unicode MS" pitchFamily="34" charset="-128"/>
-              </a:rPr>
-              <a:t>Pod</a:t>
-            </a:r>
-            <a:r>
-              <a:rPr lang="en-US" sz="1800" kern="0" dirty="0">
-                <a:ea typeface="Arial Unicode MS" pitchFamily="34" charset="-128"/>
-                <a:cs typeface="Arial Unicode MS" pitchFamily="34" charset="-128"/>
-              </a:rPr>
-              <a:t> A</a:t>
-            </a:r>
-            <a:endParaRPr kumimoji="0" lang="en-US" sz="1800" b="0" i="0" u="none" strike="noStrike" kern="0" cap="none" spc="0" normalizeH="0" baseline="0" noProof="0" dirty="0">
-              <a:ln>
-                <a:noFill/>
-              </a:ln>
-              <a:effectLst/>
-              <a:uLnTx/>
-              <a:uFillTx/>
-              <a:ea typeface="Arial Unicode MS" pitchFamily="34" charset="-128"/>
-              <a:cs typeface="Arial Unicode MS" pitchFamily="34" charset="-128"/>
-            </a:endParaRPr>
-          </a:p>
-        </p:txBody>
-      </p:sp>
-      <p:sp>
-        <p:nvSpPr>
-          <p:cNvPr id="14" name="Rectangle 13"/>
-          <p:cNvSpPr/>
-          <p:nvPr/>
-        </p:nvSpPr>
-        <p:spPr bwMode="gray">
-          <a:xfrm>
-            <a:off x="6624394" y="5477853"/>
-            <a:ext cx="1062486" cy="806724"/>
-          </a:xfrm>
-          <a:prstGeom prst="rect">
-            <a:avLst/>
-          </a:prstGeom>
-          <a:ln>
-            <a:headEnd/>
-            <a:tailEnd/>
-          </a:ln>
-        </p:spPr>
-        <p:style>
-          <a:lnRef idx="2">
-            <a:schemeClr val="accent2"/>
-          </a:lnRef>
-          <a:fillRef idx="1">
-            <a:schemeClr val="lt1"/>
-          </a:fillRef>
-          <a:effectRef idx="0">
-            <a:schemeClr val="accent2"/>
-          </a:effectRef>
-          <a:fontRef idx="minor">
-            <a:schemeClr val="dk1"/>
-          </a:fontRef>
-        </p:style>
-        <p:txBody>
-          <a:bodyPr lIns="90000" tIns="72000" rIns="90000" bIns="72000" rtlCol="0" anchor="ctr"/>
-          <a:lstStyle/>
-          <a:p>
-            <a:pPr marR="0" algn="ctr" defTabSz="914400" eaLnBrk="1" fontAlgn="base" latinLnBrk="0" hangingPunct="1">
-              <a:lnSpc>
-                <a:spcPct val="100000"/>
-              </a:lnSpc>
-              <a:spcBef>
-                <a:spcPct val="50000"/>
-              </a:spcBef>
-              <a:spcAft>
-                <a:spcPct val="0"/>
-              </a:spcAft>
-              <a:buClr>
-                <a:srgbClr val="F0AB00"/>
-              </a:buClr>
-              <a:buSzPct val="80000"/>
-              <a:tabLst/>
-            </a:pPr>
-            <a:r>
-              <a:rPr lang="en-US" sz="1800" kern="0" noProof="0" dirty="0">
-                <a:ea typeface="Arial Unicode MS" pitchFamily="34" charset="-128"/>
-                <a:cs typeface="Arial Unicode MS" pitchFamily="34" charset="-128"/>
-              </a:rPr>
-              <a:t>Secret </a:t>
-            </a:r>
-            <a:r>
-              <a:rPr lang="en-US" sz="1800" kern="0" dirty="0">
-                <a:ea typeface="Arial Unicode MS" pitchFamily="34" charset="-128"/>
-                <a:cs typeface="Arial Unicode MS" pitchFamily="34" charset="-128"/>
-              </a:rPr>
-              <a:t>A</a:t>
-            </a:r>
-            <a:endParaRPr kumimoji="0" lang="en-US" sz="1800" b="0" i="0" u="none" strike="noStrike" kern="0" cap="none" spc="0" normalizeH="0" baseline="0" noProof="0" dirty="0">
-              <a:ln>
-                <a:noFill/>
-              </a:ln>
-              <a:effectLst/>
-              <a:uLnTx/>
-              <a:uFillTx/>
-              <a:ea typeface="Arial Unicode MS" pitchFamily="34" charset="-128"/>
-              <a:cs typeface="Arial Unicode MS" pitchFamily="34" charset="-128"/>
-            </a:endParaRPr>
-          </a:p>
-        </p:txBody>
-      </p:sp>
-      <p:cxnSp>
-        <p:nvCxnSpPr>
-          <p:cNvPr id="16" name="Straight Arrow Connector 15"/>
-          <p:cNvCxnSpPr>
-            <a:stCxn id="25" idx="1"/>
-            <a:endCxn id="7" idx="0"/>
-          </p:cNvCxnSpPr>
-          <p:nvPr/>
-        </p:nvCxnSpPr>
-        <p:spPr>
-          <a:xfrm>
-            <a:off x="3261598" y="4006198"/>
-            <a:ext cx="626146" cy="342899"/>
-          </a:xfrm>
-          <a:prstGeom prst="straightConnector1">
-            <a:avLst/>
-          </a:prstGeom>
-          <a:ln w="38100">
-            <a:solidFill>
-              <a:schemeClr val="tx2">
-                <a:lumMod val="60000"/>
-                <a:lumOff val="40000"/>
-              </a:schemeClr>
-            </a:solidFill>
-            <a:headEnd type="none" w="med" len="med"/>
-            <a:tailEnd type="triangle"/>
-          </a:ln>
-        </p:spPr>
-        <p:style>
-          <a:lnRef idx="1">
-            <a:schemeClr val="accent1"/>
-          </a:lnRef>
-          <a:fillRef idx="0">
-            <a:schemeClr val="accent1"/>
-          </a:fillRef>
-          <a:effectRef idx="0">
-            <a:schemeClr val="accent1"/>
-          </a:effectRef>
-          <a:fontRef idx="minor">
-            <a:schemeClr val="tx1"/>
-          </a:fontRef>
-        </p:style>
-      </p:cxnSp>
-      <p:cxnSp>
-        <p:nvCxnSpPr>
-          <p:cNvPr id="17" name="Straight Arrow Connector 16"/>
-          <p:cNvCxnSpPr>
-            <a:stCxn id="7" idx="3"/>
-            <a:endCxn id="14" idx="1"/>
-          </p:cNvCxnSpPr>
-          <p:nvPr/>
-        </p:nvCxnSpPr>
-        <p:spPr>
-          <a:xfrm>
-            <a:off x="4545468" y="4736153"/>
-            <a:ext cx="2078926" cy="1145062"/>
-          </a:xfrm>
-          <a:prstGeom prst="straightConnector1">
-            <a:avLst/>
-          </a:prstGeom>
-          <a:ln w="38100">
-            <a:solidFill>
-              <a:schemeClr val="tx2">
-                <a:lumMod val="60000"/>
-                <a:lumOff val="40000"/>
-              </a:schemeClr>
-            </a:solidFill>
-            <a:headEnd type="none" w="med" len="med"/>
-            <a:tailEnd type="triangle"/>
-          </a:ln>
-        </p:spPr>
-        <p:style>
-          <a:lnRef idx="1">
-            <a:schemeClr val="accent1"/>
-          </a:lnRef>
-          <a:fillRef idx="0">
-            <a:schemeClr val="accent1"/>
-          </a:fillRef>
-          <a:effectRef idx="0">
-            <a:schemeClr val="accent1"/>
-          </a:effectRef>
-          <a:fontRef idx="minor">
-            <a:schemeClr val="tx1"/>
-          </a:fontRef>
-        </p:style>
-      </p:cxnSp>
-      <p:sp>
-        <p:nvSpPr>
-          <p:cNvPr id="22" name="Cylinder 21"/>
-          <p:cNvSpPr/>
-          <p:nvPr/>
-        </p:nvSpPr>
-        <p:spPr bwMode="gray">
-          <a:xfrm>
-            <a:off x="2765260" y="5500723"/>
-            <a:ext cx="1002967" cy="812920"/>
-          </a:xfrm>
-          <a:prstGeom prst="can">
-            <a:avLst/>
-          </a:prstGeom>
-          <a:ln>
-            <a:headEnd/>
-            <a:tailEnd/>
-          </a:ln>
-        </p:spPr>
-        <p:style>
-          <a:lnRef idx="2">
-            <a:schemeClr val="accent2"/>
-          </a:lnRef>
-          <a:fillRef idx="1">
-            <a:schemeClr val="lt1"/>
-          </a:fillRef>
-          <a:effectRef idx="0">
-            <a:schemeClr val="accent2"/>
-          </a:effectRef>
-          <a:fontRef idx="minor">
-            <a:schemeClr val="dk1"/>
-          </a:fontRef>
-        </p:style>
-        <p:txBody>
-          <a:bodyPr lIns="90000" tIns="72000" rIns="90000" bIns="72000" rtlCol="0" anchor="ctr"/>
-          <a:lstStyle/>
-          <a:p>
-            <a:pPr marR="0" algn="ctr" defTabSz="914400" eaLnBrk="1" fontAlgn="base" latinLnBrk="0" hangingPunct="1">
-              <a:lnSpc>
-                <a:spcPct val="100000"/>
-              </a:lnSpc>
-              <a:spcBef>
-                <a:spcPct val="50000"/>
-              </a:spcBef>
-              <a:spcAft>
-                <a:spcPct val="0"/>
-              </a:spcAft>
-              <a:buClr>
-                <a:srgbClr val="F0AB00"/>
-              </a:buClr>
-              <a:buSzPct val="80000"/>
-              <a:tabLst/>
-            </a:pPr>
-            <a:r>
-              <a:rPr lang="en-US" sz="1800" kern="0" dirty="0">
-                <a:ea typeface="Arial Unicode MS" pitchFamily="34" charset="-128"/>
-                <a:cs typeface="Arial Unicode MS" pitchFamily="34" charset="-128"/>
-              </a:rPr>
-              <a:t>role</a:t>
-            </a:r>
-            <a:endParaRPr kumimoji="0" lang="en-US" sz="1800" b="0" i="0" u="none" strike="noStrike" kern="0" cap="none" spc="0" normalizeH="0" baseline="0" noProof="0" dirty="0">
-              <a:ln>
-                <a:noFill/>
-              </a:ln>
-              <a:effectLst/>
-              <a:uLnTx/>
-              <a:uFillTx/>
-              <a:ea typeface="Arial Unicode MS" pitchFamily="34" charset="-128"/>
-              <a:cs typeface="Arial Unicode MS" pitchFamily="34" charset="-128"/>
-            </a:endParaRPr>
-          </a:p>
-        </p:txBody>
-      </p:sp>
-      <p:cxnSp>
-        <p:nvCxnSpPr>
-          <p:cNvPr id="24" name="Straight Arrow Connector 23"/>
-          <p:cNvCxnSpPr>
-            <a:stCxn id="22" idx="1"/>
-            <a:endCxn id="7" idx="2"/>
-          </p:cNvCxnSpPr>
-          <p:nvPr/>
-        </p:nvCxnSpPr>
-        <p:spPr>
-          <a:xfrm flipV="1">
-            <a:off x="3266744" y="5123209"/>
-            <a:ext cx="621000" cy="377514"/>
-          </a:xfrm>
-          <a:prstGeom prst="straightConnector1">
-            <a:avLst/>
-          </a:prstGeom>
-          <a:ln w="38100">
-            <a:solidFill>
-              <a:schemeClr val="tx2">
-                <a:lumMod val="60000"/>
-                <a:lumOff val="40000"/>
-              </a:schemeClr>
-            </a:solidFill>
-            <a:headEnd type="none" w="med" len="med"/>
-            <a:tailEnd type="triangle"/>
-          </a:ln>
-        </p:spPr>
-        <p:style>
-          <a:lnRef idx="1">
-            <a:schemeClr val="accent1"/>
-          </a:lnRef>
-          <a:fillRef idx="0">
-            <a:schemeClr val="accent1"/>
-          </a:fillRef>
-          <a:effectRef idx="0">
-            <a:schemeClr val="accent1"/>
-          </a:effectRef>
-          <a:fontRef idx="minor">
-            <a:schemeClr val="tx1"/>
-          </a:fontRef>
-        </p:style>
-      </p:cxnSp>
-      <p:pic>
-        <p:nvPicPr>
-          <p:cNvPr id="3" name="Picture 2"/>
-          <p:cNvPicPr>
-            <a:picLocks noChangeAspect="1"/>
-          </p:cNvPicPr>
-          <p:nvPr/>
-        </p:nvPicPr>
-        <p:blipFill>
-          <a:blip r:embed="rId3"/>
-          <a:stretch>
-            <a:fillRect/>
-          </a:stretch>
-        </p:blipFill>
-        <p:spPr>
-          <a:xfrm>
-            <a:off x="9032212" y="2746046"/>
-            <a:ext cx="1533333" cy="3742857"/>
-          </a:xfrm>
-          <a:prstGeom prst="rect">
-            <a:avLst/>
-          </a:prstGeom>
-        </p:spPr>
-      </p:pic>
-      <p:sp>
-        <p:nvSpPr>
-          <p:cNvPr id="25" name="Flowchart: Delay 24"/>
-          <p:cNvSpPr/>
-          <p:nvPr/>
-        </p:nvSpPr>
-        <p:spPr bwMode="gray">
-          <a:xfrm rot="16200000">
-            <a:off x="3083489" y="3675689"/>
-            <a:ext cx="356217" cy="304800"/>
-          </a:xfrm>
-          <a:prstGeom prst="flowChartDelay">
-            <a:avLst/>
-          </a:prstGeom>
-          <a:ln>
-            <a:headEnd/>
-            <a:tailEnd/>
-          </a:ln>
-        </p:spPr>
-        <p:style>
-          <a:lnRef idx="2">
-            <a:schemeClr val="accent2"/>
-          </a:lnRef>
-          <a:fillRef idx="1">
-            <a:schemeClr val="lt1"/>
-          </a:fillRef>
-          <a:effectRef idx="0">
-            <a:schemeClr val="accent2"/>
-          </a:effectRef>
-          <a:fontRef idx="minor">
-            <a:schemeClr val="dk1"/>
-          </a:fontRef>
-        </p:style>
-        <p:txBody>
-          <a:bodyPr lIns="90000" tIns="72000" rIns="90000" bIns="72000" rtlCol="0" anchor="ctr"/>
-          <a:lstStyle/>
-          <a:p>
-            <a:pPr marR="0" algn="ctr" defTabSz="914400" eaLnBrk="1" fontAlgn="base" latinLnBrk="0" hangingPunct="1">
-              <a:lnSpc>
-                <a:spcPct val="100000"/>
-              </a:lnSpc>
-              <a:spcBef>
-                <a:spcPct val="50000"/>
-              </a:spcBef>
-              <a:spcAft>
-                <a:spcPct val="0"/>
-              </a:spcAft>
-              <a:buClr>
-                <a:srgbClr val="F0AB00"/>
-              </a:buClr>
-              <a:buSzPct val="80000"/>
-              <a:tabLst/>
-            </a:pPr>
-            <a:endParaRPr kumimoji="0" lang="en-US" sz="1800" b="0" i="0" u="none" strike="noStrike" kern="0" cap="none" spc="0" normalizeH="0" baseline="0" noProof="0" dirty="0" err="1">
-              <a:ln>
-                <a:noFill/>
-              </a:ln>
-              <a:effectLst/>
-              <a:uLnTx/>
-              <a:uFillTx/>
-              <a:ea typeface="Arial Unicode MS" pitchFamily="34" charset="-128"/>
-              <a:cs typeface="Arial Unicode MS" pitchFamily="34" charset="-128"/>
-            </a:endParaRPr>
-          </a:p>
-        </p:txBody>
-      </p:sp>
-      <p:sp>
-        <p:nvSpPr>
-          <p:cNvPr id="26" name="Oval 25"/>
-          <p:cNvSpPr/>
-          <p:nvPr/>
-        </p:nvSpPr>
-        <p:spPr bwMode="gray">
-          <a:xfrm>
-            <a:off x="3127980" y="3345043"/>
-            <a:ext cx="249224" cy="289560"/>
-          </a:xfrm>
-          <a:prstGeom prst="ellipse">
-            <a:avLst/>
-          </a:prstGeom>
-          <a:ln>
-            <a:headEnd/>
-            <a:tailEnd/>
-          </a:ln>
-        </p:spPr>
-        <p:style>
-          <a:lnRef idx="2">
-            <a:schemeClr val="accent2"/>
-          </a:lnRef>
-          <a:fillRef idx="1">
-            <a:schemeClr val="lt1"/>
-          </a:fillRef>
-          <a:effectRef idx="0">
-            <a:schemeClr val="accent2"/>
-          </a:effectRef>
-          <a:fontRef idx="minor">
-            <a:schemeClr val="dk1"/>
-          </a:fontRef>
-        </p:style>
-        <p:txBody>
-          <a:bodyPr lIns="90000" tIns="72000" rIns="90000" bIns="72000" rtlCol="0" anchor="ctr"/>
-          <a:lstStyle/>
-          <a:p>
-            <a:pPr marR="0" algn="ctr" defTabSz="914400" eaLnBrk="1" fontAlgn="base" latinLnBrk="0" hangingPunct="1">
-              <a:lnSpc>
-                <a:spcPct val="100000"/>
-              </a:lnSpc>
-              <a:spcBef>
-                <a:spcPct val="50000"/>
-              </a:spcBef>
-              <a:spcAft>
-                <a:spcPct val="0"/>
-              </a:spcAft>
-              <a:buClr>
-                <a:srgbClr val="F0AB00"/>
-              </a:buClr>
-              <a:buSzPct val="80000"/>
-              <a:tabLst/>
-            </a:pPr>
-            <a:endParaRPr kumimoji="0" lang="en-US" sz="1800" b="0" i="0" u="none" strike="noStrike" kern="0" cap="none" spc="0" normalizeH="0" baseline="0" noProof="0" dirty="0" err="1">
-              <a:ln>
-                <a:noFill/>
-              </a:ln>
-              <a:effectLst/>
-              <a:uLnTx/>
-              <a:uFillTx/>
-              <a:ea typeface="Arial Unicode MS" pitchFamily="34" charset="-128"/>
-              <a:cs typeface="Arial Unicode MS" pitchFamily="34" charset="-128"/>
-            </a:endParaRPr>
-          </a:p>
-        </p:txBody>
-      </p:sp>
-      <p:cxnSp>
-        <p:nvCxnSpPr>
-          <p:cNvPr id="27" name="Straight Arrow Connector 26"/>
-          <p:cNvCxnSpPr>
-            <a:stCxn id="7" idx="3"/>
-          </p:cNvCxnSpPr>
-          <p:nvPr/>
-        </p:nvCxnSpPr>
-        <p:spPr>
-          <a:xfrm flipV="1">
-            <a:off x="4545468" y="4098135"/>
-            <a:ext cx="2231326" cy="638018"/>
-          </a:xfrm>
-          <a:prstGeom prst="straightConnector1">
-            <a:avLst/>
-          </a:prstGeom>
-          <a:ln w="38100">
-            <a:solidFill>
-              <a:schemeClr val="tx2">
-                <a:lumMod val="60000"/>
-                <a:lumOff val="40000"/>
-              </a:schemeClr>
-            </a:solidFill>
-            <a:headEnd type="none" w="med" len="med"/>
-            <a:tailEnd type="triangle"/>
-          </a:ln>
-        </p:spPr>
-        <p:style>
-          <a:lnRef idx="1">
-            <a:schemeClr val="accent1"/>
-          </a:lnRef>
-          <a:fillRef idx="0">
-            <a:schemeClr val="accent1"/>
-          </a:fillRef>
-          <a:effectRef idx="0">
-            <a:schemeClr val="accent1"/>
-          </a:effectRef>
-          <a:fontRef idx="minor">
-            <a:schemeClr val="tx1"/>
-          </a:fontRef>
-        </p:style>
-      </p:cxnSp>
-      <p:sp>
-        <p:nvSpPr>
-          <p:cNvPr id="36" name="Lightning Bolt 35"/>
-          <p:cNvSpPr/>
-          <p:nvPr/>
-        </p:nvSpPr>
-        <p:spPr bwMode="gray">
-          <a:xfrm>
-            <a:off x="5226159" y="4869699"/>
-            <a:ext cx="436108" cy="877969"/>
-          </a:xfrm>
-          <a:prstGeom prst="lightningBolt">
-            <a:avLst/>
-          </a:prstGeom>
-          <a:ln>
-            <a:headEnd/>
-            <a:tailEnd/>
-          </a:ln>
-        </p:spPr>
-        <p:style>
-          <a:lnRef idx="2">
-            <a:schemeClr val="accent5">
-              <a:shade val="50000"/>
-            </a:schemeClr>
-          </a:lnRef>
-          <a:fillRef idx="1">
-            <a:schemeClr val="accent5"/>
-          </a:fillRef>
-          <a:effectRef idx="0">
-            <a:schemeClr val="accent5"/>
-          </a:effectRef>
-          <a:fontRef idx="minor">
-            <a:schemeClr val="lt1"/>
-          </a:fontRef>
-        </p:style>
-        <p:txBody>
-          <a:bodyPr lIns="90000" tIns="72000" rIns="90000" bIns="72000" rtlCol="0" anchor="ctr"/>
-          <a:lstStyle/>
-          <a:p>
-            <a:pPr marR="0" algn="ctr" defTabSz="914400" eaLnBrk="1" fontAlgn="base" latinLnBrk="0" hangingPunct="1">
-              <a:lnSpc>
-                <a:spcPct val="100000"/>
-              </a:lnSpc>
-              <a:spcBef>
-                <a:spcPct val="50000"/>
-              </a:spcBef>
-              <a:spcAft>
-                <a:spcPct val="0"/>
-              </a:spcAft>
-              <a:buClr>
-                <a:srgbClr val="F0AB00"/>
-              </a:buClr>
-              <a:buSzPct val="80000"/>
-              <a:tabLst/>
-            </a:pPr>
-            <a:endParaRPr kumimoji="0" lang="en-US" sz="1800" b="0" i="0" u="none" strike="noStrike" kern="0" cap="none" spc="0" normalizeH="0" baseline="0" noProof="0" dirty="0" err="1">
-              <a:ln>
-                <a:noFill/>
-              </a:ln>
-              <a:effectLst/>
-              <a:uLnTx/>
-              <a:uFillTx/>
-              <a:ea typeface="Arial Unicode MS" pitchFamily="34" charset="-128"/>
-              <a:cs typeface="Arial Unicode MS" pitchFamily="34" charset="-128"/>
-            </a:endParaRPr>
-          </a:p>
-        </p:txBody>
-      </p:sp>
-    </p:spTree>
-    <p:extLst>
-      <p:ext uri="{BB962C8B-B14F-4D97-AF65-F5344CB8AC3E}">
-        <p14:creationId xmlns:p14="http://schemas.microsoft.com/office/powerpoint/2010/main" val="1324361715"/>
-      </p:ext>
-    </p:extLst>
-  </p:cSld>
-  <p:clrMapOvr>
-    <a:masterClrMapping/>
-  </p:clrMapOvr>
-</p:sld>
-</file>
-
-<file path=ppt/slides/slide4.xml><?xml version="1.0" encoding="utf-8"?>
-<p:sld xmlns:a="http://schemas.openxmlformats.org/drawingml/2006/main" xmlns:r="http://schemas.openxmlformats.org/officeDocument/2006/relationships" xmlns:p="http://schemas.openxmlformats.org/presentationml/2006/main" show="0">
-  <p:cSld>
-    <p:spTree>
-      <p:nvGrpSpPr>
-        <p:cNvPr id="1" name=""/>
-        <p:cNvGrpSpPr/>
-        <p:nvPr/>
-      </p:nvGrpSpPr>
-      <p:grpSpPr>
-        <a:xfrm>
-          <a:off x="0" y="0"/>
-          <a:ext cx="0" cy="0"/>
-          <a:chOff x="0" y="0"/>
-          <a:chExt cx="0" cy="0"/>
-        </a:xfrm>
-      </p:grpSpPr>
-      <p:sp>
-        <p:nvSpPr>
-          <p:cNvPr id="4" name="Text Placeholder 3"/>
-          <p:cNvSpPr>
-            <a:spLocks noGrp="1"/>
-          </p:cNvSpPr>
-          <p:nvPr>
-            <p:ph type="body" sz="quarter" idx="10"/>
-          </p:nvPr>
-        </p:nvSpPr>
-        <p:spPr/>
-        <p:txBody>
-          <a:bodyPr/>
-          <a:lstStyle/>
-          <a:p>
-            <a:pPr marL="342900" indent="-342900">
-              <a:buFontTx/>
-              <a:buChar char="-"/>
-            </a:pPr>
-            <a:r>
-              <a:rPr lang="en-US" dirty="0"/>
-              <a:t>Show service accounts</a:t>
-            </a:r>
-          </a:p>
-          <a:p>
-            <a:pPr marL="342900" indent="-342900">
-              <a:buFontTx/>
-              <a:buChar char="-"/>
-            </a:pPr>
-            <a:r>
-              <a:rPr lang="en-US" dirty="0"/>
-              <a:t>Create a new service account &amp; show created token</a:t>
-            </a:r>
-          </a:p>
-          <a:p>
-            <a:pPr marL="342900" indent="-342900">
-              <a:buFontTx/>
-              <a:buChar char="-"/>
-            </a:pPr>
-            <a:r>
-              <a:rPr lang="en-US" dirty="0"/>
-              <a:t>Show </a:t>
-            </a:r>
-            <a:r>
-              <a:rPr lang="en-US" dirty="0" err="1"/>
-              <a:t>clusterroles</a:t>
-            </a:r>
-            <a:r>
-              <a:rPr lang="en-US" dirty="0"/>
-              <a:t> &amp; </a:t>
-            </a:r>
-            <a:r>
-              <a:rPr lang="en-US" dirty="0" err="1"/>
-              <a:t>rolebindings</a:t>
-            </a:r>
-            <a:endParaRPr lang="en-US" dirty="0"/>
-          </a:p>
-        </p:txBody>
-      </p:sp>
-      <p:sp>
-        <p:nvSpPr>
-          <p:cNvPr id="3" name="Title 2"/>
-          <p:cNvSpPr>
-            <a:spLocks noGrp="1"/>
-          </p:cNvSpPr>
-          <p:nvPr>
-            <p:ph type="title"/>
-          </p:nvPr>
-        </p:nvSpPr>
-        <p:spPr/>
-        <p:txBody>
-          <a:bodyPr/>
-          <a:lstStyle/>
-          <a:p>
-            <a:r>
-              <a:rPr lang="en-US" dirty="0"/>
-              <a:t>Demo</a:t>
-            </a:r>
-          </a:p>
-        </p:txBody>
-      </p:sp>
-    </p:spTree>
-    <p:extLst>
-      <p:ext uri="{BB962C8B-B14F-4D97-AF65-F5344CB8AC3E}">
-        <p14:creationId xmlns:p14="http://schemas.microsoft.com/office/powerpoint/2010/main" val="684979928"/>
-      </p:ext>
-    </p:extLst>
-  </p:cSld>
-  <p:clrMapOvr>
-    <a:masterClrMapping/>
-  </p:clrMapOvr>
-</p:sld>
-</file>
-
-<file path=ppt/slides/slide5.xml><?xml version="1.0" encoding="utf-8"?>
-<p:sld xmlns:a="http://schemas.openxmlformats.org/drawingml/2006/main" xmlns:r="http://schemas.openxmlformats.org/officeDocument/2006/relationships" xmlns:p="http://schemas.openxmlformats.org/presentationml/2006/main">
-  <p:cSld>
-    <p:spTree>
-      <p:nvGrpSpPr>
-        <p:cNvPr id="1" name=""/>
-        <p:cNvGrpSpPr/>
-        <p:nvPr/>
-      </p:nvGrpSpPr>
-      <p:grpSpPr>
-        <a:xfrm>
-          <a:off x="0" y="0"/>
-          <a:ext cx="0" cy="0"/>
-          <a:chOff x="0" y="0"/>
-          <a:chExt cx="0" cy="0"/>
-        </a:xfrm>
-      </p:grpSpPr>
-      <p:sp>
-        <p:nvSpPr>
-          <p:cNvPr id="2" name="Title 1"/>
-          <p:cNvSpPr>
-            <a:spLocks noGrp="1"/>
-          </p:cNvSpPr>
-          <p:nvPr>
-            <p:ph type="title"/>
-          </p:nvPr>
-        </p:nvSpPr>
-        <p:spPr/>
-        <p:txBody>
-          <a:bodyPr/>
-          <a:lstStyle/>
-          <a:p>
-            <a:r>
-              <a:rPr lang="en-US" dirty="0" err="1"/>
-              <a:t>NetworkPolicy</a:t>
-            </a:r>
-            <a:endParaRPr lang="en-US" dirty="0"/>
-          </a:p>
-        </p:txBody>
-      </p:sp>
-      <p:sp>
-        <p:nvSpPr>
-          <p:cNvPr id="8" name="Rectangle 7"/>
-          <p:cNvSpPr/>
-          <p:nvPr/>
-        </p:nvSpPr>
-        <p:spPr>
-          <a:xfrm>
-            <a:off x="504000" y="1223190"/>
-            <a:ext cx="10918380" cy="1061829"/>
-          </a:xfrm>
-          <a:prstGeom prst="rect">
-            <a:avLst/>
-          </a:prstGeom>
-        </p:spPr>
-        <p:txBody>
-          <a:bodyPr wrap="square">
-            <a:spAutoFit/>
-          </a:bodyPr>
-          <a:lstStyle/>
-          <a:p>
-            <a:pPr marL="342900" indent="-342900">
-              <a:buFont typeface="Wingdings" panose="05000000000000000000" pitchFamily="2" charset="2"/>
-              <a:buChar char="§"/>
-            </a:pPr>
-            <a:r>
-              <a:rPr lang="en-US" dirty="0"/>
-              <a:t>“Firewall”-like restrictions</a:t>
-            </a:r>
-          </a:p>
-          <a:p>
-            <a:pPr marL="342900" indent="-342900">
-              <a:buFont typeface="Wingdings" panose="05000000000000000000" pitchFamily="2" charset="2"/>
-              <a:buChar char="§"/>
-            </a:pPr>
-            <a:r>
-              <a:rPr lang="en-US" dirty="0"/>
-              <a:t>Define egress and ingress rules for a service</a:t>
-            </a:r>
-          </a:p>
-          <a:p>
-            <a:pPr marL="342900" indent="-342900">
-              <a:buFont typeface="Wingdings" panose="05000000000000000000" pitchFamily="2" charset="2"/>
-              <a:buChar char="§"/>
-            </a:pPr>
-            <a:r>
-              <a:rPr lang="en-US" dirty="0"/>
-              <a:t>Requires support by overlay network plugin</a:t>
-            </a:r>
-          </a:p>
-        </p:txBody>
-      </p:sp>
-      <p:sp>
-        <p:nvSpPr>
-          <p:cNvPr id="7" name="Rectangle 6"/>
-          <p:cNvSpPr/>
-          <p:nvPr/>
-        </p:nvSpPr>
-        <p:spPr bwMode="gray">
-          <a:xfrm>
-            <a:off x="4479700" y="3598223"/>
-            <a:ext cx="1315448" cy="774112"/>
-          </a:xfrm>
-          <a:prstGeom prst="rect">
-            <a:avLst/>
-          </a:prstGeom>
-          <a:ln>
-            <a:headEnd/>
-            <a:tailEnd/>
-          </a:ln>
-        </p:spPr>
-        <p:style>
-          <a:lnRef idx="2">
-            <a:schemeClr val="accent2"/>
-          </a:lnRef>
-          <a:fillRef idx="1">
-            <a:schemeClr val="lt1"/>
-          </a:fillRef>
-          <a:effectRef idx="0">
-            <a:schemeClr val="accent2"/>
-          </a:effectRef>
-          <a:fontRef idx="minor">
-            <a:schemeClr val="dk1"/>
-          </a:fontRef>
-        </p:style>
-        <p:txBody>
-          <a:bodyPr lIns="90000" tIns="72000" rIns="90000" bIns="72000" rtlCol="0" anchor="ctr"/>
-          <a:lstStyle/>
-          <a:p>
-            <a:pPr marR="0" algn="ctr" defTabSz="914400" eaLnBrk="1" fontAlgn="base" latinLnBrk="0" hangingPunct="1">
-              <a:lnSpc>
-                <a:spcPct val="100000"/>
-              </a:lnSpc>
-              <a:spcBef>
-                <a:spcPct val="50000"/>
-              </a:spcBef>
-              <a:spcAft>
-                <a:spcPct val="0"/>
-              </a:spcAft>
-              <a:buClr>
-                <a:srgbClr val="F0AB00"/>
-              </a:buClr>
-              <a:buSzPct val="80000"/>
-              <a:tabLst/>
-            </a:pPr>
-            <a:r>
-              <a:rPr lang="en-US" sz="1800" kern="0" dirty="0">
-                <a:ea typeface="Arial Unicode MS" pitchFamily="34" charset="-128"/>
-                <a:cs typeface="Arial Unicode MS" pitchFamily="34" charset="-128"/>
-              </a:rPr>
-              <a:t>Service</a:t>
-            </a:r>
-            <a:endParaRPr kumimoji="0" lang="en-US" sz="1800" b="0" i="0" u="none" strike="noStrike" kern="0" cap="none" spc="0" normalizeH="0" baseline="0" noProof="0" dirty="0">
-              <a:ln>
-                <a:noFill/>
-              </a:ln>
-              <a:effectLst/>
-              <a:uLnTx/>
-              <a:uFillTx/>
-              <a:ea typeface="Arial Unicode MS" pitchFamily="34" charset="-128"/>
-              <a:cs typeface="Arial Unicode MS" pitchFamily="34" charset="-128"/>
-            </a:endParaRPr>
-          </a:p>
-        </p:txBody>
-      </p:sp>
-      <p:sp>
-        <p:nvSpPr>
-          <p:cNvPr id="12" name="Rectangle 11"/>
-          <p:cNvSpPr/>
-          <p:nvPr/>
-        </p:nvSpPr>
-        <p:spPr bwMode="gray">
-          <a:xfrm>
-            <a:off x="9108965" y="3567880"/>
-            <a:ext cx="1062486" cy="806724"/>
-          </a:xfrm>
-          <a:prstGeom prst="rect">
-            <a:avLst/>
-          </a:prstGeom>
-          <a:ln>
-            <a:headEnd/>
-            <a:tailEnd/>
-          </a:ln>
-        </p:spPr>
-        <p:style>
-          <a:lnRef idx="2">
-            <a:schemeClr val="accent2"/>
-          </a:lnRef>
-          <a:fillRef idx="1">
-            <a:schemeClr val="lt1"/>
-          </a:fillRef>
-          <a:effectRef idx="0">
-            <a:schemeClr val="accent2"/>
-          </a:effectRef>
-          <a:fontRef idx="minor">
-            <a:schemeClr val="dk1"/>
-          </a:fontRef>
-        </p:style>
-        <p:txBody>
-          <a:bodyPr lIns="90000" tIns="72000" rIns="90000" bIns="72000" rtlCol="0" anchor="ctr"/>
-          <a:lstStyle/>
-          <a:p>
-            <a:pPr marR="0" algn="ctr" defTabSz="914400" eaLnBrk="1" fontAlgn="base" latinLnBrk="0" hangingPunct="1">
-              <a:lnSpc>
-                <a:spcPct val="100000"/>
-              </a:lnSpc>
-              <a:spcBef>
-                <a:spcPct val="50000"/>
-              </a:spcBef>
-              <a:spcAft>
-                <a:spcPct val="0"/>
-              </a:spcAft>
-              <a:buClr>
-                <a:srgbClr val="F0AB00"/>
-              </a:buClr>
-              <a:buSzPct val="80000"/>
-              <a:tabLst/>
-            </a:pPr>
-            <a:r>
-              <a:rPr lang="en-US" sz="1800" kern="0" noProof="0" dirty="0">
-                <a:ea typeface="Arial Unicode MS" pitchFamily="34" charset="-128"/>
-                <a:cs typeface="Arial Unicode MS" pitchFamily="34" charset="-128"/>
-              </a:rPr>
-              <a:t>Pod</a:t>
-            </a:r>
-            <a:r>
-              <a:rPr lang="en-US" sz="1800" kern="0" dirty="0">
-                <a:ea typeface="Arial Unicode MS" pitchFamily="34" charset="-128"/>
-                <a:cs typeface="Arial Unicode MS" pitchFamily="34" charset="-128"/>
-              </a:rPr>
-              <a:t> A</a:t>
-            </a:r>
-            <a:endParaRPr kumimoji="0" lang="en-US" sz="1800" b="0" i="0" u="none" strike="noStrike" kern="0" cap="none" spc="0" normalizeH="0" baseline="0" noProof="0" dirty="0">
-              <a:ln>
-                <a:noFill/>
-              </a:ln>
-              <a:effectLst/>
-              <a:uLnTx/>
-              <a:uFillTx/>
-              <a:ea typeface="Arial Unicode MS" pitchFamily="34" charset="-128"/>
-              <a:cs typeface="Arial Unicode MS" pitchFamily="34" charset="-128"/>
-            </a:endParaRPr>
-          </a:p>
-        </p:txBody>
-      </p:sp>
-      <p:cxnSp>
-        <p:nvCxnSpPr>
-          <p:cNvPr id="16" name="Straight Arrow Connector 15"/>
-          <p:cNvCxnSpPr>
-            <a:stCxn id="28" idx="3"/>
-            <a:endCxn id="7" idx="1"/>
-          </p:cNvCxnSpPr>
-          <p:nvPr/>
-        </p:nvCxnSpPr>
-        <p:spPr>
-          <a:xfrm>
-            <a:off x="2760620" y="3228936"/>
-            <a:ext cx="1719080" cy="756343"/>
-          </a:xfrm>
-          <a:prstGeom prst="straightConnector1">
-            <a:avLst/>
-          </a:prstGeom>
-          <a:ln w="38100">
-            <a:solidFill>
-              <a:schemeClr val="tx2">
-                <a:lumMod val="60000"/>
-                <a:lumOff val="40000"/>
-              </a:schemeClr>
-            </a:solidFill>
-            <a:headEnd type="none" w="med" len="med"/>
-            <a:tailEnd type="triangle"/>
-          </a:ln>
-        </p:spPr>
-        <p:style>
-          <a:lnRef idx="1">
-            <a:schemeClr val="accent1"/>
-          </a:lnRef>
-          <a:fillRef idx="0">
-            <a:schemeClr val="accent1"/>
-          </a:fillRef>
-          <a:effectRef idx="0">
-            <a:schemeClr val="accent1"/>
-          </a:effectRef>
-          <a:fontRef idx="minor">
-            <a:schemeClr val="tx1"/>
-          </a:fontRef>
-        </p:style>
-      </p:cxnSp>
-      <p:sp>
-        <p:nvSpPr>
-          <p:cNvPr id="22" name="Rectangle: Single Corner Snipped 21"/>
-          <p:cNvSpPr/>
-          <p:nvPr/>
-        </p:nvSpPr>
-        <p:spPr bwMode="gray">
-          <a:xfrm>
-            <a:off x="6667860" y="5016889"/>
-            <a:ext cx="2322768" cy="1438976"/>
-          </a:xfrm>
-          <a:prstGeom prst="snip1Rect">
-            <a:avLst/>
-          </a:prstGeom>
-          <a:ln>
-            <a:headEnd/>
-            <a:tailEnd/>
-          </a:ln>
-        </p:spPr>
-        <p:style>
-          <a:lnRef idx="2">
-            <a:schemeClr val="accent2"/>
-          </a:lnRef>
-          <a:fillRef idx="1">
-            <a:schemeClr val="lt1"/>
-          </a:fillRef>
-          <a:effectRef idx="0">
-            <a:schemeClr val="accent2"/>
-          </a:effectRef>
-          <a:fontRef idx="minor">
-            <a:schemeClr val="dk1"/>
-          </a:fontRef>
-        </p:style>
-        <p:txBody>
-          <a:bodyPr lIns="90000" tIns="72000" rIns="90000" bIns="72000" rtlCol="0" anchor="ctr"/>
-          <a:lstStyle/>
-          <a:p>
-            <a:pPr marR="0" algn="ctr" defTabSz="914400" eaLnBrk="1" fontAlgn="base" latinLnBrk="0" hangingPunct="1">
-              <a:lnSpc>
-                <a:spcPct val="100000"/>
-              </a:lnSpc>
-              <a:spcBef>
-                <a:spcPct val="50000"/>
-              </a:spcBef>
-              <a:spcAft>
-                <a:spcPct val="0"/>
-              </a:spcAft>
-              <a:buClr>
-                <a:srgbClr val="F0AB00"/>
-              </a:buClr>
-              <a:buSzPct val="80000"/>
-              <a:tabLst/>
-            </a:pPr>
-            <a:r>
-              <a:rPr lang="en-US" sz="1800" kern="0" dirty="0">
-                <a:ea typeface="Arial Unicode MS" pitchFamily="34" charset="-128"/>
-                <a:cs typeface="Arial Unicode MS" pitchFamily="34" charset="-128"/>
-              </a:rPr>
-              <a:t>Network Policy</a:t>
-            </a:r>
-            <a:endParaRPr kumimoji="0" lang="en-US" sz="1800" b="0" i="0" u="none" strike="noStrike" kern="0" cap="none" spc="0" normalizeH="0" baseline="0" noProof="0" dirty="0">
-              <a:ln>
-                <a:noFill/>
-              </a:ln>
-              <a:effectLst/>
-              <a:uLnTx/>
-              <a:uFillTx/>
-              <a:ea typeface="Arial Unicode MS" pitchFamily="34" charset="-128"/>
-              <a:cs typeface="Arial Unicode MS" pitchFamily="34" charset="-128"/>
-            </a:endParaRPr>
-          </a:p>
-        </p:txBody>
-      </p:sp>
-      <p:cxnSp>
-        <p:nvCxnSpPr>
-          <p:cNvPr id="24" name="Straight Arrow Connector 23"/>
-          <p:cNvCxnSpPr>
-            <a:stCxn id="22" idx="3"/>
-          </p:cNvCxnSpPr>
-          <p:nvPr/>
-        </p:nvCxnSpPr>
-        <p:spPr>
-          <a:xfrm flipV="1">
-            <a:off x="7829244" y="4071790"/>
-            <a:ext cx="0" cy="945099"/>
-          </a:xfrm>
-          <a:prstGeom prst="straightConnector1">
-            <a:avLst/>
-          </a:prstGeom>
-          <a:ln w="38100">
-            <a:solidFill>
-              <a:schemeClr val="tx2">
-                <a:lumMod val="60000"/>
-                <a:lumOff val="40000"/>
-              </a:schemeClr>
-            </a:solidFill>
-            <a:headEnd type="none" w="med" len="med"/>
-            <a:tailEnd type="triangle"/>
-          </a:ln>
-        </p:spPr>
-        <p:style>
-          <a:lnRef idx="1">
-            <a:schemeClr val="accent1"/>
-          </a:lnRef>
-          <a:fillRef idx="0">
-            <a:schemeClr val="accent1"/>
-          </a:fillRef>
-          <a:effectRef idx="0">
-            <a:schemeClr val="accent1"/>
-          </a:effectRef>
-          <a:fontRef idx="minor">
-            <a:schemeClr val="tx1"/>
-          </a:fontRef>
-        </p:style>
-      </p:cxnSp>
-      <p:cxnSp>
-        <p:nvCxnSpPr>
-          <p:cNvPr id="27" name="Straight Arrow Connector 26"/>
-          <p:cNvCxnSpPr>
-            <a:stCxn id="7" idx="3"/>
-            <a:endCxn id="12" idx="1"/>
-          </p:cNvCxnSpPr>
-          <p:nvPr/>
-        </p:nvCxnSpPr>
-        <p:spPr>
-          <a:xfrm flipV="1">
-            <a:off x="5795148" y="3971242"/>
-            <a:ext cx="3313817" cy="14037"/>
-          </a:xfrm>
-          <a:prstGeom prst="straightConnector1">
-            <a:avLst/>
-          </a:prstGeom>
-          <a:ln w="38100">
-            <a:solidFill>
-              <a:schemeClr val="tx2">
-                <a:lumMod val="60000"/>
-                <a:lumOff val="40000"/>
-              </a:schemeClr>
-            </a:solidFill>
-            <a:headEnd type="none" w="med" len="med"/>
-            <a:tailEnd type="triangle"/>
-          </a:ln>
-        </p:spPr>
-        <p:style>
-          <a:lnRef idx="1">
-            <a:schemeClr val="accent1"/>
-          </a:lnRef>
-          <a:fillRef idx="0">
-            <a:schemeClr val="accent1"/>
-          </a:fillRef>
-          <a:effectRef idx="0">
-            <a:schemeClr val="accent1"/>
-          </a:effectRef>
-          <a:fontRef idx="minor">
-            <a:schemeClr val="tx1"/>
-          </a:fontRef>
-        </p:style>
-      </p:cxnSp>
-      <p:sp>
-        <p:nvSpPr>
-          <p:cNvPr id="36" name="Lightning Bolt 35"/>
-          <p:cNvSpPr/>
-          <p:nvPr/>
-        </p:nvSpPr>
-        <p:spPr bwMode="gray">
-          <a:xfrm>
-            <a:off x="7381964" y="4071790"/>
-            <a:ext cx="303473" cy="499599"/>
-          </a:xfrm>
-          <a:prstGeom prst="lightningBolt">
-            <a:avLst/>
-          </a:prstGeom>
-          <a:ln>
-            <a:headEnd/>
-            <a:tailEnd/>
-          </a:ln>
-        </p:spPr>
-        <p:style>
-          <a:lnRef idx="2">
-            <a:schemeClr val="accent5">
-              <a:shade val="50000"/>
-            </a:schemeClr>
-          </a:lnRef>
-          <a:fillRef idx="1">
-            <a:schemeClr val="accent5"/>
-          </a:fillRef>
-          <a:effectRef idx="0">
-            <a:schemeClr val="accent5"/>
-          </a:effectRef>
-          <a:fontRef idx="minor">
-            <a:schemeClr val="lt1"/>
-          </a:fontRef>
-        </p:style>
-        <p:txBody>
-          <a:bodyPr lIns="90000" tIns="72000" rIns="90000" bIns="72000" rtlCol="0" anchor="ctr"/>
-          <a:lstStyle/>
-          <a:p>
-            <a:pPr marR="0" algn="ctr" defTabSz="914400" eaLnBrk="1" fontAlgn="base" latinLnBrk="0" hangingPunct="1">
-              <a:lnSpc>
-                <a:spcPct val="100000"/>
-              </a:lnSpc>
-              <a:spcBef>
-                <a:spcPct val="50000"/>
-              </a:spcBef>
-              <a:spcAft>
-                <a:spcPct val="0"/>
-              </a:spcAft>
-              <a:buClr>
-                <a:srgbClr val="F0AB00"/>
-              </a:buClr>
-              <a:buSzPct val="80000"/>
-              <a:tabLst/>
-            </a:pPr>
-            <a:endParaRPr kumimoji="0" lang="en-US" sz="1800" b="0" i="0" u="none" strike="noStrike" kern="0" cap="none" spc="0" normalizeH="0" baseline="0" noProof="0" dirty="0" err="1">
-              <a:ln>
-                <a:noFill/>
-              </a:ln>
-              <a:effectLst/>
-              <a:uLnTx/>
-              <a:uFillTx/>
-              <a:ea typeface="Arial Unicode MS" pitchFamily="34" charset="-128"/>
-              <a:cs typeface="Arial Unicode MS" pitchFamily="34" charset="-128"/>
-            </a:endParaRPr>
-          </a:p>
-        </p:txBody>
-      </p:sp>
-      <p:sp>
-        <p:nvSpPr>
-          <p:cNvPr id="28" name="Rectangle 27"/>
-          <p:cNvSpPr/>
-          <p:nvPr/>
-        </p:nvSpPr>
-        <p:spPr bwMode="gray">
-          <a:xfrm>
-            <a:off x="1698134" y="2825574"/>
-            <a:ext cx="1062486" cy="806724"/>
-          </a:xfrm>
-          <a:prstGeom prst="rect">
-            <a:avLst/>
-          </a:prstGeom>
-          <a:ln>
-            <a:headEnd/>
-            <a:tailEnd/>
-          </a:ln>
-        </p:spPr>
-        <p:style>
-          <a:lnRef idx="2">
-            <a:schemeClr val="accent2"/>
-          </a:lnRef>
-          <a:fillRef idx="1">
-            <a:schemeClr val="lt1"/>
-          </a:fillRef>
-          <a:effectRef idx="0">
-            <a:schemeClr val="accent2"/>
-          </a:effectRef>
-          <a:fontRef idx="minor">
-            <a:schemeClr val="dk1"/>
-          </a:fontRef>
-        </p:style>
-        <p:txBody>
-          <a:bodyPr lIns="90000" tIns="72000" rIns="90000" bIns="72000" rtlCol="0" anchor="ctr"/>
-          <a:lstStyle/>
-          <a:p>
-            <a:pPr marR="0" algn="ctr" defTabSz="914400" eaLnBrk="1" fontAlgn="base" latinLnBrk="0" hangingPunct="1">
-              <a:lnSpc>
-                <a:spcPct val="100000"/>
-              </a:lnSpc>
-              <a:spcBef>
-                <a:spcPct val="50000"/>
-              </a:spcBef>
-              <a:spcAft>
-                <a:spcPct val="0"/>
-              </a:spcAft>
-              <a:buClr>
-                <a:srgbClr val="F0AB00"/>
-              </a:buClr>
-              <a:buSzPct val="80000"/>
-              <a:tabLst/>
-            </a:pPr>
-            <a:r>
-              <a:rPr lang="en-US" sz="1800" kern="0" noProof="0" dirty="0">
-                <a:ea typeface="Arial Unicode MS" pitchFamily="34" charset="-128"/>
-                <a:cs typeface="Arial Unicode MS" pitchFamily="34" charset="-128"/>
-              </a:rPr>
-              <a:t>Pod</a:t>
-            </a:r>
-            <a:r>
-              <a:rPr lang="en-US" sz="1800" kern="0" dirty="0">
-                <a:ea typeface="Arial Unicode MS" pitchFamily="34" charset="-128"/>
-                <a:cs typeface="Arial Unicode MS" pitchFamily="34" charset="-128"/>
-              </a:rPr>
-              <a:t> A</a:t>
-            </a:r>
-            <a:endParaRPr kumimoji="0" lang="en-US" sz="1800" b="0" i="0" u="none" strike="noStrike" kern="0" cap="none" spc="0" normalizeH="0" baseline="0" noProof="0" dirty="0">
-              <a:ln>
-                <a:noFill/>
-              </a:ln>
-              <a:effectLst/>
-              <a:uLnTx/>
-              <a:uFillTx/>
-              <a:ea typeface="Arial Unicode MS" pitchFamily="34" charset="-128"/>
-              <a:cs typeface="Arial Unicode MS" pitchFamily="34" charset="-128"/>
-            </a:endParaRPr>
-          </a:p>
-        </p:txBody>
-      </p:sp>
-      <p:sp>
-        <p:nvSpPr>
-          <p:cNvPr id="29" name="Rectangle 28"/>
-          <p:cNvSpPr/>
-          <p:nvPr/>
-        </p:nvSpPr>
-        <p:spPr bwMode="gray">
-          <a:xfrm>
-            <a:off x="1698134" y="4488940"/>
-            <a:ext cx="1062486" cy="806724"/>
-          </a:xfrm>
-          <a:prstGeom prst="rect">
-            <a:avLst/>
-          </a:prstGeom>
-          <a:ln>
-            <a:headEnd/>
-            <a:tailEnd/>
-          </a:ln>
-        </p:spPr>
-        <p:style>
-          <a:lnRef idx="2">
-            <a:schemeClr val="accent2"/>
-          </a:lnRef>
-          <a:fillRef idx="1">
-            <a:schemeClr val="lt1"/>
-          </a:fillRef>
-          <a:effectRef idx="0">
-            <a:schemeClr val="accent2"/>
-          </a:effectRef>
-          <a:fontRef idx="minor">
-            <a:schemeClr val="dk1"/>
-          </a:fontRef>
-        </p:style>
-        <p:txBody>
-          <a:bodyPr lIns="90000" tIns="72000" rIns="90000" bIns="72000" rtlCol="0" anchor="ctr"/>
-          <a:lstStyle/>
-          <a:p>
-            <a:pPr marR="0" algn="ctr" defTabSz="914400" eaLnBrk="1" fontAlgn="base" latinLnBrk="0" hangingPunct="1">
-              <a:lnSpc>
-                <a:spcPct val="100000"/>
-              </a:lnSpc>
-              <a:spcBef>
-                <a:spcPct val="50000"/>
-              </a:spcBef>
-              <a:spcAft>
-                <a:spcPct val="0"/>
-              </a:spcAft>
-              <a:buClr>
-                <a:srgbClr val="F0AB00"/>
-              </a:buClr>
-              <a:buSzPct val="80000"/>
-              <a:tabLst/>
-            </a:pPr>
-            <a:r>
-              <a:rPr lang="en-US" sz="1800" kern="0" noProof="0" dirty="0">
-                <a:ea typeface="Arial Unicode MS" pitchFamily="34" charset="-128"/>
-                <a:cs typeface="Arial Unicode MS" pitchFamily="34" charset="-128"/>
-              </a:rPr>
-              <a:t>Pod</a:t>
-            </a:r>
-            <a:r>
-              <a:rPr lang="en-US" sz="1800" kern="0" dirty="0">
-                <a:ea typeface="Arial Unicode MS" pitchFamily="34" charset="-128"/>
-                <a:cs typeface="Arial Unicode MS" pitchFamily="34" charset="-128"/>
-              </a:rPr>
-              <a:t> A</a:t>
-            </a:r>
-            <a:endParaRPr kumimoji="0" lang="en-US" sz="1800" b="0" i="0" u="none" strike="noStrike" kern="0" cap="none" spc="0" normalizeH="0" baseline="0" noProof="0" dirty="0">
-              <a:ln>
-                <a:noFill/>
-              </a:ln>
-              <a:effectLst/>
-              <a:uLnTx/>
-              <a:uFillTx/>
-              <a:ea typeface="Arial Unicode MS" pitchFamily="34" charset="-128"/>
-              <a:cs typeface="Arial Unicode MS" pitchFamily="34" charset="-128"/>
-            </a:endParaRPr>
-          </a:p>
-        </p:txBody>
-      </p:sp>
-      <p:cxnSp>
-        <p:nvCxnSpPr>
-          <p:cNvPr id="30" name="Straight Arrow Connector 29"/>
-          <p:cNvCxnSpPr>
-            <a:stCxn id="29" idx="3"/>
-            <a:endCxn id="7" idx="1"/>
-          </p:cNvCxnSpPr>
-          <p:nvPr/>
-        </p:nvCxnSpPr>
-        <p:spPr>
-          <a:xfrm flipV="1">
-            <a:off x="2760620" y="3985279"/>
-            <a:ext cx="1719080" cy="907023"/>
-          </a:xfrm>
-          <a:prstGeom prst="straightConnector1">
-            <a:avLst/>
-          </a:prstGeom>
-          <a:ln w="38100">
-            <a:solidFill>
-              <a:schemeClr val="accent5"/>
-            </a:solidFill>
-            <a:headEnd type="none" w="med" len="med"/>
-            <a:tailEnd type="triangle"/>
-          </a:ln>
-        </p:spPr>
-        <p:style>
-          <a:lnRef idx="1">
-            <a:schemeClr val="accent1"/>
-          </a:lnRef>
-          <a:fillRef idx="0">
-            <a:schemeClr val="accent1"/>
-          </a:fillRef>
-          <a:effectRef idx="0">
-            <a:schemeClr val="accent1"/>
-          </a:effectRef>
-          <a:fontRef idx="minor">
-            <a:schemeClr val="tx1"/>
-          </a:fontRef>
-        </p:style>
-      </p:cxnSp>
-      <p:sp>
-        <p:nvSpPr>
-          <p:cNvPr id="39" name="Flowchart: Document 38"/>
-          <p:cNvSpPr/>
-          <p:nvPr/>
-        </p:nvSpPr>
-        <p:spPr bwMode="gray">
-          <a:xfrm>
-            <a:off x="8133625" y="4782370"/>
-            <a:ext cx="1506583" cy="766354"/>
-          </a:xfrm>
-          <a:prstGeom prst="flowChartDocument">
-            <a:avLst/>
-          </a:prstGeom>
-          <a:ln>
-            <a:headEnd/>
-            <a:tailEnd/>
-          </a:ln>
-        </p:spPr>
-        <p:style>
-          <a:lnRef idx="2">
-            <a:schemeClr val="accent5"/>
-          </a:lnRef>
-          <a:fillRef idx="1">
-            <a:schemeClr val="lt1"/>
-          </a:fillRef>
-          <a:effectRef idx="0">
-            <a:schemeClr val="accent5"/>
-          </a:effectRef>
-          <a:fontRef idx="minor">
-            <a:schemeClr val="dk1"/>
-          </a:fontRef>
-        </p:style>
-        <p:txBody>
-          <a:bodyPr lIns="90000" tIns="72000" rIns="90000" bIns="72000" rtlCol="0" anchor="ctr"/>
-          <a:lstStyle/>
-          <a:p>
-            <a:pPr algn="ctr" defTabSz="914400" fontAlgn="base">
-              <a:spcBef>
-                <a:spcPct val="50000"/>
-              </a:spcBef>
-              <a:spcAft>
-                <a:spcPct val="0"/>
-              </a:spcAft>
-              <a:buClr>
-                <a:srgbClr val="F0AB00"/>
-              </a:buClr>
-              <a:buSzPct val="80000"/>
-            </a:pPr>
-            <a:r>
-              <a:rPr lang="en-US" sz="1800" kern="0" dirty="0">
-                <a:ea typeface="Arial Unicode MS" pitchFamily="34" charset="-128"/>
-                <a:cs typeface="Arial Unicode MS" pitchFamily="34" charset="-128"/>
-              </a:rPr>
-              <a:t>Selector: app: </a:t>
-            </a:r>
-            <a:r>
-              <a:rPr lang="en-US" sz="1800" kern="0" dirty="0" err="1">
-                <a:ea typeface="Arial Unicode MS" pitchFamily="34" charset="-128"/>
-                <a:cs typeface="Arial Unicode MS" pitchFamily="34" charset="-128"/>
-              </a:rPr>
-              <a:t>nginx</a:t>
-            </a:r>
-            <a:endParaRPr lang="en-US" sz="1800" kern="0" dirty="0">
-              <a:ea typeface="Arial Unicode MS" pitchFamily="34" charset="-128"/>
-              <a:cs typeface="Arial Unicode MS" pitchFamily="34" charset="-128"/>
-            </a:endParaRPr>
-          </a:p>
-        </p:txBody>
-      </p:sp>
-      <p:sp>
-        <p:nvSpPr>
-          <p:cNvPr id="49" name="Rectangle 48"/>
-          <p:cNvSpPr/>
-          <p:nvPr/>
-        </p:nvSpPr>
-        <p:spPr bwMode="gray">
-          <a:xfrm>
-            <a:off x="9522959" y="3385000"/>
-            <a:ext cx="1645920" cy="365760"/>
-          </a:xfrm>
-          <a:prstGeom prst="rect">
-            <a:avLst/>
-          </a:prstGeom>
-          <a:ln>
-            <a:headEnd/>
-            <a:tailEnd/>
-          </a:ln>
-        </p:spPr>
-        <p:style>
-          <a:lnRef idx="2">
-            <a:schemeClr val="accent2"/>
-          </a:lnRef>
-          <a:fillRef idx="1">
-            <a:schemeClr val="lt1"/>
-          </a:fillRef>
-          <a:effectRef idx="0">
-            <a:schemeClr val="accent2"/>
-          </a:effectRef>
-          <a:fontRef idx="minor">
-            <a:schemeClr val="dk1"/>
-          </a:fontRef>
-        </p:style>
-        <p:txBody>
-          <a:bodyPr lIns="90000" tIns="72000" rIns="90000" bIns="72000" rtlCol="0" anchor="ctr"/>
-          <a:lstStyle/>
-          <a:p>
-            <a:pPr marR="0" algn="ctr" defTabSz="914400" eaLnBrk="1" fontAlgn="base" latinLnBrk="0" hangingPunct="1">
-              <a:lnSpc>
-                <a:spcPct val="100000"/>
-              </a:lnSpc>
-              <a:spcBef>
-                <a:spcPct val="50000"/>
-              </a:spcBef>
-              <a:spcAft>
-                <a:spcPct val="0"/>
-              </a:spcAft>
-              <a:buClr>
-                <a:srgbClr val="F0AB00"/>
-              </a:buClr>
-              <a:buSzPct val="80000"/>
-              <a:tabLst/>
-            </a:pPr>
-            <a:r>
-              <a:rPr lang="de-DE" sz="1800" kern="0" dirty="0" err="1">
-                <a:ea typeface="Arial Unicode MS" pitchFamily="34" charset="-128"/>
-                <a:cs typeface="Arial Unicode MS" pitchFamily="34" charset="-128"/>
-              </a:rPr>
-              <a:t>app</a:t>
-            </a:r>
-            <a:r>
-              <a:rPr lang="de-DE" sz="1800" kern="0" dirty="0">
-                <a:ea typeface="Arial Unicode MS" pitchFamily="34" charset="-128"/>
-                <a:cs typeface="Arial Unicode MS" pitchFamily="34" charset="-128"/>
-              </a:rPr>
-              <a:t>: </a:t>
-            </a:r>
-            <a:r>
-              <a:rPr lang="de-DE" sz="1800" kern="0" dirty="0" err="1">
-                <a:ea typeface="Arial Unicode MS" pitchFamily="34" charset="-128"/>
-                <a:cs typeface="Arial Unicode MS" pitchFamily="34" charset="-128"/>
-              </a:rPr>
-              <a:t>nginx</a:t>
-            </a:r>
-            <a:endParaRPr kumimoji="0" lang="de-DE" sz="1800" b="0" i="0" u="none" strike="noStrike" kern="0" cap="none" spc="0" normalizeH="0" baseline="0" noProof="0" dirty="0">
-              <a:ln>
-                <a:noFill/>
-              </a:ln>
-              <a:effectLst/>
-              <a:uLnTx/>
-              <a:uFillTx/>
-              <a:ea typeface="Arial Unicode MS" pitchFamily="34" charset="-128"/>
-              <a:cs typeface="Arial Unicode MS" pitchFamily="34" charset="-128"/>
-            </a:endParaRPr>
-          </a:p>
-        </p:txBody>
-      </p:sp>
-      <p:sp>
-        <p:nvSpPr>
-          <p:cNvPr id="50" name="Flowchart: Document 49"/>
-          <p:cNvSpPr/>
-          <p:nvPr/>
-        </p:nvSpPr>
-        <p:spPr bwMode="gray">
-          <a:xfrm>
-            <a:off x="5986539" y="4718721"/>
-            <a:ext cx="1506583" cy="766354"/>
-          </a:xfrm>
-          <a:prstGeom prst="flowChartDocument">
-            <a:avLst/>
-          </a:prstGeom>
-          <a:ln>
-            <a:headEnd/>
-            <a:tailEnd/>
-          </a:ln>
-        </p:spPr>
-        <p:style>
-          <a:lnRef idx="2">
-            <a:schemeClr val="accent5"/>
-          </a:lnRef>
-          <a:fillRef idx="1">
-            <a:schemeClr val="lt1"/>
-          </a:fillRef>
-          <a:effectRef idx="0">
-            <a:schemeClr val="accent5"/>
-          </a:effectRef>
-          <a:fontRef idx="minor">
-            <a:schemeClr val="dk1"/>
-          </a:fontRef>
-        </p:style>
-        <p:txBody>
-          <a:bodyPr lIns="90000" tIns="72000" rIns="90000" bIns="72000" rtlCol="0" anchor="ctr"/>
-          <a:lstStyle/>
-          <a:p>
-            <a:pPr algn="ctr" defTabSz="914400" fontAlgn="base">
-              <a:spcBef>
-                <a:spcPct val="50000"/>
-              </a:spcBef>
-              <a:spcAft>
-                <a:spcPct val="0"/>
-              </a:spcAft>
-              <a:buClr>
-                <a:srgbClr val="F0AB00"/>
-              </a:buClr>
-              <a:buSzPct val="80000"/>
-            </a:pPr>
-            <a:r>
-              <a:rPr lang="en-US" sz="1800" kern="0" dirty="0">
-                <a:ea typeface="Arial Unicode MS" pitchFamily="34" charset="-128"/>
-                <a:cs typeface="Arial Unicode MS" pitchFamily="34" charset="-128"/>
-              </a:rPr>
-              <a:t>Selector: access: ok</a:t>
-            </a:r>
-          </a:p>
-        </p:txBody>
-      </p:sp>
-      <p:sp>
-        <p:nvSpPr>
-          <p:cNvPr id="51" name="Rectangle 50"/>
-          <p:cNvSpPr/>
-          <p:nvPr/>
-        </p:nvSpPr>
-        <p:spPr bwMode="gray">
-          <a:xfrm>
-            <a:off x="2229377" y="2574739"/>
-            <a:ext cx="1645920" cy="365760"/>
-          </a:xfrm>
-          <a:prstGeom prst="rect">
-            <a:avLst/>
-          </a:prstGeom>
-          <a:ln>
-            <a:headEnd/>
-            <a:tailEnd/>
-          </a:ln>
-        </p:spPr>
-        <p:style>
-          <a:lnRef idx="2">
-            <a:schemeClr val="accent2"/>
-          </a:lnRef>
-          <a:fillRef idx="1">
-            <a:schemeClr val="lt1"/>
-          </a:fillRef>
-          <a:effectRef idx="0">
-            <a:schemeClr val="accent2"/>
-          </a:effectRef>
-          <a:fontRef idx="minor">
-            <a:schemeClr val="dk1"/>
-          </a:fontRef>
-        </p:style>
-        <p:txBody>
-          <a:bodyPr lIns="90000" tIns="72000" rIns="90000" bIns="72000" rtlCol="0" anchor="ctr"/>
-          <a:lstStyle/>
-          <a:p>
-            <a:pPr marR="0" algn="ctr" defTabSz="914400" eaLnBrk="1" fontAlgn="base" latinLnBrk="0" hangingPunct="1">
-              <a:lnSpc>
-                <a:spcPct val="100000"/>
-              </a:lnSpc>
-              <a:spcBef>
-                <a:spcPct val="50000"/>
-              </a:spcBef>
-              <a:spcAft>
-                <a:spcPct val="0"/>
-              </a:spcAft>
-              <a:buClr>
-                <a:srgbClr val="F0AB00"/>
-              </a:buClr>
-              <a:buSzPct val="80000"/>
-              <a:tabLst/>
-            </a:pPr>
-            <a:r>
-              <a:rPr lang="de-DE" sz="1800" kern="0" dirty="0" err="1">
-                <a:ea typeface="Arial Unicode MS" pitchFamily="34" charset="-128"/>
-                <a:cs typeface="Arial Unicode MS" pitchFamily="34" charset="-128"/>
-              </a:rPr>
-              <a:t>access</a:t>
-            </a:r>
-            <a:r>
-              <a:rPr lang="de-DE" sz="1800" kern="0" dirty="0">
-                <a:ea typeface="Arial Unicode MS" pitchFamily="34" charset="-128"/>
-                <a:cs typeface="Arial Unicode MS" pitchFamily="34" charset="-128"/>
-              </a:rPr>
-              <a:t>: ok</a:t>
-            </a:r>
-            <a:endParaRPr kumimoji="0" lang="de-DE" sz="1800" b="0" i="0" u="none" strike="noStrike" kern="0" cap="none" spc="0" normalizeH="0" baseline="0" noProof="0" dirty="0">
-              <a:ln>
-                <a:noFill/>
-              </a:ln>
-              <a:effectLst/>
-              <a:uLnTx/>
-              <a:uFillTx/>
-              <a:ea typeface="Arial Unicode MS" pitchFamily="34" charset="-128"/>
-              <a:cs typeface="Arial Unicode MS" pitchFamily="34" charset="-128"/>
-            </a:endParaRPr>
-          </a:p>
-        </p:txBody>
-      </p:sp>
-      <p:sp>
-        <p:nvSpPr>
-          <p:cNvPr id="52" name="Rectangle 51"/>
-          <p:cNvSpPr/>
-          <p:nvPr/>
-        </p:nvSpPr>
-        <p:spPr bwMode="gray">
-          <a:xfrm>
-            <a:off x="2351297" y="5119315"/>
-            <a:ext cx="1645920" cy="365760"/>
-          </a:xfrm>
-          <a:prstGeom prst="rect">
-            <a:avLst/>
-          </a:prstGeom>
-          <a:ln>
-            <a:headEnd/>
-            <a:tailEnd/>
-          </a:ln>
-        </p:spPr>
-        <p:style>
-          <a:lnRef idx="2">
-            <a:schemeClr val="accent2"/>
-          </a:lnRef>
-          <a:fillRef idx="1">
-            <a:schemeClr val="lt1"/>
-          </a:fillRef>
-          <a:effectRef idx="0">
-            <a:schemeClr val="accent2"/>
-          </a:effectRef>
-          <a:fontRef idx="minor">
-            <a:schemeClr val="dk1"/>
-          </a:fontRef>
-        </p:style>
-        <p:txBody>
-          <a:bodyPr lIns="90000" tIns="72000" rIns="90000" bIns="72000" rtlCol="0" anchor="ctr"/>
-          <a:lstStyle/>
-          <a:p>
-            <a:pPr marR="0" algn="ctr" defTabSz="914400" eaLnBrk="1" fontAlgn="base" latinLnBrk="0" hangingPunct="1">
-              <a:lnSpc>
-                <a:spcPct val="100000"/>
-              </a:lnSpc>
-              <a:spcBef>
-                <a:spcPct val="50000"/>
-              </a:spcBef>
-              <a:spcAft>
-                <a:spcPct val="0"/>
-              </a:spcAft>
-              <a:buClr>
-                <a:srgbClr val="F0AB00"/>
-              </a:buClr>
-              <a:buSzPct val="80000"/>
-              <a:tabLst/>
-            </a:pPr>
-            <a:r>
-              <a:rPr lang="de-DE" sz="1800" kern="0" dirty="0" err="1">
-                <a:ea typeface="Arial Unicode MS" pitchFamily="34" charset="-128"/>
-                <a:cs typeface="Arial Unicode MS" pitchFamily="34" charset="-128"/>
-              </a:rPr>
-              <a:t>access</a:t>
-            </a:r>
-            <a:r>
-              <a:rPr lang="de-DE" sz="1800" kern="0" dirty="0">
-                <a:ea typeface="Arial Unicode MS" pitchFamily="34" charset="-128"/>
-                <a:cs typeface="Arial Unicode MS" pitchFamily="34" charset="-128"/>
-              </a:rPr>
-              <a:t>: not ok</a:t>
-            </a:r>
-            <a:endParaRPr kumimoji="0" lang="de-DE" sz="1800" b="0" i="0" u="none" strike="noStrike" kern="0" cap="none" spc="0" normalizeH="0" baseline="0" noProof="0" dirty="0">
-              <a:ln>
-                <a:noFill/>
-              </a:ln>
-              <a:effectLst/>
-              <a:uLnTx/>
-              <a:uFillTx/>
-              <a:ea typeface="Arial Unicode MS" pitchFamily="34" charset="-128"/>
-              <a:cs typeface="Arial Unicode MS" pitchFamily="34" charset="-128"/>
-            </a:endParaRPr>
-          </a:p>
-        </p:txBody>
-      </p:sp>
-    </p:spTree>
-    <p:extLst>
-      <p:ext uri="{BB962C8B-B14F-4D97-AF65-F5344CB8AC3E}">
-        <p14:creationId xmlns:p14="http://schemas.microsoft.com/office/powerpoint/2010/main" val="4084543091"/>
-      </p:ext>
-    </p:extLst>
-  </p:cSld>
-  <p:clrMapOvr>
-    <a:masterClrMapping/>
-  </p:clrMapOvr>
-</p:sld>
-</file>
-
-<file path=ppt/slides/slide6.xml><?xml version="1.0" encoding="utf-8"?>
-<p:sld xmlns:a="http://schemas.openxmlformats.org/drawingml/2006/main" xmlns:r="http://schemas.openxmlformats.org/officeDocument/2006/relationships" xmlns:p="http://schemas.openxmlformats.org/presentationml/2006/main" show="0">
-  <p:cSld>
-    <p:spTree>
-      <p:nvGrpSpPr>
-        <p:cNvPr id="1" name=""/>
-        <p:cNvGrpSpPr/>
-        <p:nvPr/>
-      </p:nvGrpSpPr>
-      <p:grpSpPr>
-        <a:xfrm>
-          <a:off x="0" y="0"/>
-          <a:ext cx="0" cy="0"/>
-          <a:chOff x="0" y="0"/>
-          <a:chExt cx="0" cy="0"/>
-        </a:xfrm>
-      </p:grpSpPr>
-      <p:sp>
-        <p:nvSpPr>
-          <p:cNvPr id="4" name="Text Placeholder 3"/>
-          <p:cNvSpPr>
-            <a:spLocks noGrp="1"/>
-          </p:cNvSpPr>
-          <p:nvPr>
-            <p:ph type="body" sz="quarter" idx="10"/>
-          </p:nvPr>
-        </p:nvSpPr>
-        <p:spPr>
-          <a:xfrm>
-            <a:off x="504000" y="1110343"/>
-            <a:ext cx="11185200" cy="4266129"/>
-          </a:xfrm>
-        </p:spPr>
-        <p:txBody>
-          <a:bodyPr/>
-          <a:lstStyle/>
-          <a:p>
-            <a:pPr marL="342900" indent="-342900">
-              <a:buFontTx/>
-              <a:buChar char="-"/>
-            </a:pPr>
-            <a:r>
-              <a:rPr lang="en-US" dirty="0"/>
-              <a:t>Create a network policy</a:t>
-            </a:r>
-          </a:p>
-          <a:p>
-            <a:r>
-              <a:rPr lang="de-DE" dirty="0" err="1"/>
-              <a:t>kubectl</a:t>
-            </a:r>
-            <a:r>
-              <a:rPr lang="de-DE" dirty="0"/>
-              <a:t> </a:t>
-            </a:r>
-            <a:r>
-              <a:rPr lang="de-DE" dirty="0" err="1"/>
-              <a:t>run</a:t>
-            </a:r>
-            <a:r>
-              <a:rPr lang="de-DE" dirty="0"/>
-              <a:t> </a:t>
-            </a:r>
-            <a:r>
-              <a:rPr lang="de-DE" dirty="0" err="1"/>
-              <a:t>nginx</a:t>
-            </a:r>
-            <a:r>
-              <a:rPr lang="de-DE" dirty="0"/>
-              <a:t> --image</a:t>
-            </a:r>
-            <a:r>
-              <a:rPr lang="de-DE" b="1" dirty="0"/>
-              <a:t>=</a:t>
-            </a:r>
-            <a:r>
-              <a:rPr lang="de-DE" dirty="0" err="1"/>
-              <a:t>nginx</a:t>
-            </a:r>
-            <a:r>
-              <a:rPr lang="de-DE" dirty="0"/>
-              <a:t> --</a:t>
-            </a:r>
-            <a:r>
-              <a:rPr lang="de-DE" dirty="0" err="1"/>
-              <a:t>replicas</a:t>
-            </a:r>
-            <a:r>
-              <a:rPr lang="de-DE" b="1" dirty="0"/>
-              <a:t>=</a:t>
-            </a:r>
-            <a:r>
-              <a:rPr lang="de-DE" dirty="0"/>
-              <a:t>2 </a:t>
-            </a:r>
-          </a:p>
-          <a:p>
-            <a:r>
-              <a:rPr lang="de-DE" dirty="0" err="1"/>
-              <a:t>kubectl</a:t>
-            </a:r>
-            <a:r>
-              <a:rPr lang="de-DE" dirty="0"/>
-              <a:t> </a:t>
-            </a:r>
-            <a:r>
-              <a:rPr lang="de-DE" dirty="0" err="1"/>
-              <a:t>expose</a:t>
-            </a:r>
-            <a:r>
-              <a:rPr lang="de-DE" dirty="0"/>
-              <a:t> </a:t>
-            </a:r>
-            <a:r>
-              <a:rPr lang="de-DE" dirty="0" err="1"/>
-              <a:t>deployment</a:t>
-            </a:r>
-            <a:r>
-              <a:rPr lang="de-DE" dirty="0"/>
-              <a:t> </a:t>
-            </a:r>
-            <a:r>
-              <a:rPr lang="de-DE" dirty="0" err="1"/>
-              <a:t>nginx</a:t>
-            </a:r>
-            <a:r>
-              <a:rPr lang="de-DE" dirty="0"/>
-              <a:t> --</a:t>
-            </a:r>
-            <a:r>
-              <a:rPr lang="de-DE" dirty="0" err="1"/>
-              <a:t>port</a:t>
-            </a:r>
-            <a:r>
-              <a:rPr lang="de-DE" b="1" dirty="0"/>
-              <a:t>=</a:t>
-            </a:r>
-            <a:r>
-              <a:rPr lang="de-DE" dirty="0"/>
-              <a:t>80</a:t>
-            </a:r>
-          </a:p>
-          <a:p>
-            <a:r>
-              <a:rPr lang="de-DE" dirty="0" err="1"/>
-              <a:t>kubectl</a:t>
-            </a:r>
-            <a:r>
-              <a:rPr lang="de-DE" dirty="0"/>
-              <a:t> </a:t>
-            </a:r>
-            <a:r>
-              <a:rPr lang="de-DE" dirty="0" err="1"/>
-              <a:t>run</a:t>
-            </a:r>
-            <a:r>
-              <a:rPr lang="de-DE" dirty="0"/>
-              <a:t> </a:t>
-            </a:r>
-            <a:r>
-              <a:rPr lang="de-DE" dirty="0" err="1"/>
-              <a:t>busybox</a:t>
-            </a:r>
-            <a:r>
-              <a:rPr lang="de-DE" dirty="0"/>
-              <a:t> --</a:t>
-            </a:r>
-            <a:r>
-              <a:rPr lang="de-DE" dirty="0" err="1"/>
-              <a:t>rm</a:t>
-            </a:r>
-            <a:r>
-              <a:rPr lang="de-DE" dirty="0"/>
-              <a:t> -</a:t>
-            </a:r>
-            <a:r>
-              <a:rPr lang="de-DE" dirty="0" err="1"/>
-              <a:t>ti</a:t>
-            </a:r>
-            <a:r>
-              <a:rPr lang="de-DE" dirty="0"/>
-              <a:t> --image</a:t>
-            </a:r>
-            <a:r>
-              <a:rPr lang="de-DE" b="1" dirty="0"/>
-              <a:t>=</a:t>
-            </a:r>
-            <a:r>
-              <a:rPr lang="de-DE" dirty="0" err="1"/>
-              <a:t>busybox</a:t>
-            </a:r>
-            <a:r>
-              <a:rPr lang="de-DE" dirty="0"/>
-              <a:t> /bin/sh</a:t>
-            </a:r>
-          </a:p>
-          <a:p>
-            <a:r>
-              <a:rPr lang="de-DE" dirty="0"/>
-              <a:t> # </a:t>
-            </a:r>
-            <a:r>
-              <a:rPr lang="de-DE" dirty="0" err="1"/>
-              <a:t>wget</a:t>
-            </a:r>
-            <a:r>
-              <a:rPr lang="de-DE" dirty="0"/>
-              <a:t> --spider --timeout=1 </a:t>
-            </a:r>
-            <a:r>
-              <a:rPr lang="de-DE" dirty="0" err="1"/>
-              <a:t>nginx</a:t>
-            </a:r>
-            <a:endParaRPr lang="en-US" dirty="0"/>
-          </a:p>
-          <a:p>
-            <a:r>
-              <a:rPr lang="en-US" dirty="0" err="1"/>
-              <a:t>Kubectl</a:t>
-            </a:r>
-            <a:r>
-              <a:rPr lang="en-US" dirty="0"/>
-              <a:t> create –f network-</a:t>
-            </a:r>
-            <a:r>
-              <a:rPr lang="en-US" dirty="0" err="1"/>
-              <a:t>policy.yaml</a:t>
-            </a:r>
-            <a:endParaRPr lang="en-US" dirty="0"/>
-          </a:p>
-          <a:p>
-            <a:r>
-              <a:rPr lang="en-US" dirty="0" err="1"/>
-              <a:t>Kubectl</a:t>
-            </a:r>
-            <a:r>
-              <a:rPr lang="en-US" dirty="0"/>
-              <a:t> run ..</a:t>
-            </a:r>
-          </a:p>
-          <a:p>
-            <a:r>
-              <a:rPr lang="en-US" dirty="0" err="1"/>
-              <a:t>Kubectl</a:t>
-            </a:r>
-            <a:r>
-              <a:rPr lang="en-US" dirty="0"/>
-              <a:t> run … -l access=true</a:t>
-            </a:r>
-          </a:p>
-          <a:p>
-            <a:endParaRPr lang="en-US" dirty="0"/>
-          </a:p>
-        </p:txBody>
-      </p:sp>
-      <p:sp>
-        <p:nvSpPr>
-          <p:cNvPr id="3" name="Title 2"/>
-          <p:cNvSpPr>
-            <a:spLocks noGrp="1"/>
-          </p:cNvSpPr>
-          <p:nvPr>
-            <p:ph type="title"/>
-          </p:nvPr>
-        </p:nvSpPr>
-        <p:spPr/>
-        <p:txBody>
-          <a:bodyPr/>
-          <a:lstStyle/>
-          <a:p>
-            <a:r>
-              <a:rPr lang="en-US" dirty="0"/>
-              <a:t>Demo</a:t>
-            </a:r>
-          </a:p>
-        </p:txBody>
-      </p:sp>
-    </p:spTree>
-    <p:extLst>
-      <p:ext uri="{BB962C8B-B14F-4D97-AF65-F5344CB8AC3E}">
-        <p14:creationId xmlns:p14="http://schemas.microsoft.com/office/powerpoint/2010/main" val="1163760557"/>
-      </p:ext>
-    </p:extLst>
-  </p:cSld>
-  <p:clrMapOvr>
-    <a:masterClrMapping/>
-  </p:clrMapOvr>
-</p:sld>
-</file>
-
-<file path=ppt/slides/slide7.xml><?xml version="1.0" encoding="utf-8"?>
 <p:sld xmlns:a="http://schemas.openxmlformats.org/drawingml/2006/main" xmlns:r="http://schemas.openxmlformats.org/officeDocument/2006/relationships" xmlns:p="http://schemas.openxmlformats.org/presentationml/2006/main">
   <p:cSld>
     <p:spTree>
@@ -18626,7 +15896,7 @@
 </p:sld>
 </file>
 
-<file path=ppt/slides/slide8.xml><?xml version="1.0" encoding="utf-8"?>
+<file path=ppt/slides/slide11.xml><?xml version="1.0" encoding="utf-8"?>
 <p:sld xmlns:a="http://schemas.openxmlformats.org/drawingml/2006/main" xmlns:r="http://schemas.openxmlformats.org/officeDocument/2006/relationships" xmlns:p="http://schemas.openxmlformats.org/presentationml/2006/main">
   <p:cSld>
     <p:spTree>
@@ -19731,7 +17001,7 @@
 </p:sld>
 </file>
 
-<file path=ppt/slides/slide9.xml><?xml version="1.0" encoding="utf-8"?>
+<file path=ppt/slides/slide12.xml><?xml version="1.0" encoding="utf-8"?>
 <p:sld xmlns:a="http://schemas.openxmlformats.org/drawingml/2006/main" xmlns:r="http://schemas.openxmlformats.org/officeDocument/2006/relationships" xmlns:p="http://schemas.openxmlformats.org/presentationml/2006/main">
   <p:cSld>
     <p:spTree>
@@ -20300,6 +17570,4889 @@
       <p:bldP spid="3" grpId="0"/>
     </p:bldLst>
   </p:timing>
+</p:sld>
+</file>
+
+<file path=ppt/slides/slide13.xml><?xml version="1.0" encoding="utf-8"?>
+<p:sld xmlns:a="http://schemas.openxmlformats.org/drawingml/2006/main" xmlns:r="http://schemas.openxmlformats.org/officeDocument/2006/relationships" xmlns:p="http://schemas.openxmlformats.org/presentationml/2006/main" show="0">
+  <p:cSld>
+    <p:spTree>
+      <p:nvGrpSpPr>
+        <p:cNvPr id="1" name=""/>
+        <p:cNvGrpSpPr/>
+        <p:nvPr/>
+      </p:nvGrpSpPr>
+      <p:grpSpPr>
+        <a:xfrm>
+          <a:off x="0" y="0"/>
+          <a:ext cx="0" cy="0"/>
+          <a:chOff x="0" y="0"/>
+          <a:chExt cx="0" cy="0"/>
+        </a:xfrm>
+      </p:grpSpPr>
+    </p:spTree>
+  </p:cSld>
+  <p:clrMapOvr>
+    <a:masterClrMapping/>
+  </p:clrMapOvr>
+  <p:transition spd="med"/>
+</p:sld>
+</file>
+
+<file path=ppt/slides/slide2.xml><?xml version="1.0" encoding="utf-8"?>
+<p:sld xmlns:a="http://schemas.openxmlformats.org/drawingml/2006/main" xmlns:r="http://schemas.openxmlformats.org/officeDocument/2006/relationships" xmlns:p="http://schemas.openxmlformats.org/presentationml/2006/main">
+  <p:cSld>
+    <p:spTree>
+      <p:nvGrpSpPr>
+        <p:cNvPr id="1" name=""/>
+        <p:cNvGrpSpPr/>
+        <p:nvPr/>
+      </p:nvGrpSpPr>
+      <p:grpSpPr>
+        <a:xfrm>
+          <a:off x="0" y="0"/>
+          <a:ext cx="0" cy="0"/>
+          <a:chOff x="0" y="0"/>
+          <a:chExt cx="0" cy="0"/>
+        </a:xfrm>
+      </p:grpSpPr>
+      <p:sp>
+        <p:nvSpPr>
+          <p:cNvPr id="13" name="Rectangle 12"/>
+          <p:cNvSpPr/>
+          <p:nvPr/>
+        </p:nvSpPr>
+        <p:spPr bwMode="gray">
+          <a:xfrm>
+            <a:off x="2171701" y="3185160"/>
+            <a:ext cx="6179820" cy="3303743"/>
+          </a:xfrm>
+          <a:prstGeom prst="rect">
+            <a:avLst/>
+          </a:prstGeom>
+          <a:ln>
+            <a:headEnd/>
+            <a:tailEnd/>
+          </a:ln>
+        </p:spPr>
+        <p:style>
+          <a:lnRef idx="2">
+            <a:schemeClr val="accent2">
+              <a:shade val="50000"/>
+            </a:schemeClr>
+          </a:lnRef>
+          <a:fillRef idx="1">
+            <a:schemeClr val="accent2"/>
+          </a:fillRef>
+          <a:effectRef idx="0">
+            <a:schemeClr val="accent2"/>
+          </a:effectRef>
+          <a:fontRef idx="minor">
+            <a:schemeClr val="lt1"/>
+          </a:fontRef>
+        </p:style>
+        <p:txBody>
+          <a:bodyPr lIns="90000" tIns="72000" rIns="90000" bIns="72000" rtlCol="0" anchor="t"/>
+          <a:lstStyle/>
+          <a:p>
+            <a:pPr marR="0" algn="ctr" defTabSz="914400" eaLnBrk="1" fontAlgn="base" latinLnBrk="0" hangingPunct="1">
+              <a:lnSpc>
+                <a:spcPct val="100000"/>
+              </a:lnSpc>
+              <a:spcBef>
+                <a:spcPct val="50000"/>
+              </a:spcBef>
+              <a:spcAft>
+                <a:spcPct val="0"/>
+              </a:spcAft>
+              <a:buClr>
+                <a:srgbClr val="F0AB00"/>
+              </a:buClr>
+              <a:buSzPct val="80000"/>
+              <a:tabLst/>
+            </a:pPr>
+            <a:r>
+              <a:rPr lang="en-US" sz="1600" b="1" kern="0" dirty="0">
+                <a:ea typeface="Arial Unicode MS" pitchFamily="34" charset="-128"/>
+                <a:cs typeface="Arial Unicode MS" pitchFamily="34" charset="-128"/>
+              </a:rPr>
+              <a:t>Namespace</a:t>
+            </a:r>
+            <a:endParaRPr kumimoji="0" lang="en-US" sz="1600" b="1" i="0" u="none" strike="noStrike" kern="0" cap="none" spc="0" normalizeH="0" baseline="0" noProof="0" dirty="0">
+              <a:ln>
+                <a:noFill/>
+              </a:ln>
+              <a:effectLst/>
+              <a:uLnTx/>
+              <a:uFillTx/>
+              <a:ea typeface="Arial Unicode MS" pitchFamily="34" charset="-128"/>
+              <a:cs typeface="Arial Unicode MS" pitchFamily="34" charset="-128"/>
+            </a:endParaRPr>
+          </a:p>
+        </p:txBody>
+      </p:sp>
+      <p:sp>
+        <p:nvSpPr>
+          <p:cNvPr id="2" name="Title 1"/>
+          <p:cNvSpPr>
+            <a:spLocks noGrp="1"/>
+          </p:cNvSpPr>
+          <p:nvPr>
+            <p:ph type="title"/>
+          </p:nvPr>
+        </p:nvSpPr>
+        <p:spPr/>
+        <p:txBody>
+          <a:bodyPr/>
+          <a:lstStyle/>
+          <a:p>
+            <a:r>
+              <a:rPr lang="en-US" dirty="0"/>
+              <a:t>Service Accounts</a:t>
+            </a:r>
+          </a:p>
+        </p:txBody>
+      </p:sp>
+      <p:sp>
+        <p:nvSpPr>
+          <p:cNvPr id="8" name="Rectangle 7"/>
+          <p:cNvSpPr/>
+          <p:nvPr/>
+        </p:nvSpPr>
+        <p:spPr>
+          <a:xfrm>
+            <a:off x="504000" y="1223190"/>
+            <a:ext cx="10918380" cy="1708160"/>
+          </a:xfrm>
+          <a:prstGeom prst="rect">
+            <a:avLst/>
+          </a:prstGeom>
+        </p:spPr>
+        <p:txBody>
+          <a:bodyPr wrap="square">
+            <a:spAutoFit/>
+          </a:bodyPr>
+          <a:lstStyle/>
+          <a:p>
+            <a:pPr marL="342900" indent="-342900">
+              <a:buFont typeface="Wingdings" panose="05000000000000000000" pitchFamily="2" charset="2"/>
+              <a:buChar char="§"/>
+            </a:pPr>
+            <a:r>
+              <a:rPr lang="en-US" dirty="0"/>
+              <a:t>Service accounts are technical user in Kubernetes</a:t>
+            </a:r>
+          </a:p>
+          <a:p>
+            <a:pPr marL="342900" indent="-342900">
+              <a:buFont typeface="Wingdings" panose="05000000000000000000" pitchFamily="2" charset="2"/>
+              <a:buChar char="§"/>
+            </a:pPr>
+            <a:r>
+              <a:rPr lang="en-US" dirty="0"/>
+              <a:t>Bound to a namespace</a:t>
+            </a:r>
+          </a:p>
+          <a:p>
+            <a:pPr marL="342900" indent="-342900">
+              <a:buFont typeface="Wingdings" panose="05000000000000000000" pitchFamily="2" charset="2"/>
+              <a:buChar char="§"/>
+            </a:pPr>
+            <a:r>
+              <a:rPr lang="en-US" dirty="0"/>
+              <a:t>Allowed to communicate with the API server</a:t>
+            </a:r>
+          </a:p>
+          <a:p>
+            <a:pPr marL="342900" indent="-342900">
+              <a:buFont typeface="Wingdings" panose="05000000000000000000" pitchFamily="2" charset="2"/>
+              <a:buChar char="§"/>
+            </a:pPr>
+            <a:r>
+              <a:rPr lang="en-US" dirty="0"/>
+              <a:t>Provide identity for pods</a:t>
+            </a:r>
+          </a:p>
+          <a:p>
+            <a:pPr marL="342900" indent="-342900">
+              <a:buFont typeface="Wingdings" panose="05000000000000000000" pitchFamily="2" charset="2"/>
+              <a:buChar char="§"/>
+            </a:pPr>
+            <a:r>
+              <a:rPr lang="en-US" dirty="0"/>
+              <a:t>Pods can inherit permissions to access the API server or a registry (image pull secret)</a:t>
+            </a:r>
+          </a:p>
+        </p:txBody>
+      </p:sp>
+      <p:sp>
+        <p:nvSpPr>
+          <p:cNvPr id="7" name="Rectangle 6"/>
+          <p:cNvSpPr/>
+          <p:nvPr/>
+        </p:nvSpPr>
+        <p:spPr bwMode="gray">
+          <a:xfrm>
+            <a:off x="3169059" y="3966951"/>
+            <a:ext cx="1627931" cy="1156258"/>
+          </a:xfrm>
+          <a:prstGeom prst="rect">
+            <a:avLst/>
+          </a:prstGeom>
+          <a:ln>
+            <a:headEnd/>
+            <a:tailEnd/>
+          </a:ln>
+        </p:spPr>
+        <p:style>
+          <a:lnRef idx="2">
+            <a:schemeClr val="accent2"/>
+          </a:lnRef>
+          <a:fillRef idx="1">
+            <a:schemeClr val="lt1"/>
+          </a:fillRef>
+          <a:effectRef idx="0">
+            <a:schemeClr val="accent2"/>
+          </a:effectRef>
+          <a:fontRef idx="minor">
+            <a:schemeClr val="dk1"/>
+          </a:fontRef>
+        </p:style>
+        <p:txBody>
+          <a:bodyPr lIns="90000" tIns="72000" rIns="90000" bIns="72000" rtlCol="0" anchor="ctr"/>
+          <a:lstStyle/>
+          <a:p>
+            <a:pPr marR="0" algn="ctr" defTabSz="914400" eaLnBrk="1" fontAlgn="base" latinLnBrk="0" hangingPunct="1">
+              <a:lnSpc>
+                <a:spcPct val="100000"/>
+              </a:lnSpc>
+              <a:spcBef>
+                <a:spcPct val="50000"/>
+              </a:spcBef>
+              <a:spcAft>
+                <a:spcPct val="0"/>
+              </a:spcAft>
+              <a:buClr>
+                <a:srgbClr val="F0AB00"/>
+              </a:buClr>
+              <a:buSzPct val="80000"/>
+              <a:tabLst/>
+            </a:pPr>
+            <a:r>
+              <a:rPr lang="en-US" sz="1800" kern="0" dirty="0">
+                <a:ea typeface="Arial Unicode MS" pitchFamily="34" charset="-128"/>
+                <a:cs typeface="Arial Unicode MS" pitchFamily="34" charset="-128"/>
+              </a:rPr>
+              <a:t>service account</a:t>
+            </a:r>
+          </a:p>
+          <a:p>
+            <a:pPr marR="0" algn="ctr" defTabSz="914400" eaLnBrk="1" fontAlgn="base" latinLnBrk="0" hangingPunct="1">
+              <a:lnSpc>
+                <a:spcPct val="100000"/>
+              </a:lnSpc>
+              <a:spcBef>
+                <a:spcPct val="50000"/>
+              </a:spcBef>
+              <a:spcAft>
+                <a:spcPct val="0"/>
+              </a:spcAft>
+              <a:buClr>
+                <a:srgbClr val="F0AB00"/>
+              </a:buClr>
+              <a:buSzPct val="80000"/>
+              <a:tabLst/>
+            </a:pPr>
+            <a:r>
+              <a:rPr kumimoji="0" lang="en-US" sz="1800" b="0" i="0" u="none" strike="noStrike" kern="0" cap="none" spc="0" normalizeH="0" baseline="0" noProof="0" dirty="0">
+                <a:ln>
+                  <a:noFill/>
+                </a:ln>
+                <a:effectLst/>
+                <a:uLnTx/>
+                <a:uFillTx/>
+                <a:ea typeface="Arial Unicode MS" pitchFamily="34" charset="-128"/>
+                <a:cs typeface="Arial Unicode MS" pitchFamily="34" charset="-128"/>
+              </a:rPr>
+              <a:t>“default”</a:t>
+            </a:r>
+          </a:p>
+        </p:txBody>
+      </p:sp>
+      <p:sp>
+        <p:nvSpPr>
+          <p:cNvPr id="12" name="Rectangle 11"/>
+          <p:cNvSpPr/>
+          <p:nvPr/>
+        </p:nvSpPr>
+        <p:spPr bwMode="gray">
+          <a:xfrm>
+            <a:off x="6624394" y="3542373"/>
+            <a:ext cx="1062486" cy="806724"/>
+          </a:xfrm>
+          <a:prstGeom prst="rect">
+            <a:avLst/>
+          </a:prstGeom>
+          <a:ln>
+            <a:headEnd/>
+            <a:tailEnd/>
+          </a:ln>
+        </p:spPr>
+        <p:style>
+          <a:lnRef idx="2">
+            <a:schemeClr val="accent2"/>
+          </a:lnRef>
+          <a:fillRef idx="1">
+            <a:schemeClr val="lt1"/>
+          </a:fillRef>
+          <a:effectRef idx="0">
+            <a:schemeClr val="accent2"/>
+          </a:effectRef>
+          <a:fontRef idx="minor">
+            <a:schemeClr val="dk1"/>
+          </a:fontRef>
+        </p:style>
+        <p:txBody>
+          <a:bodyPr lIns="90000" tIns="72000" rIns="90000" bIns="72000" rtlCol="0" anchor="ctr"/>
+          <a:lstStyle/>
+          <a:p>
+            <a:pPr marR="0" algn="ctr" defTabSz="914400" eaLnBrk="1" fontAlgn="base" latinLnBrk="0" hangingPunct="1">
+              <a:lnSpc>
+                <a:spcPct val="100000"/>
+              </a:lnSpc>
+              <a:spcBef>
+                <a:spcPct val="50000"/>
+              </a:spcBef>
+              <a:spcAft>
+                <a:spcPct val="0"/>
+              </a:spcAft>
+              <a:buClr>
+                <a:srgbClr val="F0AB00"/>
+              </a:buClr>
+              <a:buSzPct val="80000"/>
+              <a:tabLst/>
+            </a:pPr>
+            <a:r>
+              <a:rPr lang="en-US" sz="1800" kern="0" noProof="0" dirty="0">
+                <a:ea typeface="Arial Unicode MS" pitchFamily="34" charset="-128"/>
+                <a:cs typeface="Arial Unicode MS" pitchFamily="34" charset="-128"/>
+              </a:rPr>
+              <a:t>Pod</a:t>
+            </a:r>
+            <a:r>
+              <a:rPr lang="en-US" sz="1800" kern="0" dirty="0">
+                <a:ea typeface="Arial Unicode MS" pitchFamily="34" charset="-128"/>
+                <a:cs typeface="Arial Unicode MS" pitchFamily="34" charset="-128"/>
+              </a:rPr>
+              <a:t> A</a:t>
+            </a:r>
+            <a:endParaRPr kumimoji="0" lang="en-US" sz="1800" b="0" i="0" u="none" strike="noStrike" kern="0" cap="none" spc="0" normalizeH="0" baseline="0" noProof="0" dirty="0">
+              <a:ln>
+                <a:noFill/>
+              </a:ln>
+              <a:effectLst/>
+              <a:uLnTx/>
+              <a:uFillTx/>
+              <a:ea typeface="Arial Unicode MS" pitchFamily="34" charset="-128"/>
+              <a:cs typeface="Arial Unicode MS" pitchFamily="34" charset="-128"/>
+            </a:endParaRPr>
+          </a:p>
+        </p:txBody>
+      </p:sp>
+      <p:sp>
+        <p:nvSpPr>
+          <p:cNvPr id="14" name="Rectangle 13"/>
+          <p:cNvSpPr/>
+          <p:nvPr/>
+        </p:nvSpPr>
+        <p:spPr bwMode="gray">
+          <a:xfrm>
+            <a:off x="6624394" y="5477853"/>
+            <a:ext cx="1062486" cy="806724"/>
+          </a:xfrm>
+          <a:prstGeom prst="rect">
+            <a:avLst/>
+          </a:prstGeom>
+          <a:ln>
+            <a:headEnd/>
+            <a:tailEnd/>
+          </a:ln>
+        </p:spPr>
+        <p:style>
+          <a:lnRef idx="2">
+            <a:schemeClr val="accent2"/>
+          </a:lnRef>
+          <a:fillRef idx="1">
+            <a:schemeClr val="lt1"/>
+          </a:fillRef>
+          <a:effectRef idx="0">
+            <a:schemeClr val="accent2"/>
+          </a:effectRef>
+          <a:fontRef idx="minor">
+            <a:schemeClr val="dk1"/>
+          </a:fontRef>
+        </p:style>
+        <p:txBody>
+          <a:bodyPr lIns="90000" tIns="72000" rIns="90000" bIns="72000" rtlCol="0" anchor="ctr"/>
+          <a:lstStyle/>
+          <a:p>
+            <a:pPr marR="0" algn="ctr" defTabSz="914400" eaLnBrk="1" fontAlgn="base" latinLnBrk="0" hangingPunct="1">
+              <a:lnSpc>
+                <a:spcPct val="100000"/>
+              </a:lnSpc>
+              <a:spcBef>
+                <a:spcPct val="50000"/>
+              </a:spcBef>
+              <a:spcAft>
+                <a:spcPct val="0"/>
+              </a:spcAft>
+              <a:buClr>
+                <a:srgbClr val="F0AB00"/>
+              </a:buClr>
+              <a:buSzPct val="80000"/>
+              <a:tabLst/>
+            </a:pPr>
+            <a:r>
+              <a:rPr lang="en-US" sz="1800" kern="0" noProof="0" dirty="0">
+                <a:ea typeface="Arial Unicode MS" pitchFamily="34" charset="-128"/>
+                <a:cs typeface="Arial Unicode MS" pitchFamily="34" charset="-128"/>
+              </a:rPr>
+              <a:t>Pod</a:t>
+            </a:r>
+            <a:r>
+              <a:rPr lang="en-US" sz="1800" kern="0" dirty="0">
+                <a:ea typeface="Arial Unicode MS" pitchFamily="34" charset="-128"/>
+                <a:cs typeface="Arial Unicode MS" pitchFamily="34" charset="-128"/>
+              </a:rPr>
+              <a:t> B</a:t>
+            </a:r>
+            <a:endParaRPr kumimoji="0" lang="en-US" sz="1800" b="0" i="0" u="none" strike="noStrike" kern="0" cap="none" spc="0" normalizeH="0" baseline="0" noProof="0" dirty="0">
+              <a:ln>
+                <a:noFill/>
+              </a:ln>
+              <a:effectLst/>
+              <a:uLnTx/>
+              <a:uFillTx/>
+              <a:ea typeface="Arial Unicode MS" pitchFamily="34" charset="-128"/>
+              <a:cs typeface="Arial Unicode MS" pitchFamily="34" charset="-128"/>
+            </a:endParaRPr>
+          </a:p>
+        </p:txBody>
+      </p:sp>
+      <p:cxnSp>
+        <p:nvCxnSpPr>
+          <p:cNvPr id="16" name="Straight Arrow Connector 15"/>
+          <p:cNvCxnSpPr>
+            <a:stCxn id="7" idx="3"/>
+            <a:endCxn id="12" idx="1"/>
+          </p:cNvCxnSpPr>
+          <p:nvPr/>
+        </p:nvCxnSpPr>
+        <p:spPr>
+          <a:xfrm flipV="1">
+            <a:off x="4796990" y="3945735"/>
+            <a:ext cx="1827404" cy="599345"/>
+          </a:xfrm>
+          <a:prstGeom prst="straightConnector1">
+            <a:avLst/>
+          </a:prstGeom>
+          <a:ln w="38100">
+            <a:solidFill>
+              <a:schemeClr val="tx2">
+                <a:lumMod val="60000"/>
+                <a:lumOff val="40000"/>
+              </a:schemeClr>
+            </a:solidFill>
+            <a:headEnd type="none" w="med" len="med"/>
+            <a:tailEnd type="triangle"/>
+          </a:ln>
+        </p:spPr>
+        <p:style>
+          <a:lnRef idx="1">
+            <a:schemeClr val="accent1"/>
+          </a:lnRef>
+          <a:fillRef idx="0">
+            <a:schemeClr val="accent1"/>
+          </a:fillRef>
+          <a:effectRef idx="0">
+            <a:schemeClr val="accent1"/>
+          </a:effectRef>
+          <a:fontRef idx="minor">
+            <a:schemeClr val="tx1"/>
+          </a:fontRef>
+        </p:style>
+      </p:cxnSp>
+      <p:cxnSp>
+        <p:nvCxnSpPr>
+          <p:cNvPr id="17" name="Straight Arrow Connector 16"/>
+          <p:cNvCxnSpPr>
+            <a:stCxn id="7" idx="3"/>
+            <a:endCxn id="14" idx="1"/>
+          </p:cNvCxnSpPr>
+          <p:nvPr/>
+        </p:nvCxnSpPr>
+        <p:spPr>
+          <a:xfrm>
+            <a:off x="4796990" y="4545080"/>
+            <a:ext cx="1827404" cy="1336135"/>
+          </a:xfrm>
+          <a:prstGeom prst="straightConnector1">
+            <a:avLst/>
+          </a:prstGeom>
+          <a:ln w="38100">
+            <a:solidFill>
+              <a:schemeClr val="tx2">
+                <a:lumMod val="60000"/>
+                <a:lumOff val="40000"/>
+              </a:schemeClr>
+            </a:solidFill>
+            <a:headEnd type="none" w="med" len="med"/>
+            <a:tailEnd type="triangle"/>
+          </a:ln>
+        </p:spPr>
+        <p:style>
+          <a:lnRef idx="1">
+            <a:schemeClr val="accent1"/>
+          </a:lnRef>
+          <a:fillRef idx="0">
+            <a:schemeClr val="accent1"/>
+          </a:fillRef>
+          <a:effectRef idx="0">
+            <a:schemeClr val="accent1"/>
+          </a:effectRef>
+          <a:fontRef idx="minor">
+            <a:schemeClr val="tx1"/>
+          </a:fontRef>
+        </p:style>
+      </p:cxnSp>
+      <p:sp>
+        <p:nvSpPr>
+          <p:cNvPr id="22" name="Cylinder 21"/>
+          <p:cNvSpPr/>
+          <p:nvPr/>
+        </p:nvSpPr>
+        <p:spPr bwMode="gray">
+          <a:xfrm>
+            <a:off x="3481540" y="5500723"/>
+            <a:ext cx="1002967" cy="812920"/>
+          </a:xfrm>
+          <a:prstGeom prst="can">
+            <a:avLst/>
+          </a:prstGeom>
+          <a:ln>
+            <a:headEnd/>
+            <a:tailEnd/>
+          </a:ln>
+        </p:spPr>
+        <p:style>
+          <a:lnRef idx="2">
+            <a:schemeClr val="accent2"/>
+          </a:lnRef>
+          <a:fillRef idx="1">
+            <a:schemeClr val="lt1"/>
+          </a:fillRef>
+          <a:effectRef idx="0">
+            <a:schemeClr val="accent2"/>
+          </a:effectRef>
+          <a:fontRef idx="minor">
+            <a:schemeClr val="dk1"/>
+          </a:fontRef>
+        </p:style>
+        <p:txBody>
+          <a:bodyPr lIns="90000" tIns="72000" rIns="90000" bIns="72000" rtlCol="0" anchor="ctr"/>
+          <a:lstStyle/>
+          <a:p>
+            <a:pPr marR="0" algn="ctr" defTabSz="914400" eaLnBrk="1" fontAlgn="base" latinLnBrk="0" hangingPunct="1">
+              <a:lnSpc>
+                <a:spcPct val="100000"/>
+              </a:lnSpc>
+              <a:spcBef>
+                <a:spcPct val="50000"/>
+              </a:spcBef>
+              <a:spcAft>
+                <a:spcPct val="0"/>
+              </a:spcAft>
+              <a:buClr>
+                <a:srgbClr val="F0AB00"/>
+              </a:buClr>
+              <a:buSzPct val="80000"/>
+              <a:tabLst/>
+            </a:pPr>
+            <a:r>
+              <a:rPr lang="en-US" sz="1800" kern="0" dirty="0">
+                <a:ea typeface="Arial Unicode MS" pitchFamily="34" charset="-128"/>
+                <a:cs typeface="Arial Unicode MS" pitchFamily="34" charset="-128"/>
+              </a:rPr>
+              <a:t>secrets</a:t>
+            </a:r>
+            <a:endParaRPr kumimoji="0" lang="en-US" sz="1800" b="0" i="0" u="none" strike="noStrike" kern="0" cap="none" spc="0" normalizeH="0" baseline="0" noProof="0" dirty="0">
+              <a:ln>
+                <a:noFill/>
+              </a:ln>
+              <a:effectLst/>
+              <a:uLnTx/>
+              <a:uFillTx/>
+              <a:ea typeface="Arial Unicode MS" pitchFamily="34" charset="-128"/>
+              <a:cs typeface="Arial Unicode MS" pitchFamily="34" charset="-128"/>
+            </a:endParaRPr>
+          </a:p>
+        </p:txBody>
+      </p:sp>
+      <p:cxnSp>
+        <p:nvCxnSpPr>
+          <p:cNvPr id="24" name="Straight Arrow Connector 23"/>
+          <p:cNvCxnSpPr>
+            <a:stCxn id="22" idx="1"/>
+            <a:endCxn id="7" idx="2"/>
+          </p:cNvCxnSpPr>
+          <p:nvPr/>
+        </p:nvCxnSpPr>
+        <p:spPr>
+          <a:xfrm flipV="1">
+            <a:off x="3983024" y="5123209"/>
+            <a:ext cx="1" cy="377514"/>
+          </a:xfrm>
+          <a:prstGeom prst="straightConnector1">
+            <a:avLst/>
+          </a:prstGeom>
+          <a:ln w="38100">
+            <a:solidFill>
+              <a:schemeClr val="tx2">
+                <a:lumMod val="60000"/>
+                <a:lumOff val="40000"/>
+              </a:schemeClr>
+            </a:solidFill>
+            <a:headEnd type="none" w="med" len="med"/>
+            <a:tailEnd type="triangle"/>
+          </a:ln>
+        </p:spPr>
+        <p:style>
+          <a:lnRef idx="1">
+            <a:schemeClr val="accent1"/>
+          </a:lnRef>
+          <a:fillRef idx="0">
+            <a:schemeClr val="accent1"/>
+          </a:fillRef>
+          <a:effectRef idx="0">
+            <a:schemeClr val="accent1"/>
+          </a:effectRef>
+          <a:fontRef idx="minor">
+            <a:schemeClr val="tx1"/>
+          </a:fontRef>
+        </p:style>
+      </p:cxnSp>
+    </p:spTree>
+    <p:extLst>
+      <p:ext uri="{BB962C8B-B14F-4D97-AF65-F5344CB8AC3E}">
+        <p14:creationId xmlns:p14="http://schemas.microsoft.com/office/powerpoint/2010/main" val="864191870"/>
+      </p:ext>
+    </p:extLst>
+  </p:cSld>
+  <p:clrMapOvr>
+    <a:masterClrMapping/>
+  </p:clrMapOvr>
+</p:sld>
+</file>
+
+<file path=ppt/slides/slide3.xml><?xml version="1.0" encoding="utf-8"?>
+<p:sld xmlns:a="http://schemas.openxmlformats.org/drawingml/2006/main" xmlns:r="http://schemas.openxmlformats.org/officeDocument/2006/relationships" xmlns:p="http://schemas.openxmlformats.org/presentationml/2006/main">
+  <p:cSld>
+    <p:spTree>
+      <p:nvGrpSpPr>
+        <p:cNvPr id="1" name=""/>
+        <p:cNvGrpSpPr/>
+        <p:nvPr/>
+      </p:nvGrpSpPr>
+      <p:grpSpPr>
+        <a:xfrm>
+          <a:off x="0" y="0"/>
+          <a:ext cx="0" cy="0"/>
+          <a:chOff x="0" y="0"/>
+          <a:chExt cx="0" cy="0"/>
+        </a:xfrm>
+      </p:grpSpPr>
+      <p:sp>
+        <p:nvSpPr>
+          <p:cNvPr id="13" name="Rectangle 12"/>
+          <p:cNvSpPr/>
+          <p:nvPr/>
+        </p:nvSpPr>
+        <p:spPr bwMode="gray">
+          <a:xfrm>
+            <a:off x="2171701" y="3185160"/>
+            <a:ext cx="6179820" cy="3303743"/>
+          </a:xfrm>
+          <a:prstGeom prst="rect">
+            <a:avLst/>
+          </a:prstGeom>
+          <a:ln>
+            <a:headEnd/>
+            <a:tailEnd/>
+          </a:ln>
+        </p:spPr>
+        <p:style>
+          <a:lnRef idx="2">
+            <a:schemeClr val="accent2">
+              <a:shade val="50000"/>
+            </a:schemeClr>
+          </a:lnRef>
+          <a:fillRef idx="1">
+            <a:schemeClr val="accent2"/>
+          </a:fillRef>
+          <a:effectRef idx="0">
+            <a:schemeClr val="accent2"/>
+          </a:effectRef>
+          <a:fontRef idx="minor">
+            <a:schemeClr val="lt1"/>
+          </a:fontRef>
+        </p:style>
+        <p:txBody>
+          <a:bodyPr lIns="90000" tIns="72000" rIns="90000" bIns="72000" rtlCol="0" anchor="t"/>
+          <a:lstStyle/>
+          <a:p>
+            <a:pPr marR="0" algn="ctr" defTabSz="914400" eaLnBrk="1" fontAlgn="base" latinLnBrk="0" hangingPunct="1">
+              <a:lnSpc>
+                <a:spcPct val="100000"/>
+              </a:lnSpc>
+              <a:spcBef>
+                <a:spcPct val="50000"/>
+              </a:spcBef>
+              <a:spcAft>
+                <a:spcPct val="0"/>
+              </a:spcAft>
+              <a:buClr>
+                <a:srgbClr val="F0AB00"/>
+              </a:buClr>
+              <a:buSzPct val="80000"/>
+              <a:tabLst/>
+            </a:pPr>
+            <a:r>
+              <a:rPr lang="en-US" sz="1600" b="1" kern="0" dirty="0">
+                <a:ea typeface="Arial Unicode MS" pitchFamily="34" charset="-128"/>
+                <a:cs typeface="Arial Unicode MS" pitchFamily="34" charset="-128"/>
+              </a:rPr>
+              <a:t>Namespace</a:t>
+            </a:r>
+            <a:endParaRPr kumimoji="0" lang="en-US" sz="1600" b="1" i="0" u="none" strike="noStrike" kern="0" cap="none" spc="0" normalizeH="0" baseline="0" noProof="0" dirty="0">
+              <a:ln>
+                <a:noFill/>
+              </a:ln>
+              <a:effectLst/>
+              <a:uLnTx/>
+              <a:uFillTx/>
+              <a:ea typeface="Arial Unicode MS" pitchFamily="34" charset="-128"/>
+              <a:cs typeface="Arial Unicode MS" pitchFamily="34" charset="-128"/>
+            </a:endParaRPr>
+          </a:p>
+        </p:txBody>
+      </p:sp>
+      <p:sp>
+        <p:nvSpPr>
+          <p:cNvPr id="2" name="Title 1"/>
+          <p:cNvSpPr>
+            <a:spLocks noGrp="1"/>
+          </p:cNvSpPr>
+          <p:nvPr>
+            <p:ph type="title"/>
+          </p:nvPr>
+        </p:nvSpPr>
+        <p:spPr/>
+        <p:txBody>
+          <a:bodyPr/>
+          <a:lstStyle/>
+          <a:p>
+            <a:r>
+              <a:rPr lang="en-US" dirty="0"/>
+              <a:t>Role based authorization (RBAC)</a:t>
+            </a:r>
+          </a:p>
+        </p:txBody>
+      </p:sp>
+      <p:sp>
+        <p:nvSpPr>
+          <p:cNvPr id="8" name="Rectangle 7"/>
+          <p:cNvSpPr/>
+          <p:nvPr/>
+        </p:nvSpPr>
+        <p:spPr>
+          <a:xfrm>
+            <a:off x="504000" y="1223190"/>
+            <a:ext cx="10918380" cy="1384995"/>
+          </a:xfrm>
+          <a:prstGeom prst="rect">
+            <a:avLst/>
+          </a:prstGeom>
+        </p:spPr>
+        <p:txBody>
+          <a:bodyPr wrap="square">
+            <a:spAutoFit/>
+          </a:bodyPr>
+          <a:lstStyle/>
+          <a:p>
+            <a:pPr marL="342900" indent="-342900">
+              <a:buFont typeface="Wingdings" panose="05000000000000000000" pitchFamily="2" charset="2"/>
+              <a:buChar char="§"/>
+            </a:pPr>
+            <a:r>
+              <a:rPr lang="en-US" dirty="0"/>
+              <a:t>roles define which </a:t>
+            </a:r>
+            <a:r>
+              <a:rPr lang="en-US" dirty="0" err="1"/>
+              <a:t>api’s</a:t>
+            </a:r>
+            <a:r>
+              <a:rPr lang="en-US" dirty="0"/>
+              <a:t> / resources can be accessed in which way</a:t>
+            </a:r>
+          </a:p>
+          <a:p>
+            <a:pPr marL="342900" indent="-342900">
+              <a:buFont typeface="Wingdings" panose="05000000000000000000" pitchFamily="2" charset="2"/>
+              <a:buChar char="§"/>
+            </a:pPr>
+            <a:r>
+              <a:rPr lang="en-US" dirty="0"/>
+              <a:t>Roles can be assigned to service accounts</a:t>
+            </a:r>
+          </a:p>
+          <a:p>
+            <a:pPr marL="342900" indent="-342900">
+              <a:buFont typeface="Wingdings" panose="05000000000000000000" pitchFamily="2" charset="2"/>
+              <a:buChar char="§"/>
+            </a:pPr>
+            <a:r>
+              <a:rPr lang="en-US" dirty="0"/>
+              <a:t>Roles are pre-configured or custom defined</a:t>
+            </a:r>
+          </a:p>
+          <a:p>
+            <a:pPr marL="342900" indent="-342900">
+              <a:buFont typeface="Wingdings" panose="05000000000000000000" pitchFamily="2" charset="2"/>
+              <a:buChar char="§"/>
+            </a:pPr>
+            <a:r>
+              <a:rPr lang="en-US" dirty="0"/>
+              <a:t>Bindings: cluster-wide or restricted to namespace </a:t>
+            </a:r>
+          </a:p>
+        </p:txBody>
+      </p:sp>
+      <p:sp>
+        <p:nvSpPr>
+          <p:cNvPr id="7" name="Rectangle 6"/>
+          <p:cNvSpPr/>
+          <p:nvPr/>
+        </p:nvSpPr>
+        <p:spPr bwMode="gray">
+          <a:xfrm>
+            <a:off x="3230020" y="4349097"/>
+            <a:ext cx="1315448" cy="774112"/>
+          </a:xfrm>
+          <a:prstGeom prst="rect">
+            <a:avLst/>
+          </a:prstGeom>
+          <a:ln>
+            <a:headEnd/>
+            <a:tailEnd/>
+          </a:ln>
+        </p:spPr>
+        <p:style>
+          <a:lnRef idx="2">
+            <a:schemeClr val="accent2"/>
+          </a:lnRef>
+          <a:fillRef idx="1">
+            <a:schemeClr val="lt1"/>
+          </a:fillRef>
+          <a:effectRef idx="0">
+            <a:schemeClr val="accent2"/>
+          </a:effectRef>
+          <a:fontRef idx="minor">
+            <a:schemeClr val="dk1"/>
+          </a:fontRef>
+        </p:style>
+        <p:txBody>
+          <a:bodyPr lIns="90000" tIns="72000" rIns="90000" bIns="72000" rtlCol="0" anchor="ctr"/>
+          <a:lstStyle/>
+          <a:p>
+            <a:pPr marR="0" algn="ctr" defTabSz="914400" eaLnBrk="1" fontAlgn="base" latinLnBrk="0" hangingPunct="1">
+              <a:lnSpc>
+                <a:spcPct val="100000"/>
+              </a:lnSpc>
+              <a:spcBef>
+                <a:spcPct val="50000"/>
+              </a:spcBef>
+              <a:spcAft>
+                <a:spcPct val="0"/>
+              </a:spcAft>
+              <a:buClr>
+                <a:srgbClr val="F0AB00"/>
+              </a:buClr>
+              <a:buSzPct val="80000"/>
+              <a:tabLst/>
+            </a:pPr>
+            <a:r>
+              <a:rPr lang="en-US" sz="1800" kern="0" dirty="0">
+                <a:ea typeface="Arial Unicode MS" pitchFamily="34" charset="-128"/>
+                <a:cs typeface="Arial Unicode MS" pitchFamily="34" charset="-128"/>
+              </a:rPr>
+              <a:t>Role binding</a:t>
+            </a:r>
+            <a:endParaRPr kumimoji="0" lang="en-US" sz="1800" b="0" i="0" u="none" strike="noStrike" kern="0" cap="none" spc="0" normalizeH="0" baseline="0" noProof="0" dirty="0">
+              <a:ln>
+                <a:noFill/>
+              </a:ln>
+              <a:effectLst/>
+              <a:uLnTx/>
+              <a:uFillTx/>
+              <a:ea typeface="Arial Unicode MS" pitchFamily="34" charset="-128"/>
+              <a:cs typeface="Arial Unicode MS" pitchFamily="34" charset="-128"/>
+            </a:endParaRPr>
+          </a:p>
+        </p:txBody>
+      </p:sp>
+      <p:sp>
+        <p:nvSpPr>
+          <p:cNvPr id="12" name="Rectangle 11"/>
+          <p:cNvSpPr/>
+          <p:nvPr/>
+        </p:nvSpPr>
+        <p:spPr bwMode="gray">
+          <a:xfrm>
+            <a:off x="6624394" y="3542373"/>
+            <a:ext cx="1062486" cy="806724"/>
+          </a:xfrm>
+          <a:prstGeom prst="rect">
+            <a:avLst/>
+          </a:prstGeom>
+          <a:ln>
+            <a:headEnd/>
+            <a:tailEnd/>
+          </a:ln>
+        </p:spPr>
+        <p:style>
+          <a:lnRef idx="2">
+            <a:schemeClr val="accent2"/>
+          </a:lnRef>
+          <a:fillRef idx="1">
+            <a:schemeClr val="lt1"/>
+          </a:fillRef>
+          <a:effectRef idx="0">
+            <a:schemeClr val="accent2"/>
+          </a:effectRef>
+          <a:fontRef idx="minor">
+            <a:schemeClr val="dk1"/>
+          </a:fontRef>
+        </p:style>
+        <p:txBody>
+          <a:bodyPr lIns="90000" tIns="72000" rIns="90000" bIns="72000" rtlCol="0" anchor="ctr"/>
+          <a:lstStyle/>
+          <a:p>
+            <a:pPr marR="0" algn="ctr" defTabSz="914400" eaLnBrk="1" fontAlgn="base" latinLnBrk="0" hangingPunct="1">
+              <a:lnSpc>
+                <a:spcPct val="100000"/>
+              </a:lnSpc>
+              <a:spcBef>
+                <a:spcPct val="50000"/>
+              </a:spcBef>
+              <a:spcAft>
+                <a:spcPct val="0"/>
+              </a:spcAft>
+              <a:buClr>
+                <a:srgbClr val="F0AB00"/>
+              </a:buClr>
+              <a:buSzPct val="80000"/>
+              <a:tabLst/>
+            </a:pPr>
+            <a:r>
+              <a:rPr lang="en-US" sz="1800" kern="0" noProof="0" dirty="0">
+                <a:ea typeface="Arial Unicode MS" pitchFamily="34" charset="-128"/>
+                <a:cs typeface="Arial Unicode MS" pitchFamily="34" charset="-128"/>
+              </a:rPr>
+              <a:t>Pod</a:t>
+            </a:r>
+            <a:r>
+              <a:rPr lang="en-US" sz="1800" kern="0" dirty="0">
+                <a:ea typeface="Arial Unicode MS" pitchFamily="34" charset="-128"/>
+                <a:cs typeface="Arial Unicode MS" pitchFamily="34" charset="-128"/>
+              </a:rPr>
+              <a:t> A</a:t>
+            </a:r>
+            <a:endParaRPr kumimoji="0" lang="en-US" sz="1800" b="0" i="0" u="none" strike="noStrike" kern="0" cap="none" spc="0" normalizeH="0" baseline="0" noProof="0" dirty="0">
+              <a:ln>
+                <a:noFill/>
+              </a:ln>
+              <a:effectLst/>
+              <a:uLnTx/>
+              <a:uFillTx/>
+              <a:ea typeface="Arial Unicode MS" pitchFamily="34" charset="-128"/>
+              <a:cs typeface="Arial Unicode MS" pitchFamily="34" charset="-128"/>
+            </a:endParaRPr>
+          </a:p>
+        </p:txBody>
+      </p:sp>
+      <p:sp>
+        <p:nvSpPr>
+          <p:cNvPr id="14" name="Rectangle 13"/>
+          <p:cNvSpPr/>
+          <p:nvPr/>
+        </p:nvSpPr>
+        <p:spPr bwMode="gray">
+          <a:xfrm>
+            <a:off x="6624394" y="5477853"/>
+            <a:ext cx="1062486" cy="806724"/>
+          </a:xfrm>
+          <a:prstGeom prst="rect">
+            <a:avLst/>
+          </a:prstGeom>
+          <a:ln>
+            <a:headEnd/>
+            <a:tailEnd/>
+          </a:ln>
+        </p:spPr>
+        <p:style>
+          <a:lnRef idx="2">
+            <a:schemeClr val="accent2"/>
+          </a:lnRef>
+          <a:fillRef idx="1">
+            <a:schemeClr val="lt1"/>
+          </a:fillRef>
+          <a:effectRef idx="0">
+            <a:schemeClr val="accent2"/>
+          </a:effectRef>
+          <a:fontRef idx="minor">
+            <a:schemeClr val="dk1"/>
+          </a:fontRef>
+        </p:style>
+        <p:txBody>
+          <a:bodyPr lIns="90000" tIns="72000" rIns="90000" bIns="72000" rtlCol="0" anchor="ctr"/>
+          <a:lstStyle/>
+          <a:p>
+            <a:pPr marR="0" algn="ctr" defTabSz="914400" eaLnBrk="1" fontAlgn="base" latinLnBrk="0" hangingPunct="1">
+              <a:lnSpc>
+                <a:spcPct val="100000"/>
+              </a:lnSpc>
+              <a:spcBef>
+                <a:spcPct val="50000"/>
+              </a:spcBef>
+              <a:spcAft>
+                <a:spcPct val="0"/>
+              </a:spcAft>
+              <a:buClr>
+                <a:srgbClr val="F0AB00"/>
+              </a:buClr>
+              <a:buSzPct val="80000"/>
+              <a:tabLst/>
+            </a:pPr>
+            <a:r>
+              <a:rPr lang="en-US" sz="1800" kern="0" noProof="0" dirty="0">
+                <a:ea typeface="Arial Unicode MS" pitchFamily="34" charset="-128"/>
+                <a:cs typeface="Arial Unicode MS" pitchFamily="34" charset="-128"/>
+              </a:rPr>
+              <a:t>Secret </a:t>
+            </a:r>
+            <a:r>
+              <a:rPr lang="en-US" sz="1800" kern="0" dirty="0">
+                <a:ea typeface="Arial Unicode MS" pitchFamily="34" charset="-128"/>
+                <a:cs typeface="Arial Unicode MS" pitchFamily="34" charset="-128"/>
+              </a:rPr>
+              <a:t>A</a:t>
+            </a:r>
+            <a:endParaRPr kumimoji="0" lang="en-US" sz="1800" b="0" i="0" u="none" strike="noStrike" kern="0" cap="none" spc="0" normalizeH="0" baseline="0" noProof="0" dirty="0">
+              <a:ln>
+                <a:noFill/>
+              </a:ln>
+              <a:effectLst/>
+              <a:uLnTx/>
+              <a:uFillTx/>
+              <a:ea typeface="Arial Unicode MS" pitchFamily="34" charset="-128"/>
+              <a:cs typeface="Arial Unicode MS" pitchFamily="34" charset="-128"/>
+            </a:endParaRPr>
+          </a:p>
+        </p:txBody>
+      </p:sp>
+      <p:cxnSp>
+        <p:nvCxnSpPr>
+          <p:cNvPr id="16" name="Straight Arrow Connector 15"/>
+          <p:cNvCxnSpPr>
+            <a:stCxn id="25" idx="1"/>
+            <a:endCxn id="7" idx="0"/>
+          </p:cNvCxnSpPr>
+          <p:nvPr/>
+        </p:nvCxnSpPr>
+        <p:spPr>
+          <a:xfrm>
+            <a:off x="3261598" y="4006198"/>
+            <a:ext cx="626146" cy="342899"/>
+          </a:xfrm>
+          <a:prstGeom prst="straightConnector1">
+            <a:avLst/>
+          </a:prstGeom>
+          <a:ln w="38100">
+            <a:solidFill>
+              <a:schemeClr val="tx2">
+                <a:lumMod val="60000"/>
+                <a:lumOff val="40000"/>
+              </a:schemeClr>
+            </a:solidFill>
+            <a:headEnd type="none" w="med" len="med"/>
+            <a:tailEnd type="triangle"/>
+          </a:ln>
+        </p:spPr>
+        <p:style>
+          <a:lnRef idx="1">
+            <a:schemeClr val="accent1"/>
+          </a:lnRef>
+          <a:fillRef idx="0">
+            <a:schemeClr val="accent1"/>
+          </a:fillRef>
+          <a:effectRef idx="0">
+            <a:schemeClr val="accent1"/>
+          </a:effectRef>
+          <a:fontRef idx="minor">
+            <a:schemeClr val="tx1"/>
+          </a:fontRef>
+        </p:style>
+      </p:cxnSp>
+      <p:cxnSp>
+        <p:nvCxnSpPr>
+          <p:cNvPr id="17" name="Straight Arrow Connector 16"/>
+          <p:cNvCxnSpPr>
+            <a:stCxn id="7" idx="3"/>
+            <a:endCxn id="14" idx="1"/>
+          </p:cNvCxnSpPr>
+          <p:nvPr/>
+        </p:nvCxnSpPr>
+        <p:spPr>
+          <a:xfrm>
+            <a:off x="4545468" y="4736153"/>
+            <a:ext cx="2078926" cy="1145062"/>
+          </a:xfrm>
+          <a:prstGeom prst="straightConnector1">
+            <a:avLst/>
+          </a:prstGeom>
+          <a:ln w="38100">
+            <a:solidFill>
+              <a:schemeClr val="tx2">
+                <a:lumMod val="60000"/>
+                <a:lumOff val="40000"/>
+              </a:schemeClr>
+            </a:solidFill>
+            <a:headEnd type="none" w="med" len="med"/>
+            <a:tailEnd type="triangle"/>
+          </a:ln>
+        </p:spPr>
+        <p:style>
+          <a:lnRef idx="1">
+            <a:schemeClr val="accent1"/>
+          </a:lnRef>
+          <a:fillRef idx="0">
+            <a:schemeClr val="accent1"/>
+          </a:fillRef>
+          <a:effectRef idx="0">
+            <a:schemeClr val="accent1"/>
+          </a:effectRef>
+          <a:fontRef idx="minor">
+            <a:schemeClr val="tx1"/>
+          </a:fontRef>
+        </p:style>
+      </p:cxnSp>
+      <p:sp>
+        <p:nvSpPr>
+          <p:cNvPr id="22" name="Cylinder 21"/>
+          <p:cNvSpPr/>
+          <p:nvPr/>
+        </p:nvSpPr>
+        <p:spPr bwMode="gray">
+          <a:xfrm>
+            <a:off x="2765260" y="5500723"/>
+            <a:ext cx="1002967" cy="812920"/>
+          </a:xfrm>
+          <a:prstGeom prst="can">
+            <a:avLst/>
+          </a:prstGeom>
+          <a:ln>
+            <a:headEnd/>
+            <a:tailEnd/>
+          </a:ln>
+        </p:spPr>
+        <p:style>
+          <a:lnRef idx="2">
+            <a:schemeClr val="accent2"/>
+          </a:lnRef>
+          <a:fillRef idx="1">
+            <a:schemeClr val="lt1"/>
+          </a:fillRef>
+          <a:effectRef idx="0">
+            <a:schemeClr val="accent2"/>
+          </a:effectRef>
+          <a:fontRef idx="minor">
+            <a:schemeClr val="dk1"/>
+          </a:fontRef>
+        </p:style>
+        <p:txBody>
+          <a:bodyPr lIns="90000" tIns="72000" rIns="90000" bIns="72000" rtlCol="0" anchor="ctr"/>
+          <a:lstStyle/>
+          <a:p>
+            <a:pPr marR="0" algn="ctr" defTabSz="914400" eaLnBrk="1" fontAlgn="base" latinLnBrk="0" hangingPunct="1">
+              <a:lnSpc>
+                <a:spcPct val="100000"/>
+              </a:lnSpc>
+              <a:spcBef>
+                <a:spcPct val="50000"/>
+              </a:spcBef>
+              <a:spcAft>
+                <a:spcPct val="0"/>
+              </a:spcAft>
+              <a:buClr>
+                <a:srgbClr val="F0AB00"/>
+              </a:buClr>
+              <a:buSzPct val="80000"/>
+              <a:tabLst/>
+            </a:pPr>
+            <a:r>
+              <a:rPr lang="en-US" sz="1800" kern="0" dirty="0">
+                <a:ea typeface="Arial Unicode MS" pitchFamily="34" charset="-128"/>
+                <a:cs typeface="Arial Unicode MS" pitchFamily="34" charset="-128"/>
+              </a:rPr>
+              <a:t>role</a:t>
+            </a:r>
+            <a:endParaRPr kumimoji="0" lang="en-US" sz="1800" b="0" i="0" u="none" strike="noStrike" kern="0" cap="none" spc="0" normalizeH="0" baseline="0" noProof="0" dirty="0">
+              <a:ln>
+                <a:noFill/>
+              </a:ln>
+              <a:effectLst/>
+              <a:uLnTx/>
+              <a:uFillTx/>
+              <a:ea typeface="Arial Unicode MS" pitchFamily="34" charset="-128"/>
+              <a:cs typeface="Arial Unicode MS" pitchFamily="34" charset="-128"/>
+            </a:endParaRPr>
+          </a:p>
+        </p:txBody>
+      </p:sp>
+      <p:cxnSp>
+        <p:nvCxnSpPr>
+          <p:cNvPr id="24" name="Straight Arrow Connector 23"/>
+          <p:cNvCxnSpPr>
+            <a:stCxn id="22" idx="1"/>
+            <a:endCxn id="7" idx="2"/>
+          </p:cNvCxnSpPr>
+          <p:nvPr/>
+        </p:nvCxnSpPr>
+        <p:spPr>
+          <a:xfrm flipV="1">
+            <a:off x="3266744" y="5123209"/>
+            <a:ext cx="621000" cy="377514"/>
+          </a:xfrm>
+          <a:prstGeom prst="straightConnector1">
+            <a:avLst/>
+          </a:prstGeom>
+          <a:ln w="38100">
+            <a:solidFill>
+              <a:schemeClr val="tx2">
+                <a:lumMod val="60000"/>
+                <a:lumOff val="40000"/>
+              </a:schemeClr>
+            </a:solidFill>
+            <a:headEnd type="none" w="med" len="med"/>
+            <a:tailEnd type="triangle"/>
+          </a:ln>
+        </p:spPr>
+        <p:style>
+          <a:lnRef idx="1">
+            <a:schemeClr val="accent1"/>
+          </a:lnRef>
+          <a:fillRef idx="0">
+            <a:schemeClr val="accent1"/>
+          </a:fillRef>
+          <a:effectRef idx="0">
+            <a:schemeClr val="accent1"/>
+          </a:effectRef>
+          <a:fontRef idx="minor">
+            <a:schemeClr val="tx1"/>
+          </a:fontRef>
+        </p:style>
+      </p:cxnSp>
+      <p:pic>
+        <p:nvPicPr>
+          <p:cNvPr id="3" name="Picture 2"/>
+          <p:cNvPicPr>
+            <a:picLocks noChangeAspect="1"/>
+          </p:cNvPicPr>
+          <p:nvPr/>
+        </p:nvPicPr>
+        <p:blipFill>
+          <a:blip r:embed="rId3"/>
+          <a:stretch>
+            <a:fillRect/>
+          </a:stretch>
+        </p:blipFill>
+        <p:spPr>
+          <a:xfrm>
+            <a:off x="9032212" y="2746046"/>
+            <a:ext cx="1533333" cy="3742857"/>
+          </a:xfrm>
+          <a:prstGeom prst="rect">
+            <a:avLst/>
+          </a:prstGeom>
+        </p:spPr>
+      </p:pic>
+      <p:sp>
+        <p:nvSpPr>
+          <p:cNvPr id="25" name="Flowchart: Delay 24"/>
+          <p:cNvSpPr/>
+          <p:nvPr/>
+        </p:nvSpPr>
+        <p:spPr bwMode="gray">
+          <a:xfrm rot="16200000">
+            <a:off x="3083489" y="3675689"/>
+            <a:ext cx="356217" cy="304800"/>
+          </a:xfrm>
+          <a:prstGeom prst="flowChartDelay">
+            <a:avLst/>
+          </a:prstGeom>
+          <a:ln>
+            <a:headEnd/>
+            <a:tailEnd/>
+          </a:ln>
+        </p:spPr>
+        <p:style>
+          <a:lnRef idx="2">
+            <a:schemeClr val="accent2"/>
+          </a:lnRef>
+          <a:fillRef idx="1">
+            <a:schemeClr val="lt1"/>
+          </a:fillRef>
+          <a:effectRef idx="0">
+            <a:schemeClr val="accent2"/>
+          </a:effectRef>
+          <a:fontRef idx="minor">
+            <a:schemeClr val="dk1"/>
+          </a:fontRef>
+        </p:style>
+        <p:txBody>
+          <a:bodyPr lIns="90000" tIns="72000" rIns="90000" bIns="72000" rtlCol="0" anchor="ctr"/>
+          <a:lstStyle/>
+          <a:p>
+            <a:pPr marR="0" algn="ctr" defTabSz="914400" eaLnBrk="1" fontAlgn="base" latinLnBrk="0" hangingPunct="1">
+              <a:lnSpc>
+                <a:spcPct val="100000"/>
+              </a:lnSpc>
+              <a:spcBef>
+                <a:spcPct val="50000"/>
+              </a:spcBef>
+              <a:spcAft>
+                <a:spcPct val="0"/>
+              </a:spcAft>
+              <a:buClr>
+                <a:srgbClr val="F0AB00"/>
+              </a:buClr>
+              <a:buSzPct val="80000"/>
+              <a:tabLst/>
+            </a:pPr>
+            <a:endParaRPr kumimoji="0" lang="en-US" sz="1800" b="0" i="0" u="none" strike="noStrike" kern="0" cap="none" spc="0" normalizeH="0" baseline="0" noProof="0" dirty="0" err="1">
+              <a:ln>
+                <a:noFill/>
+              </a:ln>
+              <a:effectLst/>
+              <a:uLnTx/>
+              <a:uFillTx/>
+              <a:ea typeface="Arial Unicode MS" pitchFamily="34" charset="-128"/>
+              <a:cs typeface="Arial Unicode MS" pitchFamily="34" charset="-128"/>
+            </a:endParaRPr>
+          </a:p>
+        </p:txBody>
+      </p:sp>
+      <p:sp>
+        <p:nvSpPr>
+          <p:cNvPr id="26" name="Oval 25"/>
+          <p:cNvSpPr/>
+          <p:nvPr/>
+        </p:nvSpPr>
+        <p:spPr bwMode="gray">
+          <a:xfrm>
+            <a:off x="3127980" y="3345043"/>
+            <a:ext cx="249224" cy="289560"/>
+          </a:xfrm>
+          <a:prstGeom prst="ellipse">
+            <a:avLst/>
+          </a:prstGeom>
+          <a:ln>
+            <a:headEnd/>
+            <a:tailEnd/>
+          </a:ln>
+        </p:spPr>
+        <p:style>
+          <a:lnRef idx="2">
+            <a:schemeClr val="accent2"/>
+          </a:lnRef>
+          <a:fillRef idx="1">
+            <a:schemeClr val="lt1"/>
+          </a:fillRef>
+          <a:effectRef idx="0">
+            <a:schemeClr val="accent2"/>
+          </a:effectRef>
+          <a:fontRef idx="minor">
+            <a:schemeClr val="dk1"/>
+          </a:fontRef>
+        </p:style>
+        <p:txBody>
+          <a:bodyPr lIns="90000" tIns="72000" rIns="90000" bIns="72000" rtlCol="0" anchor="ctr"/>
+          <a:lstStyle/>
+          <a:p>
+            <a:pPr marR="0" algn="ctr" defTabSz="914400" eaLnBrk="1" fontAlgn="base" latinLnBrk="0" hangingPunct="1">
+              <a:lnSpc>
+                <a:spcPct val="100000"/>
+              </a:lnSpc>
+              <a:spcBef>
+                <a:spcPct val="50000"/>
+              </a:spcBef>
+              <a:spcAft>
+                <a:spcPct val="0"/>
+              </a:spcAft>
+              <a:buClr>
+                <a:srgbClr val="F0AB00"/>
+              </a:buClr>
+              <a:buSzPct val="80000"/>
+              <a:tabLst/>
+            </a:pPr>
+            <a:endParaRPr kumimoji="0" lang="en-US" sz="1800" b="0" i="0" u="none" strike="noStrike" kern="0" cap="none" spc="0" normalizeH="0" baseline="0" noProof="0" dirty="0" err="1">
+              <a:ln>
+                <a:noFill/>
+              </a:ln>
+              <a:effectLst/>
+              <a:uLnTx/>
+              <a:uFillTx/>
+              <a:ea typeface="Arial Unicode MS" pitchFamily="34" charset="-128"/>
+              <a:cs typeface="Arial Unicode MS" pitchFamily="34" charset="-128"/>
+            </a:endParaRPr>
+          </a:p>
+        </p:txBody>
+      </p:sp>
+      <p:cxnSp>
+        <p:nvCxnSpPr>
+          <p:cNvPr id="27" name="Straight Arrow Connector 26"/>
+          <p:cNvCxnSpPr>
+            <a:stCxn id="7" idx="3"/>
+          </p:cNvCxnSpPr>
+          <p:nvPr/>
+        </p:nvCxnSpPr>
+        <p:spPr>
+          <a:xfrm flipV="1">
+            <a:off x="4545468" y="4098135"/>
+            <a:ext cx="2231326" cy="638018"/>
+          </a:xfrm>
+          <a:prstGeom prst="straightConnector1">
+            <a:avLst/>
+          </a:prstGeom>
+          <a:ln w="38100">
+            <a:solidFill>
+              <a:schemeClr val="tx2">
+                <a:lumMod val="60000"/>
+                <a:lumOff val="40000"/>
+              </a:schemeClr>
+            </a:solidFill>
+            <a:headEnd type="none" w="med" len="med"/>
+            <a:tailEnd type="triangle"/>
+          </a:ln>
+        </p:spPr>
+        <p:style>
+          <a:lnRef idx="1">
+            <a:schemeClr val="accent1"/>
+          </a:lnRef>
+          <a:fillRef idx="0">
+            <a:schemeClr val="accent1"/>
+          </a:fillRef>
+          <a:effectRef idx="0">
+            <a:schemeClr val="accent1"/>
+          </a:effectRef>
+          <a:fontRef idx="minor">
+            <a:schemeClr val="tx1"/>
+          </a:fontRef>
+        </p:style>
+      </p:cxnSp>
+      <p:sp>
+        <p:nvSpPr>
+          <p:cNvPr id="36" name="Lightning Bolt 35"/>
+          <p:cNvSpPr/>
+          <p:nvPr/>
+        </p:nvSpPr>
+        <p:spPr bwMode="gray">
+          <a:xfrm>
+            <a:off x="5226159" y="4869699"/>
+            <a:ext cx="436108" cy="877969"/>
+          </a:xfrm>
+          <a:prstGeom prst="lightningBolt">
+            <a:avLst/>
+          </a:prstGeom>
+          <a:ln>
+            <a:headEnd/>
+            <a:tailEnd/>
+          </a:ln>
+        </p:spPr>
+        <p:style>
+          <a:lnRef idx="2">
+            <a:schemeClr val="accent5">
+              <a:shade val="50000"/>
+            </a:schemeClr>
+          </a:lnRef>
+          <a:fillRef idx="1">
+            <a:schemeClr val="accent5"/>
+          </a:fillRef>
+          <a:effectRef idx="0">
+            <a:schemeClr val="accent5"/>
+          </a:effectRef>
+          <a:fontRef idx="minor">
+            <a:schemeClr val="lt1"/>
+          </a:fontRef>
+        </p:style>
+        <p:txBody>
+          <a:bodyPr lIns="90000" tIns="72000" rIns="90000" bIns="72000" rtlCol="0" anchor="ctr"/>
+          <a:lstStyle/>
+          <a:p>
+            <a:pPr marR="0" algn="ctr" defTabSz="914400" eaLnBrk="1" fontAlgn="base" latinLnBrk="0" hangingPunct="1">
+              <a:lnSpc>
+                <a:spcPct val="100000"/>
+              </a:lnSpc>
+              <a:spcBef>
+                <a:spcPct val="50000"/>
+              </a:spcBef>
+              <a:spcAft>
+                <a:spcPct val="0"/>
+              </a:spcAft>
+              <a:buClr>
+                <a:srgbClr val="F0AB00"/>
+              </a:buClr>
+              <a:buSzPct val="80000"/>
+              <a:tabLst/>
+            </a:pPr>
+            <a:endParaRPr kumimoji="0" lang="en-US" sz="1800" b="0" i="0" u="none" strike="noStrike" kern="0" cap="none" spc="0" normalizeH="0" baseline="0" noProof="0" dirty="0" err="1">
+              <a:ln>
+                <a:noFill/>
+              </a:ln>
+              <a:effectLst/>
+              <a:uLnTx/>
+              <a:uFillTx/>
+              <a:ea typeface="Arial Unicode MS" pitchFamily="34" charset="-128"/>
+              <a:cs typeface="Arial Unicode MS" pitchFamily="34" charset="-128"/>
+            </a:endParaRPr>
+          </a:p>
+        </p:txBody>
+      </p:sp>
+    </p:spTree>
+    <p:extLst>
+      <p:ext uri="{BB962C8B-B14F-4D97-AF65-F5344CB8AC3E}">
+        <p14:creationId xmlns:p14="http://schemas.microsoft.com/office/powerpoint/2010/main" val="1324361715"/>
+      </p:ext>
+    </p:extLst>
+  </p:cSld>
+  <p:clrMapOvr>
+    <a:masterClrMapping/>
+  </p:clrMapOvr>
+</p:sld>
+</file>
+
+<file path=ppt/slides/slide4.xml><?xml version="1.0" encoding="utf-8"?>
+<p:sld xmlns:a="http://schemas.openxmlformats.org/drawingml/2006/main" xmlns:r="http://schemas.openxmlformats.org/officeDocument/2006/relationships" xmlns:p="http://schemas.openxmlformats.org/presentationml/2006/main" show="0">
+  <p:cSld>
+    <p:spTree>
+      <p:nvGrpSpPr>
+        <p:cNvPr id="1" name=""/>
+        <p:cNvGrpSpPr/>
+        <p:nvPr/>
+      </p:nvGrpSpPr>
+      <p:grpSpPr>
+        <a:xfrm>
+          <a:off x="0" y="0"/>
+          <a:ext cx="0" cy="0"/>
+          <a:chOff x="0" y="0"/>
+          <a:chExt cx="0" cy="0"/>
+        </a:xfrm>
+      </p:grpSpPr>
+      <p:sp>
+        <p:nvSpPr>
+          <p:cNvPr id="4" name="Text Placeholder 3"/>
+          <p:cNvSpPr>
+            <a:spLocks noGrp="1"/>
+          </p:cNvSpPr>
+          <p:nvPr>
+            <p:ph type="body" sz="quarter" idx="10"/>
+          </p:nvPr>
+        </p:nvSpPr>
+        <p:spPr/>
+        <p:txBody>
+          <a:bodyPr/>
+          <a:lstStyle/>
+          <a:p>
+            <a:pPr marL="342900" indent="-342900">
+              <a:buFontTx/>
+              <a:buChar char="-"/>
+            </a:pPr>
+            <a:r>
+              <a:rPr lang="en-US" dirty="0"/>
+              <a:t>Show service accounts</a:t>
+            </a:r>
+          </a:p>
+          <a:p>
+            <a:pPr marL="342900" indent="-342900">
+              <a:buFontTx/>
+              <a:buChar char="-"/>
+            </a:pPr>
+            <a:r>
+              <a:rPr lang="en-US" dirty="0"/>
+              <a:t>Create a new service account &amp; show created token</a:t>
+            </a:r>
+          </a:p>
+          <a:p>
+            <a:pPr marL="342900" indent="-342900">
+              <a:buFontTx/>
+              <a:buChar char="-"/>
+            </a:pPr>
+            <a:r>
+              <a:rPr lang="en-US" dirty="0"/>
+              <a:t>Show </a:t>
+            </a:r>
+            <a:r>
+              <a:rPr lang="en-US" dirty="0" err="1"/>
+              <a:t>clusterroles</a:t>
+            </a:r>
+            <a:r>
+              <a:rPr lang="en-US" dirty="0"/>
+              <a:t> &amp; </a:t>
+            </a:r>
+            <a:r>
+              <a:rPr lang="en-US" dirty="0" err="1"/>
+              <a:t>rolebindings</a:t>
+            </a:r>
+            <a:endParaRPr lang="en-US" dirty="0"/>
+          </a:p>
+        </p:txBody>
+      </p:sp>
+      <p:sp>
+        <p:nvSpPr>
+          <p:cNvPr id="3" name="Title 2"/>
+          <p:cNvSpPr>
+            <a:spLocks noGrp="1"/>
+          </p:cNvSpPr>
+          <p:nvPr>
+            <p:ph type="title"/>
+          </p:nvPr>
+        </p:nvSpPr>
+        <p:spPr/>
+        <p:txBody>
+          <a:bodyPr/>
+          <a:lstStyle/>
+          <a:p>
+            <a:r>
+              <a:rPr lang="en-US" dirty="0"/>
+              <a:t>Demo</a:t>
+            </a:r>
+          </a:p>
+        </p:txBody>
+      </p:sp>
+    </p:spTree>
+    <p:extLst>
+      <p:ext uri="{BB962C8B-B14F-4D97-AF65-F5344CB8AC3E}">
+        <p14:creationId xmlns:p14="http://schemas.microsoft.com/office/powerpoint/2010/main" val="684979928"/>
+      </p:ext>
+    </p:extLst>
+  </p:cSld>
+  <p:clrMapOvr>
+    <a:masterClrMapping/>
+  </p:clrMapOvr>
+</p:sld>
+</file>
+
+<file path=ppt/slides/slide5.xml><?xml version="1.0" encoding="utf-8"?>
+<p:sld xmlns:a="http://schemas.openxmlformats.org/drawingml/2006/main" xmlns:r="http://schemas.openxmlformats.org/officeDocument/2006/relationships" xmlns:p="http://schemas.openxmlformats.org/presentationml/2006/main">
+  <p:cSld>
+    <p:spTree>
+      <p:nvGrpSpPr>
+        <p:cNvPr id="1" name=""/>
+        <p:cNvGrpSpPr/>
+        <p:nvPr/>
+      </p:nvGrpSpPr>
+      <p:grpSpPr>
+        <a:xfrm>
+          <a:off x="0" y="0"/>
+          <a:ext cx="0" cy="0"/>
+          <a:chOff x="0" y="0"/>
+          <a:chExt cx="0" cy="0"/>
+        </a:xfrm>
+      </p:grpSpPr>
+      <p:sp>
+        <p:nvSpPr>
+          <p:cNvPr id="3" name="Title 2"/>
+          <p:cNvSpPr>
+            <a:spLocks noGrp="1"/>
+          </p:cNvSpPr>
+          <p:nvPr>
+            <p:ph type="title"/>
+          </p:nvPr>
+        </p:nvSpPr>
+        <p:spPr/>
+        <p:txBody>
+          <a:bodyPr/>
+          <a:lstStyle/>
+          <a:p>
+            <a:r>
+              <a:rPr lang="en-US" dirty="0"/>
+              <a:t>Using Images from a private registry</a:t>
+            </a:r>
+          </a:p>
+        </p:txBody>
+      </p:sp>
+      <p:sp>
+        <p:nvSpPr>
+          <p:cNvPr id="4" name="Rectangle 3"/>
+          <p:cNvSpPr/>
+          <p:nvPr/>
+        </p:nvSpPr>
+        <p:spPr bwMode="gray">
+          <a:xfrm>
+            <a:off x="424543" y="2563584"/>
+            <a:ext cx="2661557" cy="1634514"/>
+          </a:xfrm>
+          <a:prstGeom prst="rect">
+            <a:avLst/>
+          </a:prstGeom>
+          <a:solidFill>
+            <a:schemeClr val="accent1"/>
+          </a:solidFill>
+          <a:ln w="6350" algn="ctr">
+            <a:noFill/>
+            <a:miter lim="800000"/>
+            <a:headEnd/>
+            <a:tailEnd/>
+          </a:ln>
+        </p:spPr>
+        <p:txBody>
+          <a:bodyPr lIns="90000" tIns="72000" rIns="90000" bIns="72000" rtlCol="0" anchor="ctr"/>
+          <a:lstStyle/>
+          <a:p>
+            <a:pPr marR="0" algn="ctr" defTabSz="914400" eaLnBrk="1" fontAlgn="base" latinLnBrk="0" hangingPunct="1">
+              <a:lnSpc>
+                <a:spcPct val="100000"/>
+              </a:lnSpc>
+              <a:spcBef>
+                <a:spcPct val="50000"/>
+              </a:spcBef>
+              <a:spcAft>
+                <a:spcPct val="0"/>
+              </a:spcAft>
+              <a:buClr>
+                <a:srgbClr val="F0AB00"/>
+              </a:buClr>
+              <a:buSzPct val="80000"/>
+              <a:tabLst/>
+            </a:pPr>
+            <a:r>
+              <a:rPr kumimoji="0" lang="en-US" sz="2000" b="1" i="0" u="none" strike="noStrike" kern="0" cap="none" spc="0" normalizeH="0" baseline="0" noProof="0" dirty="0">
+                <a:ln>
+                  <a:noFill/>
+                </a:ln>
+                <a:effectLst/>
+                <a:uLnTx/>
+                <a:uFillTx/>
+                <a:ea typeface="Arial Unicode MS" pitchFamily="34" charset="-128"/>
+                <a:cs typeface="Arial Unicode MS" pitchFamily="34" charset="-128"/>
+              </a:rPr>
+              <a:t>Private Registry</a:t>
+            </a:r>
+          </a:p>
+        </p:txBody>
+      </p:sp>
+      <p:sp>
+        <p:nvSpPr>
+          <p:cNvPr id="5" name="Rectangle 4"/>
+          <p:cNvSpPr/>
+          <p:nvPr/>
+        </p:nvSpPr>
+        <p:spPr bwMode="gray">
+          <a:xfrm>
+            <a:off x="4637315" y="1846217"/>
+            <a:ext cx="6179820" cy="3303743"/>
+          </a:xfrm>
+          <a:prstGeom prst="rect">
+            <a:avLst/>
+          </a:prstGeom>
+          <a:ln>
+            <a:headEnd/>
+            <a:tailEnd/>
+          </a:ln>
+        </p:spPr>
+        <p:style>
+          <a:lnRef idx="2">
+            <a:schemeClr val="accent2"/>
+          </a:lnRef>
+          <a:fillRef idx="1">
+            <a:schemeClr val="lt1"/>
+          </a:fillRef>
+          <a:effectRef idx="0">
+            <a:schemeClr val="accent2"/>
+          </a:effectRef>
+          <a:fontRef idx="minor">
+            <a:schemeClr val="dk1"/>
+          </a:fontRef>
+        </p:style>
+        <p:txBody>
+          <a:bodyPr lIns="90000" tIns="72000" rIns="90000" bIns="72000" rtlCol="0" anchor="t"/>
+          <a:lstStyle/>
+          <a:p>
+            <a:pPr marR="0" algn="ctr" defTabSz="914400" eaLnBrk="1" fontAlgn="base" latinLnBrk="0" hangingPunct="1">
+              <a:lnSpc>
+                <a:spcPct val="100000"/>
+              </a:lnSpc>
+              <a:spcBef>
+                <a:spcPct val="50000"/>
+              </a:spcBef>
+              <a:spcAft>
+                <a:spcPct val="0"/>
+              </a:spcAft>
+              <a:buClr>
+                <a:srgbClr val="F0AB00"/>
+              </a:buClr>
+              <a:buSzPct val="80000"/>
+              <a:tabLst/>
+            </a:pPr>
+            <a:r>
+              <a:rPr lang="en-US" sz="1600" b="1" kern="0" dirty="0">
+                <a:ea typeface="Arial Unicode MS" pitchFamily="34" charset="-128"/>
+                <a:cs typeface="Arial Unicode MS" pitchFamily="34" charset="-128"/>
+              </a:rPr>
+              <a:t>Kubernetes</a:t>
+            </a:r>
+            <a:endParaRPr kumimoji="0" lang="en-US" sz="1600" b="1" i="0" u="none" strike="noStrike" kern="0" cap="none" spc="0" normalizeH="0" baseline="0" noProof="0" dirty="0">
+              <a:ln>
+                <a:noFill/>
+              </a:ln>
+              <a:effectLst/>
+              <a:uLnTx/>
+              <a:uFillTx/>
+              <a:ea typeface="Arial Unicode MS" pitchFamily="34" charset="-128"/>
+              <a:cs typeface="Arial Unicode MS" pitchFamily="34" charset="-128"/>
+            </a:endParaRPr>
+          </a:p>
+        </p:txBody>
+      </p:sp>
+      <p:sp>
+        <p:nvSpPr>
+          <p:cNvPr id="8" name="Rectangle 7"/>
+          <p:cNvSpPr/>
+          <p:nvPr/>
+        </p:nvSpPr>
+        <p:spPr bwMode="gray">
+          <a:xfrm>
+            <a:off x="5763986" y="2594586"/>
+            <a:ext cx="4457700" cy="1603511"/>
+          </a:xfrm>
+          <a:prstGeom prst="rect">
+            <a:avLst/>
+          </a:prstGeom>
+          <a:ln>
+            <a:headEnd/>
+            <a:tailEnd/>
+          </a:ln>
+        </p:spPr>
+        <p:style>
+          <a:lnRef idx="2">
+            <a:schemeClr val="accent2">
+              <a:shade val="50000"/>
+            </a:schemeClr>
+          </a:lnRef>
+          <a:fillRef idx="1">
+            <a:schemeClr val="accent2"/>
+          </a:fillRef>
+          <a:effectRef idx="0">
+            <a:schemeClr val="accent2"/>
+          </a:effectRef>
+          <a:fontRef idx="minor">
+            <a:schemeClr val="lt1"/>
+          </a:fontRef>
+        </p:style>
+        <p:txBody>
+          <a:bodyPr lIns="90000" tIns="72000" rIns="90000" bIns="72000" rtlCol="0" anchor="ctr"/>
+          <a:lstStyle/>
+          <a:p>
+            <a:pPr marR="0" algn="ctr" defTabSz="914400" eaLnBrk="1" fontAlgn="base" latinLnBrk="0" hangingPunct="1">
+              <a:lnSpc>
+                <a:spcPct val="100000"/>
+              </a:lnSpc>
+              <a:spcBef>
+                <a:spcPct val="50000"/>
+              </a:spcBef>
+              <a:spcAft>
+                <a:spcPct val="0"/>
+              </a:spcAft>
+              <a:buClr>
+                <a:srgbClr val="F0AB00"/>
+              </a:buClr>
+              <a:buSzPct val="80000"/>
+              <a:tabLst/>
+            </a:pPr>
+            <a:r>
+              <a:rPr lang="en-US" sz="1800" kern="0" noProof="0" dirty="0">
+                <a:ea typeface="Arial Unicode MS" pitchFamily="34" charset="-128"/>
+                <a:cs typeface="Arial Unicode MS" pitchFamily="34" charset="-128"/>
+              </a:rPr>
+              <a:t>Pod</a:t>
+            </a:r>
+            <a:r>
+              <a:rPr lang="en-US" sz="1800" kern="0" dirty="0">
+                <a:ea typeface="Arial Unicode MS" pitchFamily="34" charset="-128"/>
+                <a:cs typeface="Arial Unicode MS" pitchFamily="34" charset="-128"/>
+              </a:rPr>
+              <a:t> A</a:t>
+            </a:r>
+          </a:p>
+          <a:p>
+            <a:pPr marR="0" algn="ctr" defTabSz="914400" eaLnBrk="1" fontAlgn="base" latinLnBrk="0" hangingPunct="1">
+              <a:lnSpc>
+                <a:spcPct val="100000"/>
+              </a:lnSpc>
+              <a:spcBef>
+                <a:spcPct val="50000"/>
+              </a:spcBef>
+              <a:spcAft>
+                <a:spcPct val="0"/>
+              </a:spcAft>
+              <a:buClr>
+                <a:srgbClr val="F0AB00"/>
+              </a:buClr>
+              <a:buSzPct val="80000"/>
+              <a:tabLst/>
+            </a:pPr>
+            <a:r>
+              <a:rPr kumimoji="0" lang="en-US" sz="1800" b="0" i="0" u="none" strike="noStrike" kern="0" cap="none" spc="0" normalizeH="0" baseline="0" noProof="0" dirty="0">
+                <a:ln>
+                  <a:noFill/>
+                </a:ln>
+                <a:effectLst/>
+                <a:uLnTx/>
+                <a:uFillTx/>
+                <a:ea typeface="Arial Unicode MS" pitchFamily="34" charset="-128"/>
+                <a:cs typeface="Arial Unicode MS" pitchFamily="34" charset="-128"/>
+              </a:rPr>
+              <a:t>Image: private.registry.com/my-image:0.1</a:t>
+            </a:r>
+          </a:p>
+        </p:txBody>
+      </p:sp>
+      <p:cxnSp>
+        <p:nvCxnSpPr>
+          <p:cNvPr id="10" name="Straight Arrow Connector 9"/>
+          <p:cNvCxnSpPr>
+            <a:stCxn id="4" idx="3"/>
+            <a:endCxn id="8" idx="1"/>
+          </p:cNvCxnSpPr>
+          <p:nvPr/>
+        </p:nvCxnSpPr>
+        <p:spPr>
+          <a:xfrm>
+            <a:off x="3086100" y="3380841"/>
+            <a:ext cx="2677886" cy="15501"/>
+          </a:xfrm>
+          <a:prstGeom prst="straightConnector1">
+            <a:avLst/>
+          </a:prstGeom>
+          <a:ln w="38100">
+            <a:solidFill>
+              <a:schemeClr val="tx2">
+                <a:lumMod val="60000"/>
+                <a:lumOff val="40000"/>
+              </a:schemeClr>
+            </a:solidFill>
+            <a:headEnd type="triangle" w="med" len="med"/>
+            <a:tailEnd type="triangle" w="med" len="med"/>
+          </a:ln>
+        </p:spPr>
+        <p:style>
+          <a:lnRef idx="1">
+            <a:schemeClr val="accent1"/>
+          </a:lnRef>
+          <a:fillRef idx="0">
+            <a:schemeClr val="accent1"/>
+          </a:fillRef>
+          <a:effectRef idx="0">
+            <a:schemeClr val="accent1"/>
+          </a:effectRef>
+          <a:fontRef idx="minor">
+            <a:schemeClr val="tx1"/>
+          </a:fontRef>
+        </p:style>
+      </p:cxnSp>
+      <p:pic>
+        <p:nvPicPr>
+          <p:cNvPr id="25" name="Picture 24"/>
+          <p:cNvPicPr>
+            <a:picLocks noChangeAspect="1"/>
+          </p:cNvPicPr>
+          <p:nvPr/>
+        </p:nvPicPr>
+        <p:blipFill>
+          <a:blip r:embed="rId3"/>
+          <a:stretch>
+            <a:fillRect/>
+          </a:stretch>
+        </p:blipFill>
+        <p:spPr>
+          <a:xfrm>
+            <a:off x="2527220" y="3041882"/>
+            <a:ext cx="1419591" cy="1419591"/>
+          </a:xfrm>
+          <a:prstGeom prst="rect">
+            <a:avLst/>
+          </a:prstGeom>
+        </p:spPr>
+      </p:pic>
+      <p:sp>
+        <p:nvSpPr>
+          <p:cNvPr id="27" name="Lightning Bolt 26"/>
+          <p:cNvSpPr/>
+          <p:nvPr/>
+        </p:nvSpPr>
+        <p:spPr bwMode="gray">
+          <a:xfrm>
+            <a:off x="4074009" y="2957355"/>
+            <a:ext cx="436108" cy="877969"/>
+          </a:xfrm>
+          <a:prstGeom prst="lightningBolt">
+            <a:avLst/>
+          </a:prstGeom>
+          <a:ln>
+            <a:headEnd/>
+            <a:tailEnd/>
+          </a:ln>
+        </p:spPr>
+        <p:style>
+          <a:lnRef idx="2">
+            <a:schemeClr val="accent5">
+              <a:shade val="50000"/>
+            </a:schemeClr>
+          </a:lnRef>
+          <a:fillRef idx="1">
+            <a:schemeClr val="accent5"/>
+          </a:fillRef>
+          <a:effectRef idx="0">
+            <a:schemeClr val="accent5"/>
+          </a:effectRef>
+          <a:fontRef idx="minor">
+            <a:schemeClr val="lt1"/>
+          </a:fontRef>
+        </p:style>
+        <p:txBody>
+          <a:bodyPr lIns="90000" tIns="72000" rIns="90000" bIns="72000" rtlCol="0" anchor="ctr"/>
+          <a:lstStyle/>
+          <a:p>
+            <a:pPr marR="0" algn="ctr" defTabSz="914400" eaLnBrk="1" fontAlgn="base" latinLnBrk="0" hangingPunct="1">
+              <a:lnSpc>
+                <a:spcPct val="100000"/>
+              </a:lnSpc>
+              <a:spcBef>
+                <a:spcPct val="50000"/>
+              </a:spcBef>
+              <a:spcAft>
+                <a:spcPct val="0"/>
+              </a:spcAft>
+              <a:buClr>
+                <a:srgbClr val="F0AB00"/>
+              </a:buClr>
+              <a:buSzPct val="80000"/>
+              <a:tabLst/>
+            </a:pPr>
+            <a:endParaRPr kumimoji="0" lang="en-US" sz="1800" b="0" i="0" u="none" strike="noStrike" kern="0" cap="none" spc="0" normalizeH="0" baseline="0" noProof="0" dirty="0" err="1">
+              <a:ln>
+                <a:noFill/>
+              </a:ln>
+              <a:effectLst/>
+              <a:uLnTx/>
+              <a:uFillTx/>
+              <a:ea typeface="Arial Unicode MS" pitchFamily="34" charset="-128"/>
+              <a:cs typeface="Arial Unicode MS" pitchFamily="34" charset="-128"/>
+            </a:endParaRPr>
+          </a:p>
+        </p:txBody>
+      </p:sp>
+    </p:spTree>
+    <p:extLst>
+      <p:ext uri="{BB962C8B-B14F-4D97-AF65-F5344CB8AC3E}">
+        <p14:creationId xmlns:p14="http://schemas.microsoft.com/office/powerpoint/2010/main" val="515435812"/>
+      </p:ext>
+    </p:extLst>
+  </p:cSld>
+  <p:clrMapOvr>
+    <a:masterClrMapping/>
+  </p:clrMapOvr>
+</p:sld>
+</file>
+
+<file path=ppt/slides/slide6.xml><?xml version="1.0" encoding="utf-8"?>
+<p:sld xmlns:a="http://schemas.openxmlformats.org/drawingml/2006/main" xmlns:r="http://schemas.openxmlformats.org/officeDocument/2006/relationships" xmlns:p="http://schemas.openxmlformats.org/presentationml/2006/main">
+  <p:cSld>
+    <p:spTree>
+      <p:nvGrpSpPr>
+        <p:cNvPr id="1" name=""/>
+        <p:cNvGrpSpPr/>
+        <p:nvPr/>
+      </p:nvGrpSpPr>
+      <p:grpSpPr>
+        <a:xfrm>
+          <a:off x="0" y="0"/>
+          <a:ext cx="0" cy="0"/>
+          <a:chOff x="0" y="0"/>
+          <a:chExt cx="0" cy="0"/>
+        </a:xfrm>
+      </p:grpSpPr>
+      <p:sp>
+        <p:nvSpPr>
+          <p:cNvPr id="13" name="Rectangle 12"/>
+          <p:cNvSpPr/>
+          <p:nvPr/>
+        </p:nvSpPr>
+        <p:spPr bwMode="gray">
+          <a:xfrm>
+            <a:off x="4612822" y="1395846"/>
+            <a:ext cx="7151914" cy="4604904"/>
+          </a:xfrm>
+          <a:prstGeom prst="rect">
+            <a:avLst/>
+          </a:prstGeom>
+          <a:ln>
+            <a:headEnd/>
+            <a:tailEnd/>
+          </a:ln>
+        </p:spPr>
+        <p:style>
+          <a:lnRef idx="2">
+            <a:schemeClr val="accent2"/>
+          </a:lnRef>
+          <a:fillRef idx="1">
+            <a:schemeClr val="lt1"/>
+          </a:fillRef>
+          <a:effectRef idx="0">
+            <a:schemeClr val="accent2"/>
+          </a:effectRef>
+          <a:fontRef idx="minor">
+            <a:schemeClr val="dk1"/>
+          </a:fontRef>
+        </p:style>
+        <p:txBody>
+          <a:bodyPr lIns="90000" tIns="72000" rIns="90000" bIns="72000" rtlCol="0" anchor="t"/>
+          <a:lstStyle/>
+          <a:p>
+            <a:pPr marR="0" algn="ctr" defTabSz="914400" eaLnBrk="1" fontAlgn="base" latinLnBrk="0" hangingPunct="1">
+              <a:lnSpc>
+                <a:spcPct val="100000"/>
+              </a:lnSpc>
+              <a:spcBef>
+                <a:spcPct val="50000"/>
+              </a:spcBef>
+              <a:spcAft>
+                <a:spcPct val="0"/>
+              </a:spcAft>
+              <a:buClr>
+                <a:srgbClr val="F0AB00"/>
+              </a:buClr>
+              <a:buSzPct val="80000"/>
+              <a:tabLst/>
+            </a:pPr>
+            <a:r>
+              <a:rPr lang="en-US" sz="1600" b="1" kern="0" dirty="0">
+                <a:ea typeface="Arial Unicode MS" pitchFamily="34" charset="-128"/>
+                <a:cs typeface="Arial Unicode MS" pitchFamily="34" charset="-128"/>
+              </a:rPr>
+              <a:t>Kubernetes</a:t>
+            </a:r>
+            <a:endParaRPr kumimoji="0" lang="en-US" sz="1600" b="1" i="0" u="none" strike="noStrike" kern="0" cap="none" spc="0" normalizeH="0" baseline="0" noProof="0" dirty="0">
+              <a:ln>
+                <a:noFill/>
+              </a:ln>
+              <a:effectLst/>
+              <a:uLnTx/>
+              <a:uFillTx/>
+              <a:ea typeface="Arial Unicode MS" pitchFamily="34" charset="-128"/>
+              <a:cs typeface="Arial Unicode MS" pitchFamily="34" charset="-128"/>
+            </a:endParaRPr>
+          </a:p>
+        </p:txBody>
+      </p:sp>
+      <p:sp>
+        <p:nvSpPr>
+          <p:cNvPr id="3" name="Title 2"/>
+          <p:cNvSpPr>
+            <a:spLocks noGrp="1"/>
+          </p:cNvSpPr>
+          <p:nvPr>
+            <p:ph type="title"/>
+          </p:nvPr>
+        </p:nvSpPr>
+        <p:spPr/>
+        <p:txBody>
+          <a:bodyPr/>
+          <a:lstStyle/>
+          <a:p>
+            <a:r>
+              <a:rPr lang="en-US" dirty="0"/>
+              <a:t>Image Pull Secrets</a:t>
+            </a:r>
+          </a:p>
+        </p:txBody>
+      </p:sp>
+      <p:sp>
+        <p:nvSpPr>
+          <p:cNvPr id="4" name="Rectangle 3"/>
+          <p:cNvSpPr/>
+          <p:nvPr/>
+        </p:nvSpPr>
+        <p:spPr bwMode="gray">
+          <a:xfrm>
+            <a:off x="772758" y="1927317"/>
+            <a:ext cx="2661557" cy="1665515"/>
+          </a:xfrm>
+          <a:prstGeom prst="rect">
+            <a:avLst/>
+          </a:prstGeom>
+          <a:solidFill>
+            <a:schemeClr val="accent1"/>
+          </a:solidFill>
+          <a:ln w="6350" algn="ctr">
+            <a:noFill/>
+            <a:miter lim="800000"/>
+            <a:headEnd/>
+            <a:tailEnd/>
+          </a:ln>
+        </p:spPr>
+        <p:txBody>
+          <a:bodyPr lIns="90000" tIns="72000" rIns="90000" bIns="72000" rtlCol="0" anchor="ctr"/>
+          <a:lstStyle/>
+          <a:p>
+            <a:pPr marR="0" algn="ctr" defTabSz="914400" eaLnBrk="1" fontAlgn="base" latinLnBrk="0" hangingPunct="1">
+              <a:lnSpc>
+                <a:spcPct val="100000"/>
+              </a:lnSpc>
+              <a:spcBef>
+                <a:spcPct val="50000"/>
+              </a:spcBef>
+              <a:spcAft>
+                <a:spcPct val="0"/>
+              </a:spcAft>
+              <a:buClr>
+                <a:srgbClr val="F0AB00"/>
+              </a:buClr>
+              <a:buSzPct val="80000"/>
+              <a:tabLst/>
+            </a:pPr>
+            <a:r>
+              <a:rPr kumimoji="0" lang="en-US" sz="2000" b="1" i="0" u="none" strike="noStrike" kern="0" cap="none" spc="0" normalizeH="0" baseline="0" noProof="0" dirty="0">
+                <a:ln>
+                  <a:noFill/>
+                </a:ln>
+                <a:effectLst/>
+                <a:uLnTx/>
+                <a:uFillTx/>
+                <a:ea typeface="Arial Unicode MS" pitchFamily="34" charset="-128"/>
+                <a:cs typeface="Arial Unicode MS" pitchFamily="34" charset="-128"/>
+              </a:rPr>
+              <a:t>Private Registry</a:t>
+            </a:r>
+          </a:p>
+        </p:txBody>
+      </p:sp>
+      <p:sp>
+        <p:nvSpPr>
+          <p:cNvPr id="15" name="Cylinder 14"/>
+          <p:cNvSpPr/>
+          <p:nvPr/>
+        </p:nvSpPr>
+        <p:spPr bwMode="gray">
+          <a:xfrm>
+            <a:off x="8902057" y="2175713"/>
+            <a:ext cx="1561812" cy="1168721"/>
+          </a:xfrm>
+          <a:prstGeom prst="can">
+            <a:avLst/>
+          </a:prstGeom>
+          <a:ln>
+            <a:headEnd/>
+            <a:tailEnd/>
+          </a:ln>
+        </p:spPr>
+        <p:style>
+          <a:lnRef idx="2">
+            <a:schemeClr val="accent2">
+              <a:shade val="50000"/>
+            </a:schemeClr>
+          </a:lnRef>
+          <a:fillRef idx="1">
+            <a:schemeClr val="accent2"/>
+          </a:fillRef>
+          <a:effectRef idx="0">
+            <a:schemeClr val="accent2"/>
+          </a:effectRef>
+          <a:fontRef idx="minor">
+            <a:schemeClr val="lt1"/>
+          </a:fontRef>
+        </p:style>
+        <p:txBody>
+          <a:bodyPr lIns="90000" tIns="72000" rIns="90000" bIns="72000" rtlCol="0" anchor="ctr"/>
+          <a:lstStyle/>
+          <a:p>
+            <a:pPr marR="0" algn="ctr" defTabSz="914400" eaLnBrk="1" fontAlgn="base" latinLnBrk="0" hangingPunct="1">
+              <a:lnSpc>
+                <a:spcPct val="100000"/>
+              </a:lnSpc>
+              <a:spcBef>
+                <a:spcPct val="50000"/>
+              </a:spcBef>
+              <a:spcAft>
+                <a:spcPct val="0"/>
+              </a:spcAft>
+              <a:buClr>
+                <a:srgbClr val="F0AB00"/>
+              </a:buClr>
+              <a:buSzPct val="80000"/>
+              <a:tabLst/>
+            </a:pPr>
+            <a:r>
+              <a:rPr lang="en-US" sz="1800" kern="0" dirty="0">
+                <a:ea typeface="Arial Unicode MS" pitchFamily="34" charset="-128"/>
+                <a:cs typeface="Arial Unicode MS" pitchFamily="34" charset="-128"/>
+              </a:rPr>
+              <a:t>Image Pull Secret</a:t>
+            </a:r>
+            <a:endParaRPr kumimoji="0" lang="en-US" sz="1800" b="0" i="0" u="none" strike="noStrike" kern="0" cap="none" spc="0" normalizeH="0" baseline="0" noProof="0" dirty="0">
+              <a:ln>
+                <a:noFill/>
+              </a:ln>
+              <a:effectLst/>
+              <a:uLnTx/>
+              <a:uFillTx/>
+              <a:ea typeface="Arial Unicode MS" pitchFamily="34" charset="-128"/>
+              <a:cs typeface="Arial Unicode MS" pitchFamily="34" charset="-128"/>
+            </a:endParaRPr>
+          </a:p>
+        </p:txBody>
+      </p:sp>
+      <p:cxnSp>
+        <p:nvCxnSpPr>
+          <p:cNvPr id="16" name="Straight Arrow Connector 15"/>
+          <p:cNvCxnSpPr>
+            <a:stCxn id="4" idx="3"/>
+            <a:endCxn id="15" idx="2"/>
+          </p:cNvCxnSpPr>
+          <p:nvPr/>
+        </p:nvCxnSpPr>
+        <p:spPr>
+          <a:xfrm flipV="1">
+            <a:off x="3434315" y="2760074"/>
+            <a:ext cx="5467742" cy="1"/>
+          </a:xfrm>
+          <a:prstGeom prst="straightConnector1">
+            <a:avLst/>
+          </a:prstGeom>
+          <a:ln w="38100">
+            <a:solidFill>
+              <a:schemeClr val="tx2">
+                <a:lumMod val="60000"/>
+                <a:lumOff val="40000"/>
+              </a:schemeClr>
+            </a:solidFill>
+            <a:headEnd type="triangle" w="med" len="med"/>
+            <a:tailEnd type="triangle" w="med" len="med"/>
+          </a:ln>
+        </p:spPr>
+        <p:style>
+          <a:lnRef idx="1">
+            <a:schemeClr val="accent1"/>
+          </a:lnRef>
+          <a:fillRef idx="0">
+            <a:schemeClr val="accent1"/>
+          </a:fillRef>
+          <a:effectRef idx="0">
+            <a:schemeClr val="accent1"/>
+          </a:effectRef>
+          <a:fontRef idx="minor">
+            <a:schemeClr val="tx1"/>
+          </a:fontRef>
+        </p:style>
+      </p:cxnSp>
+      <p:pic>
+        <p:nvPicPr>
+          <p:cNvPr id="27" name="Picture 26"/>
+          <p:cNvPicPr>
+            <a:picLocks noChangeAspect="1"/>
+          </p:cNvPicPr>
+          <p:nvPr/>
+        </p:nvPicPr>
+        <p:blipFill>
+          <a:blip r:embed="rId3"/>
+          <a:stretch>
+            <a:fillRect/>
+          </a:stretch>
+        </p:blipFill>
+        <p:spPr>
+          <a:xfrm>
+            <a:off x="2751621" y="2369079"/>
+            <a:ext cx="1542129" cy="1542129"/>
+          </a:xfrm>
+          <a:prstGeom prst="rect">
+            <a:avLst/>
+          </a:prstGeom>
+        </p:spPr>
+      </p:pic>
+      <p:sp>
+        <p:nvSpPr>
+          <p:cNvPr id="34" name="Rectangle: Rounded Corners 33"/>
+          <p:cNvSpPr/>
+          <p:nvPr/>
+        </p:nvSpPr>
+        <p:spPr bwMode="gray">
+          <a:xfrm>
+            <a:off x="5249636" y="3731079"/>
+            <a:ext cx="6188528" cy="1885950"/>
+          </a:xfrm>
+          <a:prstGeom prst="roundRect">
+            <a:avLst/>
+          </a:prstGeom>
+          <a:solidFill>
+            <a:schemeClr val="bg2"/>
+          </a:solidFill>
+          <a:ln w="28575">
+            <a:prstDash val="sysDash"/>
+            <a:headEnd/>
+            <a:tailEnd/>
+          </a:ln>
+        </p:spPr>
+        <p:style>
+          <a:lnRef idx="2">
+            <a:schemeClr val="accent2"/>
+          </a:lnRef>
+          <a:fillRef idx="1">
+            <a:schemeClr val="lt1"/>
+          </a:fillRef>
+          <a:effectRef idx="0">
+            <a:schemeClr val="accent2"/>
+          </a:effectRef>
+          <a:fontRef idx="minor">
+            <a:schemeClr val="dk1"/>
+          </a:fontRef>
+        </p:style>
+        <p:txBody>
+          <a:bodyPr lIns="90000" tIns="72000" rIns="90000" bIns="72000" rtlCol="0" anchor="ctr"/>
+          <a:lstStyle/>
+          <a:p>
+            <a:pPr marR="0" defTabSz="914400" eaLnBrk="1" fontAlgn="base" latinLnBrk="0" hangingPunct="1">
+              <a:lnSpc>
+                <a:spcPct val="100000"/>
+              </a:lnSpc>
+              <a:spcBef>
+                <a:spcPct val="50000"/>
+              </a:spcBef>
+              <a:spcAft>
+                <a:spcPct val="0"/>
+              </a:spcAft>
+              <a:buClr>
+                <a:srgbClr val="F0AB00"/>
+              </a:buClr>
+              <a:buSzPct val="80000"/>
+              <a:tabLst/>
+            </a:pPr>
+            <a:r>
+              <a:rPr lang="en-US" sz="1800" kern="0" dirty="0" err="1">
+                <a:ea typeface="Arial Unicode MS" pitchFamily="34" charset="-128"/>
+                <a:cs typeface="Arial Unicode MS" pitchFamily="34" charset="-128"/>
+              </a:rPr>
+              <a:t>kubectl</a:t>
+            </a:r>
+            <a:r>
+              <a:rPr lang="en-US" sz="1800" kern="0" dirty="0">
+                <a:ea typeface="Arial Unicode MS" pitchFamily="34" charset="-128"/>
+                <a:cs typeface="Arial Unicode MS" pitchFamily="34" charset="-128"/>
+              </a:rPr>
+              <a:t> create secret </a:t>
+            </a:r>
+            <a:r>
+              <a:rPr lang="en-US" sz="1800" kern="0" dirty="0" err="1">
+                <a:ea typeface="Arial Unicode MS" pitchFamily="34" charset="-128"/>
+                <a:cs typeface="Arial Unicode MS" pitchFamily="34" charset="-128"/>
+              </a:rPr>
+              <a:t>docker</a:t>
+            </a:r>
+            <a:r>
+              <a:rPr lang="en-US" sz="1800" kern="0" dirty="0">
+                <a:ea typeface="Arial Unicode MS" pitchFamily="34" charset="-128"/>
+                <a:cs typeface="Arial Unicode MS" pitchFamily="34" charset="-128"/>
+              </a:rPr>
+              <a:t>-registry &lt;name&gt; </a:t>
+            </a:r>
+          </a:p>
+          <a:p>
+            <a:pPr marR="0" defTabSz="914400" eaLnBrk="1" fontAlgn="base" latinLnBrk="0" hangingPunct="1">
+              <a:lnSpc>
+                <a:spcPct val="100000"/>
+              </a:lnSpc>
+              <a:spcBef>
+                <a:spcPts val="600"/>
+              </a:spcBef>
+              <a:spcAft>
+                <a:spcPct val="0"/>
+              </a:spcAft>
+              <a:buClr>
+                <a:srgbClr val="F0AB00"/>
+              </a:buClr>
+              <a:buSzPct val="80000"/>
+              <a:tabLst/>
+            </a:pPr>
+            <a:r>
+              <a:rPr lang="en-US" sz="1800" kern="0" dirty="0">
+                <a:ea typeface="Arial Unicode MS" pitchFamily="34" charset="-128"/>
+                <a:cs typeface="Arial Unicode MS" pitchFamily="34" charset="-128"/>
+              </a:rPr>
+              <a:t>--</a:t>
+            </a:r>
+            <a:r>
+              <a:rPr lang="en-US" sz="1800" kern="0" dirty="0" err="1">
+                <a:ea typeface="Arial Unicode MS" pitchFamily="34" charset="-128"/>
+                <a:cs typeface="Arial Unicode MS" pitchFamily="34" charset="-128"/>
+              </a:rPr>
+              <a:t>docker</a:t>
+            </a:r>
+            <a:r>
+              <a:rPr lang="en-US" sz="1800" kern="0" dirty="0">
+                <a:ea typeface="Arial Unicode MS" pitchFamily="34" charset="-128"/>
+                <a:cs typeface="Arial Unicode MS" pitchFamily="34" charset="-128"/>
+              </a:rPr>
+              <a:t>-server=&lt;&gt; </a:t>
+            </a:r>
+          </a:p>
+          <a:p>
+            <a:pPr marR="0" defTabSz="914400" eaLnBrk="1" fontAlgn="base" latinLnBrk="0" hangingPunct="1">
+              <a:lnSpc>
+                <a:spcPct val="100000"/>
+              </a:lnSpc>
+              <a:spcBef>
+                <a:spcPts val="600"/>
+              </a:spcBef>
+              <a:spcAft>
+                <a:spcPct val="0"/>
+              </a:spcAft>
+              <a:buClr>
+                <a:srgbClr val="F0AB00"/>
+              </a:buClr>
+              <a:buSzPct val="80000"/>
+              <a:tabLst/>
+            </a:pPr>
+            <a:r>
+              <a:rPr lang="en-US" sz="1800" kern="0" dirty="0">
+                <a:ea typeface="Arial Unicode MS" pitchFamily="34" charset="-128"/>
+                <a:cs typeface="Arial Unicode MS" pitchFamily="34" charset="-128"/>
+              </a:rPr>
+              <a:t>--</a:t>
+            </a:r>
+            <a:r>
+              <a:rPr lang="en-US" sz="1800" kern="0" dirty="0" err="1">
+                <a:ea typeface="Arial Unicode MS" pitchFamily="34" charset="-128"/>
+                <a:cs typeface="Arial Unicode MS" pitchFamily="34" charset="-128"/>
+              </a:rPr>
+              <a:t>docker</a:t>
+            </a:r>
+            <a:r>
+              <a:rPr lang="en-US" sz="1800" kern="0" dirty="0">
+                <a:ea typeface="Arial Unicode MS" pitchFamily="34" charset="-128"/>
+                <a:cs typeface="Arial Unicode MS" pitchFamily="34" charset="-128"/>
+              </a:rPr>
+              <a:t>-username=&lt;&gt;</a:t>
+            </a:r>
+          </a:p>
+          <a:p>
+            <a:pPr marR="0" defTabSz="914400" eaLnBrk="1" fontAlgn="base" latinLnBrk="0" hangingPunct="1">
+              <a:lnSpc>
+                <a:spcPct val="100000"/>
+              </a:lnSpc>
+              <a:spcBef>
+                <a:spcPts val="600"/>
+              </a:spcBef>
+              <a:spcAft>
+                <a:spcPct val="0"/>
+              </a:spcAft>
+              <a:buClr>
+                <a:srgbClr val="F0AB00"/>
+              </a:buClr>
+              <a:buSzPct val="80000"/>
+              <a:tabLst/>
+            </a:pPr>
+            <a:r>
+              <a:rPr kumimoji="0" lang="en-US" sz="1800" b="0" i="0" u="none" strike="noStrike" kern="0" cap="none" spc="0" normalizeH="0" baseline="0" noProof="0" dirty="0">
+                <a:ln>
+                  <a:noFill/>
+                </a:ln>
+                <a:effectLst/>
+                <a:uLnTx/>
+                <a:uFillTx/>
+                <a:ea typeface="Arial Unicode MS" pitchFamily="34" charset="-128"/>
+                <a:cs typeface="Arial Unicode MS" pitchFamily="34" charset="-128"/>
+              </a:rPr>
+              <a:t>--</a:t>
+            </a:r>
+            <a:r>
+              <a:rPr kumimoji="0" lang="en-US" sz="1800" b="0" i="0" u="none" strike="noStrike" kern="0" cap="none" spc="0" normalizeH="0" baseline="0" noProof="0" dirty="0" err="1">
+                <a:ln>
+                  <a:noFill/>
+                </a:ln>
+                <a:effectLst/>
+                <a:uLnTx/>
+                <a:uFillTx/>
+                <a:ea typeface="Arial Unicode MS" pitchFamily="34" charset="-128"/>
+                <a:cs typeface="Arial Unicode MS" pitchFamily="34" charset="-128"/>
+              </a:rPr>
+              <a:t>docker</a:t>
+            </a:r>
+            <a:r>
+              <a:rPr kumimoji="0" lang="en-US" sz="1800" b="0" i="0" u="none" strike="noStrike" kern="0" cap="none" spc="0" normalizeH="0" baseline="0" noProof="0" dirty="0">
+                <a:ln>
+                  <a:noFill/>
+                </a:ln>
+                <a:effectLst/>
+                <a:uLnTx/>
+                <a:uFillTx/>
+                <a:ea typeface="Arial Unicode MS" pitchFamily="34" charset="-128"/>
+                <a:cs typeface="Arial Unicode MS" pitchFamily="34" charset="-128"/>
+              </a:rPr>
+              <a:t>-password=&lt;&gt;</a:t>
+            </a:r>
+          </a:p>
+          <a:p>
+            <a:pPr marR="0" defTabSz="914400" eaLnBrk="1" fontAlgn="base" latinLnBrk="0" hangingPunct="1">
+              <a:lnSpc>
+                <a:spcPct val="100000"/>
+              </a:lnSpc>
+              <a:spcBef>
+                <a:spcPts val="600"/>
+              </a:spcBef>
+              <a:spcAft>
+                <a:spcPct val="0"/>
+              </a:spcAft>
+              <a:buClr>
+                <a:srgbClr val="F0AB00"/>
+              </a:buClr>
+              <a:buSzPct val="80000"/>
+              <a:tabLst/>
+            </a:pPr>
+            <a:r>
+              <a:rPr lang="en-US" sz="1800" kern="0" dirty="0">
+                <a:ea typeface="Arial Unicode MS" pitchFamily="34" charset="-128"/>
+                <a:cs typeface="Arial Unicode MS" pitchFamily="34" charset="-128"/>
+              </a:rPr>
+              <a:t>--</a:t>
+            </a:r>
+            <a:r>
+              <a:rPr lang="en-US" sz="1800" kern="0" dirty="0" err="1">
+                <a:ea typeface="Arial Unicode MS" pitchFamily="34" charset="-128"/>
+                <a:cs typeface="Arial Unicode MS" pitchFamily="34" charset="-128"/>
+              </a:rPr>
+              <a:t>docker</a:t>
+            </a:r>
+            <a:r>
+              <a:rPr lang="en-US" sz="1800" kern="0" dirty="0">
+                <a:ea typeface="Arial Unicode MS" pitchFamily="34" charset="-128"/>
+                <a:cs typeface="Arial Unicode MS" pitchFamily="34" charset="-128"/>
+              </a:rPr>
+              <a:t>-email=&lt;&gt;</a:t>
+            </a:r>
+            <a:endParaRPr kumimoji="0" lang="en-US" sz="1800" b="0" i="0" u="none" strike="noStrike" kern="0" cap="none" spc="0" normalizeH="0" baseline="0" noProof="0" dirty="0" err="1">
+              <a:ln>
+                <a:noFill/>
+              </a:ln>
+              <a:effectLst/>
+              <a:uLnTx/>
+              <a:uFillTx/>
+              <a:ea typeface="Arial Unicode MS" pitchFamily="34" charset="-128"/>
+              <a:cs typeface="Arial Unicode MS" pitchFamily="34" charset="-128"/>
+            </a:endParaRPr>
+          </a:p>
+        </p:txBody>
+      </p:sp>
+      <p:pic>
+        <p:nvPicPr>
+          <p:cNvPr id="29" name="Picture 28"/>
+          <p:cNvPicPr>
+            <a:picLocks noChangeAspect="1"/>
+          </p:cNvPicPr>
+          <p:nvPr/>
+        </p:nvPicPr>
+        <p:blipFill>
+          <a:blip r:embed="rId4"/>
+          <a:stretch>
+            <a:fillRect/>
+          </a:stretch>
+        </p:blipFill>
+        <p:spPr>
+          <a:xfrm rot="4927815" flipH="1">
+            <a:off x="8832196" y="3998879"/>
+            <a:ext cx="1701535" cy="1701535"/>
+          </a:xfrm>
+          <a:prstGeom prst="rect">
+            <a:avLst/>
+          </a:prstGeom>
+        </p:spPr>
+      </p:pic>
+      <p:sp>
+        <p:nvSpPr>
+          <p:cNvPr id="36" name="Rectangle 35"/>
+          <p:cNvSpPr/>
+          <p:nvPr/>
+        </p:nvSpPr>
+        <p:spPr bwMode="gray">
+          <a:xfrm>
+            <a:off x="5338061" y="2135831"/>
+            <a:ext cx="2638445" cy="1248486"/>
+          </a:xfrm>
+          <a:prstGeom prst="rect">
+            <a:avLst/>
+          </a:prstGeom>
+          <a:ln>
+            <a:headEnd/>
+            <a:tailEnd/>
+          </a:ln>
+        </p:spPr>
+        <p:style>
+          <a:lnRef idx="2">
+            <a:schemeClr val="accent2">
+              <a:shade val="50000"/>
+            </a:schemeClr>
+          </a:lnRef>
+          <a:fillRef idx="1">
+            <a:schemeClr val="accent2"/>
+          </a:fillRef>
+          <a:effectRef idx="0">
+            <a:schemeClr val="accent2"/>
+          </a:effectRef>
+          <a:fontRef idx="minor">
+            <a:schemeClr val="lt1"/>
+          </a:fontRef>
+        </p:style>
+        <p:txBody>
+          <a:bodyPr lIns="90000" tIns="72000" rIns="90000" bIns="72000" rtlCol="0" anchor="ctr"/>
+          <a:lstStyle/>
+          <a:p>
+            <a:pPr algn="ctr" defTabSz="914400" fontAlgn="base">
+              <a:spcBef>
+                <a:spcPct val="50000"/>
+              </a:spcBef>
+              <a:spcAft>
+                <a:spcPct val="0"/>
+              </a:spcAft>
+              <a:buClr>
+                <a:srgbClr val="F0AB00"/>
+              </a:buClr>
+              <a:buSzPct val="80000"/>
+            </a:pPr>
+            <a:r>
+              <a:rPr lang="en-US" sz="1800" kern="0" dirty="0">
+                <a:solidFill>
+                  <a:schemeClr val="lt1"/>
+                </a:solidFill>
+                <a:ea typeface="Arial Unicode MS" pitchFamily="34" charset="-128"/>
+                <a:cs typeface="Arial Unicode MS" pitchFamily="34" charset="-128"/>
+              </a:rPr>
+              <a:t>Pod A</a:t>
+            </a:r>
+          </a:p>
+          <a:p>
+            <a:pPr algn="ctr" defTabSz="914400" fontAlgn="base">
+              <a:spcBef>
+                <a:spcPct val="50000"/>
+              </a:spcBef>
+              <a:spcAft>
+                <a:spcPct val="0"/>
+              </a:spcAft>
+              <a:buClr>
+                <a:srgbClr val="F0AB00"/>
+              </a:buClr>
+              <a:buSzPct val="80000"/>
+            </a:pPr>
+            <a:r>
+              <a:rPr lang="en-US" sz="1800" kern="0" dirty="0">
+                <a:ea typeface="Arial Unicode MS" pitchFamily="34" charset="-128"/>
+                <a:cs typeface="Arial Unicode MS" pitchFamily="34" charset="-128"/>
+              </a:rPr>
+              <a:t>Image: &lt;&gt;</a:t>
+            </a:r>
+          </a:p>
+          <a:p>
+            <a:pPr algn="ctr" defTabSz="914400" fontAlgn="base">
+              <a:spcBef>
+                <a:spcPct val="50000"/>
+              </a:spcBef>
+              <a:spcAft>
+                <a:spcPct val="0"/>
+              </a:spcAft>
+              <a:buClr>
+                <a:srgbClr val="F0AB00"/>
+              </a:buClr>
+              <a:buSzPct val="80000"/>
+            </a:pPr>
+            <a:r>
+              <a:rPr lang="en-US" sz="1800" kern="0" dirty="0" err="1">
+                <a:solidFill>
+                  <a:schemeClr val="lt1"/>
+                </a:solidFill>
+                <a:ea typeface="Arial Unicode MS" pitchFamily="34" charset="-128"/>
+                <a:cs typeface="Arial Unicode MS" pitchFamily="34" charset="-128"/>
+              </a:rPr>
+              <a:t>ImagePullSecret</a:t>
+            </a:r>
+            <a:r>
+              <a:rPr lang="en-US" sz="1800" kern="0" dirty="0">
+                <a:solidFill>
+                  <a:schemeClr val="lt1"/>
+                </a:solidFill>
+                <a:ea typeface="Arial Unicode MS" pitchFamily="34" charset="-128"/>
+                <a:cs typeface="Arial Unicode MS" pitchFamily="34" charset="-128"/>
+              </a:rPr>
+              <a:t>: &lt;&gt;</a:t>
+            </a:r>
+          </a:p>
+        </p:txBody>
+      </p:sp>
+    </p:spTree>
+    <p:extLst>
+      <p:ext uri="{BB962C8B-B14F-4D97-AF65-F5344CB8AC3E}">
+        <p14:creationId xmlns:p14="http://schemas.microsoft.com/office/powerpoint/2010/main" val="4129837522"/>
+      </p:ext>
+    </p:extLst>
+  </p:cSld>
+  <p:clrMapOvr>
+    <a:masterClrMapping/>
+  </p:clrMapOvr>
+</p:sld>
+</file>
+
+<file path=ppt/slides/slide7.xml><?xml version="1.0" encoding="utf-8"?>
+<p:sld xmlns:a="http://schemas.openxmlformats.org/drawingml/2006/main" xmlns:r="http://schemas.openxmlformats.org/officeDocument/2006/relationships" xmlns:p="http://schemas.openxmlformats.org/presentationml/2006/main">
+  <p:cSld>
+    <p:spTree>
+      <p:nvGrpSpPr>
+        <p:cNvPr id="1" name=""/>
+        <p:cNvGrpSpPr/>
+        <p:nvPr/>
+      </p:nvGrpSpPr>
+      <p:grpSpPr>
+        <a:xfrm>
+          <a:off x="0" y="0"/>
+          <a:ext cx="0" cy="0"/>
+          <a:chOff x="0" y="0"/>
+          <a:chExt cx="0" cy="0"/>
+        </a:xfrm>
+      </p:grpSpPr>
+      <p:sp>
+        <p:nvSpPr>
+          <p:cNvPr id="13" name="Rectangle 12"/>
+          <p:cNvSpPr/>
+          <p:nvPr/>
+        </p:nvSpPr>
+        <p:spPr bwMode="gray">
+          <a:xfrm>
+            <a:off x="4612822" y="1395846"/>
+            <a:ext cx="6179820" cy="4604904"/>
+          </a:xfrm>
+          <a:prstGeom prst="rect">
+            <a:avLst/>
+          </a:prstGeom>
+          <a:ln>
+            <a:headEnd/>
+            <a:tailEnd/>
+          </a:ln>
+        </p:spPr>
+        <p:style>
+          <a:lnRef idx="2">
+            <a:schemeClr val="accent2"/>
+          </a:lnRef>
+          <a:fillRef idx="1">
+            <a:schemeClr val="lt1"/>
+          </a:fillRef>
+          <a:effectRef idx="0">
+            <a:schemeClr val="accent2"/>
+          </a:effectRef>
+          <a:fontRef idx="minor">
+            <a:schemeClr val="dk1"/>
+          </a:fontRef>
+        </p:style>
+        <p:txBody>
+          <a:bodyPr lIns="90000" tIns="72000" rIns="90000" bIns="72000" rtlCol="0" anchor="t"/>
+          <a:lstStyle/>
+          <a:p>
+            <a:pPr marR="0" algn="ctr" defTabSz="914400" eaLnBrk="1" fontAlgn="base" latinLnBrk="0" hangingPunct="1">
+              <a:lnSpc>
+                <a:spcPct val="100000"/>
+              </a:lnSpc>
+              <a:spcBef>
+                <a:spcPct val="50000"/>
+              </a:spcBef>
+              <a:spcAft>
+                <a:spcPct val="0"/>
+              </a:spcAft>
+              <a:buClr>
+                <a:srgbClr val="F0AB00"/>
+              </a:buClr>
+              <a:buSzPct val="80000"/>
+              <a:tabLst/>
+            </a:pPr>
+            <a:r>
+              <a:rPr lang="en-US" sz="1600" b="1" kern="0" dirty="0">
+                <a:ea typeface="Arial Unicode MS" pitchFamily="34" charset="-128"/>
+                <a:cs typeface="Arial Unicode MS" pitchFamily="34" charset="-128"/>
+              </a:rPr>
+              <a:t>Kubernetes</a:t>
+            </a:r>
+            <a:endParaRPr kumimoji="0" lang="en-US" sz="1600" b="1" i="0" u="none" strike="noStrike" kern="0" cap="none" spc="0" normalizeH="0" baseline="0" noProof="0" dirty="0">
+              <a:ln>
+                <a:noFill/>
+              </a:ln>
+              <a:effectLst/>
+              <a:uLnTx/>
+              <a:uFillTx/>
+              <a:ea typeface="Arial Unicode MS" pitchFamily="34" charset="-128"/>
+              <a:cs typeface="Arial Unicode MS" pitchFamily="34" charset="-128"/>
+            </a:endParaRPr>
+          </a:p>
+        </p:txBody>
+      </p:sp>
+      <p:sp>
+        <p:nvSpPr>
+          <p:cNvPr id="14" name="Rectangle 13"/>
+          <p:cNvSpPr/>
+          <p:nvPr/>
+        </p:nvSpPr>
+        <p:spPr bwMode="gray">
+          <a:xfrm>
+            <a:off x="5731329" y="1958320"/>
+            <a:ext cx="4457700" cy="1603511"/>
+          </a:xfrm>
+          <a:prstGeom prst="rect">
+            <a:avLst/>
+          </a:prstGeom>
+          <a:ln>
+            <a:headEnd/>
+            <a:tailEnd/>
+          </a:ln>
+        </p:spPr>
+        <p:style>
+          <a:lnRef idx="2">
+            <a:schemeClr val="accent2">
+              <a:shade val="50000"/>
+            </a:schemeClr>
+          </a:lnRef>
+          <a:fillRef idx="1">
+            <a:schemeClr val="accent2"/>
+          </a:fillRef>
+          <a:effectRef idx="0">
+            <a:schemeClr val="accent2"/>
+          </a:effectRef>
+          <a:fontRef idx="minor">
+            <a:schemeClr val="lt1"/>
+          </a:fontRef>
+        </p:style>
+        <p:txBody>
+          <a:bodyPr lIns="90000" tIns="72000" rIns="90000" bIns="72000" rtlCol="0" anchor="ctr"/>
+          <a:lstStyle/>
+          <a:p>
+            <a:pPr marR="0" algn="ctr" defTabSz="914400" eaLnBrk="1" fontAlgn="base" latinLnBrk="0" hangingPunct="1">
+              <a:lnSpc>
+                <a:spcPct val="100000"/>
+              </a:lnSpc>
+              <a:spcBef>
+                <a:spcPct val="50000"/>
+              </a:spcBef>
+              <a:spcAft>
+                <a:spcPct val="0"/>
+              </a:spcAft>
+              <a:buClr>
+                <a:srgbClr val="F0AB00"/>
+              </a:buClr>
+              <a:buSzPct val="80000"/>
+              <a:tabLst/>
+            </a:pPr>
+            <a:r>
+              <a:rPr lang="en-US" sz="1800" kern="0" noProof="0" dirty="0">
+                <a:ea typeface="Arial Unicode MS" pitchFamily="34" charset="-128"/>
+                <a:cs typeface="Arial Unicode MS" pitchFamily="34" charset="-128"/>
+              </a:rPr>
+              <a:t>Pod</a:t>
+            </a:r>
+            <a:r>
+              <a:rPr lang="en-US" sz="1800" kern="0" dirty="0">
+                <a:ea typeface="Arial Unicode MS" pitchFamily="34" charset="-128"/>
+                <a:cs typeface="Arial Unicode MS" pitchFamily="34" charset="-128"/>
+              </a:rPr>
+              <a:t> A</a:t>
+            </a:r>
+          </a:p>
+          <a:p>
+            <a:pPr marR="0" algn="ctr" defTabSz="914400" eaLnBrk="1" fontAlgn="base" latinLnBrk="0" hangingPunct="1">
+              <a:lnSpc>
+                <a:spcPct val="100000"/>
+              </a:lnSpc>
+              <a:spcBef>
+                <a:spcPct val="50000"/>
+              </a:spcBef>
+              <a:spcAft>
+                <a:spcPct val="0"/>
+              </a:spcAft>
+              <a:buClr>
+                <a:srgbClr val="F0AB00"/>
+              </a:buClr>
+              <a:buSzPct val="80000"/>
+              <a:tabLst/>
+            </a:pPr>
+            <a:r>
+              <a:rPr kumimoji="0" lang="en-US" sz="1800" b="0" i="0" u="none" strike="noStrike" kern="0" cap="none" spc="0" normalizeH="0" baseline="0" noProof="0" dirty="0">
+                <a:ln>
+                  <a:noFill/>
+                </a:ln>
+                <a:effectLst/>
+                <a:uLnTx/>
+                <a:uFillTx/>
+                <a:ea typeface="Arial Unicode MS" pitchFamily="34" charset="-128"/>
+                <a:cs typeface="Arial Unicode MS" pitchFamily="34" charset="-128"/>
+              </a:rPr>
+              <a:t>Image: private.registry.com/my-image:0.1</a:t>
+            </a:r>
+          </a:p>
+        </p:txBody>
+      </p:sp>
+      <p:sp>
+        <p:nvSpPr>
+          <p:cNvPr id="3" name="Title 2"/>
+          <p:cNvSpPr>
+            <a:spLocks noGrp="1"/>
+          </p:cNvSpPr>
+          <p:nvPr>
+            <p:ph type="title"/>
+          </p:nvPr>
+        </p:nvSpPr>
+        <p:spPr/>
+        <p:txBody>
+          <a:bodyPr/>
+          <a:lstStyle/>
+          <a:p>
+            <a:r>
+              <a:rPr lang="en-US" dirty="0"/>
+              <a:t>Image Pull Secrets</a:t>
+            </a:r>
+          </a:p>
+        </p:txBody>
+      </p:sp>
+      <p:sp>
+        <p:nvSpPr>
+          <p:cNvPr id="4" name="Rectangle 3"/>
+          <p:cNvSpPr/>
+          <p:nvPr/>
+        </p:nvSpPr>
+        <p:spPr bwMode="gray">
+          <a:xfrm>
+            <a:off x="772758" y="1927317"/>
+            <a:ext cx="2661557" cy="1665515"/>
+          </a:xfrm>
+          <a:prstGeom prst="rect">
+            <a:avLst/>
+          </a:prstGeom>
+          <a:solidFill>
+            <a:schemeClr val="accent1"/>
+          </a:solidFill>
+          <a:ln w="6350" algn="ctr">
+            <a:noFill/>
+            <a:miter lim="800000"/>
+            <a:headEnd/>
+            <a:tailEnd/>
+          </a:ln>
+        </p:spPr>
+        <p:txBody>
+          <a:bodyPr lIns="90000" tIns="72000" rIns="90000" bIns="72000" rtlCol="0" anchor="ctr"/>
+          <a:lstStyle/>
+          <a:p>
+            <a:pPr marR="0" algn="ctr" defTabSz="914400" eaLnBrk="1" fontAlgn="base" latinLnBrk="0" hangingPunct="1">
+              <a:lnSpc>
+                <a:spcPct val="100000"/>
+              </a:lnSpc>
+              <a:spcBef>
+                <a:spcPct val="50000"/>
+              </a:spcBef>
+              <a:spcAft>
+                <a:spcPct val="0"/>
+              </a:spcAft>
+              <a:buClr>
+                <a:srgbClr val="F0AB00"/>
+              </a:buClr>
+              <a:buSzPct val="80000"/>
+              <a:tabLst/>
+            </a:pPr>
+            <a:r>
+              <a:rPr kumimoji="0" lang="en-US" sz="2000" b="1" i="0" u="none" strike="noStrike" kern="0" cap="none" spc="0" normalizeH="0" baseline="0" noProof="0" dirty="0">
+                <a:ln>
+                  <a:noFill/>
+                </a:ln>
+                <a:effectLst/>
+                <a:uLnTx/>
+                <a:uFillTx/>
+                <a:ea typeface="Arial Unicode MS" pitchFamily="34" charset="-128"/>
+                <a:cs typeface="Arial Unicode MS" pitchFamily="34" charset="-128"/>
+              </a:rPr>
+              <a:t>Private Registry</a:t>
+            </a:r>
+          </a:p>
+        </p:txBody>
+      </p:sp>
+      <p:sp>
+        <p:nvSpPr>
+          <p:cNvPr id="6" name="Rectangle 5"/>
+          <p:cNvSpPr/>
+          <p:nvPr/>
+        </p:nvSpPr>
+        <p:spPr bwMode="gray">
+          <a:xfrm>
+            <a:off x="5731329" y="4232747"/>
+            <a:ext cx="1627931" cy="1156258"/>
+          </a:xfrm>
+          <a:prstGeom prst="rect">
+            <a:avLst/>
+          </a:prstGeom>
+          <a:ln>
+            <a:headEnd/>
+            <a:tailEnd/>
+          </a:ln>
+        </p:spPr>
+        <p:style>
+          <a:lnRef idx="2">
+            <a:schemeClr val="accent2">
+              <a:shade val="50000"/>
+            </a:schemeClr>
+          </a:lnRef>
+          <a:fillRef idx="1">
+            <a:schemeClr val="accent2"/>
+          </a:fillRef>
+          <a:effectRef idx="0">
+            <a:schemeClr val="accent2"/>
+          </a:effectRef>
+          <a:fontRef idx="minor">
+            <a:schemeClr val="lt1"/>
+          </a:fontRef>
+        </p:style>
+        <p:txBody>
+          <a:bodyPr lIns="90000" tIns="72000" rIns="90000" bIns="72000" rtlCol="0" anchor="ctr"/>
+          <a:lstStyle/>
+          <a:p>
+            <a:pPr marR="0" algn="ctr" defTabSz="914400" eaLnBrk="1" fontAlgn="base" latinLnBrk="0" hangingPunct="1">
+              <a:lnSpc>
+                <a:spcPct val="100000"/>
+              </a:lnSpc>
+              <a:spcBef>
+                <a:spcPct val="50000"/>
+              </a:spcBef>
+              <a:spcAft>
+                <a:spcPct val="0"/>
+              </a:spcAft>
+              <a:buClr>
+                <a:srgbClr val="F0AB00"/>
+              </a:buClr>
+              <a:buSzPct val="80000"/>
+              <a:tabLst/>
+            </a:pPr>
+            <a:r>
+              <a:rPr lang="en-US" sz="1800" kern="0" dirty="0">
+                <a:ea typeface="Arial Unicode MS" pitchFamily="34" charset="-128"/>
+                <a:cs typeface="Arial Unicode MS" pitchFamily="34" charset="-128"/>
+              </a:rPr>
+              <a:t>service account</a:t>
+            </a:r>
+          </a:p>
+          <a:p>
+            <a:pPr marR="0" algn="ctr" defTabSz="914400" eaLnBrk="1" fontAlgn="base" latinLnBrk="0" hangingPunct="1">
+              <a:lnSpc>
+                <a:spcPct val="100000"/>
+              </a:lnSpc>
+              <a:spcBef>
+                <a:spcPct val="50000"/>
+              </a:spcBef>
+              <a:spcAft>
+                <a:spcPct val="0"/>
+              </a:spcAft>
+              <a:buClr>
+                <a:srgbClr val="F0AB00"/>
+              </a:buClr>
+              <a:buSzPct val="80000"/>
+              <a:tabLst/>
+            </a:pPr>
+            <a:r>
+              <a:rPr kumimoji="0" lang="en-US" sz="1800" b="0" i="0" u="none" strike="noStrike" kern="0" cap="none" spc="0" normalizeH="0" baseline="0" noProof="0" dirty="0">
+                <a:ln>
+                  <a:noFill/>
+                </a:ln>
+                <a:effectLst/>
+                <a:uLnTx/>
+                <a:uFillTx/>
+                <a:ea typeface="Arial Unicode MS" pitchFamily="34" charset="-128"/>
+                <a:cs typeface="Arial Unicode MS" pitchFamily="34" charset="-128"/>
+              </a:rPr>
+              <a:t>“default”</a:t>
+            </a:r>
+          </a:p>
+        </p:txBody>
+      </p:sp>
+      <p:sp>
+        <p:nvSpPr>
+          <p:cNvPr id="15" name="Cylinder 14"/>
+          <p:cNvSpPr/>
+          <p:nvPr/>
+        </p:nvSpPr>
+        <p:spPr bwMode="gray">
+          <a:xfrm>
+            <a:off x="8400221" y="4229558"/>
+            <a:ext cx="1561812" cy="1168721"/>
+          </a:xfrm>
+          <a:prstGeom prst="can">
+            <a:avLst/>
+          </a:prstGeom>
+          <a:ln>
+            <a:headEnd/>
+            <a:tailEnd/>
+          </a:ln>
+        </p:spPr>
+        <p:style>
+          <a:lnRef idx="2">
+            <a:schemeClr val="accent2">
+              <a:shade val="50000"/>
+            </a:schemeClr>
+          </a:lnRef>
+          <a:fillRef idx="1">
+            <a:schemeClr val="accent2"/>
+          </a:fillRef>
+          <a:effectRef idx="0">
+            <a:schemeClr val="accent2"/>
+          </a:effectRef>
+          <a:fontRef idx="minor">
+            <a:schemeClr val="lt1"/>
+          </a:fontRef>
+        </p:style>
+        <p:txBody>
+          <a:bodyPr lIns="90000" tIns="72000" rIns="90000" bIns="72000" rtlCol="0" anchor="ctr"/>
+          <a:lstStyle/>
+          <a:p>
+            <a:pPr marR="0" algn="ctr" defTabSz="914400" eaLnBrk="1" fontAlgn="base" latinLnBrk="0" hangingPunct="1">
+              <a:lnSpc>
+                <a:spcPct val="100000"/>
+              </a:lnSpc>
+              <a:spcBef>
+                <a:spcPct val="50000"/>
+              </a:spcBef>
+              <a:spcAft>
+                <a:spcPct val="0"/>
+              </a:spcAft>
+              <a:buClr>
+                <a:srgbClr val="F0AB00"/>
+              </a:buClr>
+              <a:buSzPct val="80000"/>
+              <a:tabLst/>
+            </a:pPr>
+            <a:r>
+              <a:rPr lang="en-US" sz="1800" kern="0" dirty="0">
+                <a:ea typeface="Arial Unicode MS" pitchFamily="34" charset="-128"/>
+                <a:cs typeface="Arial Unicode MS" pitchFamily="34" charset="-128"/>
+              </a:rPr>
+              <a:t>Image Pull Secret</a:t>
+            </a:r>
+            <a:endParaRPr kumimoji="0" lang="en-US" sz="1800" b="0" i="0" u="none" strike="noStrike" kern="0" cap="none" spc="0" normalizeH="0" baseline="0" noProof="0" dirty="0">
+              <a:ln>
+                <a:noFill/>
+              </a:ln>
+              <a:effectLst/>
+              <a:uLnTx/>
+              <a:uFillTx/>
+              <a:ea typeface="Arial Unicode MS" pitchFamily="34" charset="-128"/>
+              <a:cs typeface="Arial Unicode MS" pitchFamily="34" charset="-128"/>
+            </a:endParaRPr>
+          </a:p>
+        </p:txBody>
+      </p:sp>
+      <p:cxnSp>
+        <p:nvCxnSpPr>
+          <p:cNvPr id="16" name="Straight Arrow Connector 15"/>
+          <p:cNvCxnSpPr>
+            <a:stCxn id="4" idx="3"/>
+            <a:endCxn id="14" idx="1"/>
+          </p:cNvCxnSpPr>
+          <p:nvPr/>
+        </p:nvCxnSpPr>
+        <p:spPr>
+          <a:xfrm>
+            <a:off x="3434315" y="2760075"/>
+            <a:ext cx="2297014" cy="1"/>
+          </a:xfrm>
+          <a:prstGeom prst="straightConnector1">
+            <a:avLst/>
+          </a:prstGeom>
+          <a:ln w="38100">
+            <a:solidFill>
+              <a:schemeClr val="tx2">
+                <a:lumMod val="60000"/>
+                <a:lumOff val="40000"/>
+              </a:schemeClr>
+            </a:solidFill>
+            <a:headEnd type="triangle" w="med" len="med"/>
+            <a:tailEnd type="triangle" w="med" len="med"/>
+          </a:ln>
+        </p:spPr>
+        <p:style>
+          <a:lnRef idx="1">
+            <a:schemeClr val="accent1"/>
+          </a:lnRef>
+          <a:fillRef idx="0">
+            <a:schemeClr val="accent1"/>
+          </a:fillRef>
+          <a:effectRef idx="0">
+            <a:schemeClr val="accent1"/>
+          </a:effectRef>
+          <a:fontRef idx="minor">
+            <a:schemeClr val="tx1"/>
+          </a:fontRef>
+        </p:style>
+      </p:cxnSp>
+      <p:cxnSp>
+        <p:nvCxnSpPr>
+          <p:cNvPr id="18" name="Straight Arrow Connector 17"/>
+          <p:cNvCxnSpPr>
+            <a:stCxn id="6" idx="3"/>
+            <a:endCxn id="15" idx="2"/>
+          </p:cNvCxnSpPr>
+          <p:nvPr/>
+        </p:nvCxnSpPr>
+        <p:spPr>
+          <a:xfrm>
+            <a:off x="7359260" y="4810876"/>
+            <a:ext cx="1040961" cy="3043"/>
+          </a:xfrm>
+          <a:prstGeom prst="straightConnector1">
+            <a:avLst/>
+          </a:prstGeom>
+          <a:ln w="38100">
+            <a:solidFill>
+              <a:schemeClr val="tx2">
+                <a:lumMod val="60000"/>
+                <a:lumOff val="40000"/>
+              </a:schemeClr>
+            </a:solidFill>
+            <a:headEnd type="none" w="med" len="med"/>
+            <a:tailEnd type="none" w="med" len="med"/>
+          </a:ln>
+        </p:spPr>
+        <p:style>
+          <a:lnRef idx="1">
+            <a:schemeClr val="accent1"/>
+          </a:lnRef>
+          <a:fillRef idx="0">
+            <a:schemeClr val="accent1"/>
+          </a:fillRef>
+          <a:effectRef idx="0">
+            <a:schemeClr val="accent1"/>
+          </a:effectRef>
+          <a:fontRef idx="minor">
+            <a:schemeClr val="tx1"/>
+          </a:fontRef>
+        </p:style>
+      </p:cxnSp>
+      <p:cxnSp>
+        <p:nvCxnSpPr>
+          <p:cNvPr id="21" name="Straight Arrow Connector 20"/>
+          <p:cNvCxnSpPr>
+            <a:endCxn id="6" idx="0"/>
+          </p:cNvCxnSpPr>
+          <p:nvPr/>
+        </p:nvCxnSpPr>
+        <p:spPr>
+          <a:xfrm>
+            <a:off x="6545294" y="3561831"/>
+            <a:ext cx="1" cy="670916"/>
+          </a:xfrm>
+          <a:prstGeom prst="straightConnector1">
+            <a:avLst/>
+          </a:prstGeom>
+          <a:ln w="38100">
+            <a:solidFill>
+              <a:schemeClr val="tx2">
+                <a:lumMod val="60000"/>
+                <a:lumOff val="40000"/>
+              </a:schemeClr>
+            </a:solidFill>
+            <a:headEnd type="none" w="med" len="med"/>
+            <a:tailEnd type="none" w="med" len="med"/>
+          </a:ln>
+        </p:spPr>
+        <p:style>
+          <a:lnRef idx="1">
+            <a:schemeClr val="accent1"/>
+          </a:lnRef>
+          <a:fillRef idx="0">
+            <a:schemeClr val="accent1"/>
+          </a:fillRef>
+          <a:effectRef idx="0">
+            <a:schemeClr val="accent1"/>
+          </a:effectRef>
+          <a:fontRef idx="minor">
+            <a:schemeClr val="tx1"/>
+          </a:fontRef>
+        </p:style>
+      </p:cxnSp>
+      <p:pic>
+        <p:nvPicPr>
+          <p:cNvPr id="27" name="Picture 26"/>
+          <p:cNvPicPr>
+            <a:picLocks noChangeAspect="1"/>
+          </p:cNvPicPr>
+          <p:nvPr/>
+        </p:nvPicPr>
+        <p:blipFill>
+          <a:blip r:embed="rId3"/>
+          <a:stretch>
+            <a:fillRect/>
+          </a:stretch>
+        </p:blipFill>
+        <p:spPr>
+          <a:xfrm>
+            <a:off x="2751621" y="2369079"/>
+            <a:ext cx="1542129" cy="1542129"/>
+          </a:xfrm>
+          <a:prstGeom prst="rect">
+            <a:avLst/>
+          </a:prstGeom>
+        </p:spPr>
+      </p:pic>
+      <p:pic>
+        <p:nvPicPr>
+          <p:cNvPr id="29" name="Picture 28"/>
+          <p:cNvPicPr>
+            <a:picLocks noChangeAspect="1"/>
+          </p:cNvPicPr>
+          <p:nvPr/>
+        </p:nvPicPr>
+        <p:blipFill>
+          <a:blip r:embed="rId4"/>
+          <a:stretch>
+            <a:fillRect/>
+          </a:stretch>
+        </p:blipFill>
+        <p:spPr>
+          <a:xfrm rot="4927815" flipH="1">
+            <a:off x="8802247" y="3991716"/>
+            <a:ext cx="757761" cy="757761"/>
+          </a:xfrm>
+          <a:prstGeom prst="rect">
+            <a:avLst/>
+          </a:prstGeom>
+        </p:spPr>
+      </p:pic>
+    </p:spTree>
+    <p:extLst>
+      <p:ext uri="{BB962C8B-B14F-4D97-AF65-F5344CB8AC3E}">
+        <p14:creationId xmlns:p14="http://schemas.microsoft.com/office/powerpoint/2010/main" val="4285478441"/>
+      </p:ext>
+    </p:extLst>
+  </p:cSld>
+  <p:clrMapOvr>
+    <a:masterClrMapping/>
+  </p:clrMapOvr>
+</p:sld>
+</file>
+
+<file path=ppt/slides/slide8.xml><?xml version="1.0" encoding="utf-8"?>
+<p:sld xmlns:a="http://schemas.openxmlformats.org/drawingml/2006/main" xmlns:r="http://schemas.openxmlformats.org/officeDocument/2006/relationships" xmlns:p="http://schemas.openxmlformats.org/presentationml/2006/main">
+  <p:cSld>
+    <p:spTree>
+      <p:nvGrpSpPr>
+        <p:cNvPr id="1" name=""/>
+        <p:cNvGrpSpPr/>
+        <p:nvPr/>
+      </p:nvGrpSpPr>
+      <p:grpSpPr>
+        <a:xfrm>
+          <a:off x="0" y="0"/>
+          <a:ext cx="0" cy="0"/>
+          <a:chOff x="0" y="0"/>
+          <a:chExt cx="0" cy="0"/>
+        </a:xfrm>
+      </p:grpSpPr>
+      <p:sp>
+        <p:nvSpPr>
+          <p:cNvPr id="2" name="Title 1"/>
+          <p:cNvSpPr>
+            <a:spLocks noGrp="1"/>
+          </p:cNvSpPr>
+          <p:nvPr>
+            <p:ph type="title"/>
+          </p:nvPr>
+        </p:nvSpPr>
+        <p:spPr/>
+        <p:txBody>
+          <a:bodyPr/>
+          <a:lstStyle/>
+          <a:p>
+            <a:r>
+              <a:rPr lang="en-US" dirty="0" err="1"/>
+              <a:t>NetworkPolicy</a:t>
+            </a:r>
+            <a:endParaRPr lang="en-US" dirty="0"/>
+          </a:p>
+        </p:txBody>
+      </p:sp>
+      <p:sp>
+        <p:nvSpPr>
+          <p:cNvPr id="8" name="Rectangle 7"/>
+          <p:cNvSpPr/>
+          <p:nvPr/>
+        </p:nvSpPr>
+        <p:spPr>
+          <a:xfrm>
+            <a:off x="504000" y="1223190"/>
+            <a:ext cx="10918380" cy="1061829"/>
+          </a:xfrm>
+          <a:prstGeom prst="rect">
+            <a:avLst/>
+          </a:prstGeom>
+        </p:spPr>
+        <p:txBody>
+          <a:bodyPr wrap="square">
+            <a:spAutoFit/>
+          </a:bodyPr>
+          <a:lstStyle/>
+          <a:p>
+            <a:pPr marL="342900" indent="-342900">
+              <a:buFont typeface="Wingdings" panose="05000000000000000000" pitchFamily="2" charset="2"/>
+              <a:buChar char="§"/>
+            </a:pPr>
+            <a:r>
+              <a:rPr lang="en-US" dirty="0"/>
+              <a:t>“Firewall”-like restrictions</a:t>
+            </a:r>
+          </a:p>
+          <a:p>
+            <a:pPr marL="342900" indent="-342900">
+              <a:buFont typeface="Wingdings" panose="05000000000000000000" pitchFamily="2" charset="2"/>
+              <a:buChar char="§"/>
+            </a:pPr>
+            <a:r>
+              <a:rPr lang="en-US" dirty="0"/>
+              <a:t>Define egress and ingress rules for a service</a:t>
+            </a:r>
+          </a:p>
+          <a:p>
+            <a:pPr marL="342900" indent="-342900">
+              <a:buFont typeface="Wingdings" panose="05000000000000000000" pitchFamily="2" charset="2"/>
+              <a:buChar char="§"/>
+            </a:pPr>
+            <a:r>
+              <a:rPr lang="en-US" dirty="0"/>
+              <a:t>Requires support by overlay network plugin</a:t>
+            </a:r>
+          </a:p>
+        </p:txBody>
+      </p:sp>
+      <p:sp>
+        <p:nvSpPr>
+          <p:cNvPr id="7" name="Rectangle 6"/>
+          <p:cNvSpPr/>
+          <p:nvPr/>
+        </p:nvSpPr>
+        <p:spPr bwMode="gray">
+          <a:xfrm>
+            <a:off x="4479700" y="3598223"/>
+            <a:ext cx="1315448" cy="774112"/>
+          </a:xfrm>
+          <a:prstGeom prst="rect">
+            <a:avLst/>
+          </a:prstGeom>
+          <a:ln>
+            <a:headEnd/>
+            <a:tailEnd/>
+          </a:ln>
+        </p:spPr>
+        <p:style>
+          <a:lnRef idx="2">
+            <a:schemeClr val="accent2"/>
+          </a:lnRef>
+          <a:fillRef idx="1">
+            <a:schemeClr val="lt1"/>
+          </a:fillRef>
+          <a:effectRef idx="0">
+            <a:schemeClr val="accent2"/>
+          </a:effectRef>
+          <a:fontRef idx="minor">
+            <a:schemeClr val="dk1"/>
+          </a:fontRef>
+        </p:style>
+        <p:txBody>
+          <a:bodyPr lIns="90000" tIns="72000" rIns="90000" bIns="72000" rtlCol="0" anchor="ctr"/>
+          <a:lstStyle/>
+          <a:p>
+            <a:pPr marR="0" algn="ctr" defTabSz="914400" eaLnBrk="1" fontAlgn="base" latinLnBrk="0" hangingPunct="1">
+              <a:lnSpc>
+                <a:spcPct val="100000"/>
+              </a:lnSpc>
+              <a:spcBef>
+                <a:spcPct val="50000"/>
+              </a:spcBef>
+              <a:spcAft>
+                <a:spcPct val="0"/>
+              </a:spcAft>
+              <a:buClr>
+                <a:srgbClr val="F0AB00"/>
+              </a:buClr>
+              <a:buSzPct val="80000"/>
+              <a:tabLst/>
+            </a:pPr>
+            <a:r>
+              <a:rPr lang="en-US" sz="1800" kern="0" dirty="0">
+                <a:ea typeface="Arial Unicode MS" pitchFamily="34" charset="-128"/>
+                <a:cs typeface="Arial Unicode MS" pitchFamily="34" charset="-128"/>
+              </a:rPr>
+              <a:t>Service</a:t>
+            </a:r>
+            <a:endParaRPr kumimoji="0" lang="en-US" sz="1800" b="0" i="0" u="none" strike="noStrike" kern="0" cap="none" spc="0" normalizeH="0" baseline="0" noProof="0" dirty="0">
+              <a:ln>
+                <a:noFill/>
+              </a:ln>
+              <a:effectLst/>
+              <a:uLnTx/>
+              <a:uFillTx/>
+              <a:ea typeface="Arial Unicode MS" pitchFamily="34" charset="-128"/>
+              <a:cs typeface="Arial Unicode MS" pitchFamily="34" charset="-128"/>
+            </a:endParaRPr>
+          </a:p>
+        </p:txBody>
+      </p:sp>
+      <p:sp>
+        <p:nvSpPr>
+          <p:cNvPr id="12" name="Rectangle 11"/>
+          <p:cNvSpPr/>
+          <p:nvPr/>
+        </p:nvSpPr>
+        <p:spPr bwMode="gray">
+          <a:xfrm>
+            <a:off x="9108965" y="3567880"/>
+            <a:ext cx="1062486" cy="806724"/>
+          </a:xfrm>
+          <a:prstGeom prst="rect">
+            <a:avLst/>
+          </a:prstGeom>
+          <a:ln>
+            <a:headEnd/>
+            <a:tailEnd/>
+          </a:ln>
+        </p:spPr>
+        <p:style>
+          <a:lnRef idx="2">
+            <a:schemeClr val="accent2"/>
+          </a:lnRef>
+          <a:fillRef idx="1">
+            <a:schemeClr val="lt1"/>
+          </a:fillRef>
+          <a:effectRef idx="0">
+            <a:schemeClr val="accent2"/>
+          </a:effectRef>
+          <a:fontRef idx="minor">
+            <a:schemeClr val="dk1"/>
+          </a:fontRef>
+        </p:style>
+        <p:txBody>
+          <a:bodyPr lIns="90000" tIns="72000" rIns="90000" bIns="72000" rtlCol="0" anchor="ctr"/>
+          <a:lstStyle/>
+          <a:p>
+            <a:pPr marR="0" algn="ctr" defTabSz="914400" eaLnBrk="1" fontAlgn="base" latinLnBrk="0" hangingPunct="1">
+              <a:lnSpc>
+                <a:spcPct val="100000"/>
+              </a:lnSpc>
+              <a:spcBef>
+                <a:spcPct val="50000"/>
+              </a:spcBef>
+              <a:spcAft>
+                <a:spcPct val="0"/>
+              </a:spcAft>
+              <a:buClr>
+                <a:srgbClr val="F0AB00"/>
+              </a:buClr>
+              <a:buSzPct val="80000"/>
+              <a:tabLst/>
+            </a:pPr>
+            <a:r>
+              <a:rPr lang="en-US" sz="1800" kern="0" noProof="0" dirty="0">
+                <a:ea typeface="Arial Unicode MS" pitchFamily="34" charset="-128"/>
+                <a:cs typeface="Arial Unicode MS" pitchFamily="34" charset="-128"/>
+              </a:rPr>
+              <a:t>Pod</a:t>
+            </a:r>
+            <a:r>
+              <a:rPr lang="en-US" sz="1800" kern="0" dirty="0">
+                <a:ea typeface="Arial Unicode MS" pitchFamily="34" charset="-128"/>
+                <a:cs typeface="Arial Unicode MS" pitchFamily="34" charset="-128"/>
+              </a:rPr>
+              <a:t> A</a:t>
+            </a:r>
+            <a:endParaRPr kumimoji="0" lang="en-US" sz="1800" b="0" i="0" u="none" strike="noStrike" kern="0" cap="none" spc="0" normalizeH="0" baseline="0" noProof="0" dirty="0">
+              <a:ln>
+                <a:noFill/>
+              </a:ln>
+              <a:effectLst/>
+              <a:uLnTx/>
+              <a:uFillTx/>
+              <a:ea typeface="Arial Unicode MS" pitchFamily="34" charset="-128"/>
+              <a:cs typeface="Arial Unicode MS" pitchFamily="34" charset="-128"/>
+            </a:endParaRPr>
+          </a:p>
+        </p:txBody>
+      </p:sp>
+      <p:cxnSp>
+        <p:nvCxnSpPr>
+          <p:cNvPr id="16" name="Straight Arrow Connector 15"/>
+          <p:cNvCxnSpPr>
+            <a:stCxn id="28" idx="3"/>
+            <a:endCxn id="7" idx="1"/>
+          </p:cNvCxnSpPr>
+          <p:nvPr/>
+        </p:nvCxnSpPr>
+        <p:spPr>
+          <a:xfrm>
+            <a:off x="2760620" y="3228936"/>
+            <a:ext cx="1719080" cy="756343"/>
+          </a:xfrm>
+          <a:prstGeom prst="straightConnector1">
+            <a:avLst/>
+          </a:prstGeom>
+          <a:ln w="38100">
+            <a:solidFill>
+              <a:schemeClr val="tx2">
+                <a:lumMod val="60000"/>
+                <a:lumOff val="40000"/>
+              </a:schemeClr>
+            </a:solidFill>
+            <a:headEnd type="none" w="med" len="med"/>
+            <a:tailEnd type="triangle"/>
+          </a:ln>
+        </p:spPr>
+        <p:style>
+          <a:lnRef idx="1">
+            <a:schemeClr val="accent1"/>
+          </a:lnRef>
+          <a:fillRef idx="0">
+            <a:schemeClr val="accent1"/>
+          </a:fillRef>
+          <a:effectRef idx="0">
+            <a:schemeClr val="accent1"/>
+          </a:effectRef>
+          <a:fontRef idx="minor">
+            <a:schemeClr val="tx1"/>
+          </a:fontRef>
+        </p:style>
+      </p:cxnSp>
+      <p:sp>
+        <p:nvSpPr>
+          <p:cNvPr id="22" name="Rectangle: Single Corner Snipped 21"/>
+          <p:cNvSpPr/>
+          <p:nvPr/>
+        </p:nvSpPr>
+        <p:spPr bwMode="gray">
+          <a:xfrm>
+            <a:off x="6667860" y="5016889"/>
+            <a:ext cx="2322768" cy="1438976"/>
+          </a:xfrm>
+          <a:prstGeom prst="snip1Rect">
+            <a:avLst/>
+          </a:prstGeom>
+          <a:ln>
+            <a:headEnd/>
+            <a:tailEnd/>
+          </a:ln>
+        </p:spPr>
+        <p:style>
+          <a:lnRef idx="2">
+            <a:schemeClr val="accent2"/>
+          </a:lnRef>
+          <a:fillRef idx="1">
+            <a:schemeClr val="lt1"/>
+          </a:fillRef>
+          <a:effectRef idx="0">
+            <a:schemeClr val="accent2"/>
+          </a:effectRef>
+          <a:fontRef idx="minor">
+            <a:schemeClr val="dk1"/>
+          </a:fontRef>
+        </p:style>
+        <p:txBody>
+          <a:bodyPr lIns="90000" tIns="72000" rIns="90000" bIns="72000" rtlCol="0" anchor="ctr"/>
+          <a:lstStyle/>
+          <a:p>
+            <a:pPr marR="0" algn="ctr" defTabSz="914400" eaLnBrk="1" fontAlgn="base" latinLnBrk="0" hangingPunct="1">
+              <a:lnSpc>
+                <a:spcPct val="100000"/>
+              </a:lnSpc>
+              <a:spcBef>
+                <a:spcPct val="50000"/>
+              </a:spcBef>
+              <a:spcAft>
+                <a:spcPct val="0"/>
+              </a:spcAft>
+              <a:buClr>
+                <a:srgbClr val="F0AB00"/>
+              </a:buClr>
+              <a:buSzPct val="80000"/>
+              <a:tabLst/>
+            </a:pPr>
+            <a:r>
+              <a:rPr lang="en-US" sz="1800" kern="0" dirty="0">
+                <a:ea typeface="Arial Unicode MS" pitchFamily="34" charset="-128"/>
+                <a:cs typeface="Arial Unicode MS" pitchFamily="34" charset="-128"/>
+              </a:rPr>
+              <a:t>Network Policy</a:t>
+            </a:r>
+            <a:endParaRPr kumimoji="0" lang="en-US" sz="1800" b="0" i="0" u="none" strike="noStrike" kern="0" cap="none" spc="0" normalizeH="0" baseline="0" noProof="0" dirty="0">
+              <a:ln>
+                <a:noFill/>
+              </a:ln>
+              <a:effectLst/>
+              <a:uLnTx/>
+              <a:uFillTx/>
+              <a:ea typeface="Arial Unicode MS" pitchFamily="34" charset="-128"/>
+              <a:cs typeface="Arial Unicode MS" pitchFamily="34" charset="-128"/>
+            </a:endParaRPr>
+          </a:p>
+        </p:txBody>
+      </p:sp>
+      <p:cxnSp>
+        <p:nvCxnSpPr>
+          <p:cNvPr id="24" name="Straight Arrow Connector 23"/>
+          <p:cNvCxnSpPr>
+            <a:stCxn id="22" idx="3"/>
+          </p:cNvCxnSpPr>
+          <p:nvPr/>
+        </p:nvCxnSpPr>
+        <p:spPr>
+          <a:xfrm flipV="1">
+            <a:off x="7829244" y="4071790"/>
+            <a:ext cx="0" cy="945099"/>
+          </a:xfrm>
+          <a:prstGeom prst="straightConnector1">
+            <a:avLst/>
+          </a:prstGeom>
+          <a:ln w="38100">
+            <a:solidFill>
+              <a:schemeClr val="tx2">
+                <a:lumMod val="60000"/>
+                <a:lumOff val="40000"/>
+              </a:schemeClr>
+            </a:solidFill>
+            <a:headEnd type="none" w="med" len="med"/>
+            <a:tailEnd type="triangle"/>
+          </a:ln>
+        </p:spPr>
+        <p:style>
+          <a:lnRef idx="1">
+            <a:schemeClr val="accent1"/>
+          </a:lnRef>
+          <a:fillRef idx="0">
+            <a:schemeClr val="accent1"/>
+          </a:fillRef>
+          <a:effectRef idx="0">
+            <a:schemeClr val="accent1"/>
+          </a:effectRef>
+          <a:fontRef idx="minor">
+            <a:schemeClr val="tx1"/>
+          </a:fontRef>
+        </p:style>
+      </p:cxnSp>
+      <p:cxnSp>
+        <p:nvCxnSpPr>
+          <p:cNvPr id="27" name="Straight Arrow Connector 26"/>
+          <p:cNvCxnSpPr>
+            <a:stCxn id="7" idx="3"/>
+            <a:endCxn id="12" idx="1"/>
+          </p:cNvCxnSpPr>
+          <p:nvPr/>
+        </p:nvCxnSpPr>
+        <p:spPr>
+          <a:xfrm flipV="1">
+            <a:off x="5795148" y="3971242"/>
+            <a:ext cx="3313817" cy="14037"/>
+          </a:xfrm>
+          <a:prstGeom prst="straightConnector1">
+            <a:avLst/>
+          </a:prstGeom>
+          <a:ln w="38100">
+            <a:solidFill>
+              <a:schemeClr val="tx2">
+                <a:lumMod val="60000"/>
+                <a:lumOff val="40000"/>
+              </a:schemeClr>
+            </a:solidFill>
+            <a:headEnd type="none" w="med" len="med"/>
+            <a:tailEnd type="triangle"/>
+          </a:ln>
+        </p:spPr>
+        <p:style>
+          <a:lnRef idx="1">
+            <a:schemeClr val="accent1"/>
+          </a:lnRef>
+          <a:fillRef idx="0">
+            <a:schemeClr val="accent1"/>
+          </a:fillRef>
+          <a:effectRef idx="0">
+            <a:schemeClr val="accent1"/>
+          </a:effectRef>
+          <a:fontRef idx="minor">
+            <a:schemeClr val="tx1"/>
+          </a:fontRef>
+        </p:style>
+      </p:cxnSp>
+      <p:sp>
+        <p:nvSpPr>
+          <p:cNvPr id="36" name="Lightning Bolt 35"/>
+          <p:cNvSpPr/>
+          <p:nvPr/>
+        </p:nvSpPr>
+        <p:spPr bwMode="gray">
+          <a:xfrm>
+            <a:off x="7381964" y="4071790"/>
+            <a:ext cx="303473" cy="499599"/>
+          </a:xfrm>
+          <a:prstGeom prst="lightningBolt">
+            <a:avLst/>
+          </a:prstGeom>
+          <a:ln>
+            <a:headEnd/>
+            <a:tailEnd/>
+          </a:ln>
+        </p:spPr>
+        <p:style>
+          <a:lnRef idx="2">
+            <a:schemeClr val="accent5">
+              <a:shade val="50000"/>
+            </a:schemeClr>
+          </a:lnRef>
+          <a:fillRef idx="1">
+            <a:schemeClr val="accent5"/>
+          </a:fillRef>
+          <a:effectRef idx="0">
+            <a:schemeClr val="accent5"/>
+          </a:effectRef>
+          <a:fontRef idx="minor">
+            <a:schemeClr val="lt1"/>
+          </a:fontRef>
+        </p:style>
+        <p:txBody>
+          <a:bodyPr lIns="90000" tIns="72000" rIns="90000" bIns="72000" rtlCol="0" anchor="ctr"/>
+          <a:lstStyle/>
+          <a:p>
+            <a:pPr marR="0" algn="ctr" defTabSz="914400" eaLnBrk="1" fontAlgn="base" latinLnBrk="0" hangingPunct="1">
+              <a:lnSpc>
+                <a:spcPct val="100000"/>
+              </a:lnSpc>
+              <a:spcBef>
+                <a:spcPct val="50000"/>
+              </a:spcBef>
+              <a:spcAft>
+                <a:spcPct val="0"/>
+              </a:spcAft>
+              <a:buClr>
+                <a:srgbClr val="F0AB00"/>
+              </a:buClr>
+              <a:buSzPct val="80000"/>
+              <a:tabLst/>
+            </a:pPr>
+            <a:endParaRPr kumimoji="0" lang="en-US" sz="1800" b="0" i="0" u="none" strike="noStrike" kern="0" cap="none" spc="0" normalizeH="0" baseline="0" noProof="0" dirty="0" err="1">
+              <a:ln>
+                <a:noFill/>
+              </a:ln>
+              <a:effectLst/>
+              <a:uLnTx/>
+              <a:uFillTx/>
+              <a:ea typeface="Arial Unicode MS" pitchFamily="34" charset="-128"/>
+              <a:cs typeface="Arial Unicode MS" pitchFamily="34" charset="-128"/>
+            </a:endParaRPr>
+          </a:p>
+        </p:txBody>
+      </p:sp>
+      <p:sp>
+        <p:nvSpPr>
+          <p:cNvPr id="28" name="Rectangle 27"/>
+          <p:cNvSpPr/>
+          <p:nvPr/>
+        </p:nvSpPr>
+        <p:spPr bwMode="gray">
+          <a:xfrm>
+            <a:off x="1698134" y="2825574"/>
+            <a:ext cx="1062486" cy="806724"/>
+          </a:xfrm>
+          <a:prstGeom prst="rect">
+            <a:avLst/>
+          </a:prstGeom>
+          <a:ln>
+            <a:headEnd/>
+            <a:tailEnd/>
+          </a:ln>
+        </p:spPr>
+        <p:style>
+          <a:lnRef idx="2">
+            <a:schemeClr val="accent2"/>
+          </a:lnRef>
+          <a:fillRef idx="1">
+            <a:schemeClr val="lt1"/>
+          </a:fillRef>
+          <a:effectRef idx="0">
+            <a:schemeClr val="accent2"/>
+          </a:effectRef>
+          <a:fontRef idx="minor">
+            <a:schemeClr val="dk1"/>
+          </a:fontRef>
+        </p:style>
+        <p:txBody>
+          <a:bodyPr lIns="90000" tIns="72000" rIns="90000" bIns="72000" rtlCol="0" anchor="ctr"/>
+          <a:lstStyle/>
+          <a:p>
+            <a:pPr marR="0" algn="ctr" defTabSz="914400" eaLnBrk="1" fontAlgn="base" latinLnBrk="0" hangingPunct="1">
+              <a:lnSpc>
+                <a:spcPct val="100000"/>
+              </a:lnSpc>
+              <a:spcBef>
+                <a:spcPct val="50000"/>
+              </a:spcBef>
+              <a:spcAft>
+                <a:spcPct val="0"/>
+              </a:spcAft>
+              <a:buClr>
+                <a:srgbClr val="F0AB00"/>
+              </a:buClr>
+              <a:buSzPct val="80000"/>
+              <a:tabLst/>
+            </a:pPr>
+            <a:r>
+              <a:rPr lang="en-US" sz="1800" kern="0" noProof="0" dirty="0">
+                <a:ea typeface="Arial Unicode MS" pitchFamily="34" charset="-128"/>
+                <a:cs typeface="Arial Unicode MS" pitchFamily="34" charset="-128"/>
+              </a:rPr>
+              <a:t>Pod</a:t>
+            </a:r>
+            <a:r>
+              <a:rPr lang="en-US" sz="1800" kern="0" dirty="0">
+                <a:ea typeface="Arial Unicode MS" pitchFamily="34" charset="-128"/>
+                <a:cs typeface="Arial Unicode MS" pitchFamily="34" charset="-128"/>
+              </a:rPr>
+              <a:t> A</a:t>
+            </a:r>
+            <a:endParaRPr kumimoji="0" lang="en-US" sz="1800" b="0" i="0" u="none" strike="noStrike" kern="0" cap="none" spc="0" normalizeH="0" baseline="0" noProof="0" dirty="0">
+              <a:ln>
+                <a:noFill/>
+              </a:ln>
+              <a:effectLst/>
+              <a:uLnTx/>
+              <a:uFillTx/>
+              <a:ea typeface="Arial Unicode MS" pitchFamily="34" charset="-128"/>
+              <a:cs typeface="Arial Unicode MS" pitchFamily="34" charset="-128"/>
+            </a:endParaRPr>
+          </a:p>
+        </p:txBody>
+      </p:sp>
+      <p:sp>
+        <p:nvSpPr>
+          <p:cNvPr id="29" name="Rectangle 28"/>
+          <p:cNvSpPr/>
+          <p:nvPr/>
+        </p:nvSpPr>
+        <p:spPr bwMode="gray">
+          <a:xfrm>
+            <a:off x="1698134" y="4488940"/>
+            <a:ext cx="1062486" cy="806724"/>
+          </a:xfrm>
+          <a:prstGeom prst="rect">
+            <a:avLst/>
+          </a:prstGeom>
+          <a:ln>
+            <a:headEnd/>
+            <a:tailEnd/>
+          </a:ln>
+        </p:spPr>
+        <p:style>
+          <a:lnRef idx="2">
+            <a:schemeClr val="accent2"/>
+          </a:lnRef>
+          <a:fillRef idx="1">
+            <a:schemeClr val="lt1"/>
+          </a:fillRef>
+          <a:effectRef idx="0">
+            <a:schemeClr val="accent2"/>
+          </a:effectRef>
+          <a:fontRef idx="minor">
+            <a:schemeClr val="dk1"/>
+          </a:fontRef>
+        </p:style>
+        <p:txBody>
+          <a:bodyPr lIns="90000" tIns="72000" rIns="90000" bIns="72000" rtlCol="0" anchor="ctr"/>
+          <a:lstStyle/>
+          <a:p>
+            <a:pPr marR="0" algn="ctr" defTabSz="914400" eaLnBrk="1" fontAlgn="base" latinLnBrk="0" hangingPunct="1">
+              <a:lnSpc>
+                <a:spcPct val="100000"/>
+              </a:lnSpc>
+              <a:spcBef>
+                <a:spcPct val="50000"/>
+              </a:spcBef>
+              <a:spcAft>
+                <a:spcPct val="0"/>
+              </a:spcAft>
+              <a:buClr>
+                <a:srgbClr val="F0AB00"/>
+              </a:buClr>
+              <a:buSzPct val="80000"/>
+              <a:tabLst/>
+            </a:pPr>
+            <a:r>
+              <a:rPr lang="en-US" sz="1800" kern="0" noProof="0" dirty="0">
+                <a:ea typeface="Arial Unicode MS" pitchFamily="34" charset="-128"/>
+                <a:cs typeface="Arial Unicode MS" pitchFamily="34" charset="-128"/>
+              </a:rPr>
+              <a:t>Pod</a:t>
+            </a:r>
+            <a:r>
+              <a:rPr lang="en-US" sz="1800" kern="0" dirty="0">
+                <a:ea typeface="Arial Unicode MS" pitchFamily="34" charset="-128"/>
+                <a:cs typeface="Arial Unicode MS" pitchFamily="34" charset="-128"/>
+              </a:rPr>
+              <a:t> A</a:t>
+            </a:r>
+            <a:endParaRPr kumimoji="0" lang="en-US" sz="1800" b="0" i="0" u="none" strike="noStrike" kern="0" cap="none" spc="0" normalizeH="0" baseline="0" noProof="0" dirty="0">
+              <a:ln>
+                <a:noFill/>
+              </a:ln>
+              <a:effectLst/>
+              <a:uLnTx/>
+              <a:uFillTx/>
+              <a:ea typeface="Arial Unicode MS" pitchFamily="34" charset="-128"/>
+              <a:cs typeface="Arial Unicode MS" pitchFamily="34" charset="-128"/>
+            </a:endParaRPr>
+          </a:p>
+        </p:txBody>
+      </p:sp>
+      <p:cxnSp>
+        <p:nvCxnSpPr>
+          <p:cNvPr id="30" name="Straight Arrow Connector 29"/>
+          <p:cNvCxnSpPr>
+            <a:stCxn id="29" idx="3"/>
+            <a:endCxn id="7" idx="1"/>
+          </p:cNvCxnSpPr>
+          <p:nvPr/>
+        </p:nvCxnSpPr>
+        <p:spPr>
+          <a:xfrm flipV="1">
+            <a:off x="2760620" y="3985279"/>
+            <a:ext cx="1719080" cy="907023"/>
+          </a:xfrm>
+          <a:prstGeom prst="straightConnector1">
+            <a:avLst/>
+          </a:prstGeom>
+          <a:ln w="38100">
+            <a:solidFill>
+              <a:schemeClr val="accent5"/>
+            </a:solidFill>
+            <a:headEnd type="none" w="med" len="med"/>
+            <a:tailEnd type="triangle"/>
+          </a:ln>
+        </p:spPr>
+        <p:style>
+          <a:lnRef idx="1">
+            <a:schemeClr val="accent1"/>
+          </a:lnRef>
+          <a:fillRef idx="0">
+            <a:schemeClr val="accent1"/>
+          </a:fillRef>
+          <a:effectRef idx="0">
+            <a:schemeClr val="accent1"/>
+          </a:effectRef>
+          <a:fontRef idx="minor">
+            <a:schemeClr val="tx1"/>
+          </a:fontRef>
+        </p:style>
+      </p:cxnSp>
+      <p:sp>
+        <p:nvSpPr>
+          <p:cNvPr id="39" name="Flowchart: Document 38"/>
+          <p:cNvSpPr/>
+          <p:nvPr/>
+        </p:nvSpPr>
+        <p:spPr bwMode="gray">
+          <a:xfrm>
+            <a:off x="8133625" y="4782370"/>
+            <a:ext cx="1506583" cy="766354"/>
+          </a:xfrm>
+          <a:prstGeom prst="flowChartDocument">
+            <a:avLst/>
+          </a:prstGeom>
+          <a:ln>
+            <a:headEnd/>
+            <a:tailEnd/>
+          </a:ln>
+        </p:spPr>
+        <p:style>
+          <a:lnRef idx="2">
+            <a:schemeClr val="accent5"/>
+          </a:lnRef>
+          <a:fillRef idx="1">
+            <a:schemeClr val="lt1"/>
+          </a:fillRef>
+          <a:effectRef idx="0">
+            <a:schemeClr val="accent5"/>
+          </a:effectRef>
+          <a:fontRef idx="minor">
+            <a:schemeClr val="dk1"/>
+          </a:fontRef>
+        </p:style>
+        <p:txBody>
+          <a:bodyPr lIns="90000" tIns="72000" rIns="90000" bIns="72000" rtlCol="0" anchor="ctr"/>
+          <a:lstStyle/>
+          <a:p>
+            <a:pPr algn="ctr" defTabSz="914400" fontAlgn="base">
+              <a:spcBef>
+                <a:spcPct val="50000"/>
+              </a:spcBef>
+              <a:spcAft>
+                <a:spcPct val="0"/>
+              </a:spcAft>
+              <a:buClr>
+                <a:srgbClr val="F0AB00"/>
+              </a:buClr>
+              <a:buSzPct val="80000"/>
+            </a:pPr>
+            <a:r>
+              <a:rPr lang="en-US" sz="1800" kern="0" dirty="0">
+                <a:ea typeface="Arial Unicode MS" pitchFamily="34" charset="-128"/>
+                <a:cs typeface="Arial Unicode MS" pitchFamily="34" charset="-128"/>
+              </a:rPr>
+              <a:t>Selector: app: </a:t>
+            </a:r>
+            <a:r>
+              <a:rPr lang="en-US" sz="1800" kern="0" dirty="0" err="1">
+                <a:ea typeface="Arial Unicode MS" pitchFamily="34" charset="-128"/>
+                <a:cs typeface="Arial Unicode MS" pitchFamily="34" charset="-128"/>
+              </a:rPr>
+              <a:t>nginx</a:t>
+            </a:r>
+            <a:endParaRPr lang="en-US" sz="1800" kern="0" dirty="0">
+              <a:ea typeface="Arial Unicode MS" pitchFamily="34" charset="-128"/>
+              <a:cs typeface="Arial Unicode MS" pitchFamily="34" charset="-128"/>
+            </a:endParaRPr>
+          </a:p>
+        </p:txBody>
+      </p:sp>
+      <p:sp>
+        <p:nvSpPr>
+          <p:cNvPr id="49" name="Rectangle 48"/>
+          <p:cNvSpPr/>
+          <p:nvPr/>
+        </p:nvSpPr>
+        <p:spPr bwMode="gray">
+          <a:xfrm>
+            <a:off x="9522959" y="3385000"/>
+            <a:ext cx="1645920" cy="365760"/>
+          </a:xfrm>
+          <a:prstGeom prst="rect">
+            <a:avLst/>
+          </a:prstGeom>
+          <a:ln>
+            <a:headEnd/>
+            <a:tailEnd/>
+          </a:ln>
+        </p:spPr>
+        <p:style>
+          <a:lnRef idx="2">
+            <a:schemeClr val="accent2"/>
+          </a:lnRef>
+          <a:fillRef idx="1">
+            <a:schemeClr val="lt1"/>
+          </a:fillRef>
+          <a:effectRef idx="0">
+            <a:schemeClr val="accent2"/>
+          </a:effectRef>
+          <a:fontRef idx="minor">
+            <a:schemeClr val="dk1"/>
+          </a:fontRef>
+        </p:style>
+        <p:txBody>
+          <a:bodyPr lIns="90000" tIns="72000" rIns="90000" bIns="72000" rtlCol="0" anchor="ctr"/>
+          <a:lstStyle/>
+          <a:p>
+            <a:pPr marR="0" algn="ctr" defTabSz="914400" eaLnBrk="1" fontAlgn="base" latinLnBrk="0" hangingPunct="1">
+              <a:lnSpc>
+                <a:spcPct val="100000"/>
+              </a:lnSpc>
+              <a:spcBef>
+                <a:spcPct val="50000"/>
+              </a:spcBef>
+              <a:spcAft>
+                <a:spcPct val="0"/>
+              </a:spcAft>
+              <a:buClr>
+                <a:srgbClr val="F0AB00"/>
+              </a:buClr>
+              <a:buSzPct val="80000"/>
+              <a:tabLst/>
+            </a:pPr>
+            <a:r>
+              <a:rPr lang="de-DE" sz="1800" kern="0" dirty="0" err="1">
+                <a:ea typeface="Arial Unicode MS" pitchFamily="34" charset="-128"/>
+                <a:cs typeface="Arial Unicode MS" pitchFamily="34" charset="-128"/>
+              </a:rPr>
+              <a:t>app</a:t>
+            </a:r>
+            <a:r>
+              <a:rPr lang="de-DE" sz="1800" kern="0" dirty="0">
+                <a:ea typeface="Arial Unicode MS" pitchFamily="34" charset="-128"/>
+                <a:cs typeface="Arial Unicode MS" pitchFamily="34" charset="-128"/>
+              </a:rPr>
+              <a:t>: </a:t>
+            </a:r>
+            <a:r>
+              <a:rPr lang="de-DE" sz="1800" kern="0" dirty="0" err="1">
+                <a:ea typeface="Arial Unicode MS" pitchFamily="34" charset="-128"/>
+                <a:cs typeface="Arial Unicode MS" pitchFamily="34" charset="-128"/>
+              </a:rPr>
+              <a:t>nginx</a:t>
+            </a:r>
+            <a:endParaRPr kumimoji="0" lang="de-DE" sz="1800" b="0" i="0" u="none" strike="noStrike" kern="0" cap="none" spc="0" normalizeH="0" baseline="0" noProof="0" dirty="0">
+              <a:ln>
+                <a:noFill/>
+              </a:ln>
+              <a:effectLst/>
+              <a:uLnTx/>
+              <a:uFillTx/>
+              <a:ea typeface="Arial Unicode MS" pitchFamily="34" charset="-128"/>
+              <a:cs typeface="Arial Unicode MS" pitchFamily="34" charset="-128"/>
+            </a:endParaRPr>
+          </a:p>
+        </p:txBody>
+      </p:sp>
+      <p:sp>
+        <p:nvSpPr>
+          <p:cNvPr id="50" name="Flowchart: Document 49"/>
+          <p:cNvSpPr/>
+          <p:nvPr/>
+        </p:nvSpPr>
+        <p:spPr bwMode="gray">
+          <a:xfrm>
+            <a:off x="5986539" y="4718721"/>
+            <a:ext cx="1506583" cy="766354"/>
+          </a:xfrm>
+          <a:prstGeom prst="flowChartDocument">
+            <a:avLst/>
+          </a:prstGeom>
+          <a:ln>
+            <a:headEnd/>
+            <a:tailEnd/>
+          </a:ln>
+        </p:spPr>
+        <p:style>
+          <a:lnRef idx="2">
+            <a:schemeClr val="accent5"/>
+          </a:lnRef>
+          <a:fillRef idx="1">
+            <a:schemeClr val="lt1"/>
+          </a:fillRef>
+          <a:effectRef idx="0">
+            <a:schemeClr val="accent5"/>
+          </a:effectRef>
+          <a:fontRef idx="minor">
+            <a:schemeClr val="dk1"/>
+          </a:fontRef>
+        </p:style>
+        <p:txBody>
+          <a:bodyPr lIns="90000" tIns="72000" rIns="90000" bIns="72000" rtlCol="0" anchor="ctr"/>
+          <a:lstStyle/>
+          <a:p>
+            <a:pPr algn="ctr" defTabSz="914400" fontAlgn="base">
+              <a:spcBef>
+                <a:spcPct val="50000"/>
+              </a:spcBef>
+              <a:spcAft>
+                <a:spcPct val="0"/>
+              </a:spcAft>
+              <a:buClr>
+                <a:srgbClr val="F0AB00"/>
+              </a:buClr>
+              <a:buSzPct val="80000"/>
+            </a:pPr>
+            <a:r>
+              <a:rPr lang="en-US" sz="1800" kern="0" dirty="0">
+                <a:ea typeface="Arial Unicode MS" pitchFamily="34" charset="-128"/>
+                <a:cs typeface="Arial Unicode MS" pitchFamily="34" charset="-128"/>
+              </a:rPr>
+              <a:t>Selector: access: ok</a:t>
+            </a:r>
+          </a:p>
+        </p:txBody>
+      </p:sp>
+      <p:sp>
+        <p:nvSpPr>
+          <p:cNvPr id="51" name="Rectangle 50"/>
+          <p:cNvSpPr/>
+          <p:nvPr/>
+        </p:nvSpPr>
+        <p:spPr bwMode="gray">
+          <a:xfrm>
+            <a:off x="2229377" y="2574739"/>
+            <a:ext cx="1645920" cy="365760"/>
+          </a:xfrm>
+          <a:prstGeom prst="rect">
+            <a:avLst/>
+          </a:prstGeom>
+          <a:ln>
+            <a:headEnd/>
+            <a:tailEnd/>
+          </a:ln>
+        </p:spPr>
+        <p:style>
+          <a:lnRef idx="2">
+            <a:schemeClr val="accent2"/>
+          </a:lnRef>
+          <a:fillRef idx="1">
+            <a:schemeClr val="lt1"/>
+          </a:fillRef>
+          <a:effectRef idx="0">
+            <a:schemeClr val="accent2"/>
+          </a:effectRef>
+          <a:fontRef idx="minor">
+            <a:schemeClr val="dk1"/>
+          </a:fontRef>
+        </p:style>
+        <p:txBody>
+          <a:bodyPr lIns="90000" tIns="72000" rIns="90000" bIns="72000" rtlCol="0" anchor="ctr"/>
+          <a:lstStyle/>
+          <a:p>
+            <a:pPr marR="0" algn="ctr" defTabSz="914400" eaLnBrk="1" fontAlgn="base" latinLnBrk="0" hangingPunct="1">
+              <a:lnSpc>
+                <a:spcPct val="100000"/>
+              </a:lnSpc>
+              <a:spcBef>
+                <a:spcPct val="50000"/>
+              </a:spcBef>
+              <a:spcAft>
+                <a:spcPct val="0"/>
+              </a:spcAft>
+              <a:buClr>
+                <a:srgbClr val="F0AB00"/>
+              </a:buClr>
+              <a:buSzPct val="80000"/>
+              <a:tabLst/>
+            </a:pPr>
+            <a:r>
+              <a:rPr lang="de-DE" sz="1800" kern="0" dirty="0" err="1">
+                <a:ea typeface="Arial Unicode MS" pitchFamily="34" charset="-128"/>
+                <a:cs typeface="Arial Unicode MS" pitchFamily="34" charset="-128"/>
+              </a:rPr>
+              <a:t>access</a:t>
+            </a:r>
+            <a:r>
+              <a:rPr lang="de-DE" sz="1800" kern="0" dirty="0">
+                <a:ea typeface="Arial Unicode MS" pitchFamily="34" charset="-128"/>
+                <a:cs typeface="Arial Unicode MS" pitchFamily="34" charset="-128"/>
+              </a:rPr>
+              <a:t>: ok</a:t>
+            </a:r>
+            <a:endParaRPr kumimoji="0" lang="de-DE" sz="1800" b="0" i="0" u="none" strike="noStrike" kern="0" cap="none" spc="0" normalizeH="0" baseline="0" noProof="0" dirty="0">
+              <a:ln>
+                <a:noFill/>
+              </a:ln>
+              <a:effectLst/>
+              <a:uLnTx/>
+              <a:uFillTx/>
+              <a:ea typeface="Arial Unicode MS" pitchFamily="34" charset="-128"/>
+              <a:cs typeface="Arial Unicode MS" pitchFamily="34" charset="-128"/>
+            </a:endParaRPr>
+          </a:p>
+        </p:txBody>
+      </p:sp>
+      <p:sp>
+        <p:nvSpPr>
+          <p:cNvPr id="52" name="Rectangle 51"/>
+          <p:cNvSpPr/>
+          <p:nvPr/>
+        </p:nvSpPr>
+        <p:spPr bwMode="gray">
+          <a:xfrm>
+            <a:off x="2351297" y="5119315"/>
+            <a:ext cx="1645920" cy="365760"/>
+          </a:xfrm>
+          <a:prstGeom prst="rect">
+            <a:avLst/>
+          </a:prstGeom>
+          <a:ln>
+            <a:headEnd/>
+            <a:tailEnd/>
+          </a:ln>
+        </p:spPr>
+        <p:style>
+          <a:lnRef idx="2">
+            <a:schemeClr val="accent2"/>
+          </a:lnRef>
+          <a:fillRef idx="1">
+            <a:schemeClr val="lt1"/>
+          </a:fillRef>
+          <a:effectRef idx="0">
+            <a:schemeClr val="accent2"/>
+          </a:effectRef>
+          <a:fontRef idx="minor">
+            <a:schemeClr val="dk1"/>
+          </a:fontRef>
+        </p:style>
+        <p:txBody>
+          <a:bodyPr lIns="90000" tIns="72000" rIns="90000" bIns="72000" rtlCol="0" anchor="ctr"/>
+          <a:lstStyle/>
+          <a:p>
+            <a:pPr marR="0" algn="ctr" defTabSz="914400" eaLnBrk="1" fontAlgn="base" latinLnBrk="0" hangingPunct="1">
+              <a:lnSpc>
+                <a:spcPct val="100000"/>
+              </a:lnSpc>
+              <a:spcBef>
+                <a:spcPct val="50000"/>
+              </a:spcBef>
+              <a:spcAft>
+                <a:spcPct val="0"/>
+              </a:spcAft>
+              <a:buClr>
+                <a:srgbClr val="F0AB00"/>
+              </a:buClr>
+              <a:buSzPct val="80000"/>
+              <a:tabLst/>
+            </a:pPr>
+            <a:r>
+              <a:rPr lang="de-DE" sz="1800" kern="0" dirty="0" err="1">
+                <a:ea typeface="Arial Unicode MS" pitchFamily="34" charset="-128"/>
+                <a:cs typeface="Arial Unicode MS" pitchFamily="34" charset="-128"/>
+              </a:rPr>
+              <a:t>access</a:t>
+            </a:r>
+            <a:r>
+              <a:rPr lang="de-DE" sz="1800" kern="0" dirty="0">
+                <a:ea typeface="Arial Unicode MS" pitchFamily="34" charset="-128"/>
+                <a:cs typeface="Arial Unicode MS" pitchFamily="34" charset="-128"/>
+              </a:rPr>
+              <a:t>: not ok</a:t>
+            </a:r>
+            <a:endParaRPr kumimoji="0" lang="de-DE" sz="1800" b="0" i="0" u="none" strike="noStrike" kern="0" cap="none" spc="0" normalizeH="0" baseline="0" noProof="0" dirty="0">
+              <a:ln>
+                <a:noFill/>
+              </a:ln>
+              <a:effectLst/>
+              <a:uLnTx/>
+              <a:uFillTx/>
+              <a:ea typeface="Arial Unicode MS" pitchFamily="34" charset="-128"/>
+              <a:cs typeface="Arial Unicode MS" pitchFamily="34" charset="-128"/>
+            </a:endParaRPr>
+          </a:p>
+        </p:txBody>
+      </p:sp>
+    </p:spTree>
+    <p:extLst>
+      <p:ext uri="{BB962C8B-B14F-4D97-AF65-F5344CB8AC3E}">
+        <p14:creationId xmlns:p14="http://schemas.microsoft.com/office/powerpoint/2010/main" val="4084543091"/>
+      </p:ext>
+    </p:extLst>
+  </p:cSld>
+  <p:clrMapOvr>
+    <a:masterClrMapping/>
+  </p:clrMapOvr>
+</p:sld>
+</file>
+
+<file path=ppt/slides/slide9.xml><?xml version="1.0" encoding="utf-8"?>
+<p:sld xmlns:a="http://schemas.openxmlformats.org/drawingml/2006/main" xmlns:r="http://schemas.openxmlformats.org/officeDocument/2006/relationships" xmlns:p="http://schemas.openxmlformats.org/presentationml/2006/main" show="0">
+  <p:cSld>
+    <p:spTree>
+      <p:nvGrpSpPr>
+        <p:cNvPr id="1" name=""/>
+        <p:cNvGrpSpPr/>
+        <p:nvPr/>
+      </p:nvGrpSpPr>
+      <p:grpSpPr>
+        <a:xfrm>
+          <a:off x="0" y="0"/>
+          <a:ext cx="0" cy="0"/>
+          <a:chOff x="0" y="0"/>
+          <a:chExt cx="0" cy="0"/>
+        </a:xfrm>
+      </p:grpSpPr>
+      <p:sp>
+        <p:nvSpPr>
+          <p:cNvPr id="4" name="Text Placeholder 3"/>
+          <p:cNvSpPr>
+            <a:spLocks noGrp="1"/>
+          </p:cNvSpPr>
+          <p:nvPr>
+            <p:ph type="body" sz="quarter" idx="10"/>
+          </p:nvPr>
+        </p:nvSpPr>
+        <p:spPr>
+          <a:xfrm>
+            <a:off x="504000" y="1110343"/>
+            <a:ext cx="11185200" cy="4266129"/>
+          </a:xfrm>
+        </p:spPr>
+        <p:txBody>
+          <a:bodyPr/>
+          <a:lstStyle/>
+          <a:p>
+            <a:pPr marL="342900" indent="-342900">
+              <a:buFontTx/>
+              <a:buChar char="-"/>
+            </a:pPr>
+            <a:r>
+              <a:rPr lang="en-US" dirty="0"/>
+              <a:t>Create a network policy</a:t>
+            </a:r>
+          </a:p>
+          <a:p>
+            <a:r>
+              <a:rPr lang="de-DE" dirty="0" err="1"/>
+              <a:t>kubectl</a:t>
+            </a:r>
+            <a:r>
+              <a:rPr lang="de-DE" dirty="0"/>
+              <a:t> </a:t>
+            </a:r>
+            <a:r>
+              <a:rPr lang="de-DE" dirty="0" err="1"/>
+              <a:t>run</a:t>
+            </a:r>
+            <a:r>
+              <a:rPr lang="de-DE" dirty="0"/>
+              <a:t> </a:t>
+            </a:r>
+            <a:r>
+              <a:rPr lang="de-DE" dirty="0" err="1"/>
+              <a:t>nginx</a:t>
+            </a:r>
+            <a:r>
+              <a:rPr lang="de-DE" dirty="0"/>
+              <a:t> --image</a:t>
+            </a:r>
+            <a:r>
+              <a:rPr lang="de-DE" b="1" dirty="0"/>
+              <a:t>=</a:t>
+            </a:r>
+            <a:r>
+              <a:rPr lang="de-DE" dirty="0" err="1"/>
+              <a:t>nginx</a:t>
+            </a:r>
+            <a:r>
+              <a:rPr lang="de-DE" dirty="0"/>
+              <a:t> --</a:t>
+            </a:r>
+            <a:r>
+              <a:rPr lang="de-DE" dirty="0" err="1"/>
+              <a:t>replicas</a:t>
+            </a:r>
+            <a:r>
+              <a:rPr lang="de-DE" b="1" dirty="0"/>
+              <a:t>=</a:t>
+            </a:r>
+            <a:r>
+              <a:rPr lang="de-DE" dirty="0"/>
+              <a:t>2 </a:t>
+            </a:r>
+          </a:p>
+          <a:p>
+            <a:r>
+              <a:rPr lang="de-DE" dirty="0" err="1"/>
+              <a:t>kubectl</a:t>
+            </a:r>
+            <a:r>
+              <a:rPr lang="de-DE" dirty="0"/>
+              <a:t> </a:t>
+            </a:r>
+            <a:r>
+              <a:rPr lang="de-DE" dirty="0" err="1"/>
+              <a:t>expose</a:t>
+            </a:r>
+            <a:r>
+              <a:rPr lang="de-DE" dirty="0"/>
+              <a:t> </a:t>
+            </a:r>
+            <a:r>
+              <a:rPr lang="de-DE" dirty="0" err="1"/>
+              <a:t>deployment</a:t>
+            </a:r>
+            <a:r>
+              <a:rPr lang="de-DE" dirty="0"/>
+              <a:t> </a:t>
+            </a:r>
+            <a:r>
+              <a:rPr lang="de-DE" dirty="0" err="1"/>
+              <a:t>nginx</a:t>
+            </a:r>
+            <a:r>
+              <a:rPr lang="de-DE" dirty="0"/>
+              <a:t> --</a:t>
+            </a:r>
+            <a:r>
+              <a:rPr lang="de-DE" dirty="0" err="1"/>
+              <a:t>port</a:t>
+            </a:r>
+            <a:r>
+              <a:rPr lang="de-DE" b="1" dirty="0"/>
+              <a:t>=</a:t>
+            </a:r>
+            <a:r>
+              <a:rPr lang="de-DE" dirty="0"/>
+              <a:t>80</a:t>
+            </a:r>
+          </a:p>
+          <a:p>
+            <a:r>
+              <a:rPr lang="de-DE" dirty="0" err="1"/>
+              <a:t>kubectl</a:t>
+            </a:r>
+            <a:r>
+              <a:rPr lang="de-DE" dirty="0"/>
+              <a:t> </a:t>
+            </a:r>
+            <a:r>
+              <a:rPr lang="de-DE" dirty="0" err="1"/>
+              <a:t>run</a:t>
+            </a:r>
+            <a:r>
+              <a:rPr lang="de-DE" dirty="0"/>
+              <a:t> </a:t>
+            </a:r>
+            <a:r>
+              <a:rPr lang="de-DE" dirty="0" err="1"/>
+              <a:t>busybox</a:t>
+            </a:r>
+            <a:r>
+              <a:rPr lang="de-DE" dirty="0"/>
+              <a:t> --</a:t>
+            </a:r>
+            <a:r>
+              <a:rPr lang="de-DE" dirty="0" err="1"/>
+              <a:t>rm</a:t>
+            </a:r>
+            <a:r>
+              <a:rPr lang="de-DE" dirty="0"/>
+              <a:t> -</a:t>
+            </a:r>
+            <a:r>
+              <a:rPr lang="de-DE" dirty="0" err="1"/>
+              <a:t>ti</a:t>
+            </a:r>
+            <a:r>
+              <a:rPr lang="de-DE" dirty="0"/>
+              <a:t> --image</a:t>
+            </a:r>
+            <a:r>
+              <a:rPr lang="de-DE" b="1" dirty="0"/>
+              <a:t>=</a:t>
+            </a:r>
+            <a:r>
+              <a:rPr lang="de-DE" dirty="0" err="1"/>
+              <a:t>busybox</a:t>
+            </a:r>
+            <a:r>
+              <a:rPr lang="de-DE" dirty="0"/>
+              <a:t> /bin/sh</a:t>
+            </a:r>
+          </a:p>
+          <a:p>
+            <a:r>
+              <a:rPr lang="de-DE" dirty="0"/>
+              <a:t> # </a:t>
+            </a:r>
+            <a:r>
+              <a:rPr lang="de-DE" dirty="0" err="1"/>
+              <a:t>wget</a:t>
+            </a:r>
+            <a:r>
+              <a:rPr lang="de-DE" dirty="0"/>
+              <a:t> --spider --timeout=1 </a:t>
+            </a:r>
+            <a:r>
+              <a:rPr lang="de-DE" dirty="0" err="1"/>
+              <a:t>nginx</a:t>
+            </a:r>
+            <a:endParaRPr lang="en-US" dirty="0"/>
+          </a:p>
+          <a:p>
+            <a:r>
+              <a:rPr lang="en-US" dirty="0" err="1"/>
+              <a:t>Kubectl</a:t>
+            </a:r>
+            <a:r>
+              <a:rPr lang="en-US" dirty="0"/>
+              <a:t> create –f network-</a:t>
+            </a:r>
+            <a:r>
+              <a:rPr lang="en-US" dirty="0" err="1"/>
+              <a:t>policy.yaml</a:t>
+            </a:r>
+            <a:endParaRPr lang="en-US" dirty="0"/>
+          </a:p>
+          <a:p>
+            <a:r>
+              <a:rPr lang="en-US" dirty="0" err="1"/>
+              <a:t>Kubectl</a:t>
+            </a:r>
+            <a:r>
+              <a:rPr lang="en-US" dirty="0"/>
+              <a:t> run ..</a:t>
+            </a:r>
+          </a:p>
+          <a:p>
+            <a:r>
+              <a:rPr lang="en-US" dirty="0" err="1"/>
+              <a:t>Kubectl</a:t>
+            </a:r>
+            <a:r>
+              <a:rPr lang="en-US" dirty="0"/>
+              <a:t> run … -l access=true</a:t>
+            </a:r>
+          </a:p>
+          <a:p>
+            <a:endParaRPr lang="en-US" dirty="0"/>
+          </a:p>
+        </p:txBody>
+      </p:sp>
+      <p:sp>
+        <p:nvSpPr>
+          <p:cNvPr id="3" name="Title 2"/>
+          <p:cNvSpPr>
+            <a:spLocks noGrp="1"/>
+          </p:cNvSpPr>
+          <p:nvPr>
+            <p:ph type="title"/>
+          </p:nvPr>
+        </p:nvSpPr>
+        <p:spPr/>
+        <p:txBody>
+          <a:bodyPr/>
+          <a:lstStyle/>
+          <a:p>
+            <a:r>
+              <a:rPr lang="en-US" dirty="0"/>
+              <a:t>Demo</a:t>
+            </a:r>
+          </a:p>
+        </p:txBody>
+      </p:sp>
+    </p:spTree>
+    <p:extLst>
+      <p:ext uri="{BB962C8B-B14F-4D97-AF65-F5344CB8AC3E}">
+        <p14:creationId xmlns:p14="http://schemas.microsoft.com/office/powerpoint/2010/main" val="1163760557"/>
+      </p:ext>
+    </p:extLst>
+  </p:cSld>
+  <p:clrMapOvr>
+    <a:masterClrMapping/>
+  </p:clrMapOvr>
 </p:sld>
 </file>
 

--- a/kubernetes/08_administration.pptx
+++ b/kubernetes/08_administration.pptx
@@ -5,10 +5,10 @@
     <p:sldMasterId id="2147483733" r:id="rId1"/>
   </p:sldMasterIdLst>
   <p:notesMasterIdLst>
-    <p:notesMasterId r:id="rId15"/>
+    <p:notesMasterId r:id="rId16"/>
   </p:notesMasterIdLst>
   <p:handoutMasterIdLst>
-    <p:handoutMasterId r:id="rId16"/>
+    <p:handoutMasterId r:id="rId17"/>
   </p:handoutMasterIdLst>
   <p:sldIdLst>
     <p:sldId id="433" r:id="rId2"/>
@@ -18,12 +18,13 @@
     <p:sldId id="451" r:id="rId6"/>
     <p:sldId id="452" r:id="rId7"/>
     <p:sldId id="453" r:id="rId8"/>
-    <p:sldId id="446" r:id="rId9"/>
-    <p:sldId id="448" r:id="rId10"/>
-    <p:sldId id="445" r:id="rId11"/>
-    <p:sldId id="450" r:id="rId12"/>
-    <p:sldId id="449" r:id="rId13"/>
-    <p:sldId id="265" r:id="rId14"/>
+    <p:sldId id="454" r:id="rId9"/>
+    <p:sldId id="446" r:id="rId10"/>
+    <p:sldId id="448" r:id="rId11"/>
+    <p:sldId id="445" r:id="rId12"/>
+    <p:sldId id="450" r:id="rId13"/>
+    <p:sldId id="449" r:id="rId14"/>
+    <p:sldId id="265" r:id="rId15"/>
   </p:sldIdLst>
   <p:sldSz cx="12195175" cy="6858000"/>
   <p:notesSz cx="6858000" cy="9144000"/>
@@ -987,11 +988,7 @@
             </a:r>
             <a:r>
               <a:rPr lang="en-US" baseline="0" dirty="0"/>
-              <a:t>: </a:t>
-            </a:r>
-            <a:r>
-              <a:rPr lang="en-US" baseline="0" dirty="0"/>
-              <a:t>https://kubernetes.io/docs/reference/generated/kubernetes-api/v1.9/#podspec-v1-core</a:t>
+              <a:t>: https://kubernetes.io/docs/reference/generated/kubernetes-api/v1.9/#podspec-v1-core</a:t>
             </a:r>
           </a:p>
         </p:txBody>
@@ -1176,6 +1173,20 @@
           <a:bodyPr/>
           <a:lstStyle/>
           <a:p>
+            <a:r>
+              <a:rPr lang="en-US" dirty="0"/>
+              <a:t>Docker build</a:t>
+            </a:r>
+            <a:r>
+              <a:rPr lang="en-US" baseline="0" dirty="0"/>
+              <a:t> =&gt; local</a:t>
+            </a:r>
+          </a:p>
+          <a:p>
+            <a:r>
+              <a:rPr lang="en-US" baseline="0" dirty="0"/>
+              <a:t>Docker push =&gt; local to registry with authentication</a:t>
+            </a:r>
             <a:endParaRPr lang="en-US" dirty="0"/>
           </a:p>
         </p:txBody>
@@ -1196,9 +1207,94 @@
           <a:lstStyle/>
           <a:p>
             <a:fld id="{7D8C2C35-2B8A-446E-BEC0-FD36716C29AC}" type="slidenum">
+              <a:rPr lang="de-DE" smtClean="0"/>
+              <a:pPr/>
+              <a:t>8</a:t>
+            </a:fld>
+            <a:endParaRPr lang="de-DE" dirty="0"/>
+          </a:p>
+        </p:txBody>
+      </p:sp>
+    </p:spTree>
+    <p:extLst>
+      <p:ext uri="{BB962C8B-B14F-4D97-AF65-F5344CB8AC3E}">
+        <p14:creationId xmlns:p14="http://schemas.microsoft.com/office/powerpoint/2010/main" val="997705256"/>
+      </p:ext>
+    </p:extLst>
+  </p:cSld>
+  <p:clrMapOvr>
+    <a:masterClrMapping/>
+  </p:clrMapOvr>
+</p:notes>
+</file>
+
+<file path=ppt/notesSlides/notesSlide8.xml><?xml version="1.0" encoding="utf-8"?>
+<p:notes xmlns:a="http://schemas.openxmlformats.org/drawingml/2006/main" xmlns:r="http://schemas.openxmlformats.org/officeDocument/2006/relationships" xmlns:p="http://schemas.openxmlformats.org/presentationml/2006/main">
+  <p:cSld>
+    <p:spTree>
+      <p:nvGrpSpPr>
+        <p:cNvPr id="1" name=""/>
+        <p:cNvGrpSpPr/>
+        <p:nvPr/>
+      </p:nvGrpSpPr>
+      <p:grpSpPr>
+        <a:xfrm>
+          <a:off x="0" y="0"/>
+          <a:ext cx="0" cy="0"/>
+          <a:chOff x="0" y="0"/>
+          <a:chExt cx="0" cy="0"/>
+        </a:xfrm>
+      </p:grpSpPr>
+      <p:sp>
+        <p:nvSpPr>
+          <p:cNvPr id="2" name="Slide Image Placeholder 1"/>
+          <p:cNvSpPr>
+            <a:spLocks noGrp="1" noRot="1" noChangeAspect="1"/>
+          </p:cNvSpPr>
+          <p:nvPr>
+            <p:ph type="sldImg"/>
+          </p:nvPr>
+        </p:nvSpPr>
+        <p:spPr/>
+      </p:sp>
+      <p:sp>
+        <p:nvSpPr>
+          <p:cNvPr id="3" name="Notes Placeholder 2"/>
+          <p:cNvSpPr>
+            <a:spLocks noGrp="1"/>
+          </p:cNvSpPr>
+          <p:nvPr>
+            <p:ph type="body" idx="1"/>
+          </p:nvPr>
+        </p:nvSpPr>
+        <p:spPr/>
+        <p:txBody>
+          <a:bodyPr/>
+          <a:lstStyle/>
+          <a:p>
+            <a:endParaRPr lang="en-US" dirty="0"/>
+          </a:p>
+        </p:txBody>
+      </p:sp>
+      <p:sp>
+        <p:nvSpPr>
+          <p:cNvPr id="4" name="Slide Number Placeholder 3"/>
+          <p:cNvSpPr>
+            <a:spLocks noGrp="1"/>
+          </p:cNvSpPr>
+          <p:nvPr>
+            <p:ph type="sldNum" sz="quarter" idx="10"/>
+          </p:nvPr>
+        </p:nvSpPr>
+        <p:spPr/>
+        <p:txBody>
+          <a:bodyPr/>
+          <a:lstStyle/>
+          <a:p>
+            <a:fld id="{7D8C2C35-2B8A-446E-BEC0-FD36716C29AC}" type="slidenum">
               <a:rPr lang="en-US" smtClean="0"/>
               <a:pPr/>
-              <a:t>8</a:t>
+              <a:t>9</a:t>
             </a:fld>
             <a:endParaRPr lang="en-US" dirty="0"/>
           </a:p>
@@ -1217,7 +1313,7 @@
 </p:notes>
 </file>
 
-<file path=ppt/notesSlides/notesSlide8.xml><?xml version="1.0" encoding="utf-8"?>
+<file path=ppt/notesSlides/notesSlide9.xml><?xml version="1.0" encoding="utf-8"?>
 <p:notes xmlns:a="http://schemas.openxmlformats.org/drawingml/2006/main" xmlns:r="http://schemas.openxmlformats.org/officeDocument/2006/relationships" xmlns:p="http://schemas.openxmlformats.org/presentationml/2006/main">
   <p:cSld>
     <p:spTree>
@@ -1252,7 +1348,7 @@
             <a:fld id="{7D8C2C35-2B8A-446E-BEC0-FD36716C29AC}" type="slidenum">
               <a:rPr lang="en-US" smtClean="0"/>
               <a:pPr/>
-              <a:t>13</a:t>
+              <a:t>14</a:t>
             </a:fld>
             <a:endParaRPr lang="en-US" dirty="0"/>
           </a:p>
@@ -14677,6 +14773,296 @@
 </file>
 
 <file path=ppt/slides/slide10.xml><?xml version="1.0" encoding="utf-8"?>
+<p:sld xmlns:a="http://schemas.openxmlformats.org/drawingml/2006/main" xmlns:r="http://schemas.openxmlformats.org/officeDocument/2006/relationships" xmlns:p="http://schemas.openxmlformats.org/presentationml/2006/main" show="0">
+  <p:cSld>
+    <p:spTree>
+      <p:nvGrpSpPr>
+        <p:cNvPr id="1" name=""/>
+        <p:cNvGrpSpPr/>
+        <p:nvPr/>
+      </p:nvGrpSpPr>
+      <p:grpSpPr>
+        <a:xfrm>
+          <a:off x="0" y="0"/>
+          <a:ext cx="0" cy="0"/>
+          <a:chOff x="0" y="0"/>
+          <a:chExt cx="0" cy="0"/>
+        </a:xfrm>
+      </p:grpSpPr>
+      <p:sp>
+        <p:nvSpPr>
+          <p:cNvPr id="4" name="Text Placeholder 3"/>
+          <p:cNvSpPr>
+            <a:spLocks noGrp="1"/>
+          </p:cNvSpPr>
+          <p:nvPr>
+            <p:ph type="body" sz="quarter" idx="10"/>
+          </p:nvPr>
+        </p:nvSpPr>
+        <p:spPr>
+          <a:xfrm>
+            <a:off x="504000" y="1110343"/>
+            <a:ext cx="11185200" cy="4266129"/>
+          </a:xfrm>
+        </p:spPr>
+        <p:txBody>
+          <a:bodyPr/>
+          <a:lstStyle/>
+          <a:p>
+            <a:pPr marL="342900" indent="-342900">
+              <a:buFontTx/>
+              <a:buChar char="-"/>
+            </a:pPr>
+            <a:r>
+              <a:rPr lang="en-US" dirty="0"/>
+              <a:t>Create a network policy</a:t>
+            </a:r>
+          </a:p>
+          <a:p>
+            <a:r>
+              <a:rPr lang="de-DE" dirty="0" err="1"/>
+              <a:t>kubectl</a:t>
+            </a:r>
+            <a:r>
+              <a:rPr lang="de-DE" dirty="0"/>
+              <a:t> </a:t>
+            </a:r>
+            <a:r>
+              <a:rPr lang="de-DE" dirty="0" err="1"/>
+              <a:t>run</a:t>
+            </a:r>
+            <a:r>
+              <a:rPr lang="de-DE" dirty="0"/>
+              <a:t> </a:t>
+            </a:r>
+            <a:r>
+              <a:rPr lang="de-DE" dirty="0" err="1"/>
+              <a:t>nginx</a:t>
+            </a:r>
+            <a:r>
+              <a:rPr lang="de-DE" dirty="0"/>
+              <a:t> --image</a:t>
+            </a:r>
+            <a:r>
+              <a:rPr lang="de-DE" b="1" dirty="0"/>
+              <a:t>=</a:t>
+            </a:r>
+            <a:r>
+              <a:rPr lang="de-DE" dirty="0" err="1"/>
+              <a:t>nginx</a:t>
+            </a:r>
+            <a:r>
+              <a:rPr lang="de-DE" dirty="0"/>
+              <a:t> --</a:t>
+            </a:r>
+            <a:r>
+              <a:rPr lang="de-DE" dirty="0" err="1"/>
+              <a:t>replicas</a:t>
+            </a:r>
+            <a:r>
+              <a:rPr lang="de-DE" b="1" dirty="0"/>
+              <a:t>=</a:t>
+            </a:r>
+            <a:r>
+              <a:rPr lang="de-DE" dirty="0"/>
+              <a:t>2 </a:t>
+            </a:r>
+          </a:p>
+          <a:p>
+            <a:r>
+              <a:rPr lang="de-DE" dirty="0" err="1"/>
+              <a:t>kubectl</a:t>
+            </a:r>
+            <a:r>
+              <a:rPr lang="de-DE" dirty="0"/>
+              <a:t> </a:t>
+            </a:r>
+            <a:r>
+              <a:rPr lang="de-DE" dirty="0" err="1"/>
+              <a:t>expose</a:t>
+            </a:r>
+            <a:r>
+              <a:rPr lang="de-DE" dirty="0"/>
+              <a:t> </a:t>
+            </a:r>
+            <a:r>
+              <a:rPr lang="de-DE" dirty="0" err="1"/>
+              <a:t>deployment</a:t>
+            </a:r>
+            <a:r>
+              <a:rPr lang="de-DE" dirty="0"/>
+              <a:t> </a:t>
+            </a:r>
+            <a:r>
+              <a:rPr lang="de-DE" dirty="0" err="1"/>
+              <a:t>nginx</a:t>
+            </a:r>
+            <a:r>
+              <a:rPr lang="de-DE" dirty="0"/>
+              <a:t> --</a:t>
+            </a:r>
+            <a:r>
+              <a:rPr lang="de-DE" dirty="0" err="1"/>
+              <a:t>port</a:t>
+            </a:r>
+            <a:r>
+              <a:rPr lang="de-DE" b="1" dirty="0"/>
+              <a:t>=</a:t>
+            </a:r>
+            <a:r>
+              <a:rPr lang="de-DE" dirty="0"/>
+              <a:t>80</a:t>
+            </a:r>
+          </a:p>
+          <a:p>
+            <a:r>
+              <a:rPr lang="de-DE" dirty="0" err="1"/>
+              <a:t>kubectl</a:t>
+            </a:r>
+            <a:r>
+              <a:rPr lang="de-DE" dirty="0"/>
+              <a:t> </a:t>
+            </a:r>
+            <a:r>
+              <a:rPr lang="de-DE" dirty="0" err="1"/>
+              <a:t>run</a:t>
+            </a:r>
+            <a:r>
+              <a:rPr lang="de-DE" dirty="0"/>
+              <a:t> </a:t>
+            </a:r>
+            <a:r>
+              <a:rPr lang="de-DE" dirty="0" err="1"/>
+              <a:t>busybox</a:t>
+            </a:r>
+            <a:r>
+              <a:rPr lang="de-DE" dirty="0"/>
+              <a:t> --</a:t>
+            </a:r>
+            <a:r>
+              <a:rPr lang="de-DE" dirty="0" err="1"/>
+              <a:t>rm</a:t>
+            </a:r>
+            <a:r>
+              <a:rPr lang="de-DE" dirty="0"/>
+              <a:t> -</a:t>
+            </a:r>
+            <a:r>
+              <a:rPr lang="de-DE" dirty="0" err="1"/>
+              <a:t>ti</a:t>
+            </a:r>
+            <a:r>
+              <a:rPr lang="de-DE" dirty="0"/>
+              <a:t> --image</a:t>
+            </a:r>
+            <a:r>
+              <a:rPr lang="de-DE" b="1" dirty="0"/>
+              <a:t>=</a:t>
+            </a:r>
+            <a:r>
+              <a:rPr lang="de-DE" dirty="0" err="1"/>
+              <a:t>busybox</a:t>
+            </a:r>
+            <a:r>
+              <a:rPr lang="de-DE" dirty="0"/>
+              <a:t> /bin/sh</a:t>
+            </a:r>
+          </a:p>
+          <a:p>
+            <a:r>
+              <a:rPr lang="de-DE" dirty="0"/>
+              <a:t> # </a:t>
+            </a:r>
+            <a:r>
+              <a:rPr lang="de-DE" dirty="0" err="1"/>
+              <a:t>wget</a:t>
+            </a:r>
+            <a:r>
+              <a:rPr lang="de-DE" dirty="0"/>
+              <a:t> --spider --timeout=1 </a:t>
+            </a:r>
+            <a:r>
+              <a:rPr lang="de-DE" dirty="0" err="1"/>
+              <a:t>nginx</a:t>
+            </a:r>
+            <a:endParaRPr lang="en-US" dirty="0"/>
+          </a:p>
+          <a:p>
+            <a:r>
+              <a:rPr lang="en-US" dirty="0" err="1"/>
+              <a:t>Kubectl</a:t>
+            </a:r>
+            <a:r>
+              <a:rPr lang="en-US" dirty="0"/>
+              <a:t> create –f network-</a:t>
+            </a:r>
+            <a:r>
+              <a:rPr lang="en-US" dirty="0" err="1"/>
+              <a:t>policy.yaml</a:t>
+            </a:r>
+            <a:endParaRPr lang="en-US" dirty="0"/>
+          </a:p>
+          <a:p>
+            <a:r>
+              <a:rPr lang="en-US" dirty="0" err="1"/>
+              <a:t>Kubectl</a:t>
+            </a:r>
+            <a:r>
+              <a:rPr lang="en-US" dirty="0"/>
+              <a:t> run ..</a:t>
+            </a:r>
+          </a:p>
+          <a:p>
+            <a:r>
+              <a:rPr lang="en-US" dirty="0" err="1"/>
+              <a:t>Kubectl</a:t>
+            </a:r>
+            <a:r>
+              <a:rPr lang="en-US" dirty="0"/>
+              <a:t> run … -l access=true</a:t>
+            </a:r>
+          </a:p>
+          <a:p>
+            <a:endParaRPr lang="en-US" dirty="0"/>
+          </a:p>
+        </p:txBody>
+      </p:sp>
+      <p:sp>
+        <p:nvSpPr>
+          <p:cNvPr id="3" name="Title 2"/>
+          <p:cNvSpPr>
+            <a:spLocks noGrp="1"/>
+          </p:cNvSpPr>
+          <p:nvPr>
+            <p:ph type="title"/>
+          </p:nvPr>
+        </p:nvSpPr>
+        <p:spPr/>
+        <p:txBody>
+          <a:bodyPr/>
+          <a:lstStyle/>
+          <a:p>
+            <a:r>
+              <a:rPr lang="en-US" dirty="0"/>
+              <a:t>Demo</a:t>
+            </a:r>
+          </a:p>
+        </p:txBody>
+      </p:sp>
+    </p:spTree>
+    <p:extLst>
+      <p:ext uri="{BB962C8B-B14F-4D97-AF65-F5344CB8AC3E}">
+        <p14:creationId xmlns:p14="http://schemas.microsoft.com/office/powerpoint/2010/main" val="1163760557"/>
+      </p:ext>
+    </p:extLst>
+  </p:cSld>
+  <p:clrMapOvr>
+    <a:masterClrMapping/>
+  </p:clrMapOvr>
+</p:sld>
+</file>
+
+<file path=ppt/slides/slide11.xml><?xml version="1.0" encoding="utf-8"?>
 <p:sld xmlns:a="http://schemas.openxmlformats.org/drawingml/2006/main" xmlns:r="http://schemas.openxmlformats.org/officeDocument/2006/relationships" xmlns:p="http://schemas.openxmlformats.org/presentationml/2006/main">
   <p:cSld>
     <p:spTree>
@@ -15896,7 +16282,7 @@
 </p:sld>
 </file>
 
-<file path=ppt/slides/slide11.xml><?xml version="1.0" encoding="utf-8"?>
+<file path=ppt/slides/slide12.xml><?xml version="1.0" encoding="utf-8"?>
 <p:sld xmlns:a="http://schemas.openxmlformats.org/drawingml/2006/main" xmlns:r="http://schemas.openxmlformats.org/officeDocument/2006/relationships" xmlns:p="http://schemas.openxmlformats.org/presentationml/2006/main">
   <p:cSld>
     <p:spTree>
@@ -17001,7 +17387,7 @@
 </p:sld>
 </file>
 
-<file path=ppt/slides/slide12.xml><?xml version="1.0" encoding="utf-8"?>
+<file path=ppt/slides/slide13.xml><?xml version="1.0" encoding="utf-8"?>
 <p:sld xmlns:a="http://schemas.openxmlformats.org/drawingml/2006/main" xmlns:r="http://schemas.openxmlformats.org/officeDocument/2006/relationships" xmlns:p="http://schemas.openxmlformats.org/presentationml/2006/main">
   <p:cSld>
     <p:spTree>
@@ -17573,7 +17959,7 @@
 </p:sld>
 </file>
 
-<file path=ppt/slides/slide13.xml><?xml version="1.0" encoding="utf-8"?>
+<file path=ppt/slides/slide14.xml><?xml version="1.0" encoding="utf-8"?>
 <p:sld xmlns:a="http://schemas.openxmlformats.org/drawingml/2006/main" xmlns:r="http://schemas.openxmlformats.org/officeDocument/2006/relationships" xmlns:p="http://schemas.openxmlformats.org/presentationml/2006/main" show="0">
   <p:cSld>
     <p:spTree>
@@ -21082,6 +21468,823 @@
       </p:grpSpPr>
       <p:sp>
         <p:nvSpPr>
+          <p:cNvPr id="36" name="Rectangle 35"/>
+          <p:cNvSpPr/>
+          <p:nvPr/>
+        </p:nvSpPr>
+        <p:spPr>
+          <a:xfrm>
+            <a:off x="2791326" y="1091288"/>
+            <a:ext cx="6280485" cy="1892541"/>
+          </a:xfrm>
+          <a:prstGeom prst="rect">
+            <a:avLst/>
+          </a:prstGeom>
+        </p:spPr>
+        <p:style>
+          <a:lnRef idx="2">
+            <a:schemeClr val="accent2"/>
+          </a:lnRef>
+          <a:fillRef idx="1">
+            <a:schemeClr val="lt1"/>
+          </a:fillRef>
+          <a:effectRef idx="0">
+            <a:schemeClr val="accent2"/>
+          </a:effectRef>
+          <a:fontRef idx="minor">
+            <a:schemeClr val="dk1"/>
+          </a:fontRef>
+        </p:style>
+        <p:txBody>
+          <a:bodyPr rtlCol="0" anchor="t"/>
+          <a:lstStyle/>
+          <a:p>
+            <a:pPr algn="ctr"/>
+            <a:r>
+              <a:rPr lang="en-US" sz="2000" b="1" dirty="0">
+                <a:solidFill>
+                  <a:sysClr val="windowText" lastClr="000000"/>
+                </a:solidFill>
+              </a:rPr>
+              <a:t>Corporate Network</a:t>
+            </a:r>
+          </a:p>
+        </p:txBody>
+      </p:sp>
+      <p:sp>
+        <p:nvSpPr>
+          <p:cNvPr id="3" name="Title 2"/>
+          <p:cNvSpPr>
+            <a:spLocks noGrp="1"/>
+          </p:cNvSpPr>
+          <p:nvPr>
+            <p:ph type="title"/>
+          </p:nvPr>
+        </p:nvSpPr>
+        <p:spPr/>
+        <p:txBody>
+          <a:bodyPr/>
+          <a:lstStyle/>
+          <a:p>
+            <a:r>
+              <a:rPr lang="en-US" dirty="0"/>
+              <a:t>Image Pull Secret together with </a:t>
+            </a:r>
+            <a:r>
+              <a:rPr lang="en-US" dirty="0" err="1"/>
+              <a:t>Artifactory</a:t>
+            </a:r>
+            <a:endParaRPr lang="en-US" dirty="0"/>
+          </a:p>
+        </p:txBody>
+      </p:sp>
+      <p:sp>
+        <p:nvSpPr>
+          <p:cNvPr id="28" name="Rectangle 27"/>
+          <p:cNvSpPr/>
+          <p:nvPr/>
+        </p:nvSpPr>
+        <p:spPr>
+          <a:xfrm>
+            <a:off x="3151414" y="3475687"/>
+            <a:ext cx="5649685" cy="949353"/>
+          </a:xfrm>
+          <a:prstGeom prst="rect">
+            <a:avLst/>
+          </a:prstGeom>
+        </p:spPr>
+        <p:style>
+          <a:lnRef idx="2">
+            <a:schemeClr val="accent1">
+              <a:shade val="50000"/>
+            </a:schemeClr>
+          </a:lnRef>
+          <a:fillRef idx="1">
+            <a:schemeClr val="accent1"/>
+          </a:fillRef>
+          <a:effectRef idx="0">
+            <a:schemeClr val="accent1"/>
+          </a:effectRef>
+          <a:fontRef idx="minor">
+            <a:schemeClr val="lt1"/>
+          </a:fontRef>
+        </p:style>
+        <p:txBody>
+          <a:bodyPr rtlCol="0" anchor="ctr"/>
+          <a:lstStyle/>
+          <a:p>
+            <a:pPr algn="ctr"/>
+            <a:r>
+              <a:rPr lang="en-US" sz="2000" b="1" dirty="0"/>
+              <a:t>DMZ </a:t>
+            </a:r>
+            <a:r>
+              <a:rPr lang="en-US" sz="2000" b="1" dirty="0" err="1"/>
+              <a:t>Artifactory</a:t>
+            </a:r>
+            <a:endParaRPr lang="en-US" sz="2000" b="1" dirty="0"/>
+          </a:p>
+          <a:p>
+            <a:pPr algn="ctr"/>
+            <a:r>
+              <a:rPr lang="en-US" sz="2000" b="1" dirty="0"/>
+              <a:t>Repository “test”</a:t>
+            </a:r>
+          </a:p>
+        </p:txBody>
+      </p:sp>
+      <p:sp>
+        <p:nvSpPr>
+          <p:cNvPr id="31" name="Rectangle 30"/>
+          <p:cNvSpPr/>
+          <p:nvPr/>
+        </p:nvSpPr>
+        <p:spPr>
+          <a:xfrm>
+            <a:off x="6236046" y="1564816"/>
+            <a:ext cx="2050884" cy="524899"/>
+          </a:xfrm>
+          <a:prstGeom prst="rect">
+            <a:avLst/>
+          </a:prstGeom>
+        </p:spPr>
+        <p:style>
+          <a:lnRef idx="1">
+            <a:schemeClr val="accent2"/>
+          </a:lnRef>
+          <a:fillRef idx="2">
+            <a:schemeClr val="accent2"/>
+          </a:fillRef>
+          <a:effectRef idx="1">
+            <a:schemeClr val="accent2"/>
+          </a:effectRef>
+          <a:fontRef idx="minor">
+            <a:schemeClr val="dk1"/>
+          </a:fontRef>
+        </p:style>
+        <p:txBody>
+          <a:bodyPr rtlCol="0" anchor="ctr"/>
+          <a:lstStyle/>
+          <a:p>
+            <a:pPr algn="ctr"/>
+            <a:r>
+              <a:rPr lang="en-US" dirty="0">
+                <a:solidFill>
+                  <a:schemeClr val="dk1"/>
+                </a:solidFill>
+              </a:rPr>
+              <a:t>Docker build</a:t>
+            </a:r>
+          </a:p>
+        </p:txBody>
+      </p:sp>
+      <p:cxnSp>
+        <p:nvCxnSpPr>
+          <p:cNvPr id="32" name="Straight Arrow Connector 31"/>
+          <p:cNvCxnSpPr>
+            <a:stCxn id="49" idx="2"/>
+            <a:endCxn id="28" idx="0"/>
+          </p:cNvCxnSpPr>
+          <p:nvPr/>
+        </p:nvCxnSpPr>
+        <p:spPr>
+          <a:xfrm>
+            <a:off x="4513686" y="2089714"/>
+            <a:ext cx="1462571" cy="1385973"/>
+          </a:xfrm>
+          <a:prstGeom prst="straightConnector1">
+            <a:avLst/>
+          </a:prstGeom>
+          <a:ln w="57150">
+            <a:solidFill>
+              <a:schemeClr val="tx2"/>
+            </a:solidFill>
+            <a:tailEnd type="triangle"/>
+          </a:ln>
+        </p:spPr>
+        <p:style>
+          <a:lnRef idx="1">
+            <a:schemeClr val="accent1"/>
+          </a:lnRef>
+          <a:fillRef idx="0">
+            <a:schemeClr val="accent1"/>
+          </a:fillRef>
+          <a:effectRef idx="0">
+            <a:schemeClr val="accent1"/>
+          </a:effectRef>
+          <a:fontRef idx="minor">
+            <a:schemeClr val="tx1"/>
+          </a:fontRef>
+        </p:style>
+      </p:cxnSp>
+      <p:cxnSp>
+        <p:nvCxnSpPr>
+          <p:cNvPr id="33" name="Straight Arrow Connector 32"/>
+          <p:cNvCxnSpPr>
+            <a:stCxn id="31" idx="2"/>
+            <a:endCxn id="28" idx="0"/>
+          </p:cNvCxnSpPr>
+          <p:nvPr/>
+        </p:nvCxnSpPr>
+        <p:spPr>
+          <a:xfrm flipH="1">
+            <a:off x="5976257" y="2089715"/>
+            <a:ext cx="1285231" cy="1385972"/>
+          </a:xfrm>
+          <a:prstGeom prst="straightConnector1">
+            <a:avLst/>
+          </a:prstGeom>
+          <a:ln w="57150">
+            <a:solidFill>
+              <a:schemeClr val="tx2"/>
+            </a:solidFill>
+            <a:tailEnd type="triangle"/>
+          </a:ln>
+        </p:spPr>
+        <p:style>
+          <a:lnRef idx="1">
+            <a:schemeClr val="accent1"/>
+          </a:lnRef>
+          <a:fillRef idx="0">
+            <a:schemeClr val="accent1"/>
+          </a:fillRef>
+          <a:effectRef idx="0">
+            <a:schemeClr val="accent1"/>
+          </a:effectRef>
+          <a:fontRef idx="minor">
+            <a:schemeClr val="tx1"/>
+          </a:fontRef>
+        </p:style>
+      </p:cxnSp>
+      <p:sp>
+        <p:nvSpPr>
+          <p:cNvPr id="35" name="Rectangle 34"/>
+          <p:cNvSpPr/>
+          <p:nvPr/>
+        </p:nvSpPr>
+        <p:spPr>
+          <a:xfrm>
+            <a:off x="4153723" y="2394231"/>
+            <a:ext cx="3555690" cy="360947"/>
+          </a:xfrm>
+          <a:prstGeom prst="rect">
+            <a:avLst/>
+          </a:prstGeom>
+        </p:spPr>
+        <p:style>
+          <a:lnRef idx="1">
+            <a:schemeClr val="accent2"/>
+          </a:lnRef>
+          <a:fillRef idx="2">
+            <a:schemeClr val="accent2"/>
+          </a:fillRef>
+          <a:effectRef idx="1">
+            <a:schemeClr val="accent2"/>
+          </a:effectRef>
+          <a:fontRef idx="minor">
+            <a:schemeClr val="dk1"/>
+          </a:fontRef>
+        </p:style>
+        <p:txBody>
+          <a:bodyPr rtlCol="0" anchor="ctr"/>
+          <a:lstStyle/>
+          <a:p>
+            <a:pPr algn="ctr"/>
+            <a:r>
+              <a:rPr lang="en-US" dirty="0"/>
+              <a:t>Docker push</a:t>
+            </a:r>
+          </a:p>
+        </p:txBody>
+      </p:sp>
+      <p:sp>
+        <p:nvSpPr>
+          <p:cNvPr id="49" name="Rectangle 48"/>
+          <p:cNvSpPr/>
+          <p:nvPr/>
+        </p:nvSpPr>
+        <p:spPr>
+          <a:xfrm>
+            <a:off x="3488244" y="1564815"/>
+            <a:ext cx="2050884" cy="524899"/>
+          </a:xfrm>
+          <a:prstGeom prst="rect">
+            <a:avLst/>
+          </a:prstGeom>
+        </p:spPr>
+        <p:style>
+          <a:lnRef idx="1">
+            <a:schemeClr val="accent2"/>
+          </a:lnRef>
+          <a:fillRef idx="2">
+            <a:schemeClr val="accent2"/>
+          </a:fillRef>
+          <a:effectRef idx="1">
+            <a:schemeClr val="accent2"/>
+          </a:effectRef>
+          <a:fontRef idx="minor">
+            <a:schemeClr val="dk1"/>
+          </a:fontRef>
+        </p:style>
+        <p:txBody>
+          <a:bodyPr rtlCol="0" anchor="ctr"/>
+          <a:lstStyle/>
+          <a:p>
+            <a:pPr algn="ctr"/>
+            <a:r>
+              <a:rPr lang="en-US" dirty="0">
+                <a:solidFill>
+                  <a:schemeClr val="dk1"/>
+                </a:solidFill>
+              </a:rPr>
+              <a:t>Docker build</a:t>
+            </a:r>
+          </a:p>
+        </p:txBody>
+      </p:sp>
+      <p:sp>
+        <p:nvSpPr>
+          <p:cNvPr id="54" name="Rectangle 53"/>
+          <p:cNvSpPr/>
+          <p:nvPr/>
+        </p:nvSpPr>
+        <p:spPr>
+          <a:xfrm>
+            <a:off x="6376307" y="5549421"/>
+            <a:ext cx="2326571" cy="834190"/>
+          </a:xfrm>
+          <a:prstGeom prst="rect">
+            <a:avLst/>
+          </a:prstGeom>
+        </p:spPr>
+        <p:style>
+          <a:lnRef idx="1">
+            <a:schemeClr val="accent2"/>
+          </a:lnRef>
+          <a:fillRef idx="2">
+            <a:schemeClr val="accent2"/>
+          </a:fillRef>
+          <a:effectRef idx="1">
+            <a:schemeClr val="accent2"/>
+          </a:effectRef>
+          <a:fontRef idx="minor">
+            <a:schemeClr val="dk1"/>
+          </a:fontRef>
+        </p:style>
+        <p:txBody>
+          <a:bodyPr rtlCol="0" anchor="ctr"/>
+          <a:lstStyle/>
+          <a:p>
+            <a:pPr algn="ctr"/>
+            <a:r>
+              <a:rPr lang="en-US" dirty="0"/>
+              <a:t>K8s @Azure</a:t>
+            </a:r>
+          </a:p>
+        </p:txBody>
+      </p:sp>
+      <p:sp>
+        <p:nvSpPr>
+          <p:cNvPr id="55" name="Rectangle: Folded Corner 54"/>
+          <p:cNvSpPr/>
+          <p:nvPr/>
+        </p:nvSpPr>
+        <p:spPr>
+          <a:xfrm>
+            <a:off x="8329897" y="5284725"/>
+            <a:ext cx="1227221" cy="525385"/>
+          </a:xfrm>
+          <a:prstGeom prst="foldedCorner">
+            <a:avLst/>
+          </a:prstGeom>
+        </p:spPr>
+        <p:style>
+          <a:lnRef idx="2">
+            <a:schemeClr val="accent2">
+              <a:shade val="50000"/>
+            </a:schemeClr>
+          </a:lnRef>
+          <a:fillRef idx="1">
+            <a:schemeClr val="accent2"/>
+          </a:fillRef>
+          <a:effectRef idx="0">
+            <a:schemeClr val="accent2"/>
+          </a:effectRef>
+          <a:fontRef idx="minor">
+            <a:schemeClr val="lt1"/>
+          </a:fontRef>
+        </p:style>
+        <p:txBody>
+          <a:bodyPr rtlCol="0" anchor="ctr"/>
+          <a:lstStyle/>
+          <a:p>
+            <a:pPr algn="ctr"/>
+            <a:r>
+              <a:rPr lang="en-US" sz="1600" dirty="0"/>
+              <a:t>Image Pull Secret</a:t>
+            </a:r>
+          </a:p>
+        </p:txBody>
+      </p:sp>
+      <p:sp>
+        <p:nvSpPr>
+          <p:cNvPr id="56" name="Oval 55"/>
+          <p:cNvSpPr/>
+          <p:nvPr/>
+        </p:nvSpPr>
+        <p:spPr>
+          <a:xfrm>
+            <a:off x="8606626" y="5709852"/>
+            <a:ext cx="192505" cy="200526"/>
+          </a:xfrm>
+          <a:prstGeom prst="ellipse">
+            <a:avLst/>
+          </a:prstGeom>
+        </p:spPr>
+        <p:style>
+          <a:lnRef idx="2">
+            <a:schemeClr val="accent2">
+              <a:shade val="50000"/>
+            </a:schemeClr>
+          </a:lnRef>
+          <a:fillRef idx="1">
+            <a:schemeClr val="accent2"/>
+          </a:fillRef>
+          <a:effectRef idx="0">
+            <a:schemeClr val="accent2"/>
+          </a:effectRef>
+          <a:fontRef idx="minor">
+            <a:schemeClr val="lt1"/>
+          </a:fontRef>
+        </p:style>
+        <p:txBody>
+          <a:bodyPr rtlCol="0" anchor="ctr"/>
+          <a:lstStyle/>
+          <a:p>
+            <a:pPr algn="ctr"/>
+            <a:endParaRPr lang="en-US"/>
+          </a:p>
+        </p:txBody>
+      </p:sp>
+      <p:sp>
+        <p:nvSpPr>
+          <p:cNvPr id="57" name="Flowchart: Delay 56"/>
+          <p:cNvSpPr/>
+          <p:nvPr/>
+        </p:nvSpPr>
+        <p:spPr>
+          <a:xfrm rot="16200000">
+            <a:off x="8570527" y="5942457"/>
+            <a:ext cx="264702" cy="264698"/>
+          </a:xfrm>
+          <a:prstGeom prst="flowChartDelay">
+            <a:avLst/>
+          </a:prstGeom>
+        </p:spPr>
+        <p:style>
+          <a:lnRef idx="2">
+            <a:schemeClr val="accent2">
+              <a:shade val="50000"/>
+            </a:schemeClr>
+          </a:lnRef>
+          <a:fillRef idx="1">
+            <a:schemeClr val="accent2"/>
+          </a:fillRef>
+          <a:effectRef idx="0">
+            <a:schemeClr val="accent2"/>
+          </a:effectRef>
+          <a:fontRef idx="minor">
+            <a:schemeClr val="lt1"/>
+          </a:fontRef>
+        </p:style>
+        <p:txBody>
+          <a:bodyPr rtlCol="0" anchor="ctr"/>
+          <a:lstStyle/>
+          <a:p>
+            <a:pPr algn="ctr"/>
+            <a:endParaRPr lang="en-US"/>
+          </a:p>
+        </p:txBody>
+      </p:sp>
+      <p:sp>
+        <p:nvSpPr>
+          <p:cNvPr id="58" name="Rectangle 57"/>
+          <p:cNvSpPr/>
+          <p:nvPr/>
+        </p:nvSpPr>
+        <p:spPr>
+          <a:xfrm>
+            <a:off x="2461570" y="5549421"/>
+            <a:ext cx="2326571" cy="834190"/>
+          </a:xfrm>
+          <a:prstGeom prst="rect">
+            <a:avLst/>
+          </a:prstGeom>
+        </p:spPr>
+        <p:style>
+          <a:lnRef idx="1">
+            <a:schemeClr val="accent2"/>
+          </a:lnRef>
+          <a:fillRef idx="2">
+            <a:schemeClr val="accent2"/>
+          </a:fillRef>
+          <a:effectRef idx="1">
+            <a:schemeClr val="accent2"/>
+          </a:effectRef>
+          <a:fontRef idx="minor">
+            <a:schemeClr val="dk1"/>
+          </a:fontRef>
+        </p:style>
+        <p:txBody>
+          <a:bodyPr rtlCol="0" anchor="ctr"/>
+          <a:lstStyle/>
+          <a:p>
+            <a:pPr algn="ctr"/>
+            <a:r>
+              <a:rPr lang="en-US" dirty="0"/>
+              <a:t>K8s @GCP</a:t>
+            </a:r>
+          </a:p>
+        </p:txBody>
+      </p:sp>
+      <p:sp>
+        <p:nvSpPr>
+          <p:cNvPr id="59" name="Rectangle: Folded Corner 58"/>
+          <p:cNvSpPr/>
+          <p:nvPr/>
+        </p:nvSpPr>
+        <p:spPr>
+          <a:xfrm>
+            <a:off x="4415160" y="5284725"/>
+            <a:ext cx="1227221" cy="525385"/>
+          </a:xfrm>
+          <a:prstGeom prst="foldedCorner">
+            <a:avLst/>
+          </a:prstGeom>
+        </p:spPr>
+        <p:style>
+          <a:lnRef idx="2">
+            <a:schemeClr val="accent2">
+              <a:shade val="50000"/>
+            </a:schemeClr>
+          </a:lnRef>
+          <a:fillRef idx="1">
+            <a:schemeClr val="accent2"/>
+          </a:fillRef>
+          <a:effectRef idx="0">
+            <a:schemeClr val="accent2"/>
+          </a:effectRef>
+          <a:fontRef idx="minor">
+            <a:schemeClr val="lt1"/>
+          </a:fontRef>
+        </p:style>
+        <p:txBody>
+          <a:bodyPr rtlCol="0" anchor="ctr"/>
+          <a:lstStyle/>
+          <a:p>
+            <a:pPr algn="ctr"/>
+            <a:r>
+              <a:rPr lang="en-US" sz="1600" dirty="0"/>
+              <a:t>Image Pull Secret</a:t>
+            </a:r>
+          </a:p>
+        </p:txBody>
+      </p:sp>
+      <p:sp>
+        <p:nvSpPr>
+          <p:cNvPr id="60" name="Oval 59"/>
+          <p:cNvSpPr/>
+          <p:nvPr/>
+        </p:nvSpPr>
+        <p:spPr>
+          <a:xfrm>
+            <a:off x="4691889" y="5709852"/>
+            <a:ext cx="192505" cy="200526"/>
+          </a:xfrm>
+          <a:prstGeom prst="ellipse">
+            <a:avLst/>
+          </a:prstGeom>
+        </p:spPr>
+        <p:style>
+          <a:lnRef idx="2">
+            <a:schemeClr val="accent2">
+              <a:shade val="50000"/>
+            </a:schemeClr>
+          </a:lnRef>
+          <a:fillRef idx="1">
+            <a:schemeClr val="accent2"/>
+          </a:fillRef>
+          <a:effectRef idx="0">
+            <a:schemeClr val="accent2"/>
+          </a:effectRef>
+          <a:fontRef idx="minor">
+            <a:schemeClr val="lt1"/>
+          </a:fontRef>
+        </p:style>
+        <p:txBody>
+          <a:bodyPr rtlCol="0" anchor="ctr"/>
+          <a:lstStyle/>
+          <a:p>
+            <a:pPr algn="ctr"/>
+            <a:endParaRPr lang="en-US"/>
+          </a:p>
+        </p:txBody>
+      </p:sp>
+      <p:sp>
+        <p:nvSpPr>
+          <p:cNvPr id="61" name="Flowchart: Delay 60"/>
+          <p:cNvSpPr/>
+          <p:nvPr/>
+        </p:nvSpPr>
+        <p:spPr>
+          <a:xfrm rot="16200000">
+            <a:off x="4655790" y="5942457"/>
+            <a:ext cx="264702" cy="264698"/>
+          </a:xfrm>
+          <a:prstGeom prst="flowChartDelay">
+            <a:avLst/>
+          </a:prstGeom>
+        </p:spPr>
+        <p:style>
+          <a:lnRef idx="2">
+            <a:schemeClr val="accent2">
+              <a:shade val="50000"/>
+            </a:schemeClr>
+          </a:lnRef>
+          <a:fillRef idx="1">
+            <a:schemeClr val="accent2"/>
+          </a:fillRef>
+          <a:effectRef idx="0">
+            <a:schemeClr val="accent2"/>
+          </a:effectRef>
+          <a:fontRef idx="minor">
+            <a:schemeClr val="lt1"/>
+          </a:fontRef>
+        </p:style>
+        <p:txBody>
+          <a:bodyPr rtlCol="0" anchor="ctr"/>
+          <a:lstStyle/>
+          <a:p>
+            <a:pPr algn="ctr"/>
+            <a:endParaRPr lang="en-US"/>
+          </a:p>
+        </p:txBody>
+      </p:sp>
+      <p:cxnSp>
+        <p:nvCxnSpPr>
+          <p:cNvPr id="62" name="Straight Arrow Connector 61"/>
+          <p:cNvCxnSpPr>
+            <a:stCxn id="28" idx="2"/>
+            <a:endCxn id="58" idx="0"/>
+          </p:cNvCxnSpPr>
+          <p:nvPr/>
+        </p:nvCxnSpPr>
+        <p:spPr>
+          <a:xfrm flipH="1">
+            <a:off x="3624856" y="4425040"/>
+            <a:ext cx="2351401" cy="1124381"/>
+          </a:xfrm>
+          <a:prstGeom prst="straightConnector1">
+            <a:avLst/>
+          </a:prstGeom>
+          <a:ln w="57150">
+            <a:solidFill>
+              <a:schemeClr val="tx2"/>
+            </a:solidFill>
+            <a:tailEnd type="triangle"/>
+          </a:ln>
+        </p:spPr>
+        <p:style>
+          <a:lnRef idx="1">
+            <a:schemeClr val="accent1"/>
+          </a:lnRef>
+          <a:fillRef idx="0">
+            <a:schemeClr val="accent1"/>
+          </a:fillRef>
+          <a:effectRef idx="0">
+            <a:schemeClr val="accent1"/>
+          </a:effectRef>
+          <a:fontRef idx="minor">
+            <a:schemeClr val="tx1"/>
+          </a:fontRef>
+        </p:style>
+      </p:cxnSp>
+      <p:cxnSp>
+        <p:nvCxnSpPr>
+          <p:cNvPr id="65" name="Straight Arrow Connector 64"/>
+          <p:cNvCxnSpPr>
+            <a:stCxn id="28" idx="2"/>
+            <a:endCxn id="54" idx="0"/>
+          </p:cNvCxnSpPr>
+          <p:nvPr/>
+        </p:nvCxnSpPr>
+        <p:spPr>
+          <a:xfrm>
+            <a:off x="5976257" y="4425040"/>
+            <a:ext cx="1563336" cy="1124381"/>
+          </a:xfrm>
+          <a:prstGeom prst="straightConnector1">
+            <a:avLst/>
+          </a:prstGeom>
+          <a:ln w="57150">
+            <a:solidFill>
+              <a:schemeClr val="tx2"/>
+            </a:solidFill>
+            <a:tailEnd type="triangle"/>
+          </a:ln>
+        </p:spPr>
+        <p:style>
+          <a:lnRef idx="1">
+            <a:schemeClr val="accent1"/>
+          </a:lnRef>
+          <a:fillRef idx="0">
+            <a:schemeClr val="accent1"/>
+          </a:fillRef>
+          <a:effectRef idx="0">
+            <a:schemeClr val="accent1"/>
+          </a:effectRef>
+          <a:fontRef idx="minor">
+            <a:schemeClr val="tx1"/>
+          </a:fontRef>
+        </p:style>
+      </p:cxnSp>
+      <p:sp>
+        <p:nvSpPr>
+          <p:cNvPr id="68" name="Rectangle 67"/>
+          <p:cNvSpPr/>
+          <p:nvPr/>
+        </p:nvSpPr>
+        <p:spPr>
+          <a:xfrm>
+            <a:off x="4153723" y="4713797"/>
+            <a:ext cx="3555690" cy="360947"/>
+          </a:xfrm>
+          <a:prstGeom prst="rect">
+            <a:avLst/>
+          </a:prstGeom>
+        </p:spPr>
+        <p:style>
+          <a:lnRef idx="1">
+            <a:schemeClr val="accent2"/>
+          </a:lnRef>
+          <a:fillRef idx="2">
+            <a:schemeClr val="accent2"/>
+          </a:fillRef>
+          <a:effectRef idx="1">
+            <a:schemeClr val="accent2"/>
+          </a:effectRef>
+          <a:fontRef idx="minor">
+            <a:schemeClr val="dk1"/>
+          </a:fontRef>
+        </p:style>
+        <p:txBody>
+          <a:bodyPr rtlCol="0" anchor="ctr"/>
+          <a:lstStyle/>
+          <a:p>
+            <a:pPr algn="ctr"/>
+            <a:r>
+              <a:rPr lang="en-US" dirty="0">
+                <a:solidFill>
+                  <a:schemeClr val="dk1"/>
+                </a:solidFill>
+              </a:rPr>
+              <a:t>Docker pull</a:t>
+            </a:r>
+          </a:p>
+        </p:txBody>
+      </p:sp>
+    </p:spTree>
+    <p:extLst>
+      <p:ext uri="{BB962C8B-B14F-4D97-AF65-F5344CB8AC3E}">
+        <p14:creationId xmlns:p14="http://schemas.microsoft.com/office/powerpoint/2010/main" val="4252572192"/>
+      </p:ext>
+    </p:extLst>
+  </p:cSld>
+  <p:clrMapOvr>
+    <a:masterClrMapping/>
+  </p:clrMapOvr>
+</p:sld>
+</file>
+
+<file path=ppt/slides/slide9.xml><?xml version="1.0" encoding="utf-8"?>
+<p:sld xmlns:a="http://schemas.openxmlformats.org/drawingml/2006/main" xmlns:r="http://schemas.openxmlformats.org/officeDocument/2006/relationships" xmlns:p="http://schemas.openxmlformats.org/presentationml/2006/main">
+  <p:cSld>
+    <p:spTree>
+      <p:nvGrpSpPr>
+        <p:cNvPr id="1" name=""/>
+        <p:cNvGrpSpPr/>
+        <p:nvPr/>
+      </p:nvGrpSpPr>
+      <p:grpSpPr>
+        <a:xfrm>
+          <a:off x="0" y="0"/>
+          <a:ext cx="0" cy="0"/>
+          <a:chOff x="0" y="0"/>
+          <a:chExt cx="0" cy="0"/>
+        </a:xfrm>
+      </p:grpSpPr>
+      <p:sp>
+        <p:nvSpPr>
           <p:cNvPr id="2" name="Title 1"/>
           <p:cNvSpPr>
             <a:spLocks noGrp="1"/>
@@ -22157,296 +23360,6 @@
     <p:extLst>
       <p:ext uri="{BB962C8B-B14F-4D97-AF65-F5344CB8AC3E}">
         <p14:creationId xmlns:p14="http://schemas.microsoft.com/office/powerpoint/2010/main" val="4084543091"/>
-      </p:ext>
-    </p:extLst>
-  </p:cSld>
-  <p:clrMapOvr>
-    <a:masterClrMapping/>
-  </p:clrMapOvr>
-</p:sld>
-</file>
-
-<file path=ppt/slides/slide9.xml><?xml version="1.0" encoding="utf-8"?>
-<p:sld xmlns:a="http://schemas.openxmlformats.org/drawingml/2006/main" xmlns:r="http://schemas.openxmlformats.org/officeDocument/2006/relationships" xmlns:p="http://schemas.openxmlformats.org/presentationml/2006/main" show="0">
-  <p:cSld>
-    <p:spTree>
-      <p:nvGrpSpPr>
-        <p:cNvPr id="1" name=""/>
-        <p:cNvGrpSpPr/>
-        <p:nvPr/>
-      </p:nvGrpSpPr>
-      <p:grpSpPr>
-        <a:xfrm>
-          <a:off x="0" y="0"/>
-          <a:ext cx="0" cy="0"/>
-          <a:chOff x="0" y="0"/>
-          <a:chExt cx="0" cy="0"/>
-        </a:xfrm>
-      </p:grpSpPr>
-      <p:sp>
-        <p:nvSpPr>
-          <p:cNvPr id="4" name="Text Placeholder 3"/>
-          <p:cNvSpPr>
-            <a:spLocks noGrp="1"/>
-          </p:cNvSpPr>
-          <p:nvPr>
-            <p:ph type="body" sz="quarter" idx="10"/>
-          </p:nvPr>
-        </p:nvSpPr>
-        <p:spPr>
-          <a:xfrm>
-            <a:off x="504000" y="1110343"/>
-            <a:ext cx="11185200" cy="4266129"/>
-          </a:xfrm>
-        </p:spPr>
-        <p:txBody>
-          <a:bodyPr/>
-          <a:lstStyle/>
-          <a:p>
-            <a:pPr marL="342900" indent="-342900">
-              <a:buFontTx/>
-              <a:buChar char="-"/>
-            </a:pPr>
-            <a:r>
-              <a:rPr lang="en-US" dirty="0"/>
-              <a:t>Create a network policy</a:t>
-            </a:r>
-          </a:p>
-          <a:p>
-            <a:r>
-              <a:rPr lang="de-DE" dirty="0" err="1"/>
-              <a:t>kubectl</a:t>
-            </a:r>
-            <a:r>
-              <a:rPr lang="de-DE" dirty="0"/>
-              <a:t> </a:t>
-            </a:r>
-            <a:r>
-              <a:rPr lang="de-DE" dirty="0" err="1"/>
-              <a:t>run</a:t>
-            </a:r>
-            <a:r>
-              <a:rPr lang="de-DE" dirty="0"/>
-              <a:t> </a:t>
-            </a:r>
-            <a:r>
-              <a:rPr lang="de-DE" dirty="0" err="1"/>
-              <a:t>nginx</a:t>
-            </a:r>
-            <a:r>
-              <a:rPr lang="de-DE" dirty="0"/>
-              <a:t> --image</a:t>
-            </a:r>
-            <a:r>
-              <a:rPr lang="de-DE" b="1" dirty="0"/>
-              <a:t>=</a:t>
-            </a:r>
-            <a:r>
-              <a:rPr lang="de-DE" dirty="0" err="1"/>
-              <a:t>nginx</a:t>
-            </a:r>
-            <a:r>
-              <a:rPr lang="de-DE" dirty="0"/>
-              <a:t> --</a:t>
-            </a:r>
-            <a:r>
-              <a:rPr lang="de-DE" dirty="0" err="1"/>
-              <a:t>replicas</a:t>
-            </a:r>
-            <a:r>
-              <a:rPr lang="de-DE" b="1" dirty="0"/>
-              <a:t>=</a:t>
-            </a:r>
-            <a:r>
-              <a:rPr lang="de-DE" dirty="0"/>
-              <a:t>2 </a:t>
-            </a:r>
-          </a:p>
-          <a:p>
-            <a:r>
-              <a:rPr lang="de-DE" dirty="0" err="1"/>
-              <a:t>kubectl</a:t>
-            </a:r>
-            <a:r>
-              <a:rPr lang="de-DE" dirty="0"/>
-              <a:t> </a:t>
-            </a:r>
-            <a:r>
-              <a:rPr lang="de-DE" dirty="0" err="1"/>
-              <a:t>expose</a:t>
-            </a:r>
-            <a:r>
-              <a:rPr lang="de-DE" dirty="0"/>
-              <a:t> </a:t>
-            </a:r>
-            <a:r>
-              <a:rPr lang="de-DE" dirty="0" err="1"/>
-              <a:t>deployment</a:t>
-            </a:r>
-            <a:r>
-              <a:rPr lang="de-DE" dirty="0"/>
-              <a:t> </a:t>
-            </a:r>
-            <a:r>
-              <a:rPr lang="de-DE" dirty="0" err="1"/>
-              <a:t>nginx</a:t>
-            </a:r>
-            <a:r>
-              <a:rPr lang="de-DE" dirty="0"/>
-              <a:t> --</a:t>
-            </a:r>
-            <a:r>
-              <a:rPr lang="de-DE" dirty="0" err="1"/>
-              <a:t>port</a:t>
-            </a:r>
-            <a:r>
-              <a:rPr lang="de-DE" b="1" dirty="0"/>
-              <a:t>=</a:t>
-            </a:r>
-            <a:r>
-              <a:rPr lang="de-DE" dirty="0"/>
-              <a:t>80</a:t>
-            </a:r>
-          </a:p>
-          <a:p>
-            <a:r>
-              <a:rPr lang="de-DE" dirty="0" err="1"/>
-              <a:t>kubectl</a:t>
-            </a:r>
-            <a:r>
-              <a:rPr lang="de-DE" dirty="0"/>
-              <a:t> </a:t>
-            </a:r>
-            <a:r>
-              <a:rPr lang="de-DE" dirty="0" err="1"/>
-              <a:t>run</a:t>
-            </a:r>
-            <a:r>
-              <a:rPr lang="de-DE" dirty="0"/>
-              <a:t> </a:t>
-            </a:r>
-            <a:r>
-              <a:rPr lang="de-DE" dirty="0" err="1"/>
-              <a:t>busybox</a:t>
-            </a:r>
-            <a:r>
-              <a:rPr lang="de-DE" dirty="0"/>
-              <a:t> --</a:t>
-            </a:r>
-            <a:r>
-              <a:rPr lang="de-DE" dirty="0" err="1"/>
-              <a:t>rm</a:t>
-            </a:r>
-            <a:r>
-              <a:rPr lang="de-DE" dirty="0"/>
-              <a:t> -</a:t>
-            </a:r>
-            <a:r>
-              <a:rPr lang="de-DE" dirty="0" err="1"/>
-              <a:t>ti</a:t>
-            </a:r>
-            <a:r>
-              <a:rPr lang="de-DE" dirty="0"/>
-              <a:t> --image</a:t>
-            </a:r>
-            <a:r>
-              <a:rPr lang="de-DE" b="1" dirty="0"/>
-              <a:t>=</a:t>
-            </a:r>
-            <a:r>
-              <a:rPr lang="de-DE" dirty="0" err="1"/>
-              <a:t>busybox</a:t>
-            </a:r>
-            <a:r>
-              <a:rPr lang="de-DE" dirty="0"/>
-              <a:t> /bin/sh</a:t>
-            </a:r>
-          </a:p>
-          <a:p>
-            <a:r>
-              <a:rPr lang="de-DE" dirty="0"/>
-              <a:t> # </a:t>
-            </a:r>
-            <a:r>
-              <a:rPr lang="de-DE" dirty="0" err="1"/>
-              <a:t>wget</a:t>
-            </a:r>
-            <a:r>
-              <a:rPr lang="de-DE" dirty="0"/>
-              <a:t> --spider --timeout=1 </a:t>
-            </a:r>
-            <a:r>
-              <a:rPr lang="de-DE" dirty="0" err="1"/>
-              <a:t>nginx</a:t>
-            </a:r>
-            <a:endParaRPr lang="en-US" dirty="0"/>
-          </a:p>
-          <a:p>
-            <a:r>
-              <a:rPr lang="en-US" dirty="0" err="1"/>
-              <a:t>Kubectl</a:t>
-            </a:r>
-            <a:r>
-              <a:rPr lang="en-US" dirty="0"/>
-              <a:t> create –f network-</a:t>
-            </a:r>
-            <a:r>
-              <a:rPr lang="en-US" dirty="0" err="1"/>
-              <a:t>policy.yaml</a:t>
-            </a:r>
-            <a:endParaRPr lang="en-US" dirty="0"/>
-          </a:p>
-          <a:p>
-            <a:r>
-              <a:rPr lang="en-US" dirty="0" err="1"/>
-              <a:t>Kubectl</a:t>
-            </a:r>
-            <a:r>
-              <a:rPr lang="en-US" dirty="0"/>
-              <a:t> run ..</a:t>
-            </a:r>
-          </a:p>
-          <a:p>
-            <a:r>
-              <a:rPr lang="en-US" dirty="0" err="1"/>
-              <a:t>Kubectl</a:t>
-            </a:r>
-            <a:r>
-              <a:rPr lang="en-US" dirty="0"/>
-              <a:t> run … -l access=true</a:t>
-            </a:r>
-          </a:p>
-          <a:p>
-            <a:endParaRPr lang="en-US" dirty="0"/>
-          </a:p>
-        </p:txBody>
-      </p:sp>
-      <p:sp>
-        <p:nvSpPr>
-          <p:cNvPr id="3" name="Title 2"/>
-          <p:cNvSpPr>
-            <a:spLocks noGrp="1"/>
-          </p:cNvSpPr>
-          <p:nvPr>
-            <p:ph type="title"/>
-          </p:nvPr>
-        </p:nvSpPr>
-        <p:spPr/>
-        <p:txBody>
-          <a:bodyPr/>
-          <a:lstStyle/>
-          <a:p>
-            <a:r>
-              <a:rPr lang="en-US" dirty="0"/>
-              <a:t>Demo</a:t>
-            </a:r>
-          </a:p>
-        </p:txBody>
-      </p:sp>
-    </p:spTree>
-    <p:extLst>
-      <p:ext uri="{BB962C8B-B14F-4D97-AF65-F5344CB8AC3E}">
-        <p14:creationId xmlns:p14="http://schemas.microsoft.com/office/powerpoint/2010/main" val="1163760557"/>
       </p:ext>
     </p:extLst>
   </p:cSld>

--- a/kubernetes/08_administration.pptx
+++ b/kubernetes/08_administration.pptx
@@ -5,26 +5,27 @@
     <p:sldMasterId id="2147483733" r:id="rId1"/>
   </p:sldMasterIdLst>
   <p:notesMasterIdLst>
-    <p:notesMasterId r:id="rId16"/>
+    <p:notesMasterId r:id="rId17"/>
   </p:notesMasterIdLst>
   <p:handoutMasterIdLst>
-    <p:handoutMasterId r:id="rId17"/>
+    <p:handoutMasterId r:id="rId18"/>
   </p:handoutMasterIdLst>
   <p:sldIdLst>
     <p:sldId id="433" r:id="rId2"/>
     <p:sldId id="442" r:id="rId3"/>
     <p:sldId id="443" r:id="rId4"/>
     <p:sldId id="444" r:id="rId5"/>
-    <p:sldId id="451" r:id="rId6"/>
-    <p:sldId id="452" r:id="rId7"/>
-    <p:sldId id="453" r:id="rId8"/>
-    <p:sldId id="454" r:id="rId9"/>
-    <p:sldId id="446" r:id="rId10"/>
-    <p:sldId id="448" r:id="rId11"/>
-    <p:sldId id="445" r:id="rId12"/>
-    <p:sldId id="450" r:id="rId13"/>
-    <p:sldId id="449" r:id="rId14"/>
-    <p:sldId id="265" r:id="rId15"/>
+    <p:sldId id="455" r:id="rId6"/>
+    <p:sldId id="451" r:id="rId7"/>
+    <p:sldId id="452" r:id="rId8"/>
+    <p:sldId id="453" r:id="rId9"/>
+    <p:sldId id="454" r:id="rId10"/>
+    <p:sldId id="446" r:id="rId11"/>
+    <p:sldId id="448" r:id="rId12"/>
+    <p:sldId id="445" r:id="rId13"/>
+    <p:sldId id="450" r:id="rId14"/>
+    <p:sldId id="449" r:id="rId15"/>
+    <p:sldId id="265" r:id="rId16"/>
   </p:sldIdLst>
   <p:sldSz cx="12195175" cy="6858000"/>
   <p:notesSz cx="6858000" cy="9144000"/>
@@ -613,6 +614,98 @@
 </p:notes>
 </file>
 
+<file path=ppt/notesSlides/notesSlide10.xml><?xml version="1.0" encoding="utf-8"?>
+<p:notes xmlns:a="http://schemas.openxmlformats.org/drawingml/2006/main" xmlns:r="http://schemas.openxmlformats.org/officeDocument/2006/relationships" xmlns:p="http://schemas.openxmlformats.org/presentationml/2006/main">
+  <p:cSld>
+    <p:spTree>
+      <p:nvGrpSpPr>
+        <p:cNvPr id="1" name=""/>
+        <p:cNvGrpSpPr/>
+        <p:nvPr/>
+      </p:nvGrpSpPr>
+      <p:grpSpPr>
+        <a:xfrm>
+          <a:off x="0" y="0"/>
+          <a:ext cx="0" cy="0"/>
+          <a:chOff x="0" y="0"/>
+          <a:chExt cx="0" cy="0"/>
+        </a:xfrm>
+      </p:grpSpPr>
+      <p:sp>
+        <p:nvSpPr>
+          <p:cNvPr id="4" name="Slide Number Placeholder 3"/>
+          <p:cNvSpPr>
+            <a:spLocks noGrp="1"/>
+          </p:cNvSpPr>
+          <p:nvPr>
+            <p:ph type="sldNum" sz="quarter" idx="10"/>
+          </p:nvPr>
+        </p:nvSpPr>
+        <p:spPr/>
+        <p:txBody>
+          <a:bodyPr/>
+          <a:lstStyle/>
+          <a:p>
+            <a:fld id="{7D8C2C35-2B8A-446E-BEC0-FD36716C29AC}" type="slidenum">
+              <a:rPr lang="en-US" smtClean="0"/>
+              <a:pPr/>
+              <a:t>15</a:t>
+            </a:fld>
+            <a:endParaRPr lang="en-US" dirty="0"/>
+          </a:p>
+        </p:txBody>
+      </p:sp>
+      <p:sp>
+        <p:nvSpPr>
+          <p:cNvPr id="6" name="Slide Image Placeholder 5"/>
+          <p:cNvSpPr>
+            <a:spLocks noGrp="1" noRot="1" noChangeAspect="1"/>
+          </p:cNvSpPr>
+          <p:nvPr>
+            <p:ph type="sldImg"/>
+          </p:nvPr>
+        </p:nvSpPr>
+        <p:spPr>
+          <a:xfrm>
+            <a:off x="547688" y="612775"/>
+            <a:ext cx="5762625" cy="3241675"/>
+          </a:xfrm>
+        </p:spPr>
+      </p:sp>
+      <p:sp>
+        <p:nvSpPr>
+          <p:cNvPr id="7" name="Notes Placeholder 6"/>
+          <p:cNvSpPr>
+            <a:spLocks noGrp="1"/>
+          </p:cNvSpPr>
+          <p:nvPr>
+            <p:ph type="body" idx="1"/>
+          </p:nvPr>
+        </p:nvSpPr>
+        <p:spPr/>
+        <p:txBody>
+          <a:bodyPr>
+            <a:normAutofit/>
+          </a:bodyPr>
+          <a:lstStyle/>
+          <a:p>
+            <a:endParaRPr lang="en-US" dirty="0"/>
+          </a:p>
+        </p:txBody>
+      </p:sp>
+    </p:spTree>
+    <p:extLst>
+      <p:ext uri="{BB962C8B-B14F-4D97-AF65-F5344CB8AC3E}">
+        <p14:creationId xmlns:p14="http://schemas.microsoft.com/office/powerpoint/2010/main" val="2544264309"/>
+      </p:ext>
+    </p:extLst>
+  </p:cSld>
+  <p:clrMapOvr>
+    <a:masterClrMapping/>
+  </p:clrMapOvr>
+</p:notes>
+</file>
+
 <file path=ppt/notesSlides/notesSlide2.xml><?xml version="1.0" encoding="utf-8"?>
 <p:notes xmlns:a="http://schemas.openxmlformats.org/drawingml/2006/main" xmlns:r="http://schemas.openxmlformats.org/officeDocument/2006/relationships" xmlns:p="http://schemas.openxmlformats.org/presentationml/2006/main">
   <p:cSld>
@@ -829,31 +922,22 @@
           <a:p>
             <a:r>
               <a:rPr lang="en-US" dirty="0"/>
-              <a:t>Private registries</a:t>
+              <a:t>Docker daemon runs on</a:t>
             </a:r>
             <a:r>
               <a:rPr lang="en-US" baseline="0" dirty="0"/>
-              <a:t> are usually protect by user &amp; password</a:t>
-            </a:r>
-          </a:p>
-          <a:p>
+              <a:t> each node and has an individual, local image store</a:t>
+            </a:r>
+            <a:endParaRPr lang="en-US" dirty="0"/>
+          </a:p>
+          <a:p>
+            <a:r>
+              <a:rPr lang="en-US" dirty="0"/>
+              <a:t>Demo</a:t>
+            </a:r>
             <a:r>
               <a:rPr lang="en-US" baseline="0" dirty="0"/>
-              <a:t>An anonymous </a:t>
-            </a:r>
-            <a:r>
-              <a:rPr lang="en-US" baseline="0" dirty="0" err="1"/>
-              <a:t>docker</a:t>
-            </a:r>
-            <a:r>
-              <a:rPr lang="en-US" baseline="0" dirty="0"/>
-              <a:t> daemon cannot pull images from a protected registry</a:t>
-            </a:r>
-          </a:p>
-          <a:p>
-            <a:r>
-              <a:rPr lang="en-US" baseline="0" dirty="0"/>
-              <a:t>=&gt; Authentication is required</a:t>
+              <a:t> part: show image list of a node</a:t>
             </a:r>
             <a:endParaRPr lang="en-US" dirty="0"/>
           </a:p>
@@ -886,7 +970,7 @@
     </p:spTree>
     <p:extLst>
       <p:ext uri="{BB962C8B-B14F-4D97-AF65-F5344CB8AC3E}">
-        <p14:creationId xmlns:p14="http://schemas.microsoft.com/office/powerpoint/2010/main" val="1215616285"/>
+        <p14:creationId xmlns:p14="http://schemas.microsoft.com/office/powerpoint/2010/main" val="281705885"/>
       </p:ext>
     </p:extLst>
   </p:cSld>
@@ -942,11 +1026,17 @@
           <a:p>
             <a:r>
               <a:rPr lang="en-US" dirty="0"/>
-              <a:t>Image Pull</a:t>
+              <a:t>Private registries</a:t>
             </a:r>
             <a:r>
               <a:rPr lang="en-US" baseline="0" dirty="0"/>
-              <a:t> Secrets contain the same info as .</a:t>
+              <a:t> are usually protect by user &amp; password</a:t>
+            </a:r>
+          </a:p>
+          <a:p>
+            <a:r>
+              <a:rPr lang="en-US" baseline="0" dirty="0"/>
+              <a:t>An anonymous </a:t>
             </a:r>
             <a:r>
               <a:rPr lang="en-US" baseline="0" dirty="0" err="1"/>
@@ -954,42 +1044,15 @@
             </a:r>
             <a:r>
               <a:rPr lang="en-US" baseline="0" dirty="0"/>
-              <a:t>/</a:t>
-            </a:r>
-            <a:r>
-              <a:rPr lang="en-US" baseline="0" dirty="0" err="1"/>
-              <a:t>config.json</a:t>
-            </a:r>
+              <a:t> daemon cannot pull images from a protected registry</a:t>
+            </a:r>
+          </a:p>
+          <a:p>
             <a:r>
               <a:rPr lang="en-US" baseline="0" dirty="0"/>
-              <a:t> &amp; works similar to ‘</a:t>
-            </a:r>
-            <a:r>
-              <a:rPr lang="en-US" baseline="0" dirty="0" err="1"/>
-              <a:t>docker</a:t>
-            </a:r>
-            <a:r>
-              <a:rPr lang="en-US" baseline="0" dirty="0"/>
-              <a:t> login …’</a:t>
-            </a:r>
-          </a:p>
-          <a:p>
-            <a:r>
-              <a:rPr lang="en-US" baseline="0" dirty="0" err="1"/>
-              <a:t>ImagePullSecrets</a:t>
-            </a:r>
-            <a:r>
-              <a:rPr lang="en-US" baseline="0" dirty="0"/>
-              <a:t> can be specified as part of the </a:t>
-            </a:r>
-            <a:r>
-              <a:rPr lang="en-US" baseline="0" dirty="0" err="1"/>
-              <a:t>PodSpec</a:t>
-            </a:r>
-            <a:r>
-              <a:rPr lang="en-US" baseline="0" dirty="0"/>
-              <a:t>: https://kubernetes.io/docs/reference/generated/kubernetes-api/v1.9/#podspec-v1-core</a:t>
-            </a:r>
+              <a:t>=&gt; Authentication is required</a:t>
+            </a:r>
+            <a:endParaRPr lang="en-US" dirty="0"/>
           </a:p>
         </p:txBody>
       </p:sp>
@@ -1020,7 +1083,7 @@
     </p:spTree>
     <p:extLst>
       <p:ext uri="{BB962C8B-B14F-4D97-AF65-F5344CB8AC3E}">
-        <p14:creationId xmlns:p14="http://schemas.microsoft.com/office/powerpoint/2010/main" val="4009320709"/>
+        <p14:creationId xmlns:p14="http://schemas.microsoft.com/office/powerpoint/2010/main" val="1215616285"/>
       </p:ext>
     </p:extLst>
   </p:cSld>
@@ -1076,19 +1139,54 @@
           <a:p>
             <a:r>
               <a:rPr lang="en-US" dirty="0"/>
-              <a:t>Assign</a:t>
+              <a:t>Image Pull</a:t>
             </a:r>
             <a:r>
               <a:rPr lang="en-US" baseline="0" dirty="0"/>
-              <a:t> the image pull secret to the default (or any other) service account</a:t>
-            </a:r>
-          </a:p>
-          <a:p>
+              <a:t> Secrets contain the same info as .</a:t>
+            </a:r>
+            <a:r>
+              <a:rPr lang="en-US" baseline="0" dirty="0" err="1"/>
+              <a:t>docker</a:t>
+            </a:r>
             <a:r>
               <a:rPr lang="en-US" baseline="0" dirty="0"/>
-              <a:t>The service account gives its’ identity to the pod =&gt; the pot can use the image pull secret</a:t>
-            </a:r>
-            <a:endParaRPr lang="en-US" dirty="0"/>
+              <a:t>/</a:t>
+            </a:r>
+            <a:r>
+              <a:rPr lang="en-US" baseline="0" dirty="0" err="1"/>
+              <a:t>config.json</a:t>
+            </a:r>
+            <a:r>
+              <a:rPr lang="en-US" baseline="0" dirty="0"/>
+              <a:t> &amp; works similar to ‘</a:t>
+            </a:r>
+            <a:r>
+              <a:rPr lang="en-US" baseline="0" dirty="0" err="1"/>
+              <a:t>docker</a:t>
+            </a:r>
+            <a:r>
+              <a:rPr lang="en-US" baseline="0" dirty="0"/>
+              <a:t> login …’</a:t>
+            </a:r>
+          </a:p>
+          <a:p>
+            <a:r>
+              <a:rPr lang="en-US" baseline="0" dirty="0" err="1"/>
+              <a:t>ImagePullSecrets</a:t>
+            </a:r>
+            <a:r>
+              <a:rPr lang="en-US" baseline="0" dirty="0"/>
+              <a:t> can be specified as part of the </a:t>
+            </a:r>
+            <a:r>
+              <a:rPr lang="en-US" baseline="0" dirty="0" err="1"/>
+              <a:t>PodSpec</a:t>
+            </a:r>
+            <a:r>
+              <a:rPr lang="en-US" baseline="0" dirty="0"/>
+              <a:t>: https://kubernetes.io/docs/reference/generated/kubernetes-api/v1.9/#podspec-v1-core</a:t>
+            </a:r>
           </a:p>
         </p:txBody>
       </p:sp>
@@ -1119,7 +1217,7 @@
     </p:spTree>
     <p:extLst>
       <p:ext uri="{BB962C8B-B14F-4D97-AF65-F5344CB8AC3E}">
-        <p14:creationId xmlns:p14="http://schemas.microsoft.com/office/powerpoint/2010/main" val="2972073235"/>
+        <p14:creationId xmlns:p14="http://schemas.microsoft.com/office/powerpoint/2010/main" val="4009320709"/>
       </p:ext>
     </p:extLst>
   </p:cSld>
@@ -1175,17 +1273,17 @@
           <a:p>
             <a:r>
               <a:rPr lang="en-US" dirty="0"/>
-              <a:t>Docker build</a:t>
+              <a:t>Assign</a:t>
             </a:r>
             <a:r>
               <a:rPr lang="en-US" baseline="0" dirty="0"/>
-              <a:t> =&gt; local</a:t>
+              <a:t> the image pull secret to the default (or any other) service account</a:t>
             </a:r>
           </a:p>
           <a:p>
             <a:r>
               <a:rPr lang="en-US" baseline="0" dirty="0"/>
-              <a:t>Docker push =&gt; local to registry with authentication</a:t>
+              <a:t>The service account gives its’ identity to the pod =&gt; the pot can use the image pull secret</a:t>
             </a:r>
             <a:endParaRPr lang="en-US" dirty="0"/>
           </a:p>
@@ -1218,7 +1316,7 @@
     </p:spTree>
     <p:extLst>
       <p:ext uri="{BB962C8B-B14F-4D97-AF65-F5344CB8AC3E}">
-        <p14:creationId xmlns:p14="http://schemas.microsoft.com/office/powerpoint/2010/main" val="997705256"/>
+        <p14:creationId xmlns:p14="http://schemas.microsoft.com/office/powerpoint/2010/main" val="2972073235"/>
       </p:ext>
     </p:extLst>
   </p:cSld>
@@ -1272,6 +1370,20 @@
           <a:bodyPr/>
           <a:lstStyle/>
           <a:p>
+            <a:r>
+              <a:rPr lang="en-US" dirty="0"/>
+              <a:t>Docker build</a:t>
+            </a:r>
+            <a:r>
+              <a:rPr lang="en-US" baseline="0" dirty="0"/>
+              <a:t> =&gt; local</a:t>
+            </a:r>
+          </a:p>
+          <a:p>
+            <a:r>
+              <a:rPr lang="en-US" baseline="0" dirty="0"/>
+              <a:t>Docker push =&gt; local to registry with authentication</a:t>
+            </a:r>
             <a:endParaRPr lang="en-US" dirty="0"/>
           </a:p>
         </p:txBody>
@@ -1292,18 +1404,18 @@
           <a:lstStyle/>
           <a:p>
             <a:fld id="{7D8C2C35-2B8A-446E-BEC0-FD36716C29AC}" type="slidenum">
-              <a:rPr lang="en-US" smtClean="0"/>
+              <a:rPr lang="de-DE" smtClean="0"/>
               <a:pPr/>
               <a:t>9</a:t>
             </a:fld>
-            <a:endParaRPr lang="en-US" dirty="0"/>
+            <a:endParaRPr lang="de-DE" dirty="0"/>
           </a:p>
         </p:txBody>
       </p:sp>
     </p:spTree>
     <p:extLst>
       <p:ext uri="{BB962C8B-B14F-4D97-AF65-F5344CB8AC3E}">
-        <p14:creationId xmlns:p14="http://schemas.microsoft.com/office/powerpoint/2010/main" val="3747275599"/>
+        <p14:creationId xmlns:p14="http://schemas.microsoft.com/office/powerpoint/2010/main" val="997705256"/>
       </p:ext>
     </p:extLst>
   </p:cSld>
@@ -1332,6 +1444,37 @@
       </p:grpSpPr>
       <p:sp>
         <p:nvSpPr>
+          <p:cNvPr id="2" name="Slide Image Placeholder 1"/>
+          <p:cNvSpPr>
+            <a:spLocks noGrp="1" noRot="1" noChangeAspect="1"/>
+          </p:cNvSpPr>
+          <p:nvPr>
+            <p:ph type="sldImg"/>
+          </p:nvPr>
+        </p:nvSpPr>
+        <p:spPr/>
+      </p:sp>
+      <p:sp>
+        <p:nvSpPr>
+          <p:cNvPr id="3" name="Notes Placeholder 2"/>
+          <p:cNvSpPr>
+            <a:spLocks noGrp="1"/>
+          </p:cNvSpPr>
+          <p:nvPr>
+            <p:ph type="body" idx="1"/>
+          </p:nvPr>
+        </p:nvSpPr>
+        <p:spPr/>
+        <p:txBody>
+          <a:bodyPr/>
+          <a:lstStyle/>
+          <a:p>
+            <a:endParaRPr lang="en-US" dirty="0"/>
+          </a:p>
+        </p:txBody>
+      </p:sp>
+      <p:sp>
+        <p:nvSpPr>
           <p:cNvPr id="4" name="Slide Number Placeholder 3"/>
           <p:cNvSpPr>
             <a:spLocks noGrp="1"/>
@@ -1348,46 +1491,8 @@
             <a:fld id="{7D8C2C35-2B8A-446E-BEC0-FD36716C29AC}" type="slidenum">
               <a:rPr lang="en-US" smtClean="0"/>
               <a:pPr/>
-              <a:t>14</a:t>
+              <a:t>10</a:t>
             </a:fld>
-            <a:endParaRPr lang="en-US" dirty="0"/>
-          </a:p>
-        </p:txBody>
-      </p:sp>
-      <p:sp>
-        <p:nvSpPr>
-          <p:cNvPr id="6" name="Slide Image Placeholder 5"/>
-          <p:cNvSpPr>
-            <a:spLocks noGrp="1" noRot="1" noChangeAspect="1"/>
-          </p:cNvSpPr>
-          <p:nvPr>
-            <p:ph type="sldImg"/>
-          </p:nvPr>
-        </p:nvSpPr>
-        <p:spPr>
-          <a:xfrm>
-            <a:off x="547688" y="612775"/>
-            <a:ext cx="5762625" cy="3241675"/>
-          </a:xfrm>
-        </p:spPr>
-      </p:sp>
-      <p:sp>
-        <p:nvSpPr>
-          <p:cNvPr id="7" name="Notes Placeholder 6"/>
-          <p:cNvSpPr>
-            <a:spLocks noGrp="1"/>
-          </p:cNvSpPr>
-          <p:nvPr>
-            <p:ph type="body" idx="1"/>
-          </p:nvPr>
-        </p:nvSpPr>
-        <p:spPr/>
-        <p:txBody>
-          <a:bodyPr>
-            <a:normAutofit/>
-          </a:bodyPr>
-          <a:lstStyle/>
-          <a:p>
             <a:endParaRPr lang="en-US" dirty="0"/>
           </a:p>
         </p:txBody>
@@ -1395,7 +1500,7 @@
     </p:spTree>
     <p:extLst>
       <p:ext uri="{BB962C8B-B14F-4D97-AF65-F5344CB8AC3E}">
-        <p14:creationId xmlns:p14="http://schemas.microsoft.com/office/powerpoint/2010/main" val="2544264309"/>
+        <p14:creationId xmlns:p14="http://schemas.microsoft.com/office/powerpoint/2010/main" val="3747275599"/>
       </p:ext>
     </p:extLst>
   </p:cSld>
@@ -14773,6 +14878,1109 @@
 </file>
 
 <file path=ppt/slides/slide10.xml><?xml version="1.0" encoding="utf-8"?>
+<p:sld xmlns:a="http://schemas.openxmlformats.org/drawingml/2006/main" xmlns:r="http://schemas.openxmlformats.org/officeDocument/2006/relationships" xmlns:p="http://schemas.openxmlformats.org/presentationml/2006/main">
+  <p:cSld>
+    <p:spTree>
+      <p:nvGrpSpPr>
+        <p:cNvPr id="1" name=""/>
+        <p:cNvGrpSpPr/>
+        <p:nvPr/>
+      </p:nvGrpSpPr>
+      <p:grpSpPr>
+        <a:xfrm>
+          <a:off x="0" y="0"/>
+          <a:ext cx="0" cy="0"/>
+          <a:chOff x="0" y="0"/>
+          <a:chExt cx="0" cy="0"/>
+        </a:xfrm>
+      </p:grpSpPr>
+      <p:sp>
+        <p:nvSpPr>
+          <p:cNvPr id="2" name="Title 1"/>
+          <p:cNvSpPr>
+            <a:spLocks noGrp="1"/>
+          </p:cNvSpPr>
+          <p:nvPr>
+            <p:ph type="title"/>
+          </p:nvPr>
+        </p:nvSpPr>
+        <p:spPr/>
+        <p:txBody>
+          <a:bodyPr/>
+          <a:lstStyle/>
+          <a:p>
+            <a:r>
+              <a:rPr lang="en-US" dirty="0" err="1"/>
+              <a:t>NetworkPolicy</a:t>
+            </a:r>
+            <a:endParaRPr lang="en-US" dirty="0"/>
+          </a:p>
+        </p:txBody>
+      </p:sp>
+      <p:sp>
+        <p:nvSpPr>
+          <p:cNvPr id="8" name="Rectangle 7"/>
+          <p:cNvSpPr/>
+          <p:nvPr/>
+        </p:nvSpPr>
+        <p:spPr>
+          <a:xfrm>
+            <a:off x="504000" y="1223190"/>
+            <a:ext cx="10918380" cy="1061829"/>
+          </a:xfrm>
+          <a:prstGeom prst="rect">
+            <a:avLst/>
+          </a:prstGeom>
+        </p:spPr>
+        <p:txBody>
+          <a:bodyPr wrap="square">
+            <a:spAutoFit/>
+          </a:bodyPr>
+          <a:lstStyle/>
+          <a:p>
+            <a:pPr marL="342900" indent="-342900">
+              <a:buFont typeface="Wingdings" panose="05000000000000000000" pitchFamily="2" charset="2"/>
+              <a:buChar char="§"/>
+            </a:pPr>
+            <a:r>
+              <a:rPr lang="en-US" dirty="0"/>
+              <a:t>“Firewall”-like restrictions</a:t>
+            </a:r>
+          </a:p>
+          <a:p>
+            <a:pPr marL="342900" indent="-342900">
+              <a:buFont typeface="Wingdings" panose="05000000000000000000" pitchFamily="2" charset="2"/>
+              <a:buChar char="§"/>
+            </a:pPr>
+            <a:r>
+              <a:rPr lang="en-US" dirty="0"/>
+              <a:t>Define egress and ingress rules for a service</a:t>
+            </a:r>
+          </a:p>
+          <a:p>
+            <a:pPr marL="342900" indent="-342900">
+              <a:buFont typeface="Wingdings" panose="05000000000000000000" pitchFamily="2" charset="2"/>
+              <a:buChar char="§"/>
+            </a:pPr>
+            <a:r>
+              <a:rPr lang="en-US" dirty="0"/>
+              <a:t>Requires support by overlay network plugin</a:t>
+            </a:r>
+          </a:p>
+        </p:txBody>
+      </p:sp>
+      <p:sp>
+        <p:nvSpPr>
+          <p:cNvPr id="7" name="Rectangle 6"/>
+          <p:cNvSpPr/>
+          <p:nvPr/>
+        </p:nvSpPr>
+        <p:spPr bwMode="gray">
+          <a:xfrm>
+            <a:off x="4479700" y="3598223"/>
+            <a:ext cx="1315448" cy="774112"/>
+          </a:xfrm>
+          <a:prstGeom prst="rect">
+            <a:avLst/>
+          </a:prstGeom>
+          <a:ln>
+            <a:headEnd/>
+            <a:tailEnd/>
+          </a:ln>
+        </p:spPr>
+        <p:style>
+          <a:lnRef idx="2">
+            <a:schemeClr val="accent2"/>
+          </a:lnRef>
+          <a:fillRef idx="1">
+            <a:schemeClr val="lt1"/>
+          </a:fillRef>
+          <a:effectRef idx="0">
+            <a:schemeClr val="accent2"/>
+          </a:effectRef>
+          <a:fontRef idx="minor">
+            <a:schemeClr val="dk1"/>
+          </a:fontRef>
+        </p:style>
+        <p:txBody>
+          <a:bodyPr lIns="90000" tIns="72000" rIns="90000" bIns="72000" rtlCol="0" anchor="ctr"/>
+          <a:lstStyle/>
+          <a:p>
+            <a:pPr marR="0" algn="ctr" defTabSz="914400" eaLnBrk="1" fontAlgn="base" latinLnBrk="0" hangingPunct="1">
+              <a:lnSpc>
+                <a:spcPct val="100000"/>
+              </a:lnSpc>
+              <a:spcBef>
+                <a:spcPct val="50000"/>
+              </a:spcBef>
+              <a:spcAft>
+                <a:spcPct val="0"/>
+              </a:spcAft>
+              <a:buClr>
+                <a:srgbClr val="F0AB00"/>
+              </a:buClr>
+              <a:buSzPct val="80000"/>
+              <a:tabLst/>
+            </a:pPr>
+            <a:r>
+              <a:rPr lang="en-US" sz="1800" kern="0" dirty="0">
+                <a:ea typeface="Arial Unicode MS" pitchFamily="34" charset="-128"/>
+                <a:cs typeface="Arial Unicode MS" pitchFamily="34" charset="-128"/>
+              </a:rPr>
+              <a:t>Service</a:t>
+            </a:r>
+            <a:endParaRPr kumimoji="0" lang="en-US" sz="1800" b="0" i="0" u="none" strike="noStrike" kern="0" cap="none" spc="0" normalizeH="0" baseline="0" noProof="0" dirty="0">
+              <a:ln>
+                <a:noFill/>
+              </a:ln>
+              <a:effectLst/>
+              <a:uLnTx/>
+              <a:uFillTx/>
+              <a:ea typeface="Arial Unicode MS" pitchFamily="34" charset="-128"/>
+              <a:cs typeface="Arial Unicode MS" pitchFamily="34" charset="-128"/>
+            </a:endParaRPr>
+          </a:p>
+        </p:txBody>
+      </p:sp>
+      <p:sp>
+        <p:nvSpPr>
+          <p:cNvPr id="12" name="Rectangle 11"/>
+          <p:cNvSpPr/>
+          <p:nvPr/>
+        </p:nvSpPr>
+        <p:spPr bwMode="gray">
+          <a:xfrm>
+            <a:off x="9108965" y="3567880"/>
+            <a:ext cx="1062486" cy="806724"/>
+          </a:xfrm>
+          <a:prstGeom prst="rect">
+            <a:avLst/>
+          </a:prstGeom>
+          <a:ln>
+            <a:headEnd/>
+            <a:tailEnd/>
+          </a:ln>
+        </p:spPr>
+        <p:style>
+          <a:lnRef idx="2">
+            <a:schemeClr val="accent2"/>
+          </a:lnRef>
+          <a:fillRef idx="1">
+            <a:schemeClr val="lt1"/>
+          </a:fillRef>
+          <a:effectRef idx="0">
+            <a:schemeClr val="accent2"/>
+          </a:effectRef>
+          <a:fontRef idx="minor">
+            <a:schemeClr val="dk1"/>
+          </a:fontRef>
+        </p:style>
+        <p:txBody>
+          <a:bodyPr lIns="90000" tIns="72000" rIns="90000" bIns="72000" rtlCol="0" anchor="ctr"/>
+          <a:lstStyle/>
+          <a:p>
+            <a:pPr marR="0" algn="ctr" defTabSz="914400" eaLnBrk="1" fontAlgn="base" latinLnBrk="0" hangingPunct="1">
+              <a:lnSpc>
+                <a:spcPct val="100000"/>
+              </a:lnSpc>
+              <a:spcBef>
+                <a:spcPct val="50000"/>
+              </a:spcBef>
+              <a:spcAft>
+                <a:spcPct val="0"/>
+              </a:spcAft>
+              <a:buClr>
+                <a:srgbClr val="F0AB00"/>
+              </a:buClr>
+              <a:buSzPct val="80000"/>
+              <a:tabLst/>
+            </a:pPr>
+            <a:r>
+              <a:rPr lang="en-US" sz="1800" kern="0" noProof="0" dirty="0">
+                <a:ea typeface="Arial Unicode MS" pitchFamily="34" charset="-128"/>
+                <a:cs typeface="Arial Unicode MS" pitchFamily="34" charset="-128"/>
+              </a:rPr>
+              <a:t>Pod</a:t>
+            </a:r>
+            <a:r>
+              <a:rPr lang="en-US" sz="1800" kern="0" dirty="0">
+                <a:ea typeface="Arial Unicode MS" pitchFamily="34" charset="-128"/>
+                <a:cs typeface="Arial Unicode MS" pitchFamily="34" charset="-128"/>
+              </a:rPr>
+              <a:t> A</a:t>
+            </a:r>
+            <a:endParaRPr kumimoji="0" lang="en-US" sz="1800" b="0" i="0" u="none" strike="noStrike" kern="0" cap="none" spc="0" normalizeH="0" baseline="0" noProof="0" dirty="0">
+              <a:ln>
+                <a:noFill/>
+              </a:ln>
+              <a:effectLst/>
+              <a:uLnTx/>
+              <a:uFillTx/>
+              <a:ea typeface="Arial Unicode MS" pitchFamily="34" charset="-128"/>
+              <a:cs typeface="Arial Unicode MS" pitchFamily="34" charset="-128"/>
+            </a:endParaRPr>
+          </a:p>
+        </p:txBody>
+      </p:sp>
+      <p:cxnSp>
+        <p:nvCxnSpPr>
+          <p:cNvPr id="16" name="Straight Arrow Connector 15"/>
+          <p:cNvCxnSpPr>
+            <a:stCxn id="28" idx="3"/>
+            <a:endCxn id="7" idx="1"/>
+          </p:cNvCxnSpPr>
+          <p:nvPr/>
+        </p:nvCxnSpPr>
+        <p:spPr>
+          <a:xfrm>
+            <a:off x="2760620" y="3228936"/>
+            <a:ext cx="1719080" cy="756343"/>
+          </a:xfrm>
+          <a:prstGeom prst="straightConnector1">
+            <a:avLst/>
+          </a:prstGeom>
+          <a:ln w="38100">
+            <a:solidFill>
+              <a:schemeClr val="tx2">
+                <a:lumMod val="60000"/>
+                <a:lumOff val="40000"/>
+              </a:schemeClr>
+            </a:solidFill>
+            <a:headEnd type="none" w="med" len="med"/>
+            <a:tailEnd type="triangle"/>
+          </a:ln>
+        </p:spPr>
+        <p:style>
+          <a:lnRef idx="1">
+            <a:schemeClr val="accent1"/>
+          </a:lnRef>
+          <a:fillRef idx="0">
+            <a:schemeClr val="accent1"/>
+          </a:fillRef>
+          <a:effectRef idx="0">
+            <a:schemeClr val="accent1"/>
+          </a:effectRef>
+          <a:fontRef idx="minor">
+            <a:schemeClr val="tx1"/>
+          </a:fontRef>
+        </p:style>
+      </p:cxnSp>
+      <p:sp>
+        <p:nvSpPr>
+          <p:cNvPr id="22" name="Rectangle: Single Corner Snipped 21"/>
+          <p:cNvSpPr/>
+          <p:nvPr/>
+        </p:nvSpPr>
+        <p:spPr bwMode="gray">
+          <a:xfrm>
+            <a:off x="6667860" y="5016889"/>
+            <a:ext cx="2322768" cy="1438976"/>
+          </a:xfrm>
+          <a:prstGeom prst="snip1Rect">
+            <a:avLst/>
+          </a:prstGeom>
+          <a:ln>
+            <a:headEnd/>
+            <a:tailEnd/>
+          </a:ln>
+        </p:spPr>
+        <p:style>
+          <a:lnRef idx="2">
+            <a:schemeClr val="accent2"/>
+          </a:lnRef>
+          <a:fillRef idx="1">
+            <a:schemeClr val="lt1"/>
+          </a:fillRef>
+          <a:effectRef idx="0">
+            <a:schemeClr val="accent2"/>
+          </a:effectRef>
+          <a:fontRef idx="minor">
+            <a:schemeClr val="dk1"/>
+          </a:fontRef>
+        </p:style>
+        <p:txBody>
+          <a:bodyPr lIns="90000" tIns="72000" rIns="90000" bIns="72000" rtlCol="0" anchor="ctr"/>
+          <a:lstStyle/>
+          <a:p>
+            <a:pPr marR="0" algn="ctr" defTabSz="914400" eaLnBrk="1" fontAlgn="base" latinLnBrk="0" hangingPunct="1">
+              <a:lnSpc>
+                <a:spcPct val="100000"/>
+              </a:lnSpc>
+              <a:spcBef>
+                <a:spcPct val="50000"/>
+              </a:spcBef>
+              <a:spcAft>
+                <a:spcPct val="0"/>
+              </a:spcAft>
+              <a:buClr>
+                <a:srgbClr val="F0AB00"/>
+              </a:buClr>
+              <a:buSzPct val="80000"/>
+              <a:tabLst/>
+            </a:pPr>
+            <a:r>
+              <a:rPr lang="en-US" sz="1800" kern="0" dirty="0">
+                <a:ea typeface="Arial Unicode MS" pitchFamily="34" charset="-128"/>
+                <a:cs typeface="Arial Unicode MS" pitchFamily="34" charset="-128"/>
+              </a:rPr>
+              <a:t>Network Policy</a:t>
+            </a:r>
+            <a:endParaRPr kumimoji="0" lang="en-US" sz="1800" b="0" i="0" u="none" strike="noStrike" kern="0" cap="none" spc="0" normalizeH="0" baseline="0" noProof="0" dirty="0">
+              <a:ln>
+                <a:noFill/>
+              </a:ln>
+              <a:effectLst/>
+              <a:uLnTx/>
+              <a:uFillTx/>
+              <a:ea typeface="Arial Unicode MS" pitchFamily="34" charset="-128"/>
+              <a:cs typeface="Arial Unicode MS" pitchFamily="34" charset="-128"/>
+            </a:endParaRPr>
+          </a:p>
+        </p:txBody>
+      </p:sp>
+      <p:cxnSp>
+        <p:nvCxnSpPr>
+          <p:cNvPr id="24" name="Straight Arrow Connector 23"/>
+          <p:cNvCxnSpPr>
+            <a:stCxn id="22" idx="3"/>
+          </p:cNvCxnSpPr>
+          <p:nvPr/>
+        </p:nvCxnSpPr>
+        <p:spPr>
+          <a:xfrm flipV="1">
+            <a:off x="7829244" y="4071790"/>
+            <a:ext cx="0" cy="945099"/>
+          </a:xfrm>
+          <a:prstGeom prst="straightConnector1">
+            <a:avLst/>
+          </a:prstGeom>
+          <a:ln w="38100">
+            <a:solidFill>
+              <a:schemeClr val="tx2">
+                <a:lumMod val="60000"/>
+                <a:lumOff val="40000"/>
+              </a:schemeClr>
+            </a:solidFill>
+            <a:headEnd type="none" w="med" len="med"/>
+            <a:tailEnd type="triangle"/>
+          </a:ln>
+        </p:spPr>
+        <p:style>
+          <a:lnRef idx="1">
+            <a:schemeClr val="accent1"/>
+          </a:lnRef>
+          <a:fillRef idx="0">
+            <a:schemeClr val="accent1"/>
+          </a:fillRef>
+          <a:effectRef idx="0">
+            <a:schemeClr val="accent1"/>
+          </a:effectRef>
+          <a:fontRef idx="minor">
+            <a:schemeClr val="tx1"/>
+          </a:fontRef>
+        </p:style>
+      </p:cxnSp>
+      <p:cxnSp>
+        <p:nvCxnSpPr>
+          <p:cNvPr id="27" name="Straight Arrow Connector 26"/>
+          <p:cNvCxnSpPr>
+            <a:stCxn id="7" idx="3"/>
+            <a:endCxn id="12" idx="1"/>
+          </p:cNvCxnSpPr>
+          <p:nvPr/>
+        </p:nvCxnSpPr>
+        <p:spPr>
+          <a:xfrm flipV="1">
+            <a:off x="5795148" y="3971242"/>
+            <a:ext cx="3313817" cy="14037"/>
+          </a:xfrm>
+          <a:prstGeom prst="straightConnector1">
+            <a:avLst/>
+          </a:prstGeom>
+          <a:ln w="38100">
+            <a:solidFill>
+              <a:schemeClr val="tx2">
+                <a:lumMod val="60000"/>
+                <a:lumOff val="40000"/>
+              </a:schemeClr>
+            </a:solidFill>
+            <a:headEnd type="none" w="med" len="med"/>
+            <a:tailEnd type="triangle"/>
+          </a:ln>
+        </p:spPr>
+        <p:style>
+          <a:lnRef idx="1">
+            <a:schemeClr val="accent1"/>
+          </a:lnRef>
+          <a:fillRef idx="0">
+            <a:schemeClr val="accent1"/>
+          </a:fillRef>
+          <a:effectRef idx="0">
+            <a:schemeClr val="accent1"/>
+          </a:effectRef>
+          <a:fontRef idx="minor">
+            <a:schemeClr val="tx1"/>
+          </a:fontRef>
+        </p:style>
+      </p:cxnSp>
+      <p:sp>
+        <p:nvSpPr>
+          <p:cNvPr id="36" name="Lightning Bolt 35"/>
+          <p:cNvSpPr/>
+          <p:nvPr/>
+        </p:nvSpPr>
+        <p:spPr bwMode="gray">
+          <a:xfrm>
+            <a:off x="7381964" y="4071790"/>
+            <a:ext cx="303473" cy="499599"/>
+          </a:xfrm>
+          <a:prstGeom prst="lightningBolt">
+            <a:avLst/>
+          </a:prstGeom>
+          <a:ln>
+            <a:headEnd/>
+            <a:tailEnd/>
+          </a:ln>
+        </p:spPr>
+        <p:style>
+          <a:lnRef idx="2">
+            <a:schemeClr val="accent5">
+              <a:shade val="50000"/>
+            </a:schemeClr>
+          </a:lnRef>
+          <a:fillRef idx="1">
+            <a:schemeClr val="accent5"/>
+          </a:fillRef>
+          <a:effectRef idx="0">
+            <a:schemeClr val="accent5"/>
+          </a:effectRef>
+          <a:fontRef idx="minor">
+            <a:schemeClr val="lt1"/>
+          </a:fontRef>
+        </p:style>
+        <p:txBody>
+          <a:bodyPr lIns="90000" tIns="72000" rIns="90000" bIns="72000" rtlCol="0" anchor="ctr"/>
+          <a:lstStyle/>
+          <a:p>
+            <a:pPr marR="0" algn="ctr" defTabSz="914400" eaLnBrk="1" fontAlgn="base" latinLnBrk="0" hangingPunct="1">
+              <a:lnSpc>
+                <a:spcPct val="100000"/>
+              </a:lnSpc>
+              <a:spcBef>
+                <a:spcPct val="50000"/>
+              </a:spcBef>
+              <a:spcAft>
+                <a:spcPct val="0"/>
+              </a:spcAft>
+              <a:buClr>
+                <a:srgbClr val="F0AB00"/>
+              </a:buClr>
+              <a:buSzPct val="80000"/>
+              <a:tabLst/>
+            </a:pPr>
+            <a:endParaRPr kumimoji="0" lang="en-US" sz="1800" b="0" i="0" u="none" strike="noStrike" kern="0" cap="none" spc="0" normalizeH="0" baseline="0" noProof="0" dirty="0" err="1">
+              <a:ln>
+                <a:noFill/>
+              </a:ln>
+              <a:effectLst/>
+              <a:uLnTx/>
+              <a:uFillTx/>
+              <a:ea typeface="Arial Unicode MS" pitchFamily="34" charset="-128"/>
+              <a:cs typeface="Arial Unicode MS" pitchFamily="34" charset="-128"/>
+            </a:endParaRPr>
+          </a:p>
+        </p:txBody>
+      </p:sp>
+      <p:sp>
+        <p:nvSpPr>
+          <p:cNvPr id="28" name="Rectangle 27"/>
+          <p:cNvSpPr/>
+          <p:nvPr/>
+        </p:nvSpPr>
+        <p:spPr bwMode="gray">
+          <a:xfrm>
+            <a:off x="1698134" y="2825574"/>
+            <a:ext cx="1062486" cy="806724"/>
+          </a:xfrm>
+          <a:prstGeom prst="rect">
+            <a:avLst/>
+          </a:prstGeom>
+          <a:ln>
+            <a:headEnd/>
+            <a:tailEnd/>
+          </a:ln>
+        </p:spPr>
+        <p:style>
+          <a:lnRef idx="2">
+            <a:schemeClr val="accent2"/>
+          </a:lnRef>
+          <a:fillRef idx="1">
+            <a:schemeClr val="lt1"/>
+          </a:fillRef>
+          <a:effectRef idx="0">
+            <a:schemeClr val="accent2"/>
+          </a:effectRef>
+          <a:fontRef idx="minor">
+            <a:schemeClr val="dk1"/>
+          </a:fontRef>
+        </p:style>
+        <p:txBody>
+          <a:bodyPr lIns="90000" tIns="72000" rIns="90000" bIns="72000" rtlCol="0" anchor="ctr"/>
+          <a:lstStyle/>
+          <a:p>
+            <a:pPr marR="0" algn="ctr" defTabSz="914400" eaLnBrk="1" fontAlgn="base" latinLnBrk="0" hangingPunct="1">
+              <a:lnSpc>
+                <a:spcPct val="100000"/>
+              </a:lnSpc>
+              <a:spcBef>
+                <a:spcPct val="50000"/>
+              </a:spcBef>
+              <a:spcAft>
+                <a:spcPct val="0"/>
+              </a:spcAft>
+              <a:buClr>
+                <a:srgbClr val="F0AB00"/>
+              </a:buClr>
+              <a:buSzPct val="80000"/>
+              <a:tabLst/>
+            </a:pPr>
+            <a:r>
+              <a:rPr lang="en-US" sz="1800" kern="0" noProof="0" dirty="0">
+                <a:ea typeface="Arial Unicode MS" pitchFamily="34" charset="-128"/>
+                <a:cs typeface="Arial Unicode MS" pitchFamily="34" charset="-128"/>
+              </a:rPr>
+              <a:t>Pod</a:t>
+            </a:r>
+            <a:r>
+              <a:rPr lang="en-US" sz="1800" kern="0" dirty="0">
+                <a:ea typeface="Arial Unicode MS" pitchFamily="34" charset="-128"/>
+                <a:cs typeface="Arial Unicode MS" pitchFamily="34" charset="-128"/>
+              </a:rPr>
+              <a:t> A</a:t>
+            </a:r>
+            <a:endParaRPr kumimoji="0" lang="en-US" sz="1800" b="0" i="0" u="none" strike="noStrike" kern="0" cap="none" spc="0" normalizeH="0" baseline="0" noProof="0" dirty="0">
+              <a:ln>
+                <a:noFill/>
+              </a:ln>
+              <a:effectLst/>
+              <a:uLnTx/>
+              <a:uFillTx/>
+              <a:ea typeface="Arial Unicode MS" pitchFamily="34" charset="-128"/>
+              <a:cs typeface="Arial Unicode MS" pitchFamily="34" charset="-128"/>
+            </a:endParaRPr>
+          </a:p>
+        </p:txBody>
+      </p:sp>
+      <p:sp>
+        <p:nvSpPr>
+          <p:cNvPr id="29" name="Rectangle 28"/>
+          <p:cNvSpPr/>
+          <p:nvPr/>
+        </p:nvSpPr>
+        <p:spPr bwMode="gray">
+          <a:xfrm>
+            <a:off x="1698134" y="4488940"/>
+            <a:ext cx="1062486" cy="806724"/>
+          </a:xfrm>
+          <a:prstGeom prst="rect">
+            <a:avLst/>
+          </a:prstGeom>
+          <a:ln>
+            <a:headEnd/>
+            <a:tailEnd/>
+          </a:ln>
+        </p:spPr>
+        <p:style>
+          <a:lnRef idx="2">
+            <a:schemeClr val="accent2"/>
+          </a:lnRef>
+          <a:fillRef idx="1">
+            <a:schemeClr val="lt1"/>
+          </a:fillRef>
+          <a:effectRef idx="0">
+            <a:schemeClr val="accent2"/>
+          </a:effectRef>
+          <a:fontRef idx="minor">
+            <a:schemeClr val="dk1"/>
+          </a:fontRef>
+        </p:style>
+        <p:txBody>
+          <a:bodyPr lIns="90000" tIns="72000" rIns="90000" bIns="72000" rtlCol="0" anchor="ctr"/>
+          <a:lstStyle/>
+          <a:p>
+            <a:pPr marR="0" algn="ctr" defTabSz="914400" eaLnBrk="1" fontAlgn="base" latinLnBrk="0" hangingPunct="1">
+              <a:lnSpc>
+                <a:spcPct val="100000"/>
+              </a:lnSpc>
+              <a:spcBef>
+                <a:spcPct val="50000"/>
+              </a:spcBef>
+              <a:spcAft>
+                <a:spcPct val="0"/>
+              </a:spcAft>
+              <a:buClr>
+                <a:srgbClr val="F0AB00"/>
+              </a:buClr>
+              <a:buSzPct val="80000"/>
+              <a:tabLst/>
+            </a:pPr>
+            <a:r>
+              <a:rPr lang="en-US" sz="1800" kern="0" noProof="0" dirty="0">
+                <a:ea typeface="Arial Unicode MS" pitchFamily="34" charset="-128"/>
+                <a:cs typeface="Arial Unicode MS" pitchFamily="34" charset="-128"/>
+              </a:rPr>
+              <a:t>Pod</a:t>
+            </a:r>
+            <a:r>
+              <a:rPr lang="en-US" sz="1800" kern="0" dirty="0">
+                <a:ea typeface="Arial Unicode MS" pitchFamily="34" charset="-128"/>
+                <a:cs typeface="Arial Unicode MS" pitchFamily="34" charset="-128"/>
+              </a:rPr>
+              <a:t> A</a:t>
+            </a:r>
+            <a:endParaRPr kumimoji="0" lang="en-US" sz="1800" b="0" i="0" u="none" strike="noStrike" kern="0" cap="none" spc="0" normalizeH="0" baseline="0" noProof="0" dirty="0">
+              <a:ln>
+                <a:noFill/>
+              </a:ln>
+              <a:effectLst/>
+              <a:uLnTx/>
+              <a:uFillTx/>
+              <a:ea typeface="Arial Unicode MS" pitchFamily="34" charset="-128"/>
+              <a:cs typeface="Arial Unicode MS" pitchFamily="34" charset="-128"/>
+            </a:endParaRPr>
+          </a:p>
+        </p:txBody>
+      </p:sp>
+      <p:cxnSp>
+        <p:nvCxnSpPr>
+          <p:cNvPr id="30" name="Straight Arrow Connector 29"/>
+          <p:cNvCxnSpPr>
+            <a:stCxn id="29" idx="3"/>
+            <a:endCxn id="7" idx="1"/>
+          </p:cNvCxnSpPr>
+          <p:nvPr/>
+        </p:nvCxnSpPr>
+        <p:spPr>
+          <a:xfrm flipV="1">
+            <a:off x="2760620" y="3985279"/>
+            <a:ext cx="1719080" cy="907023"/>
+          </a:xfrm>
+          <a:prstGeom prst="straightConnector1">
+            <a:avLst/>
+          </a:prstGeom>
+          <a:ln w="38100">
+            <a:solidFill>
+              <a:schemeClr val="accent5"/>
+            </a:solidFill>
+            <a:headEnd type="none" w="med" len="med"/>
+            <a:tailEnd type="triangle"/>
+          </a:ln>
+        </p:spPr>
+        <p:style>
+          <a:lnRef idx="1">
+            <a:schemeClr val="accent1"/>
+          </a:lnRef>
+          <a:fillRef idx="0">
+            <a:schemeClr val="accent1"/>
+          </a:fillRef>
+          <a:effectRef idx="0">
+            <a:schemeClr val="accent1"/>
+          </a:effectRef>
+          <a:fontRef idx="minor">
+            <a:schemeClr val="tx1"/>
+          </a:fontRef>
+        </p:style>
+      </p:cxnSp>
+      <p:sp>
+        <p:nvSpPr>
+          <p:cNvPr id="39" name="Flowchart: Document 38"/>
+          <p:cNvSpPr/>
+          <p:nvPr/>
+        </p:nvSpPr>
+        <p:spPr bwMode="gray">
+          <a:xfrm>
+            <a:off x="8133625" y="4782370"/>
+            <a:ext cx="1506583" cy="766354"/>
+          </a:xfrm>
+          <a:prstGeom prst="flowChartDocument">
+            <a:avLst/>
+          </a:prstGeom>
+          <a:ln>
+            <a:headEnd/>
+            <a:tailEnd/>
+          </a:ln>
+        </p:spPr>
+        <p:style>
+          <a:lnRef idx="2">
+            <a:schemeClr val="accent5"/>
+          </a:lnRef>
+          <a:fillRef idx="1">
+            <a:schemeClr val="lt1"/>
+          </a:fillRef>
+          <a:effectRef idx="0">
+            <a:schemeClr val="accent5"/>
+          </a:effectRef>
+          <a:fontRef idx="minor">
+            <a:schemeClr val="dk1"/>
+          </a:fontRef>
+        </p:style>
+        <p:txBody>
+          <a:bodyPr lIns="90000" tIns="72000" rIns="90000" bIns="72000" rtlCol="0" anchor="ctr"/>
+          <a:lstStyle/>
+          <a:p>
+            <a:pPr algn="ctr" defTabSz="914400" fontAlgn="base">
+              <a:spcBef>
+                <a:spcPct val="50000"/>
+              </a:spcBef>
+              <a:spcAft>
+                <a:spcPct val="0"/>
+              </a:spcAft>
+              <a:buClr>
+                <a:srgbClr val="F0AB00"/>
+              </a:buClr>
+              <a:buSzPct val="80000"/>
+            </a:pPr>
+            <a:r>
+              <a:rPr lang="en-US" sz="1800" kern="0" dirty="0">
+                <a:ea typeface="Arial Unicode MS" pitchFamily="34" charset="-128"/>
+                <a:cs typeface="Arial Unicode MS" pitchFamily="34" charset="-128"/>
+              </a:rPr>
+              <a:t>Selector: app: </a:t>
+            </a:r>
+            <a:r>
+              <a:rPr lang="en-US" sz="1800" kern="0" dirty="0" err="1">
+                <a:ea typeface="Arial Unicode MS" pitchFamily="34" charset="-128"/>
+                <a:cs typeface="Arial Unicode MS" pitchFamily="34" charset="-128"/>
+              </a:rPr>
+              <a:t>nginx</a:t>
+            </a:r>
+            <a:endParaRPr lang="en-US" sz="1800" kern="0" dirty="0">
+              <a:ea typeface="Arial Unicode MS" pitchFamily="34" charset="-128"/>
+              <a:cs typeface="Arial Unicode MS" pitchFamily="34" charset="-128"/>
+            </a:endParaRPr>
+          </a:p>
+        </p:txBody>
+      </p:sp>
+      <p:sp>
+        <p:nvSpPr>
+          <p:cNvPr id="49" name="Rectangle 48"/>
+          <p:cNvSpPr/>
+          <p:nvPr/>
+        </p:nvSpPr>
+        <p:spPr bwMode="gray">
+          <a:xfrm>
+            <a:off x="9522959" y="3385000"/>
+            <a:ext cx="1645920" cy="365760"/>
+          </a:xfrm>
+          <a:prstGeom prst="rect">
+            <a:avLst/>
+          </a:prstGeom>
+          <a:ln>
+            <a:headEnd/>
+            <a:tailEnd/>
+          </a:ln>
+        </p:spPr>
+        <p:style>
+          <a:lnRef idx="2">
+            <a:schemeClr val="accent2"/>
+          </a:lnRef>
+          <a:fillRef idx="1">
+            <a:schemeClr val="lt1"/>
+          </a:fillRef>
+          <a:effectRef idx="0">
+            <a:schemeClr val="accent2"/>
+          </a:effectRef>
+          <a:fontRef idx="minor">
+            <a:schemeClr val="dk1"/>
+          </a:fontRef>
+        </p:style>
+        <p:txBody>
+          <a:bodyPr lIns="90000" tIns="72000" rIns="90000" bIns="72000" rtlCol="0" anchor="ctr"/>
+          <a:lstStyle/>
+          <a:p>
+            <a:pPr marR="0" algn="ctr" defTabSz="914400" eaLnBrk="1" fontAlgn="base" latinLnBrk="0" hangingPunct="1">
+              <a:lnSpc>
+                <a:spcPct val="100000"/>
+              </a:lnSpc>
+              <a:spcBef>
+                <a:spcPct val="50000"/>
+              </a:spcBef>
+              <a:spcAft>
+                <a:spcPct val="0"/>
+              </a:spcAft>
+              <a:buClr>
+                <a:srgbClr val="F0AB00"/>
+              </a:buClr>
+              <a:buSzPct val="80000"/>
+              <a:tabLst/>
+            </a:pPr>
+            <a:r>
+              <a:rPr lang="de-DE" sz="1800" kern="0" dirty="0" err="1">
+                <a:ea typeface="Arial Unicode MS" pitchFamily="34" charset="-128"/>
+                <a:cs typeface="Arial Unicode MS" pitchFamily="34" charset="-128"/>
+              </a:rPr>
+              <a:t>app</a:t>
+            </a:r>
+            <a:r>
+              <a:rPr lang="de-DE" sz="1800" kern="0" dirty="0">
+                <a:ea typeface="Arial Unicode MS" pitchFamily="34" charset="-128"/>
+                <a:cs typeface="Arial Unicode MS" pitchFamily="34" charset="-128"/>
+              </a:rPr>
+              <a:t>: </a:t>
+            </a:r>
+            <a:r>
+              <a:rPr lang="de-DE" sz="1800" kern="0" dirty="0" err="1">
+                <a:ea typeface="Arial Unicode MS" pitchFamily="34" charset="-128"/>
+                <a:cs typeface="Arial Unicode MS" pitchFamily="34" charset="-128"/>
+              </a:rPr>
+              <a:t>nginx</a:t>
+            </a:r>
+            <a:endParaRPr kumimoji="0" lang="de-DE" sz="1800" b="0" i="0" u="none" strike="noStrike" kern="0" cap="none" spc="0" normalizeH="0" baseline="0" noProof="0" dirty="0">
+              <a:ln>
+                <a:noFill/>
+              </a:ln>
+              <a:effectLst/>
+              <a:uLnTx/>
+              <a:uFillTx/>
+              <a:ea typeface="Arial Unicode MS" pitchFamily="34" charset="-128"/>
+              <a:cs typeface="Arial Unicode MS" pitchFamily="34" charset="-128"/>
+            </a:endParaRPr>
+          </a:p>
+        </p:txBody>
+      </p:sp>
+      <p:sp>
+        <p:nvSpPr>
+          <p:cNvPr id="50" name="Flowchart: Document 49"/>
+          <p:cNvSpPr/>
+          <p:nvPr/>
+        </p:nvSpPr>
+        <p:spPr bwMode="gray">
+          <a:xfrm>
+            <a:off x="5986539" y="4718721"/>
+            <a:ext cx="1506583" cy="766354"/>
+          </a:xfrm>
+          <a:prstGeom prst="flowChartDocument">
+            <a:avLst/>
+          </a:prstGeom>
+          <a:ln>
+            <a:headEnd/>
+            <a:tailEnd/>
+          </a:ln>
+        </p:spPr>
+        <p:style>
+          <a:lnRef idx="2">
+            <a:schemeClr val="accent5"/>
+          </a:lnRef>
+          <a:fillRef idx="1">
+            <a:schemeClr val="lt1"/>
+          </a:fillRef>
+          <a:effectRef idx="0">
+            <a:schemeClr val="accent5"/>
+          </a:effectRef>
+          <a:fontRef idx="minor">
+            <a:schemeClr val="dk1"/>
+          </a:fontRef>
+        </p:style>
+        <p:txBody>
+          <a:bodyPr lIns="90000" tIns="72000" rIns="90000" bIns="72000" rtlCol="0" anchor="ctr"/>
+          <a:lstStyle/>
+          <a:p>
+            <a:pPr algn="ctr" defTabSz="914400" fontAlgn="base">
+              <a:spcBef>
+                <a:spcPct val="50000"/>
+              </a:spcBef>
+              <a:spcAft>
+                <a:spcPct val="0"/>
+              </a:spcAft>
+              <a:buClr>
+                <a:srgbClr val="F0AB00"/>
+              </a:buClr>
+              <a:buSzPct val="80000"/>
+            </a:pPr>
+            <a:r>
+              <a:rPr lang="en-US" sz="1800" kern="0" dirty="0">
+                <a:ea typeface="Arial Unicode MS" pitchFamily="34" charset="-128"/>
+                <a:cs typeface="Arial Unicode MS" pitchFamily="34" charset="-128"/>
+              </a:rPr>
+              <a:t>Selector: access: ok</a:t>
+            </a:r>
+          </a:p>
+        </p:txBody>
+      </p:sp>
+      <p:sp>
+        <p:nvSpPr>
+          <p:cNvPr id="51" name="Rectangle 50"/>
+          <p:cNvSpPr/>
+          <p:nvPr/>
+        </p:nvSpPr>
+        <p:spPr bwMode="gray">
+          <a:xfrm>
+            <a:off x="2229377" y="2574739"/>
+            <a:ext cx="1645920" cy="365760"/>
+          </a:xfrm>
+          <a:prstGeom prst="rect">
+            <a:avLst/>
+          </a:prstGeom>
+          <a:ln>
+            <a:headEnd/>
+            <a:tailEnd/>
+          </a:ln>
+        </p:spPr>
+        <p:style>
+          <a:lnRef idx="2">
+            <a:schemeClr val="accent2"/>
+          </a:lnRef>
+          <a:fillRef idx="1">
+            <a:schemeClr val="lt1"/>
+          </a:fillRef>
+          <a:effectRef idx="0">
+            <a:schemeClr val="accent2"/>
+          </a:effectRef>
+          <a:fontRef idx="minor">
+            <a:schemeClr val="dk1"/>
+          </a:fontRef>
+        </p:style>
+        <p:txBody>
+          <a:bodyPr lIns="90000" tIns="72000" rIns="90000" bIns="72000" rtlCol="0" anchor="ctr"/>
+          <a:lstStyle/>
+          <a:p>
+            <a:pPr marR="0" algn="ctr" defTabSz="914400" eaLnBrk="1" fontAlgn="base" latinLnBrk="0" hangingPunct="1">
+              <a:lnSpc>
+                <a:spcPct val="100000"/>
+              </a:lnSpc>
+              <a:spcBef>
+                <a:spcPct val="50000"/>
+              </a:spcBef>
+              <a:spcAft>
+                <a:spcPct val="0"/>
+              </a:spcAft>
+              <a:buClr>
+                <a:srgbClr val="F0AB00"/>
+              </a:buClr>
+              <a:buSzPct val="80000"/>
+              <a:tabLst/>
+            </a:pPr>
+            <a:r>
+              <a:rPr lang="de-DE" sz="1800" kern="0" dirty="0" err="1">
+                <a:ea typeface="Arial Unicode MS" pitchFamily="34" charset="-128"/>
+                <a:cs typeface="Arial Unicode MS" pitchFamily="34" charset="-128"/>
+              </a:rPr>
+              <a:t>access</a:t>
+            </a:r>
+            <a:r>
+              <a:rPr lang="de-DE" sz="1800" kern="0" dirty="0">
+                <a:ea typeface="Arial Unicode MS" pitchFamily="34" charset="-128"/>
+                <a:cs typeface="Arial Unicode MS" pitchFamily="34" charset="-128"/>
+              </a:rPr>
+              <a:t>: ok</a:t>
+            </a:r>
+            <a:endParaRPr kumimoji="0" lang="de-DE" sz="1800" b="0" i="0" u="none" strike="noStrike" kern="0" cap="none" spc="0" normalizeH="0" baseline="0" noProof="0" dirty="0">
+              <a:ln>
+                <a:noFill/>
+              </a:ln>
+              <a:effectLst/>
+              <a:uLnTx/>
+              <a:uFillTx/>
+              <a:ea typeface="Arial Unicode MS" pitchFamily="34" charset="-128"/>
+              <a:cs typeface="Arial Unicode MS" pitchFamily="34" charset="-128"/>
+            </a:endParaRPr>
+          </a:p>
+        </p:txBody>
+      </p:sp>
+      <p:sp>
+        <p:nvSpPr>
+          <p:cNvPr id="52" name="Rectangle 51"/>
+          <p:cNvSpPr/>
+          <p:nvPr/>
+        </p:nvSpPr>
+        <p:spPr bwMode="gray">
+          <a:xfrm>
+            <a:off x="2351297" y="5119315"/>
+            <a:ext cx="1645920" cy="365760"/>
+          </a:xfrm>
+          <a:prstGeom prst="rect">
+            <a:avLst/>
+          </a:prstGeom>
+          <a:ln>
+            <a:headEnd/>
+            <a:tailEnd/>
+          </a:ln>
+        </p:spPr>
+        <p:style>
+          <a:lnRef idx="2">
+            <a:schemeClr val="accent2"/>
+          </a:lnRef>
+          <a:fillRef idx="1">
+            <a:schemeClr val="lt1"/>
+          </a:fillRef>
+          <a:effectRef idx="0">
+            <a:schemeClr val="accent2"/>
+          </a:effectRef>
+          <a:fontRef idx="minor">
+            <a:schemeClr val="dk1"/>
+          </a:fontRef>
+        </p:style>
+        <p:txBody>
+          <a:bodyPr lIns="90000" tIns="72000" rIns="90000" bIns="72000" rtlCol="0" anchor="ctr"/>
+          <a:lstStyle/>
+          <a:p>
+            <a:pPr marR="0" algn="ctr" defTabSz="914400" eaLnBrk="1" fontAlgn="base" latinLnBrk="0" hangingPunct="1">
+              <a:lnSpc>
+                <a:spcPct val="100000"/>
+              </a:lnSpc>
+              <a:spcBef>
+                <a:spcPct val="50000"/>
+              </a:spcBef>
+              <a:spcAft>
+                <a:spcPct val="0"/>
+              </a:spcAft>
+              <a:buClr>
+                <a:srgbClr val="F0AB00"/>
+              </a:buClr>
+              <a:buSzPct val="80000"/>
+              <a:tabLst/>
+            </a:pPr>
+            <a:r>
+              <a:rPr lang="de-DE" sz="1800" kern="0" dirty="0" err="1">
+                <a:ea typeface="Arial Unicode MS" pitchFamily="34" charset="-128"/>
+                <a:cs typeface="Arial Unicode MS" pitchFamily="34" charset="-128"/>
+              </a:rPr>
+              <a:t>access</a:t>
+            </a:r>
+            <a:r>
+              <a:rPr lang="de-DE" sz="1800" kern="0" dirty="0">
+                <a:ea typeface="Arial Unicode MS" pitchFamily="34" charset="-128"/>
+                <a:cs typeface="Arial Unicode MS" pitchFamily="34" charset="-128"/>
+              </a:rPr>
+              <a:t>: not ok</a:t>
+            </a:r>
+            <a:endParaRPr kumimoji="0" lang="de-DE" sz="1800" b="0" i="0" u="none" strike="noStrike" kern="0" cap="none" spc="0" normalizeH="0" baseline="0" noProof="0" dirty="0">
+              <a:ln>
+                <a:noFill/>
+              </a:ln>
+              <a:effectLst/>
+              <a:uLnTx/>
+              <a:uFillTx/>
+              <a:ea typeface="Arial Unicode MS" pitchFamily="34" charset="-128"/>
+              <a:cs typeface="Arial Unicode MS" pitchFamily="34" charset="-128"/>
+            </a:endParaRPr>
+          </a:p>
+        </p:txBody>
+      </p:sp>
+    </p:spTree>
+    <p:extLst>
+      <p:ext uri="{BB962C8B-B14F-4D97-AF65-F5344CB8AC3E}">
+        <p14:creationId xmlns:p14="http://schemas.microsoft.com/office/powerpoint/2010/main" val="4084543091"/>
+      </p:ext>
+    </p:extLst>
+  </p:cSld>
+  <p:clrMapOvr>
+    <a:masterClrMapping/>
+  </p:clrMapOvr>
+</p:sld>
+</file>
+
+<file path=ppt/slides/slide11.xml><?xml version="1.0" encoding="utf-8"?>
 <p:sld xmlns:a="http://schemas.openxmlformats.org/drawingml/2006/main" xmlns:r="http://schemas.openxmlformats.org/officeDocument/2006/relationships" xmlns:p="http://schemas.openxmlformats.org/presentationml/2006/main" show="0">
   <p:cSld>
     <p:spTree>
@@ -15062,7 +16270,7 @@
 </p:sld>
 </file>
 
-<file path=ppt/slides/slide11.xml><?xml version="1.0" encoding="utf-8"?>
+<file path=ppt/slides/slide12.xml><?xml version="1.0" encoding="utf-8"?>
 <p:sld xmlns:a="http://schemas.openxmlformats.org/drawingml/2006/main" xmlns:r="http://schemas.openxmlformats.org/officeDocument/2006/relationships" xmlns:p="http://schemas.openxmlformats.org/presentationml/2006/main">
   <p:cSld>
     <p:spTree>
@@ -16282,7 +17490,7 @@
 </p:sld>
 </file>
 
-<file path=ppt/slides/slide12.xml><?xml version="1.0" encoding="utf-8"?>
+<file path=ppt/slides/slide13.xml><?xml version="1.0" encoding="utf-8"?>
 <p:sld xmlns:a="http://schemas.openxmlformats.org/drawingml/2006/main" xmlns:r="http://schemas.openxmlformats.org/officeDocument/2006/relationships" xmlns:p="http://schemas.openxmlformats.org/presentationml/2006/main">
   <p:cSld>
     <p:spTree>
@@ -17387,7 +18595,7 @@
 </p:sld>
 </file>
 
-<file path=ppt/slides/slide13.xml><?xml version="1.0" encoding="utf-8"?>
+<file path=ppt/slides/slide14.xml><?xml version="1.0" encoding="utf-8"?>
 <p:sld xmlns:a="http://schemas.openxmlformats.org/drawingml/2006/main" xmlns:r="http://schemas.openxmlformats.org/officeDocument/2006/relationships" xmlns:p="http://schemas.openxmlformats.org/presentationml/2006/main">
   <p:cSld>
     <p:spTree>
@@ -17959,7 +19167,7 @@
 </p:sld>
 </file>
 
-<file path=ppt/slides/slide14.xml><?xml version="1.0" encoding="utf-8"?>
+<file path=ppt/slides/slide15.xml><?xml version="1.0" encoding="utf-8"?>
 <p:sld xmlns:a="http://schemas.openxmlformats.org/drawingml/2006/main" xmlns:r="http://schemas.openxmlformats.org/officeDocument/2006/relationships" xmlns:p="http://schemas.openxmlformats.org/presentationml/2006/main" show="0">
   <p:cSld>
     <p:spTree>
@@ -19683,6 +20891,1339 @@
           <a:p>
             <a:r>
               <a:rPr lang="en-US" dirty="0"/>
+              <a:t>Image Pulling</a:t>
+            </a:r>
+          </a:p>
+        </p:txBody>
+      </p:sp>
+      <p:grpSp>
+        <p:nvGrpSpPr>
+          <p:cNvPr id="13" name="Group 12"/>
+          <p:cNvGrpSpPr/>
+          <p:nvPr/>
+        </p:nvGrpSpPr>
+        <p:grpSpPr>
+          <a:xfrm>
+            <a:off x="4245927" y="1893570"/>
+            <a:ext cx="3703320" cy="3070860"/>
+            <a:chOff x="4359564" y="2183247"/>
+            <a:chExt cx="3703320" cy="3070860"/>
+          </a:xfrm>
+        </p:grpSpPr>
+        <p:sp>
+          <p:nvSpPr>
+            <p:cNvPr id="4" name="Rectangle 3"/>
+            <p:cNvSpPr/>
+            <p:nvPr/>
+          </p:nvSpPr>
+          <p:spPr bwMode="gray">
+            <a:xfrm>
+              <a:off x="4359564" y="2183247"/>
+              <a:ext cx="3703320" cy="3070860"/>
+            </a:xfrm>
+            <a:prstGeom prst="rect">
+              <a:avLst/>
+            </a:prstGeom>
+            <a:ln>
+              <a:headEnd/>
+              <a:tailEnd/>
+            </a:ln>
+          </p:spPr>
+          <p:style>
+            <a:lnRef idx="1">
+              <a:schemeClr val="accent2"/>
+            </a:lnRef>
+            <a:fillRef idx="2">
+              <a:schemeClr val="accent2"/>
+            </a:fillRef>
+            <a:effectRef idx="1">
+              <a:schemeClr val="accent2"/>
+            </a:effectRef>
+            <a:fontRef idx="minor">
+              <a:schemeClr val="dk1"/>
+            </a:fontRef>
+          </p:style>
+          <p:txBody>
+            <a:bodyPr lIns="90000" tIns="72000" rIns="90000" bIns="72000" rtlCol="0" anchor="t"/>
+            <a:lstStyle/>
+            <a:p>
+              <a:pPr algn="ctr" defTabSz="914400" fontAlgn="base">
+                <a:spcBef>
+                  <a:spcPct val="50000"/>
+                </a:spcBef>
+                <a:spcAft>
+                  <a:spcPct val="0"/>
+                </a:spcAft>
+                <a:buClr>
+                  <a:srgbClr val="F0AB00"/>
+                </a:buClr>
+                <a:buSzPct val="80000"/>
+              </a:pPr>
+              <a:r>
+                <a:rPr lang="de-DE" sz="2400" b="1" kern="0" dirty="0">
+                  <a:ea typeface="Arial Unicode MS" pitchFamily="34" charset="-128"/>
+                  <a:cs typeface="Arial Unicode MS" pitchFamily="34" charset="-128"/>
+                </a:rPr>
+                <a:t>Worker</a:t>
+              </a:r>
+            </a:p>
+          </p:txBody>
+        </p:sp>
+        <p:sp>
+          <p:nvSpPr>
+            <p:cNvPr id="5" name="Rectangle 4"/>
+            <p:cNvSpPr/>
+            <p:nvPr/>
+          </p:nvSpPr>
+          <p:spPr bwMode="gray">
+            <a:xfrm>
+              <a:off x="4489104" y="3428273"/>
+              <a:ext cx="3467358" cy="1653431"/>
+            </a:xfrm>
+            <a:prstGeom prst="rect">
+              <a:avLst/>
+            </a:prstGeom>
+            <a:solidFill>
+              <a:schemeClr val="accent1">
+                <a:lumMod val="60000"/>
+                <a:lumOff val="40000"/>
+              </a:schemeClr>
+            </a:solidFill>
+            <a:ln>
+              <a:headEnd/>
+              <a:tailEnd/>
+            </a:ln>
+          </p:spPr>
+          <p:style>
+            <a:lnRef idx="1">
+              <a:schemeClr val="accent1"/>
+            </a:lnRef>
+            <a:fillRef idx="2">
+              <a:schemeClr val="accent1"/>
+            </a:fillRef>
+            <a:effectRef idx="1">
+              <a:schemeClr val="accent1"/>
+            </a:effectRef>
+            <a:fontRef idx="minor">
+              <a:schemeClr val="dk1"/>
+            </a:fontRef>
+          </p:style>
+          <p:txBody>
+            <a:bodyPr lIns="90000" tIns="72000" rIns="90000" bIns="72000" rtlCol="0" anchor="b"/>
+            <a:lstStyle/>
+            <a:p>
+              <a:pPr marR="0" defTabSz="914400" eaLnBrk="1" fontAlgn="base" latinLnBrk="0" hangingPunct="1">
+                <a:lnSpc>
+                  <a:spcPct val="100000"/>
+                </a:lnSpc>
+                <a:spcBef>
+                  <a:spcPct val="50000"/>
+                </a:spcBef>
+                <a:spcAft>
+                  <a:spcPct val="0"/>
+                </a:spcAft>
+                <a:buClr>
+                  <a:srgbClr val="F0AB00"/>
+                </a:buClr>
+                <a:buSzPct val="80000"/>
+                <a:tabLst/>
+              </a:pPr>
+              <a:r>
+                <a:rPr lang="de-DE" sz="2000" b="1" kern="0" noProof="0" dirty="0">
+                  <a:ea typeface="Arial Unicode MS" pitchFamily="34" charset="-128"/>
+                  <a:cs typeface="Arial Unicode MS" pitchFamily="34" charset="-128"/>
+                </a:rPr>
+                <a:t>D</a:t>
+              </a:r>
+              <a:r>
+                <a:rPr kumimoji="0" lang="de-DE" sz="2000" b="1" i="0" strike="noStrike" kern="0" cap="none" spc="0" normalizeH="0" baseline="0" noProof="0" dirty="0">
+                  <a:ln>
+                    <a:noFill/>
+                  </a:ln>
+                  <a:effectLst/>
+                  <a:uLnTx/>
+                  <a:uFillTx/>
+                  <a:ea typeface="Arial Unicode MS" pitchFamily="34" charset="-128"/>
+                  <a:cs typeface="Arial Unicode MS" pitchFamily="34" charset="-128"/>
+                </a:rPr>
+                <a:t>ocker</a:t>
+              </a:r>
+              <a:endParaRPr kumimoji="0" lang="de-DE" sz="2400" b="1" i="0" strike="noStrike" kern="0" cap="none" spc="0" normalizeH="0" baseline="0" noProof="0" dirty="0">
+                <a:ln>
+                  <a:noFill/>
+                </a:ln>
+                <a:effectLst/>
+                <a:uLnTx/>
+                <a:uFillTx/>
+                <a:ea typeface="Arial Unicode MS" pitchFamily="34" charset="-128"/>
+                <a:cs typeface="Arial Unicode MS" pitchFamily="34" charset="-128"/>
+              </a:endParaRPr>
+            </a:p>
+          </p:txBody>
+        </p:sp>
+        <p:sp>
+          <p:nvSpPr>
+            <p:cNvPr id="6" name="Rectangle 5"/>
+            <p:cNvSpPr/>
+            <p:nvPr/>
+          </p:nvSpPr>
+          <p:spPr bwMode="gray">
+            <a:xfrm>
+              <a:off x="4900686" y="3874409"/>
+              <a:ext cx="1208595" cy="773906"/>
+            </a:xfrm>
+            <a:prstGeom prst="rect">
+              <a:avLst/>
+            </a:prstGeom>
+            <a:ln>
+              <a:headEnd/>
+              <a:tailEnd/>
+            </a:ln>
+          </p:spPr>
+          <p:style>
+            <a:lnRef idx="2">
+              <a:schemeClr val="accent2">
+                <a:shade val="50000"/>
+              </a:schemeClr>
+            </a:lnRef>
+            <a:fillRef idx="1">
+              <a:schemeClr val="accent2"/>
+            </a:fillRef>
+            <a:effectRef idx="0">
+              <a:schemeClr val="accent2"/>
+            </a:effectRef>
+            <a:fontRef idx="minor">
+              <a:schemeClr val="lt1"/>
+            </a:fontRef>
+          </p:style>
+          <p:txBody>
+            <a:bodyPr lIns="90000" tIns="72000" rIns="90000" bIns="72000" rtlCol="0" anchor="ctr"/>
+            <a:lstStyle/>
+            <a:p>
+              <a:pPr marR="0" algn="ctr" defTabSz="914400" eaLnBrk="1" fontAlgn="base" latinLnBrk="0" hangingPunct="1">
+                <a:lnSpc>
+                  <a:spcPct val="100000"/>
+                </a:lnSpc>
+                <a:spcBef>
+                  <a:spcPct val="50000"/>
+                </a:spcBef>
+                <a:spcAft>
+                  <a:spcPct val="0"/>
+                </a:spcAft>
+                <a:buClr>
+                  <a:srgbClr val="F0AB00"/>
+                </a:buClr>
+                <a:buSzPct val="80000"/>
+                <a:tabLst/>
+              </a:pPr>
+              <a:r>
+                <a:rPr lang="de-DE" sz="1600" b="1" kern="0" noProof="0" dirty="0" err="1">
+                  <a:ea typeface="Arial Unicode MS" pitchFamily="34" charset="-128"/>
+                  <a:cs typeface="Arial Unicode MS" pitchFamily="34" charset="-128"/>
+                </a:rPr>
+                <a:t>Pod</a:t>
+              </a:r>
+              <a:endParaRPr kumimoji="0" lang="de-DE" sz="1600" b="1" i="0" u="none" strike="noStrike" kern="0" cap="none" spc="0" normalizeH="0" baseline="0" noProof="0" dirty="0">
+                <a:ln>
+                  <a:noFill/>
+                </a:ln>
+                <a:effectLst/>
+                <a:uLnTx/>
+                <a:uFillTx/>
+                <a:ea typeface="Arial Unicode MS" pitchFamily="34" charset="-128"/>
+                <a:cs typeface="Arial Unicode MS" pitchFamily="34" charset="-128"/>
+              </a:endParaRPr>
+            </a:p>
+          </p:txBody>
+        </p:sp>
+        <p:sp>
+          <p:nvSpPr>
+            <p:cNvPr id="7" name="Rectangle 6"/>
+            <p:cNvSpPr/>
+            <p:nvPr/>
+          </p:nvSpPr>
+          <p:spPr bwMode="gray">
+            <a:xfrm>
+              <a:off x="6418302" y="3874409"/>
+              <a:ext cx="1208595" cy="773906"/>
+            </a:xfrm>
+            <a:prstGeom prst="rect">
+              <a:avLst/>
+            </a:prstGeom>
+            <a:ln>
+              <a:headEnd/>
+              <a:tailEnd/>
+            </a:ln>
+          </p:spPr>
+          <p:style>
+            <a:lnRef idx="2">
+              <a:schemeClr val="accent2">
+                <a:shade val="50000"/>
+              </a:schemeClr>
+            </a:lnRef>
+            <a:fillRef idx="1">
+              <a:schemeClr val="accent2"/>
+            </a:fillRef>
+            <a:effectRef idx="0">
+              <a:schemeClr val="accent2"/>
+            </a:effectRef>
+            <a:fontRef idx="minor">
+              <a:schemeClr val="lt1"/>
+            </a:fontRef>
+          </p:style>
+          <p:txBody>
+            <a:bodyPr lIns="90000" tIns="72000" rIns="90000" bIns="72000" rtlCol="0" anchor="ctr"/>
+            <a:lstStyle/>
+            <a:p>
+              <a:pPr marR="0" algn="ctr" defTabSz="914400" eaLnBrk="1" fontAlgn="base" latinLnBrk="0" hangingPunct="1">
+                <a:lnSpc>
+                  <a:spcPct val="100000"/>
+                </a:lnSpc>
+                <a:spcBef>
+                  <a:spcPct val="50000"/>
+                </a:spcBef>
+                <a:spcAft>
+                  <a:spcPct val="0"/>
+                </a:spcAft>
+                <a:buClr>
+                  <a:srgbClr val="F0AB00"/>
+                </a:buClr>
+                <a:buSzPct val="80000"/>
+                <a:tabLst/>
+              </a:pPr>
+              <a:r>
+                <a:rPr lang="de-DE" sz="1600" b="1" kern="0" noProof="0" dirty="0" err="1">
+                  <a:ea typeface="Arial Unicode MS" pitchFamily="34" charset="-128"/>
+                  <a:cs typeface="Arial Unicode MS" pitchFamily="34" charset="-128"/>
+                </a:rPr>
+                <a:t>Pod</a:t>
+              </a:r>
+              <a:endParaRPr kumimoji="0" lang="de-DE" sz="1600" b="1" i="0" u="none" strike="noStrike" kern="0" cap="none" spc="0" normalizeH="0" baseline="0" noProof="0" dirty="0">
+                <a:ln>
+                  <a:noFill/>
+                </a:ln>
+                <a:effectLst/>
+                <a:uLnTx/>
+                <a:uFillTx/>
+                <a:ea typeface="Arial Unicode MS" pitchFamily="34" charset="-128"/>
+                <a:cs typeface="Arial Unicode MS" pitchFamily="34" charset="-128"/>
+              </a:endParaRPr>
+            </a:p>
+          </p:txBody>
+        </p:sp>
+      </p:grpSp>
+      <p:sp>
+        <p:nvSpPr>
+          <p:cNvPr id="14" name="Rectangle 13"/>
+          <p:cNvSpPr/>
+          <p:nvPr/>
+        </p:nvSpPr>
+        <p:spPr bwMode="gray">
+          <a:xfrm>
+            <a:off x="3450210" y="1509330"/>
+            <a:ext cx="6938127" cy="4420130"/>
+          </a:xfrm>
+          <a:prstGeom prst="rect">
+            <a:avLst/>
+          </a:prstGeom>
+          <a:solidFill>
+            <a:schemeClr val="accent1">
+              <a:lumMod val="60000"/>
+              <a:lumOff val="40000"/>
+            </a:schemeClr>
+          </a:solidFill>
+          <a:ln>
+            <a:headEnd/>
+            <a:tailEnd/>
+          </a:ln>
+        </p:spPr>
+        <p:style>
+          <a:lnRef idx="1">
+            <a:schemeClr val="accent1"/>
+          </a:lnRef>
+          <a:fillRef idx="2">
+            <a:schemeClr val="accent1"/>
+          </a:fillRef>
+          <a:effectRef idx="1">
+            <a:schemeClr val="accent1"/>
+          </a:effectRef>
+          <a:fontRef idx="minor">
+            <a:schemeClr val="dk1"/>
+          </a:fontRef>
+        </p:style>
+        <p:txBody>
+          <a:bodyPr lIns="90000" tIns="72000" rIns="90000" bIns="72000" rtlCol="0" anchor="b"/>
+          <a:lstStyle/>
+          <a:p>
+            <a:pPr marR="0" defTabSz="914400" eaLnBrk="1" fontAlgn="base" latinLnBrk="0" hangingPunct="1">
+              <a:lnSpc>
+                <a:spcPct val="100000"/>
+              </a:lnSpc>
+              <a:spcBef>
+                <a:spcPct val="50000"/>
+              </a:spcBef>
+              <a:spcAft>
+                <a:spcPct val="0"/>
+              </a:spcAft>
+              <a:buClr>
+                <a:srgbClr val="F0AB00"/>
+              </a:buClr>
+              <a:buSzPct val="80000"/>
+              <a:tabLst/>
+            </a:pPr>
+            <a:r>
+              <a:rPr lang="de-DE" sz="2000" b="1" kern="0" noProof="0" dirty="0">
+                <a:ea typeface="Arial Unicode MS" pitchFamily="34" charset="-128"/>
+                <a:cs typeface="Arial Unicode MS" pitchFamily="34" charset="-128"/>
+              </a:rPr>
+              <a:t>D</a:t>
+            </a:r>
+            <a:r>
+              <a:rPr kumimoji="0" lang="de-DE" sz="2000" b="1" i="0" strike="noStrike" kern="0" cap="none" spc="0" normalizeH="0" baseline="0" noProof="0" dirty="0">
+                <a:ln>
+                  <a:noFill/>
+                </a:ln>
+                <a:effectLst/>
+                <a:uLnTx/>
+                <a:uFillTx/>
+                <a:ea typeface="Arial Unicode MS" pitchFamily="34" charset="-128"/>
+                <a:cs typeface="Arial Unicode MS" pitchFamily="34" charset="-128"/>
+              </a:rPr>
+              <a:t>ocker</a:t>
+            </a:r>
+            <a:endParaRPr kumimoji="0" lang="de-DE" sz="2400" b="1" i="0" strike="noStrike" kern="0" cap="none" spc="0" normalizeH="0" baseline="0" noProof="0" dirty="0">
+              <a:ln>
+                <a:noFill/>
+              </a:ln>
+              <a:effectLst/>
+              <a:uLnTx/>
+              <a:uFillTx/>
+              <a:ea typeface="Arial Unicode MS" pitchFamily="34" charset="-128"/>
+              <a:cs typeface="Arial Unicode MS" pitchFamily="34" charset="-128"/>
+            </a:endParaRPr>
+          </a:p>
+        </p:txBody>
+      </p:sp>
+      <p:sp>
+        <p:nvSpPr>
+          <p:cNvPr id="17" name="Hexagon 16"/>
+          <p:cNvSpPr/>
+          <p:nvPr/>
+        </p:nvSpPr>
+        <p:spPr bwMode="gray">
+          <a:xfrm>
+            <a:off x="3847013" y="1739036"/>
+            <a:ext cx="1880071" cy="1399560"/>
+          </a:xfrm>
+          <a:prstGeom prst="hexagon">
+            <a:avLst/>
+          </a:prstGeom>
+          <a:ln>
+            <a:headEnd/>
+            <a:tailEnd/>
+          </a:ln>
+        </p:spPr>
+        <p:style>
+          <a:lnRef idx="1">
+            <a:schemeClr val="accent2"/>
+          </a:lnRef>
+          <a:fillRef idx="2">
+            <a:schemeClr val="accent2"/>
+          </a:fillRef>
+          <a:effectRef idx="1">
+            <a:schemeClr val="accent2"/>
+          </a:effectRef>
+          <a:fontRef idx="minor">
+            <a:schemeClr val="dk1"/>
+          </a:fontRef>
+        </p:style>
+        <p:txBody>
+          <a:bodyPr lIns="90000" tIns="72000" rIns="90000" bIns="72000" rtlCol="0" anchor="ctr"/>
+          <a:lstStyle/>
+          <a:p>
+            <a:pPr marR="0" algn="ctr" defTabSz="914400" eaLnBrk="1" fontAlgn="base" latinLnBrk="0" hangingPunct="1">
+              <a:lnSpc>
+                <a:spcPct val="100000"/>
+              </a:lnSpc>
+              <a:spcBef>
+                <a:spcPct val="50000"/>
+              </a:spcBef>
+              <a:spcAft>
+                <a:spcPct val="0"/>
+              </a:spcAft>
+              <a:buClr>
+                <a:srgbClr val="F0AB00"/>
+              </a:buClr>
+              <a:buSzPct val="80000"/>
+              <a:tabLst/>
+            </a:pPr>
+            <a:r>
+              <a:rPr kumimoji="0" lang="en-US" sz="1800" b="1" i="0" u="none" strike="noStrike" kern="0" cap="none" spc="0" normalizeH="0" baseline="0" noProof="0" dirty="0">
+                <a:ln>
+                  <a:noFill/>
+                </a:ln>
+                <a:effectLst/>
+                <a:uLnTx/>
+                <a:uFillTx/>
+                <a:ea typeface="Arial Unicode MS" pitchFamily="34" charset="-128"/>
+                <a:cs typeface="Arial Unicode MS" pitchFamily="34" charset="-128"/>
+              </a:rPr>
+              <a:t>Image present already?</a:t>
+            </a:r>
+          </a:p>
+        </p:txBody>
+      </p:sp>
+      <p:sp>
+        <p:nvSpPr>
+          <p:cNvPr id="18" name="Flowchart: Alternate Process 17"/>
+          <p:cNvSpPr/>
+          <p:nvPr/>
+        </p:nvSpPr>
+        <p:spPr bwMode="gray">
+          <a:xfrm>
+            <a:off x="684814" y="1739036"/>
+            <a:ext cx="1880071" cy="1399560"/>
+          </a:xfrm>
+          <a:prstGeom prst="flowChartAlternateProcess">
+            <a:avLst/>
+          </a:prstGeom>
+          <a:ln>
+            <a:headEnd/>
+            <a:tailEnd/>
+          </a:ln>
+        </p:spPr>
+        <p:style>
+          <a:lnRef idx="1">
+            <a:schemeClr val="accent2"/>
+          </a:lnRef>
+          <a:fillRef idx="2">
+            <a:schemeClr val="accent2"/>
+          </a:fillRef>
+          <a:effectRef idx="1">
+            <a:schemeClr val="accent2"/>
+          </a:effectRef>
+          <a:fontRef idx="minor">
+            <a:schemeClr val="dk1"/>
+          </a:fontRef>
+        </p:style>
+        <p:txBody>
+          <a:bodyPr lIns="90000" tIns="72000" rIns="90000" bIns="72000" rtlCol="0" anchor="ctr"/>
+          <a:lstStyle/>
+          <a:p>
+            <a:pPr marR="0" algn="ctr" defTabSz="914400" eaLnBrk="1" fontAlgn="base" latinLnBrk="0" hangingPunct="1">
+              <a:lnSpc>
+                <a:spcPct val="100000"/>
+              </a:lnSpc>
+              <a:spcBef>
+                <a:spcPct val="50000"/>
+              </a:spcBef>
+              <a:spcAft>
+                <a:spcPct val="0"/>
+              </a:spcAft>
+              <a:buClr>
+                <a:srgbClr val="F0AB00"/>
+              </a:buClr>
+              <a:buSzPct val="80000"/>
+              <a:tabLst/>
+            </a:pPr>
+            <a:r>
+              <a:rPr kumimoji="0" lang="en-US" sz="1800" b="1" i="0" u="none" strike="noStrike" kern="0" cap="none" spc="0" normalizeH="0" baseline="0" noProof="0" dirty="0">
+                <a:ln>
+                  <a:noFill/>
+                </a:ln>
+                <a:effectLst/>
+                <a:uLnTx/>
+                <a:uFillTx/>
+                <a:ea typeface="Arial Unicode MS" pitchFamily="34" charset="-128"/>
+                <a:cs typeface="Arial Unicode MS" pitchFamily="34" charset="-128"/>
+              </a:rPr>
+              <a:t>Start Pod </a:t>
+            </a:r>
+            <a:r>
+              <a:rPr lang="en-US" sz="1800" b="1" kern="0" dirty="0">
+                <a:ea typeface="Arial Unicode MS" pitchFamily="34" charset="-128"/>
+                <a:cs typeface="Arial Unicode MS" pitchFamily="34" charset="-128"/>
+              </a:rPr>
+              <a:t>with image &lt;&gt;</a:t>
+            </a:r>
+            <a:endParaRPr kumimoji="0" lang="en-US" sz="1800" b="1" i="0" u="none" strike="noStrike" kern="0" cap="none" spc="0" normalizeH="0" baseline="0" noProof="0" dirty="0">
+              <a:ln>
+                <a:noFill/>
+              </a:ln>
+              <a:effectLst/>
+              <a:uLnTx/>
+              <a:uFillTx/>
+              <a:ea typeface="Arial Unicode MS" pitchFamily="34" charset="-128"/>
+              <a:cs typeface="Arial Unicode MS" pitchFamily="34" charset="-128"/>
+            </a:endParaRPr>
+          </a:p>
+        </p:txBody>
+      </p:sp>
+      <p:cxnSp>
+        <p:nvCxnSpPr>
+          <p:cNvPr id="19" name="Straight Arrow Connector 18"/>
+          <p:cNvCxnSpPr>
+            <a:stCxn id="18" idx="3"/>
+            <a:endCxn id="17" idx="3"/>
+          </p:cNvCxnSpPr>
+          <p:nvPr/>
+        </p:nvCxnSpPr>
+        <p:spPr>
+          <a:xfrm>
+            <a:off x="2564885" y="2438816"/>
+            <a:ext cx="1282128" cy="0"/>
+          </a:xfrm>
+          <a:prstGeom prst="straightConnector1">
+            <a:avLst/>
+          </a:prstGeom>
+          <a:ln w="57150">
+            <a:solidFill>
+              <a:schemeClr val="tx2">
+                <a:lumMod val="60000"/>
+                <a:lumOff val="40000"/>
+              </a:schemeClr>
+            </a:solidFill>
+            <a:headEnd type="none" w="med" len="med"/>
+            <a:tailEnd type="triangle" w="med" len="med"/>
+          </a:ln>
+        </p:spPr>
+        <p:style>
+          <a:lnRef idx="1">
+            <a:schemeClr val="accent1"/>
+          </a:lnRef>
+          <a:fillRef idx="0">
+            <a:schemeClr val="accent1"/>
+          </a:fillRef>
+          <a:effectRef idx="0">
+            <a:schemeClr val="accent1"/>
+          </a:effectRef>
+          <a:fontRef idx="minor">
+            <a:schemeClr val="tx1"/>
+          </a:fontRef>
+        </p:style>
+      </p:cxnSp>
+      <p:sp>
+        <p:nvSpPr>
+          <p:cNvPr id="23" name="Flowchart: Alternate Process 22"/>
+          <p:cNvSpPr/>
+          <p:nvPr/>
+        </p:nvSpPr>
+        <p:spPr bwMode="gray">
+          <a:xfrm>
+            <a:off x="8078787" y="3762312"/>
+            <a:ext cx="1880071" cy="1399560"/>
+          </a:xfrm>
+          <a:prstGeom prst="flowChartAlternateProcess">
+            <a:avLst/>
+          </a:prstGeom>
+          <a:ln>
+            <a:headEnd/>
+            <a:tailEnd/>
+          </a:ln>
+        </p:spPr>
+        <p:style>
+          <a:lnRef idx="1">
+            <a:schemeClr val="accent2"/>
+          </a:lnRef>
+          <a:fillRef idx="2">
+            <a:schemeClr val="accent2"/>
+          </a:fillRef>
+          <a:effectRef idx="1">
+            <a:schemeClr val="accent2"/>
+          </a:effectRef>
+          <a:fontRef idx="minor">
+            <a:schemeClr val="dk1"/>
+          </a:fontRef>
+        </p:style>
+        <p:txBody>
+          <a:bodyPr lIns="90000" tIns="72000" rIns="90000" bIns="72000" rtlCol="0" anchor="ctr"/>
+          <a:lstStyle/>
+          <a:p>
+            <a:pPr marR="0" algn="ctr" defTabSz="914400" eaLnBrk="1" fontAlgn="base" latinLnBrk="0" hangingPunct="1">
+              <a:lnSpc>
+                <a:spcPct val="100000"/>
+              </a:lnSpc>
+              <a:spcBef>
+                <a:spcPct val="50000"/>
+              </a:spcBef>
+              <a:spcAft>
+                <a:spcPct val="0"/>
+              </a:spcAft>
+              <a:buClr>
+                <a:srgbClr val="F0AB00"/>
+              </a:buClr>
+              <a:buSzPct val="80000"/>
+              <a:tabLst/>
+            </a:pPr>
+            <a:r>
+              <a:rPr kumimoji="0" lang="en-US" sz="1800" b="1" i="0" u="none" strike="noStrike" kern="0" cap="none" spc="0" normalizeH="0" baseline="0" noProof="0" dirty="0">
+                <a:ln>
+                  <a:noFill/>
+                </a:ln>
+                <a:effectLst/>
+                <a:uLnTx/>
+                <a:uFillTx/>
+                <a:ea typeface="Arial Unicode MS" pitchFamily="34" charset="-128"/>
+                <a:cs typeface="Arial Unicode MS" pitchFamily="34" charset="-128"/>
+              </a:rPr>
+              <a:t>Start Pod </a:t>
+            </a:r>
+            <a:r>
+              <a:rPr lang="en-US" sz="1800" b="1" kern="0" dirty="0">
+                <a:ea typeface="Arial Unicode MS" pitchFamily="34" charset="-128"/>
+                <a:cs typeface="Arial Unicode MS" pitchFamily="34" charset="-128"/>
+              </a:rPr>
+              <a:t>with image &lt;&gt;</a:t>
+            </a:r>
+            <a:endParaRPr kumimoji="0" lang="en-US" sz="1800" b="1" i="0" u="none" strike="noStrike" kern="0" cap="none" spc="0" normalizeH="0" baseline="0" noProof="0" dirty="0">
+              <a:ln>
+                <a:noFill/>
+              </a:ln>
+              <a:effectLst/>
+              <a:uLnTx/>
+              <a:uFillTx/>
+              <a:ea typeface="Arial Unicode MS" pitchFamily="34" charset="-128"/>
+              <a:cs typeface="Arial Unicode MS" pitchFamily="34" charset="-128"/>
+            </a:endParaRPr>
+          </a:p>
+        </p:txBody>
+      </p:sp>
+      <p:cxnSp>
+        <p:nvCxnSpPr>
+          <p:cNvPr id="24" name="Straight Arrow Connector 23"/>
+          <p:cNvCxnSpPr>
+            <a:endCxn id="28" idx="0"/>
+          </p:cNvCxnSpPr>
+          <p:nvPr/>
+        </p:nvCxnSpPr>
+        <p:spPr>
+          <a:xfrm>
+            <a:off x="4824462" y="3151343"/>
+            <a:ext cx="1" cy="623251"/>
+          </a:xfrm>
+          <a:prstGeom prst="straightConnector1">
+            <a:avLst/>
+          </a:prstGeom>
+          <a:ln w="57150">
+            <a:solidFill>
+              <a:schemeClr val="tx2">
+                <a:lumMod val="60000"/>
+                <a:lumOff val="40000"/>
+              </a:schemeClr>
+            </a:solidFill>
+            <a:headEnd type="none" w="med" len="med"/>
+            <a:tailEnd type="triangle" w="med" len="med"/>
+          </a:ln>
+        </p:spPr>
+        <p:style>
+          <a:lnRef idx="1">
+            <a:schemeClr val="accent1"/>
+          </a:lnRef>
+          <a:fillRef idx="0">
+            <a:schemeClr val="accent1"/>
+          </a:fillRef>
+          <a:effectRef idx="0">
+            <a:schemeClr val="accent1"/>
+          </a:effectRef>
+          <a:fontRef idx="minor">
+            <a:schemeClr val="tx1"/>
+          </a:fontRef>
+        </p:style>
+      </p:cxnSp>
+      <p:cxnSp>
+        <p:nvCxnSpPr>
+          <p:cNvPr id="26" name="Connector: Elbow 25"/>
+          <p:cNvCxnSpPr>
+            <a:stCxn id="17" idx="0"/>
+            <a:endCxn id="23" idx="0"/>
+          </p:cNvCxnSpPr>
+          <p:nvPr/>
+        </p:nvCxnSpPr>
+        <p:spPr>
+          <a:xfrm>
+            <a:off x="5727084" y="2438816"/>
+            <a:ext cx="3291739" cy="1323496"/>
+          </a:xfrm>
+          <a:prstGeom prst="bentConnector2">
+            <a:avLst/>
+          </a:prstGeom>
+          <a:ln w="57150">
+            <a:solidFill>
+              <a:schemeClr val="tx2">
+                <a:lumMod val="60000"/>
+                <a:lumOff val="40000"/>
+              </a:schemeClr>
+            </a:solidFill>
+            <a:headEnd type="none" w="med" len="med"/>
+            <a:tailEnd type="triangle" w="med" len="med"/>
+          </a:ln>
+        </p:spPr>
+        <p:style>
+          <a:lnRef idx="1">
+            <a:schemeClr val="accent1"/>
+          </a:lnRef>
+          <a:fillRef idx="0">
+            <a:schemeClr val="accent1"/>
+          </a:fillRef>
+          <a:effectRef idx="0">
+            <a:schemeClr val="accent1"/>
+          </a:effectRef>
+          <a:fontRef idx="minor">
+            <a:schemeClr val="tx1"/>
+          </a:fontRef>
+        </p:style>
+      </p:cxnSp>
+      <p:sp>
+        <p:nvSpPr>
+          <p:cNvPr id="28" name="Flowchart: Alternate Process 27"/>
+          <p:cNvSpPr/>
+          <p:nvPr/>
+        </p:nvSpPr>
+        <p:spPr bwMode="gray">
+          <a:xfrm>
+            <a:off x="3884427" y="3774594"/>
+            <a:ext cx="1880071" cy="1399560"/>
+          </a:xfrm>
+          <a:prstGeom prst="flowChartAlternateProcess">
+            <a:avLst/>
+          </a:prstGeom>
+          <a:ln>
+            <a:headEnd/>
+            <a:tailEnd/>
+          </a:ln>
+        </p:spPr>
+        <p:style>
+          <a:lnRef idx="1">
+            <a:schemeClr val="accent2"/>
+          </a:lnRef>
+          <a:fillRef idx="2">
+            <a:schemeClr val="accent2"/>
+          </a:fillRef>
+          <a:effectRef idx="1">
+            <a:schemeClr val="accent2"/>
+          </a:effectRef>
+          <a:fontRef idx="minor">
+            <a:schemeClr val="dk1"/>
+          </a:fontRef>
+        </p:style>
+        <p:txBody>
+          <a:bodyPr lIns="90000" tIns="72000" rIns="90000" bIns="72000" rtlCol="0" anchor="ctr"/>
+          <a:lstStyle/>
+          <a:p>
+            <a:pPr marR="0" algn="ctr" defTabSz="914400" eaLnBrk="1" fontAlgn="base" latinLnBrk="0" hangingPunct="1">
+              <a:lnSpc>
+                <a:spcPct val="100000"/>
+              </a:lnSpc>
+              <a:spcBef>
+                <a:spcPct val="50000"/>
+              </a:spcBef>
+              <a:spcAft>
+                <a:spcPct val="0"/>
+              </a:spcAft>
+              <a:buClr>
+                <a:srgbClr val="F0AB00"/>
+              </a:buClr>
+              <a:buSzPct val="80000"/>
+              <a:tabLst/>
+            </a:pPr>
+            <a:r>
+              <a:rPr lang="en-US" sz="1800" b="1" kern="0" dirty="0">
+                <a:ea typeface="Arial Unicode MS" pitchFamily="34" charset="-128"/>
+                <a:cs typeface="Arial Unicode MS" pitchFamily="34" charset="-128"/>
+              </a:rPr>
+              <a:t>Docker pull image</a:t>
+            </a:r>
+            <a:endParaRPr kumimoji="0" lang="en-US" sz="1800" b="1" i="0" u="none" strike="noStrike" kern="0" cap="none" spc="0" normalizeH="0" baseline="0" noProof="0" dirty="0">
+              <a:ln>
+                <a:noFill/>
+              </a:ln>
+              <a:effectLst/>
+              <a:uLnTx/>
+              <a:uFillTx/>
+              <a:ea typeface="Arial Unicode MS" pitchFamily="34" charset="-128"/>
+              <a:cs typeface="Arial Unicode MS" pitchFamily="34" charset="-128"/>
+            </a:endParaRPr>
+          </a:p>
+        </p:txBody>
+      </p:sp>
+      <p:cxnSp>
+        <p:nvCxnSpPr>
+          <p:cNvPr id="32" name="Straight Arrow Connector 31"/>
+          <p:cNvCxnSpPr>
+            <a:stCxn id="28" idx="3"/>
+            <a:endCxn id="23" idx="1"/>
+          </p:cNvCxnSpPr>
+          <p:nvPr/>
+        </p:nvCxnSpPr>
+        <p:spPr>
+          <a:xfrm flipV="1">
+            <a:off x="5764498" y="4462092"/>
+            <a:ext cx="2314289" cy="12282"/>
+          </a:xfrm>
+          <a:prstGeom prst="straightConnector1">
+            <a:avLst/>
+          </a:prstGeom>
+          <a:ln w="57150">
+            <a:solidFill>
+              <a:schemeClr val="tx2">
+                <a:lumMod val="60000"/>
+                <a:lumOff val="40000"/>
+              </a:schemeClr>
+            </a:solidFill>
+            <a:headEnd type="none" w="med" len="med"/>
+            <a:tailEnd type="triangle" w="med" len="med"/>
+          </a:ln>
+        </p:spPr>
+        <p:style>
+          <a:lnRef idx="1">
+            <a:schemeClr val="accent1"/>
+          </a:lnRef>
+          <a:fillRef idx="0">
+            <a:schemeClr val="accent1"/>
+          </a:fillRef>
+          <a:effectRef idx="0">
+            <a:schemeClr val="accent1"/>
+          </a:effectRef>
+          <a:fontRef idx="minor">
+            <a:schemeClr val="tx1"/>
+          </a:fontRef>
+        </p:style>
+      </p:cxnSp>
+    </p:spTree>
+    <p:extLst>
+      <p:ext uri="{BB962C8B-B14F-4D97-AF65-F5344CB8AC3E}">
+        <p14:creationId xmlns:p14="http://schemas.microsoft.com/office/powerpoint/2010/main" val="120034596"/>
+      </p:ext>
+    </p:extLst>
+  </p:cSld>
+  <p:clrMapOvr>
+    <a:masterClrMapping/>
+  </p:clrMapOvr>
+  <p:timing>
+    <p:tnLst>
+      <p:par>
+        <p:cTn id="1" dur="indefinite" restart="never" nodeType="tmRoot">
+          <p:childTnLst>
+            <p:seq concurrent="1" nextAc="seek">
+              <p:cTn id="2" dur="indefinite" nodeType="mainSeq">
+                <p:childTnLst>
+                  <p:par>
+                    <p:cTn id="3" fill="hold">
+                      <p:stCondLst>
+                        <p:cond delay="indefinite"/>
+                      </p:stCondLst>
+                      <p:childTnLst>
+                        <p:par>
+                          <p:cTn id="4" fill="hold">
+                            <p:stCondLst>
+                              <p:cond delay="0"/>
+                            </p:stCondLst>
+                            <p:childTnLst>
+                              <p:par>
+                                <p:cTn id="5" presetID="1" presetClass="exit" presetSubtype="0" fill="hold" nodeType="clickEffect">
+                                  <p:stCondLst>
+                                    <p:cond delay="0"/>
+                                  </p:stCondLst>
+                                  <p:childTnLst>
+                                    <p:set>
+                                      <p:cBhvr>
+                                        <p:cTn id="6" dur="1" fill="hold">
+                                          <p:stCondLst>
+                                            <p:cond delay="0"/>
+                                          </p:stCondLst>
+                                        </p:cTn>
+                                        <p:tgtEl>
+                                          <p:spTgt spid="13"/>
+                                        </p:tgtEl>
+                                        <p:attrNameLst>
+                                          <p:attrName>style.visibility</p:attrName>
+                                        </p:attrNameLst>
+                                      </p:cBhvr>
+                                      <p:to>
+                                        <p:strVal val="hidden"/>
+                                      </p:to>
+                                    </p:set>
+                                  </p:childTnLst>
+                                </p:cTn>
+                              </p:par>
+                            </p:childTnLst>
+                          </p:cTn>
+                        </p:par>
+                        <p:par>
+                          <p:cTn id="7" fill="hold">
+                            <p:stCondLst>
+                              <p:cond delay="0"/>
+                            </p:stCondLst>
+                            <p:childTnLst>
+                              <p:par>
+                                <p:cTn id="8" presetID="1" presetClass="entr" presetSubtype="0" fill="hold" grpId="0" nodeType="afterEffect">
+                                  <p:stCondLst>
+                                    <p:cond delay="0"/>
+                                  </p:stCondLst>
+                                  <p:childTnLst>
+                                    <p:set>
+                                      <p:cBhvr>
+                                        <p:cTn id="9" dur="1" fill="hold">
+                                          <p:stCondLst>
+                                            <p:cond delay="0"/>
+                                          </p:stCondLst>
+                                        </p:cTn>
+                                        <p:tgtEl>
+                                          <p:spTgt spid="14"/>
+                                        </p:tgtEl>
+                                        <p:attrNameLst>
+                                          <p:attrName>style.visibility</p:attrName>
+                                        </p:attrNameLst>
+                                      </p:cBhvr>
+                                      <p:to>
+                                        <p:strVal val="visible"/>
+                                      </p:to>
+                                    </p:set>
+                                  </p:childTnLst>
+                                </p:cTn>
+                              </p:par>
+                              <p:par>
+                                <p:cTn id="10" presetID="1" presetClass="entr" presetSubtype="0" fill="hold" grpId="0" nodeType="withEffect">
+                                  <p:stCondLst>
+                                    <p:cond delay="0"/>
+                                  </p:stCondLst>
+                                  <p:childTnLst>
+                                    <p:set>
+                                      <p:cBhvr>
+                                        <p:cTn id="11" dur="1" fill="hold">
+                                          <p:stCondLst>
+                                            <p:cond delay="0"/>
+                                          </p:stCondLst>
+                                        </p:cTn>
+                                        <p:tgtEl>
+                                          <p:spTgt spid="18"/>
+                                        </p:tgtEl>
+                                        <p:attrNameLst>
+                                          <p:attrName>style.visibility</p:attrName>
+                                        </p:attrNameLst>
+                                      </p:cBhvr>
+                                      <p:to>
+                                        <p:strVal val="visible"/>
+                                      </p:to>
+                                    </p:set>
+                                  </p:childTnLst>
+                                </p:cTn>
+                              </p:par>
+                            </p:childTnLst>
+                          </p:cTn>
+                        </p:par>
+                      </p:childTnLst>
+                    </p:cTn>
+                  </p:par>
+                  <p:par>
+                    <p:cTn id="12" fill="hold">
+                      <p:stCondLst>
+                        <p:cond delay="indefinite"/>
+                      </p:stCondLst>
+                      <p:childTnLst>
+                        <p:par>
+                          <p:cTn id="13" fill="hold">
+                            <p:stCondLst>
+                              <p:cond delay="0"/>
+                            </p:stCondLst>
+                            <p:childTnLst>
+                              <p:par>
+                                <p:cTn id="14" presetID="1" presetClass="entr" presetSubtype="0" fill="hold" nodeType="clickEffect">
+                                  <p:stCondLst>
+                                    <p:cond delay="0"/>
+                                  </p:stCondLst>
+                                  <p:childTnLst>
+                                    <p:set>
+                                      <p:cBhvr>
+                                        <p:cTn id="15" dur="1" fill="hold">
+                                          <p:stCondLst>
+                                            <p:cond delay="0"/>
+                                          </p:stCondLst>
+                                        </p:cTn>
+                                        <p:tgtEl>
+                                          <p:spTgt spid="19"/>
+                                        </p:tgtEl>
+                                        <p:attrNameLst>
+                                          <p:attrName>style.visibility</p:attrName>
+                                        </p:attrNameLst>
+                                      </p:cBhvr>
+                                      <p:to>
+                                        <p:strVal val="visible"/>
+                                      </p:to>
+                                    </p:set>
+                                  </p:childTnLst>
+                                </p:cTn>
+                              </p:par>
+                              <p:par>
+                                <p:cTn id="16" presetID="1" presetClass="entr" presetSubtype="0" fill="hold" grpId="0" nodeType="withEffect">
+                                  <p:stCondLst>
+                                    <p:cond delay="0"/>
+                                  </p:stCondLst>
+                                  <p:childTnLst>
+                                    <p:set>
+                                      <p:cBhvr>
+                                        <p:cTn id="17" dur="1" fill="hold">
+                                          <p:stCondLst>
+                                            <p:cond delay="0"/>
+                                          </p:stCondLst>
+                                        </p:cTn>
+                                        <p:tgtEl>
+                                          <p:spTgt spid="17"/>
+                                        </p:tgtEl>
+                                        <p:attrNameLst>
+                                          <p:attrName>style.visibility</p:attrName>
+                                        </p:attrNameLst>
+                                      </p:cBhvr>
+                                      <p:to>
+                                        <p:strVal val="visible"/>
+                                      </p:to>
+                                    </p:set>
+                                  </p:childTnLst>
+                                </p:cTn>
+                              </p:par>
+                            </p:childTnLst>
+                          </p:cTn>
+                        </p:par>
+                      </p:childTnLst>
+                    </p:cTn>
+                  </p:par>
+                  <p:par>
+                    <p:cTn id="18" fill="hold">
+                      <p:stCondLst>
+                        <p:cond delay="indefinite"/>
+                      </p:stCondLst>
+                      <p:childTnLst>
+                        <p:par>
+                          <p:cTn id="19" fill="hold">
+                            <p:stCondLst>
+                              <p:cond delay="0"/>
+                            </p:stCondLst>
+                            <p:childTnLst>
+                              <p:par>
+                                <p:cTn id="20" presetID="1" presetClass="entr" presetSubtype="0" fill="hold" grpId="0" nodeType="clickEffect">
+                                  <p:stCondLst>
+                                    <p:cond delay="0"/>
+                                  </p:stCondLst>
+                                  <p:childTnLst>
+                                    <p:set>
+                                      <p:cBhvr>
+                                        <p:cTn id="21" dur="1" fill="hold">
+                                          <p:stCondLst>
+                                            <p:cond delay="0"/>
+                                          </p:stCondLst>
+                                        </p:cTn>
+                                        <p:tgtEl>
+                                          <p:spTgt spid="23"/>
+                                        </p:tgtEl>
+                                        <p:attrNameLst>
+                                          <p:attrName>style.visibility</p:attrName>
+                                        </p:attrNameLst>
+                                      </p:cBhvr>
+                                      <p:to>
+                                        <p:strVal val="visible"/>
+                                      </p:to>
+                                    </p:set>
+                                  </p:childTnLst>
+                                </p:cTn>
+                              </p:par>
+                              <p:par>
+                                <p:cTn id="22" presetID="1" presetClass="entr" presetSubtype="0" fill="hold" nodeType="withEffect">
+                                  <p:stCondLst>
+                                    <p:cond delay="0"/>
+                                  </p:stCondLst>
+                                  <p:childTnLst>
+                                    <p:set>
+                                      <p:cBhvr>
+                                        <p:cTn id="23" dur="1" fill="hold">
+                                          <p:stCondLst>
+                                            <p:cond delay="0"/>
+                                          </p:stCondLst>
+                                        </p:cTn>
+                                        <p:tgtEl>
+                                          <p:spTgt spid="26"/>
+                                        </p:tgtEl>
+                                        <p:attrNameLst>
+                                          <p:attrName>style.visibility</p:attrName>
+                                        </p:attrNameLst>
+                                      </p:cBhvr>
+                                      <p:to>
+                                        <p:strVal val="visible"/>
+                                      </p:to>
+                                    </p:set>
+                                  </p:childTnLst>
+                                </p:cTn>
+                              </p:par>
+                            </p:childTnLst>
+                          </p:cTn>
+                        </p:par>
+                      </p:childTnLst>
+                    </p:cTn>
+                  </p:par>
+                  <p:par>
+                    <p:cTn id="24" fill="hold">
+                      <p:stCondLst>
+                        <p:cond delay="indefinite"/>
+                      </p:stCondLst>
+                      <p:childTnLst>
+                        <p:par>
+                          <p:cTn id="25" fill="hold">
+                            <p:stCondLst>
+                              <p:cond delay="0"/>
+                            </p:stCondLst>
+                            <p:childTnLst>
+                              <p:par>
+                                <p:cTn id="26" presetID="1" presetClass="entr" presetSubtype="0" fill="hold" nodeType="clickEffect">
+                                  <p:stCondLst>
+                                    <p:cond delay="0"/>
+                                  </p:stCondLst>
+                                  <p:childTnLst>
+                                    <p:set>
+                                      <p:cBhvr>
+                                        <p:cTn id="27" dur="1" fill="hold">
+                                          <p:stCondLst>
+                                            <p:cond delay="0"/>
+                                          </p:stCondLst>
+                                        </p:cTn>
+                                        <p:tgtEl>
+                                          <p:spTgt spid="24"/>
+                                        </p:tgtEl>
+                                        <p:attrNameLst>
+                                          <p:attrName>style.visibility</p:attrName>
+                                        </p:attrNameLst>
+                                      </p:cBhvr>
+                                      <p:to>
+                                        <p:strVal val="visible"/>
+                                      </p:to>
+                                    </p:set>
+                                  </p:childTnLst>
+                                </p:cTn>
+                              </p:par>
+                              <p:par>
+                                <p:cTn id="28" presetID="1" presetClass="entr" presetSubtype="0" fill="hold" grpId="0" nodeType="withEffect">
+                                  <p:stCondLst>
+                                    <p:cond delay="0"/>
+                                  </p:stCondLst>
+                                  <p:childTnLst>
+                                    <p:set>
+                                      <p:cBhvr>
+                                        <p:cTn id="29" dur="1" fill="hold">
+                                          <p:stCondLst>
+                                            <p:cond delay="0"/>
+                                          </p:stCondLst>
+                                        </p:cTn>
+                                        <p:tgtEl>
+                                          <p:spTgt spid="28"/>
+                                        </p:tgtEl>
+                                        <p:attrNameLst>
+                                          <p:attrName>style.visibility</p:attrName>
+                                        </p:attrNameLst>
+                                      </p:cBhvr>
+                                      <p:to>
+                                        <p:strVal val="visible"/>
+                                      </p:to>
+                                    </p:set>
+                                  </p:childTnLst>
+                                </p:cTn>
+                              </p:par>
+                              <p:par>
+                                <p:cTn id="30" presetID="1" presetClass="entr" presetSubtype="0" fill="hold" nodeType="withEffect">
+                                  <p:stCondLst>
+                                    <p:cond delay="0"/>
+                                  </p:stCondLst>
+                                  <p:childTnLst>
+                                    <p:set>
+                                      <p:cBhvr>
+                                        <p:cTn id="31" dur="1" fill="hold">
+                                          <p:stCondLst>
+                                            <p:cond delay="0"/>
+                                          </p:stCondLst>
+                                        </p:cTn>
+                                        <p:tgtEl>
+                                          <p:spTgt spid="32"/>
+                                        </p:tgtEl>
+                                        <p:attrNameLst>
+                                          <p:attrName>style.visibility</p:attrName>
+                                        </p:attrNameLst>
+                                      </p:cBhvr>
+                                      <p:to>
+                                        <p:strVal val="visible"/>
+                                      </p:to>
+                                    </p:set>
+                                  </p:childTnLst>
+                                </p:cTn>
+                              </p:par>
+                            </p:childTnLst>
+                          </p:cTn>
+                        </p:par>
+                      </p:childTnLst>
+                    </p:cTn>
+                  </p:par>
+                </p:childTnLst>
+              </p:cTn>
+              <p:prevCondLst>
+                <p:cond evt="onPrev" delay="0">
+                  <p:tgtEl>
+                    <p:sldTgt/>
+                  </p:tgtEl>
+                </p:cond>
+              </p:prevCondLst>
+              <p:nextCondLst>
+                <p:cond evt="onNext" delay="0">
+                  <p:tgtEl>
+                    <p:sldTgt/>
+                  </p:tgtEl>
+                </p:cond>
+              </p:nextCondLst>
+            </p:seq>
+          </p:childTnLst>
+        </p:cTn>
+      </p:par>
+    </p:tnLst>
+    <p:bldLst>
+      <p:bldP spid="14" grpId="0" animBg="1"/>
+      <p:bldP spid="17" grpId="0" animBg="1"/>
+      <p:bldP spid="18" grpId="0" animBg="1"/>
+      <p:bldP spid="23" grpId="0" animBg="1"/>
+      <p:bldP spid="28" grpId="0" animBg="1"/>
+    </p:bldLst>
+  </p:timing>
+</p:sld>
+</file>
+
+<file path=ppt/slides/slide6.xml><?xml version="1.0" encoding="utf-8"?>
+<p:sld xmlns:a="http://schemas.openxmlformats.org/drawingml/2006/main" xmlns:r="http://schemas.openxmlformats.org/officeDocument/2006/relationships" xmlns:p="http://schemas.openxmlformats.org/presentationml/2006/main">
+  <p:cSld>
+    <p:spTree>
+      <p:nvGrpSpPr>
+        <p:cNvPr id="1" name=""/>
+        <p:cNvGrpSpPr/>
+        <p:nvPr/>
+      </p:nvGrpSpPr>
+      <p:grpSpPr>
+        <a:xfrm>
+          <a:off x="0" y="0"/>
+          <a:ext cx="0" cy="0"/>
+          <a:chOff x="0" y="0"/>
+          <a:chExt cx="0" cy="0"/>
+        </a:xfrm>
+      </p:grpSpPr>
+      <p:sp>
+        <p:nvSpPr>
+          <p:cNvPr id="3" name="Title 2"/>
+          <p:cNvSpPr>
+            <a:spLocks noGrp="1"/>
+          </p:cNvSpPr>
+          <p:nvPr>
+            <p:ph type="title"/>
+          </p:nvPr>
+        </p:nvSpPr>
+        <p:spPr/>
+        <p:txBody>
+          <a:bodyPr/>
+          <a:lstStyle/>
+          <a:p>
+            <a:r>
+              <a:rPr lang="en-US" dirty="0"/>
               <a:t>Using Images from a private registry</a:t>
             </a:r>
           </a:p>
@@ -19768,13 +22309,13 @@
           </a:ln>
         </p:spPr>
         <p:style>
-          <a:lnRef idx="2">
+          <a:lnRef idx="1">
             <a:schemeClr val="accent2"/>
           </a:lnRef>
-          <a:fillRef idx="1">
-            <a:schemeClr val="lt1"/>
+          <a:fillRef idx="2">
+            <a:schemeClr val="accent2"/>
           </a:fillRef>
-          <a:effectRef idx="0">
+          <a:effectRef idx="1">
             <a:schemeClr val="accent2"/>
           </a:effectRef>
           <a:fontRef idx="minor">
@@ -19785,10 +22326,7 @@
           <a:bodyPr lIns="90000" tIns="72000" rIns="90000" bIns="72000" rtlCol="0" anchor="t"/>
           <a:lstStyle/>
           <a:p>
-            <a:pPr marR="0" algn="ctr" defTabSz="914400" eaLnBrk="1" fontAlgn="base" latinLnBrk="0" hangingPunct="1">
-              <a:lnSpc>
-                <a:spcPct val="100000"/>
-              </a:lnSpc>
+            <a:pPr algn="ctr" defTabSz="914400" fontAlgn="base">
               <a:spcBef>
                 <a:spcPct val="50000"/>
               </a:spcBef>
@@ -19799,25 +22337,14 @@
                 <a:srgbClr val="F0AB00"/>
               </a:buClr>
               <a:buSzPct val="80000"/>
-              <a:tabLst/>
             </a:pPr>
             <a:r>
-              <a:rPr lang="en-US" sz="1600" b="1" kern="0" dirty="0">
+              <a:rPr lang="en-US" sz="2400" b="1" kern="0" dirty="0">
                 <a:ea typeface="Arial Unicode MS" pitchFamily="34" charset="-128"/>
                 <a:cs typeface="Arial Unicode MS" pitchFamily="34" charset="-128"/>
               </a:rPr>
               <a:t>Kubernetes</a:t>
             </a:r>
-            <a:endParaRPr kumimoji="0" lang="en-US" sz="1600" b="1" i="0" u="none" strike="noStrike" kern="0" cap="none" spc="0" normalizeH="0" baseline="0" noProof="0" dirty="0">
-              <a:ln>
-                <a:noFill/>
-              </a:ln>
-              <a:effectLst/>
-              <a:uLnTx/>
-              <a:uFillTx/>
-              <a:ea typeface="Arial Unicode MS" pitchFamily="34" charset="-128"/>
-              <a:cs typeface="Arial Unicode MS" pitchFamily="34" charset="-128"/>
-            </a:endParaRPr>
           </a:p>
         </p:txBody>
       </p:sp>
@@ -19983,7 +22510,7 @@
         </p:blipFill>
         <p:spPr>
           <a:xfrm>
-            <a:off x="2527220" y="3041882"/>
+            <a:off x="3151912" y="3004175"/>
             <a:ext cx="1419591" cy="1419591"/>
           </a:xfrm>
           <a:prstGeom prst="rect">
@@ -19991,74 +22518,6 @@
           </a:prstGeom>
         </p:spPr>
       </p:pic>
-      <p:sp>
-        <p:nvSpPr>
-          <p:cNvPr id="27" name="Lightning Bolt 26"/>
-          <p:cNvSpPr/>
-          <p:nvPr/>
-        </p:nvSpPr>
-        <p:spPr bwMode="gray">
-          <a:xfrm>
-            <a:off x="4074009" y="2957355"/>
-            <a:ext cx="436108" cy="877969"/>
-          </a:xfrm>
-          <a:prstGeom prst="lightningBolt">
-            <a:avLst/>
-          </a:prstGeom>
-          <a:ln>
-            <a:headEnd/>
-            <a:tailEnd/>
-          </a:ln>
-        </p:spPr>
-        <p:style>
-          <a:lnRef idx="2">
-            <a:schemeClr val="accent5">
-              <a:shade val="50000"/>
-            </a:schemeClr>
-          </a:lnRef>
-          <a:fillRef idx="1">
-            <a:schemeClr val="accent5"/>
-          </a:fillRef>
-          <a:effectRef idx="0">
-            <a:schemeClr val="accent5"/>
-          </a:effectRef>
-          <a:fontRef idx="minor">
-            <a:schemeClr val="lt1"/>
-          </a:fontRef>
-        </p:style>
-        <p:txBody>
-          <a:bodyPr lIns="90000" tIns="72000" rIns="90000" bIns="72000" rtlCol="0" anchor="ctr"/>
-          <a:lstStyle/>
-          <a:p>
-            <a:pPr marR="0" algn="ctr" defTabSz="914400" eaLnBrk="1" fontAlgn="base" latinLnBrk="0" hangingPunct="1">
-              <a:lnSpc>
-                <a:spcPct val="100000"/>
-              </a:lnSpc>
-              <a:spcBef>
-                <a:spcPct val="50000"/>
-              </a:spcBef>
-              <a:spcAft>
-                <a:spcPct val="0"/>
-              </a:spcAft>
-              <a:buClr>
-                <a:srgbClr val="F0AB00"/>
-              </a:buClr>
-              <a:buSzPct val="80000"/>
-              <a:tabLst/>
-            </a:pPr>
-            <a:endParaRPr kumimoji="0" lang="en-US" sz="1800" b="0" i="0" u="none" strike="noStrike" kern="0" cap="none" spc="0" normalizeH="0" baseline="0" noProof="0" dirty="0" err="1">
-              <a:ln>
-                <a:noFill/>
-              </a:ln>
-              <a:effectLst/>
-              <a:uLnTx/>
-              <a:uFillTx/>
-              <a:ea typeface="Arial Unicode MS" pitchFamily="34" charset="-128"/>
-              <a:cs typeface="Arial Unicode MS" pitchFamily="34" charset="-128"/>
-            </a:endParaRPr>
-          </a:p>
-        </p:txBody>
-      </p:sp>
     </p:spTree>
     <p:extLst>
       <p:ext uri="{BB962C8B-B14F-4D97-AF65-F5344CB8AC3E}">
@@ -20072,7 +22531,7 @@
 </p:sld>
 </file>
 
-<file path=ppt/slides/slide6.xml><?xml version="1.0" encoding="utf-8"?>
+<file path=ppt/slides/slide7.xml><?xml version="1.0" encoding="utf-8"?>
 <p:sld xmlns:a="http://schemas.openxmlformats.org/drawingml/2006/main" xmlns:r="http://schemas.openxmlformats.org/officeDocument/2006/relationships" xmlns:p="http://schemas.openxmlformats.org/presentationml/2006/main">
   <p:cSld>
     <p:spTree>
@@ -20109,13 +22568,13 @@
           </a:ln>
         </p:spPr>
         <p:style>
-          <a:lnRef idx="2">
+          <a:lnRef idx="1">
             <a:schemeClr val="accent2"/>
           </a:lnRef>
-          <a:fillRef idx="1">
-            <a:schemeClr val="lt1"/>
+          <a:fillRef idx="2">
+            <a:schemeClr val="accent2"/>
           </a:fillRef>
-          <a:effectRef idx="0">
+          <a:effectRef idx="1">
             <a:schemeClr val="accent2"/>
           </a:effectRef>
           <a:fontRef idx="minor">
@@ -20126,10 +22585,7 @@
           <a:bodyPr lIns="90000" tIns="72000" rIns="90000" bIns="72000" rtlCol="0" anchor="t"/>
           <a:lstStyle/>
           <a:p>
-            <a:pPr marR="0" algn="ctr" defTabSz="914400" eaLnBrk="1" fontAlgn="base" latinLnBrk="0" hangingPunct="1">
-              <a:lnSpc>
-                <a:spcPct val="100000"/>
-              </a:lnSpc>
+            <a:pPr algn="ctr" defTabSz="914400" fontAlgn="base">
               <a:spcBef>
                 <a:spcPct val="50000"/>
               </a:spcBef>
@@ -20140,25 +22596,14 @@
                 <a:srgbClr val="F0AB00"/>
               </a:buClr>
               <a:buSzPct val="80000"/>
-              <a:tabLst/>
             </a:pPr>
             <a:r>
-              <a:rPr lang="en-US" sz="1600" b="1" kern="0" dirty="0">
+              <a:rPr lang="en-US" sz="2400" b="1" kern="0" dirty="0">
                 <a:ea typeface="Arial Unicode MS" pitchFamily="34" charset="-128"/>
                 <a:cs typeface="Arial Unicode MS" pitchFamily="34" charset="-128"/>
               </a:rPr>
               <a:t>Kubernetes</a:t>
             </a:r>
-            <a:endParaRPr kumimoji="0" lang="en-US" sz="1600" b="1" i="0" u="none" strike="noStrike" kern="0" cap="none" spc="0" normalizeH="0" baseline="0" noProof="0" dirty="0">
-              <a:ln>
-                <a:noFill/>
-              </a:ln>
-              <a:effectLst/>
-              <a:uLnTx/>
-              <a:uFillTx/>
-              <a:ea typeface="Arial Unicode MS" pitchFamily="34" charset="-128"/>
-              <a:cs typeface="Arial Unicode MS" pitchFamily="34" charset="-128"/>
-            </a:endParaRPr>
           </a:p>
         </p:txBody>
       </p:sp>
@@ -20378,7 +22823,7 @@
         </p:blipFill>
         <p:spPr>
           <a:xfrm>
-            <a:off x="2751621" y="2369079"/>
+            <a:off x="3266129" y="2348274"/>
             <a:ext cx="1542129" cy="1542129"/>
           </a:xfrm>
           <a:prstGeom prst="rect">
@@ -20814,7 +23259,7 @@
 </p:sld>
 </file>
 
-<file path=ppt/slides/slide7.xml><?xml version="1.0" encoding="utf-8"?>
+<file path=ppt/slides/slide8.xml><?xml version="1.0" encoding="utf-8"?>
 <p:sld xmlns:a="http://schemas.openxmlformats.org/drawingml/2006/main" xmlns:r="http://schemas.openxmlformats.org/officeDocument/2006/relationships" xmlns:p="http://schemas.openxmlformats.org/presentationml/2006/main">
   <p:cSld>
     <p:spTree>
@@ -20851,13 +23296,13 @@
           </a:ln>
         </p:spPr>
         <p:style>
-          <a:lnRef idx="2">
+          <a:lnRef idx="1">
             <a:schemeClr val="accent2"/>
           </a:lnRef>
-          <a:fillRef idx="1">
-            <a:schemeClr val="lt1"/>
+          <a:fillRef idx="2">
+            <a:schemeClr val="accent2"/>
           </a:fillRef>
-          <a:effectRef idx="0">
+          <a:effectRef idx="1">
             <a:schemeClr val="accent2"/>
           </a:effectRef>
           <a:fontRef idx="minor">
@@ -20868,10 +23313,7 @@
           <a:bodyPr lIns="90000" tIns="72000" rIns="90000" bIns="72000" rtlCol="0" anchor="t"/>
           <a:lstStyle/>
           <a:p>
-            <a:pPr marR="0" algn="ctr" defTabSz="914400" eaLnBrk="1" fontAlgn="base" latinLnBrk="0" hangingPunct="1">
-              <a:lnSpc>
-                <a:spcPct val="100000"/>
-              </a:lnSpc>
+            <a:pPr algn="ctr" defTabSz="914400" fontAlgn="base">
               <a:spcBef>
                 <a:spcPct val="50000"/>
               </a:spcBef>
@@ -20882,25 +23324,14 @@
                 <a:srgbClr val="F0AB00"/>
               </a:buClr>
               <a:buSzPct val="80000"/>
-              <a:tabLst/>
             </a:pPr>
             <a:r>
-              <a:rPr lang="en-US" sz="1600" b="1" kern="0" dirty="0">
+              <a:rPr lang="en-US" sz="2400" b="1" kern="0" dirty="0">
                 <a:ea typeface="Arial Unicode MS" pitchFamily="34" charset="-128"/>
                 <a:cs typeface="Arial Unicode MS" pitchFamily="34" charset="-128"/>
               </a:rPr>
               <a:t>Kubernetes</a:t>
             </a:r>
-            <a:endParaRPr kumimoji="0" lang="en-US" sz="1600" b="1" i="0" u="none" strike="noStrike" kern="0" cap="none" spc="0" normalizeH="0" baseline="0" noProof="0" dirty="0">
-              <a:ln>
-                <a:noFill/>
-              </a:ln>
-              <a:effectLst/>
-              <a:uLnTx/>
-              <a:uFillTx/>
-              <a:ea typeface="Arial Unicode MS" pitchFamily="34" charset="-128"/>
-              <a:cs typeface="Arial Unicode MS" pitchFamily="34" charset="-128"/>
-            </a:endParaRPr>
           </a:p>
         </p:txBody>
       </p:sp>
@@ -21390,7 +23821,7 @@
       </p:cxnSp>
       <p:pic>
         <p:nvPicPr>
-          <p:cNvPr id="27" name="Picture 26"/>
+          <p:cNvPr id="29" name="Picture 28"/>
           <p:cNvPicPr>
             <a:picLocks noChangeAspect="1"/>
           </p:cNvPicPr>
@@ -21403,9 +23834,9 @@
           </a:stretch>
         </p:blipFill>
         <p:spPr>
-          <a:xfrm>
-            <a:off x="2751621" y="2369079"/>
-            <a:ext cx="1542129" cy="1542129"/>
+          <a:xfrm rot="4927815" flipH="1">
+            <a:off x="8802247" y="3991716"/>
+            <a:ext cx="757761" cy="757761"/>
           </a:xfrm>
           <a:prstGeom prst="rect">
             <a:avLst/>
@@ -21414,7 +23845,7 @@
       </p:pic>
       <p:pic>
         <p:nvPicPr>
-          <p:cNvPr id="29" name="Picture 28"/>
+          <p:cNvPr id="27" name="Picture 26"/>
           <p:cNvPicPr>
             <a:picLocks noChangeAspect="1"/>
           </p:cNvPicPr>
@@ -21427,9 +23858,9 @@
           </a:stretch>
         </p:blipFill>
         <p:spPr>
-          <a:xfrm rot="4927815" flipH="1">
-            <a:off x="8802247" y="3991716"/>
-            <a:ext cx="757761" cy="757761"/>
+          <a:xfrm>
+            <a:off x="3265865" y="2355160"/>
+            <a:ext cx="1542129" cy="1542129"/>
           </a:xfrm>
           <a:prstGeom prst="rect">
             <a:avLst/>
@@ -21449,7 +23880,7 @@
 </p:sld>
 </file>
 
-<file path=ppt/slides/slide8.xml><?xml version="1.0" encoding="utf-8"?>
+<file path=ppt/slides/slide9.xml><?xml version="1.0" encoding="utf-8"?>
 <p:sld xmlns:a="http://schemas.openxmlformats.org/drawingml/2006/main" xmlns:r="http://schemas.openxmlformats.org/officeDocument/2006/relationships" xmlns:p="http://schemas.openxmlformats.org/presentationml/2006/main">
   <p:cSld>
     <p:spTree>
@@ -22257,1109 +24688,6 @@
     <p:extLst>
       <p:ext uri="{BB962C8B-B14F-4D97-AF65-F5344CB8AC3E}">
         <p14:creationId xmlns:p14="http://schemas.microsoft.com/office/powerpoint/2010/main" val="4252572192"/>
-      </p:ext>
-    </p:extLst>
-  </p:cSld>
-  <p:clrMapOvr>
-    <a:masterClrMapping/>
-  </p:clrMapOvr>
-</p:sld>
-</file>
-
-<file path=ppt/slides/slide9.xml><?xml version="1.0" encoding="utf-8"?>
-<p:sld xmlns:a="http://schemas.openxmlformats.org/drawingml/2006/main" xmlns:r="http://schemas.openxmlformats.org/officeDocument/2006/relationships" xmlns:p="http://schemas.openxmlformats.org/presentationml/2006/main">
-  <p:cSld>
-    <p:spTree>
-      <p:nvGrpSpPr>
-        <p:cNvPr id="1" name=""/>
-        <p:cNvGrpSpPr/>
-        <p:nvPr/>
-      </p:nvGrpSpPr>
-      <p:grpSpPr>
-        <a:xfrm>
-          <a:off x="0" y="0"/>
-          <a:ext cx="0" cy="0"/>
-          <a:chOff x="0" y="0"/>
-          <a:chExt cx="0" cy="0"/>
-        </a:xfrm>
-      </p:grpSpPr>
-      <p:sp>
-        <p:nvSpPr>
-          <p:cNvPr id="2" name="Title 1"/>
-          <p:cNvSpPr>
-            <a:spLocks noGrp="1"/>
-          </p:cNvSpPr>
-          <p:nvPr>
-            <p:ph type="title"/>
-          </p:nvPr>
-        </p:nvSpPr>
-        <p:spPr/>
-        <p:txBody>
-          <a:bodyPr/>
-          <a:lstStyle/>
-          <a:p>
-            <a:r>
-              <a:rPr lang="en-US" dirty="0" err="1"/>
-              <a:t>NetworkPolicy</a:t>
-            </a:r>
-            <a:endParaRPr lang="en-US" dirty="0"/>
-          </a:p>
-        </p:txBody>
-      </p:sp>
-      <p:sp>
-        <p:nvSpPr>
-          <p:cNvPr id="8" name="Rectangle 7"/>
-          <p:cNvSpPr/>
-          <p:nvPr/>
-        </p:nvSpPr>
-        <p:spPr>
-          <a:xfrm>
-            <a:off x="504000" y="1223190"/>
-            <a:ext cx="10918380" cy="1061829"/>
-          </a:xfrm>
-          <a:prstGeom prst="rect">
-            <a:avLst/>
-          </a:prstGeom>
-        </p:spPr>
-        <p:txBody>
-          <a:bodyPr wrap="square">
-            <a:spAutoFit/>
-          </a:bodyPr>
-          <a:lstStyle/>
-          <a:p>
-            <a:pPr marL="342900" indent="-342900">
-              <a:buFont typeface="Wingdings" panose="05000000000000000000" pitchFamily="2" charset="2"/>
-              <a:buChar char="§"/>
-            </a:pPr>
-            <a:r>
-              <a:rPr lang="en-US" dirty="0"/>
-              <a:t>“Firewall”-like restrictions</a:t>
-            </a:r>
-          </a:p>
-          <a:p>
-            <a:pPr marL="342900" indent="-342900">
-              <a:buFont typeface="Wingdings" panose="05000000000000000000" pitchFamily="2" charset="2"/>
-              <a:buChar char="§"/>
-            </a:pPr>
-            <a:r>
-              <a:rPr lang="en-US" dirty="0"/>
-              <a:t>Define egress and ingress rules for a service</a:t>
-            </a:r>
-          </a:p>
-          <a:p>
-            <a:pPr marL="342900" indent="-342900">
-              <a:buFont typeface="Wingdings" panose="05000000000000000000" pitchFamily="2" charset="2"/>
-              <a:buChar char="§"/>
-            </a:pPr>
-            <a:r>
-              <a:rPr lang="en-US" dirty="0"/>
-              <a:t>Requires support by overlay network plugin</a:t>
-            </a:r>
-          </a:p>
-        </p:txBody>
-      </p:sp>
-      <p:sp>
-        <p:nvSpPr>
-          <p:cNvPr id="7" name="Rectangle 6"/>
-          <p:cNvSpPr/>
-          <p:nvPr/>
-        </p:nvSpPr>
-        <p:spPr bwMode="gray">
-          <a:xfrm>
-            <a:off x="4479700" y="3598223"/>
-            <a:ext cx="1315448" cy="774112"/>
-          </a:xfrm>
-          <a:prstGeom prst="rect">
-            <a:avLst/>
-          </a:prstGeom>
-          <a:ln>
-            <a:headEnd/>
-            <a:tailEnd/>
-          </a:ln>
-        </p:spPr>
-        <p:style>
-          <a:lnRef idx="2">
-            <a:schemeClr val="accent2"/>
-          </a:lnRef>
-          <a:fillRef idx="1">
-            <a:schemeClr val="lt1"/>
-          </a:fillRef>
-          <a:effectRef idx="0">
-            <a:schemeClr val="accent2"/>
-          </a:effectRef>
-          <a:fontRef idx="minor">
-            <a:schemeClr val="dk1"/>
-          </a:fontRef>
-        </p:style>
-        <p:txBody>
-          <a:bodyPr lIns="90000" tIns="72000" rIns="90000" bIns="72000" rtlCol="0" anchor="ctr"/>
-          <a:lstStyle/>
-          <a:p>
-            <a:pPr marR="0" algn="ctr" defTabSz="914400" eaLnBrk="1" fontAlgn="base" latinLnBrk="0" hangingPunct="1">
-              <a:lnSpc>
-                <a:spcPct val="100000"/>
-              </a:lnSpc>
-              <a:spcBef>
-                <a:spcPct val="50000"/>
-              </a:spcBef>
-              <a:spcAft>
-                <a:spcPct val="0"/>
-              </a:spcAft>
-              <a:buClr>
-                <a:srgbClr val="F0AB00"/>
-              </a:buClr>
-              <a:buSzPct val="80000"/>
-              <a:tabLst/>
-            </a:pPr>
-            <a:r>
-              <a:rPr lang="en-US" sz="1800" kern="0" dirty="0">
-                <a:ea typeface="Arial Unicode MS" pitchFamily="34" charset="-128"/>
-                <a:cs typeface="Arial Unicode MS" pitchFamily="34" charset="-128"/>
-              </a:rPr>
-              <a:t>Service</a:t>
-            </a:r>
-            <a:endParaRPr kumimoji="0" lang="en-US" sz="1800" b="0" i="0" u="none" strike="noStrike" kern="0" cap="none" spc="0" normalizeH="0" baseline="0" noProof="0" dirty="0">
-              <a:ln>
-                <a:noFill/>
-              </a:ln>
-              <a:effectLst/>
-              <a:uLnTx/>
-              <a:uFillTx/>
-              <a:ea typeface="Arial Unicode MS" pitchFamily="34" charset="-128"/>
-              <a:cs typeface="Arial Unicode MS" pitchFamily="34" charset="-128"/>
-            </a:endParaRPr>
-          </a:p>
-        </p:txBody>
-      </p:sp>
-      <p:sp>
-        <p:nvSpPr>
-          <p:cNvPr id="12" name="Rectangle 11"/>
-          <p:cNvSpPr/>
-          <p:nvPr/>
-        </p:nvSpPr>
-        <p:spPr bwMode="gray">
-          <a:xfrm>
-            <a:off x="9108965" y="3567880"/>
-            <a:ext cx="1062486" cy="806724"/>
-          </a:xfrm>
-          <a:prstGeom prst="rect">
-            <a:avLst/>
-          </a:prstGeom>
-          <a:ln>
-            <a:headEnd/>
-            <a:tailEnd/>
-          </a:ln>
-        </p:spPr>
-        <p:style>
-          <a:lnRef idx="2">
-            <a:schemeClr val="accent2"/>
-          </a:lnRef>
-          <a:fillRef idx="1">
-            <a:schemeClr val="lt1"/>
-          </a:fillRef>
-          <a:effectRef idx="0">
-            <a:schemeClr val="accent2"/>
-          </a:effectRef>
-          <a:fontRef idx="minor">
-            <a:schemeClr val="dk1"/>
-          </a:fontRef>
-        </p:style>
-        <p:txBody>
-          <a:bodyPr lIns="90000" tIns="72000" rIns="90000" bIns="72000" rtlCol="0" anchor="ctr"/>
-          <a:lstStyle/>
-          <a:p>
-            <a:pPr marR="0" algn="ctr" defTabSz="914400" eaLnBrk="1" fontAlgn="base" latinLnBrk="0" hangingPunct="1">
-              <a:lnSpc>
-                <a:spcPct val="100000"/>
-              </a:lnSpc>
-              <a:spcBef>
-                <a:spcPct val="50000"/>
-              </a:spcBef>
-              <a:spcAft>
-                <a:spcPct val="0"/>
-              </a:spcAft>
-              <a:buClr>
-                <a:srgbClr val="F0AB00"/>
-              </a:buClr>
-              <a:buSzPct val="80000"/>
-              <a:tabLst/>
-            </a:pPr>
-            <a:r>
-              <a:rPr lang="en-US" sz="1800" kern="0" noProof="0" dirty="0">
-                <a:ea typeface="Arial Unicode MS" pitchFamily="34" charset="-128"/>
-                <a:cs typeface="Arial Unicode MS" pitchFamily="34" charset="-128"/>
-              </a:rPr>
-              <a:t>Pod</a:t>
-            </a:r>
-            <a:r>
-              <a:rPr lang="en-US" sz="1800" kern="0" dirty="0">
-                <a:ea typeface="Arial Unicode MS" pitchFamily="34" charset="-128"/>
-                <a:cs typeface="Arial Unicode MS" pitchFamily="34" charset="-128"/>
-              </a:rPr>
-              <a:t> A</a:t>
-            </a:r>
-            <a:endParaRPr kumimoji="0" lang="en-US" sz="1800" b="0" i="0" u="none" strike="noStrike" kern="0" cap="none" spc="0" normalizeH="0" baseline="0" noProof="0" dirty="0">
-              <a:ln>
-                <a:noFill/>
-              </a:ln>
-              <a:effectLst/>
-              <a:uLnTx/>
-              <a:uFillTx/>
-              <a:ea typeface="Arial Unicode MS" pitchFamily="34" charset="-128"/>
-              <a:cs typeface="Arial Unicode MS" pitchFamily="34" charset="-128"/>
-            </a:endParaRPr>
-          </a:p>
-        </p:txBody>
-      </p:sp>
-      <p:cxnSp>
-        <p:nvCxnSpPr>
-          <p:cNvPr id="16" name="Straight Arrow Connector 15"/>
-          <p:cNvCxnSpPr>
-            <a:stCxn id="28" idx="3"/>
-            <a:endCxn id="7" idx="1"/>
-          </p:cNvCxnSpPr>
-          <p:nvPr/>
-        </p:nvCxnSpPr>
-        <p:spPr>
-          <a:xfrm>
-            <a:off x="2760620" y="3228936"/>
-            <a:ext cx="1719080" cy="756343"/>
-          </a:xfrm>
-          <a:prstGeom prst="straightConnector1">
-            <a:avLst/>
-          </a:prstGeom>
-          <a:ln w="38100">
-            <a:solidFill>
-              <a:schemeClr val="tx2">
-                <a:lumMod val="60000"/>
-                <a:lumOff val="40000"/>
-              </a:schemeClr>
-            </a:solidFill>
-            <a:headEnd type="none" w="med" len="med"/>
-            <a:tailEnd type="triangle"/>
-          </a:ln>
-        </p:spPr>
-        <p:style>
-          <a:lnRef idx="1">
-            <a:schemeClr val="accent1"/>
-          </a:lnRef>
-          <a:fillRef idx="0">
-            <a:schemeClr val="accent1"/>
-          </a:fillRef>
-          <a:effectRef idx="0">
-            <a:schemeClr val="accent1"/>
-          </a:effectRef>
-          <a:fontRef idx="minor">
-            <a:schemeClr val="tx1"/>
-          </a:fontRef>
-        </p:style>
-      </p:cxnSp>
-      <p:sp>
-        <p:nvSpPr>
-          <p:cNvPr id="22" name="Rectangle: Single Corner Snipped 21"/>
-          <p:cNvSpPr/>
-          <p:nvPr/>
-        </p:nvSpPr>
-        <p:spPr bwMode="gray">
-          <a:xfrm>
-            <a:off x="6667860" y="5016889"/>
-            <a:ext cx="2322768" cy="1438976"/>
-          </a:xfrm>
-          <a:prstGeom prst="snip1Rect">
-            <a:avLst/>
-          </a:prstGeom>
-          <a:ln>
-            <a:headEnd/>
-            <a:tailEnd/>
-          </a:ln>
-        </p:spPr>
-        <p:style>
-          <a:lnRef idx="2">
-            <a:schemeClr val="accent2"/>
-          </a:lnRef>
-          <a:fillRef idx="1">
-            <a:schemeClr val="lt1"/>
-          </a:fillRef>
-          <a:effectRef idx="0">
-            <a:schemeClr val="accent2"/>
-          </a:effectRef>
-          <a:fontRef idx="minor">
-            <a:schemeClr val="dk1"/>
-          </a:fontRef>
-        </p:style>
-        <p:txBody>
-          <a:bodyPr lIns="90000" tIns="72000" rIns="90000" bIns="72000" rtlCol="0" anchor="ctr"/>
-          <a:lstStyle/>
-          <a:p>
-            <a:pPr marR="0" algn="ctr" defTabSz="914400" eaLnBrk="1" fontAlgn="base" latinLnBrk="0" hangingPunct="1">
-              <a:lnSpc>
-                <a:spcPct val="100000"/>
-              </a:lnSpc>
-              <a:spcBef>
-                <a:spcPct val="50000"/>
-              </a:spcBef>
-              <a:spcAft>
-                <a:spcPct val="0"/>
-              </a:spcAft>
-              <a:buClr>
-                <a:srgbClr val="F0AB00"/>
-              </a:buClr>
-              <a:buSzPct val="80000"/>
-              <a:tabLst/>
-            </a:pPr>
-            <a:r>
-              <a:rPr lang="en-US" sz="1800" kern="0" dirty="0">
-                <a:ea typeface="Arial Unicode MS" pitchFamily="34" charset="-128"/>
-                <a:cs typeface="Arial Unicode MS" pitchFamily="34" charset="-128"/>
-              </a:rPr>
-              <a:t>Network Policy</a:t>
-            </a:r>
-            <a:endParaRPr kumimoji="0" lang="en-US" sz="1800" b="0" i="0" u="none" strike="noStrike" kern="0" cap="none" spc="0" normalizeH="0" baseline="0" noProof="0" dirty="0">
-              <a:ln>
-                <a:noFill/>
-              </a:ln>
-              <a:effectLst/>
-              <a:uLnTx/>
-              <a:uFillTx/>
-              <a:ea typeface="Arial Unicode MS" pitchFamily="34" charset="-128"/>
-              <a:cs typeface="Arial Unicode MS" pitchFamily="34" charset="-128"/>
-            </a:endParaRPr>
-          </a:p>
-        </p:txBody>
-      </p:sp>
-      <p:cxnSp>
-        <p:nvCxnSpPr>
-          <p:cNvPr id="24" name="Straight Arrow Connector 23"/>
-          <p:cNvCxnSpPr>
-            <a:stCxn id="22" idx="3"/>
-          </p:cNvCxnSpPr>
-          <p:nvPr/>
-        </p:nvCxnSpPr>
-        <p:spPr>
-          <a:xfrm flipV="1">
-            <a:off x="7829244" y="4071790"/>
-            <a:ext cx="0" cy="945099"/>
-          </a:xfrm>
-          <a:prstGeom prst="straightConnector1">
-            <a:avLst/>
-          </a:prstGeom>
-          <a:ln w="38100">
-            <a:solidFill>
-              <a:schemeClr val="tx2">
-                <a:lumMod val="60000"/>
-                <a:lumOff val="40000"/>
-              </a:schemeClr>
-            </a:solidFill>
-            <a:headEnd type="none" w="med" len="med"/>
-            <a:tailEnd type="triangle"/>
-          </a:ln>
-        </p:spPr>
-        <p:style>
-          <a:lnRef idx="1">
-            <a:schemeClr val="accent1"/>
-          </a:lnRef>
-          <a:fillRef idx="0">
-            <a:schemeClr val="accent1"/>
-          </a:fillRef>
-          <a:effectRef idx="0">
-            <a:schemeClr val="accent1"/>
-          </a:effectRef>
-          <a:fontRef idx="minor">
-            <a:schemeClr val="tx1"/>
-          </a:fontRef>
-        </p:style>
-      </p:cxnSp>
-      <p:cxnSp>
-        <p:nvCxnSpPr>
-          <p:cNvPr id="27" name="Straight Arrow Connector 26"/>
-          <p:cNvCxnSpPr>
-            <a:stCxn id="7" idx="3"/>
-            <a:endCxn id="12" idx="1"/>
-          </p:cNvCxnSpPr>
-          <p:nvPr/>
-        </p:nvCxnSpPr>
-        <p:spPr>
-          <a:xfrm flipV="1">
-            <a:off x="5795148" y="3971242"/>
-            <a:ext cx="3313817" cy="14037"/>
-          </a:xfrm>
-          <a:prstGeom prst="straightConnector1">
-            <a:avLst/>
-          </a:prstGeom>
-          <a:ln w="38100">
-            <a:solidFill>
-              <a:schemeClr val="tx2">
-                <a:lumMod val="60000"/>
-                <a:lumOff val="40000"/>
-              </a:schemeClr>
-            </a:solidFill>
-            <a:headEnd type="none" w="med" len="med"/>
-            <a:tailEnd type="triangle"/>
-          </a:ln>
-        </p:spPr>
-        <p:style>
-          <a:lnRef idx="1">
-            <a:schemeClr val="accent1"/>
-          </a:lnRef>
-          <a:fillRef idx="0">
-            <a:schemeClr val="accent1"/>
-          </a:fillRef>
-          <a:effectRef idx="0">
-            <a:schemeClr val="accent1"/>
-          </a:effectRef>
-          <a:fontRef idx="minor">
-            <a:schemeClr val="tx1"/>
-          </a:fontRef>
-        </p:style>
-      </p:cxnSp>
-      <p:sp>
-        <p:nvSpPr>
-          <p:cNvPr id="36" name="Lightning Bolt 35"/>
-          <p:cNvSpPr/>
-          <p:nvPr/>
-        </p:nvSpPr>
-        <p:spPr bwMode="gray">
-          <a:xfrm>
-            <a:off x="7381964" y="4071790"/>
-            <a:ext cx="303473" cy="499599"/>
-          </a:xfrm>
-          <a:prstGeom prst="lightningBolt">
-            <a:avLst/>
-          </a:prstGeom>
-          <a:ln>
-            <a:headEnd/>
-            <a:tailEnd/>
-          </a:ln>
-        </p:spPr>
-        <p:style>
-          <a:lnRef idx="2">
-            <a:schemeClr val="accent5">
-              <a:shade val="50000"/>
-            </a:schemeClr>
-          </a:lnRef>
-          <a:fillRef idx="1">
-            <a:schemeClr val="accent5"/>
-          </a:fillRef>
-          <a:effectRef idx="0">
-            <a:schemeClr val="accent5"/>
-          </a:effectRef>
-          <a:fontRef idx="minor">
-            <a:schemeClr val="lt1"/>
-          </a:fontRef>
-        </p:style>
-        <p:txBody>
-          <a:bodyPr lIns="90000" tIns="72000" rIns="90000" bIns="72000" rtlCol="0" anchor="ctr"/>
-          <a:lstStyle/>
-          <a:p>
-            <a:pPr marR="0" algn="ctr" defTabSz="914400" eaLnBrk="1" fontAlgn="base" latinLnBrk="0" hangingPunct="1">
-              <a:lnSpc>
-                <a:spcPct val="100000"/>
-              </a:lnSpc>
-              <a:spcBef>
-                <a:spcPct val="50000"/>
-              </a:spcBef>
-              <a:spcAft>
-                <a:spcPct val="0"/>
-              </a:spcAft>
-              <a:buClr>
-                <a:srgbClr val="F0AB00"/>
-              </a:buClr>
-              <a:buSzPct val="80000"/>
-              <a:tabLst/>
-            </a:pPr>
-            <a:endParaRPr kumimoji="0" lang="en-US" sz="1800" b="0" i="0" u="none" strike="noStrike" kern="0" cap="none" spc="0" normalizeH="0" baseline="0" noProof="0" dirty="0" err="1">
-              <a:ln>
-                <a:noFill/>
-              </a:ln>
-              <a:effectLst/>
-              <a:uLnTx/>
-              <a:uFillTx/>
-              <a:ea typeface="Arial Unicode MS" pitchFamily="34" charset="-128"/>
-              <a:cs typeface="Arial Unicode MS" pitchFamily="34" charset="-128"/>
-            </a:endParaRPr>
-          </a:p>
-        </p:txBody>
-      </p:sp>
-      <p:sp>
-        <p:nvSpPr>
-          <p:cNvPr id="28" name="Rectangle 27"/>
-          <p:cNvSpPr/>
-          <p:nvPr/>
-        </p:nvSpPr>
-        <p:spPr bwMode="gray">
-          <a:xfrm>
-            <a:off x="1698134" y="2825574"/>
-            <a:ext cx="1062486" cy="806724"/>
-          </a:xfrm>
-          <a:prstGeom prst="rect">
-            <a:avLst/>
-          </a:prstGeom>
-          <a:ln>
-            <a:headEnd/>
-            <a:tailEnd/>
-          </a:ln>
-        </p:spPr>
-        <p:style>
-          <a:lnRef idx="2">
-            <a:schemeClr val="accent2"/>
-          </a:lnRef>
-          <a:fillRef idx="1">
-            <a:schemeClr val="lt1"/>
-          </a:fillRef>
-          <a:effectRef idx="0">
-            <a:schemeClr val="accent2"/>
-          </a:effectRef>
-          <a:fontRef idx="minor">
-            <a:schemeClr val="dk1"/>
-          </a:fontRef>
-        </p:style>
-        <p:txBody>
-          <a:bodyPr lIns="90000" tIns="72000" rIns="90000" bIns="72000" rtlCol="0" anchor="ctr"/>
-          <a:lstStyle/>
-          <a:p>
-            <a:pPr marR="0" algn="ctr" defTabSz="914400" eaLnBrk="1" fontAlgn="base" latinLnBrk="0" hangingPunct="1">
-              <a:lnSpc>
-                <a:spcPct val="100000"/>
-              </a:lnSpc>
-              <a:spcBef>
-                <a:spcPct val="50000"/>
-              </a:spcBef>
-              <a:spcAft>
-                <a:spcPct val="0"/>
-              </a:spcAft>
-              <a:buClr>
-                <a:srgbClr val="F0AB00"/>
-              </a:buClr>
-              <a:buSzPct val="80000"/>
-              <a:tabLst/>
-            </a:pPr>
-            <a:r>
-              <a:rPr lang="en-US" sz="1800" kern="0" noProof="0" dirty="0">
-                <a:ea typeface="Arial Unicode MS" pitchFamily="34" charset="-128"/>
-                <a:cs typeface="Arial Unicode MS" pitchFamily="34" charset="-128"/>
-              </a:rPr>
-              <a:t>Pod</a:t>
-            </a:r>
-            <a:r>
-              <a:rPr lang="en-US" sz="1800" kern="0" dirty="0">
-                <a:ea typeface="Arial Unicode MS" pitchFamily="34" charset="-128"/>
-                <a:cs typeface="Arial Unicode MS" pitchFamily="34" charset="-128"/>
-              </a:rPr>
-              <a:t> A</a:t>
-            </a:r>
-            <a:endParaRPr kumimoji="0" lang="en-US" sz="1800" b="0" i="0" u="none" strike="noStrike" kern="0" cap="none" spc="0" normalizeH="0" baseline="0" noProof="0" dirty="0">
-              <a:ln>
-                <a:noFill/>
-              </a:ln>
-              <a:effectLst/>
-              <a:uLnTx/>
-              <a:uFillTx/>
-              <a:ea typeface="Arial Unicode MS" pitchFamily="34" charset="-128"/>
-              <a:cs typeface="Arial Unicode MS" pitchFamily="34" charset="-128"/>
-            </a:endParaRPr>
-          </a:p>
-        </p:txBody>
-      </p:sp>
-      <p:sp>
-        <p:nvSpPr>
-          <p:cNvPr id="29" name="Rectangle 28"/>
-          <p:cNvSpPr/>
-          <p:nvPr/>
-        </p:nvSpPr>
-        <p:spPr bwMode="gray">
-          <a:xfrm>
-            <a:off x="1698134" y="4488940"/>
-            <a:ext cx="1062486" cy="806724"/>
-          </a:xfrm>
-          <a:prstGeom prst="rect">
-            <a:avLst/>
-          </a:prstGeom>
-          <a:ln>
-            <a:headEnd/>
-            <a:tailEnd/>
-          </a:ln>
-        </p:spPr>
-        <p:style>
-          <a:lnRef idx="2">
-            <a:schemeClr val="accent2"/>
-          </a:lnRef>
-          <a:fillRef idx="1">
-            <a:schemeClr val="lt1"/>
-          </a:fillRef>
-          <a:effectRef idx="0">
-            <a:schemeClr val="accent2"/>
-          </a:effectRef>
-          <a:fontRef idx="minor">
-            <a:schemeClr val="dk1"/>
-          </a:fontRef>
-        </p:style>
-        <p:txBody>
-          <a:bodyPr lIns="90000" tIns="72000" rIns="90000" bIns="72000" rtlCol="0" anchor="ctr"/>
-          <a:lstStyle/>
-          <a:p>
-            <a:pPr marR="0" algn="ctr" defTabSz="914400" eaLnBrk="1" fontAlgn="base" latinLnBrk="0" hangingPunct="1">
-              <a:lnSpc>
-                <a:spcPct val="100000"/>
-              </a:lnSpc>
-              <a:spcBef>
-                <a:spcPct val="50000"/>
-              </a:spcBef>
-              <a:spcAft>
-                <a:spcPct val="0"/>
-              </a:spcAft>
-              <a:buClr>
-                <a:srgbClr val="F0AB00"/>
-              </a:buClr>
-              <a:buSzPct val="80000"/>
-              <a:tabLst/>
-            </a:pPr>
-            <a:r>
-              <a:rPr lang="en-US" sz="1800" kern="0" noProof="0" dirty="0">
-                <a:ea typeface="Arial Unicode MS" pitchFamily="34" charset="-128"/>
-                <a:cs typeface="Arial Unicode MS" pitchFamily="34" charset="-128"/>
-              </a:rPr>
-              <a:t>Pod</a:t>
-            </a:r>
-            <a:r>
-              <a:rPr lang="en-US" sz="1800" kern="0" dirty="0">
-                <a:ea typeface="Arial Unicode MS" pitchFamily="34" charset="-128"/>
-                <a:cs typeface="Arial Unicode MS" pitchFamily="34" charset="-128"/>
-              </a:rPr>
-              <a:t> A</a:t>
-            </a:r>
-            <a:endParaRPr kumimoji="0" lang="en-US" sz="1800" b="0" i="0" u="none" strike="noStrike" kern="0" cap="none" spc="0" normalizeH="0" baseline="0" noProof="0" dirty="0">
-              <a:ln>
-                <a:noFill/>
-              </a:ln>
-              <a:effectLst/>
-              <a:uLnTx/>
-              <a:uFillTx/>
-              <a:ea typeface="Arial Unicode MS" pitchFamily="34" charset="-128"/>
-              <a:cs typeface="Arial Unicode MS" pitchFamily="34" charset="-128"/>
-            </a:endParaRPr>
-          </a:p>
-        </p:txBody>
-      </p:sp>
-      <p:cxnSp>
-        <p:nvCxnSpPr>
-          <p:cNvPr id="30" name="Straight Arrow Connector 29"/>
-          <p:cNvCxnSpPr>
-            <a:stCxn id="29" idx="3"/>
-            <a:endCxn id="7" idx="1"/>
-          </p:cNvCxnSpPr>
-          <p:nvPr/>
-        </p:nvCxnSpPr>
-        <p:spPr>
-          <a:xfrm flipV="1">
-            <a:off x="2760620" y="3985279"/>
-            <a:ext cx="1719080" cy="907023"/>
-          </a:xfrm>
-          <a:prstGeom prst="straightConnector1">
-            <a:avLst/>
-          </a:prstGeom>
-          <a:ln w="38100">
-            <a:solidFill>
-              <a:schemeClr val="accent5"/>
-            </a:solidFill>
-            <a:headEnd type="none" w="med" len="med"/>
-            <a:tailEnd type="triangle"/>
-          </a:ln>
-        </p:spPr>
-        <p:style>
-          <a:lnRef idx="1">
-            <a:schemeClr val="accent1"/>
-          </a:lnRef>
-          <a:fillRef idx="0">
-            <a:schemeClr val="accent1"/>
-          </a:fillRef>
-          <a:effectRef idx="0">
-            <a:schemeClr val="accent1"/>
-          </a:effectRef>
-          <a:fontRef idx="minor">
-            <a:schemeClr val="tx1"/>
-          </a:fontRef>
-        </p:style>
-      </p:cxnSp>
-      <p:sp>
-        <p:nvSpPr>
-          <p:cNvPr id="39" name="Flowchart: Document 38"/>
-          <p:cNvSpPr/>
-          <p:nvPr/>
-        </p:nvSpPr>
-        <p:spPr bwMode="gray">
-          <a:xfrm>
-            <a:off x="8133625" y="4782370"/>
-            <a:ext cx="1506583" cy="766354"/>
-          </a:xfrm>
-          <a:prstGeom prst="flowChartDocument">
-            <a:avLst/>
-          </a:prstGeom>
-          <a:ln>
-            <a:headEnd/>
-            <a:tailEnd/>
-          </a:ln>
-        </p:spPr>
-        <p:style>
-          <a:lnRef idx="2">
-            <a:schemeClr val="accent5"/>
-          </a:lnRef>
-          <a:fillRef idx="1">
-            <a:schemeClr val="lt1"/>
-          </a:fillRef>
-          <a:effectRef idx="0">
-            <a:schemeClr val="accent5"/>
-          </a:effectRef>
-          <a:fontRef idx="minor">
-            <a:schemeClr val="dk1"/>
-          </a:fontRef>
-        </p:style>
-        <p:txBody>
-          <a:bodyPr lIns="90000" tIns="72000" rIns="90000" bIns="72000" rtlCol="0" anchor="ctr"/>
-          <a:lstStyle/>
-          <a:p>
-            <a:pPr algn="ctr" defTabSz="914400" fontAlgn="base">
-              <a:spcBef>
-                <a:spcPct val="50000"/>
-              </a:spcBef>
-              <a:spcAft>
-                <a:spcPct val="0"/>
-              </a:spcAft>
-              <a:buClr>
-                <a:srgbClr val="F0AB00"/>
-              </a:buClr>
-              <a:buSzPct val="80000"/>
-            </a:pPr>
-            <a:r>
-              <a:rPr lang="en-US" sz="1800" kern="0" dirty="0">
-                <a:ea typeface="Arial Unicode MS" pitchFamily="34" charset="-128"/>
-                <a:cs typeface="Arial Unicode MS" pitchFamily="34" charset="-128"/>
-              </a:rPr>
-              <a:t>Selector: app: </a:t>
-            </a:r>
-            <a:r>
-              <a:rPr lang="en-US" sz="1800" kern="0" dirty="0" err="1">
-                <a:ea typeface="Arial Unicode MS" pitchFamily="34" charset="-128"/>
-                <a:cs typeface="Arial Unicode MS" pitchFamily="34" charset="-128"/>
-              </a:rPr>
-              <a:t>nginx</a:t>
-            </a:r>
-            <a:endParaRPr lang="en-US" sz="1800" kern="0" dirty="0">
-              <a:ea typeface="Arial Unicode MS" pitchFamily="34" charset="-128"/>
-              <a:cs typeface="Arial Unicode MS" pitchFamily="34" charset="-128"/>
-            </a:endParaRPr>
-          </a:p>
-        </p:txBody>
-      </p:sp>
-      <p:sp>
-        <p:nvSpPr>
-          <p:cNvPr id="49" name="Rectangle 48"/>
-          <p:cNvSpPr/>
-          <p:nvPr/>
-        </p:nvSpPr>
-        <p:spPr bwMode="gray">
-          <a:xfrm>
-            <a:off x="9522959" y="3385000"/>
-            <a:ext cx="1645920" cy="365760"/>
-          </a:xfrm>
-          <a:prstGeom prst="rect">
-            <a:avLst/>
-          </a:prstGeom>
-          <a:ln>
-            <a:headEnd/>
-            <a:tailEnd/>
-          </a:ln>
-        </p:spPr>
-        <p:style>
-          <a:lnRef idx="2">
-            <a:schemeClr val="accent2"/>
-          </a:lnRef>
-          <a:fillRef idx="1">
-            <a:schemeClr val="lt1"/>
-          </a:fillRef>
-          <a:effectRef idx="0">
-            <a:schemeClr val="accent2"/>
-          </a:effectRef>
-          <a:fontRef idx="minor">
-            <a:schemeClr val="dk1"/>
-          </a:fontRef>
-        </p:style>
-        <p:txBody>
-          <a:bodyPr lIns="90000" tIns="72000" rIns="90000" bIns="72000" rtlCol="0" anchor="ctr"/>
-          <a:lstStyle/>
-          <a:p>
-            <a:pPr marR="0" algn="ctr" defTabSz="914400" eaLnBrk="1" fontAlgn="base" latinLnBrk="0" hangingPunct="1">
-              <a:lnSpc>
-                <a:spcPct val="100000"/>
-              </a:lnSpc>
-              <a:spcBef>
-                <a:spcPct val="50000"/>
-              </a:spcBef>
-              <a:spcAft>
-                <a:spcPct val="0"/>
-              </a:spcAft>
-              <a:buClr>
-                <a:srgbClr val="F0AB00"/>
-              </a:buClr>
-              <a:buSzPct val="80000"/>
-              <a:tabLst/>
-            </a:pPr>
-            <a:r>
-              <a:rPr lang="de-DE" sz="1800" kern="0" dirty="0" err="1">
-                <a:ea typeface="Arial Unicode MS" pitchFamily="34" charset="-128"/>
-                <a:cs typeface="Arial Unicode MS" pitchFamily="34" charset="-128"/>
-              </a:rPr>
-              <a:t>app</a:t>
-            </a:r>
-            <a:r>
-              <a:rPr lang="de-DE" sz="1800" kern="0" dirty="0">
-                <a:ea typeface="Arial Unicode MS" pitchFamily="34" charset="-128"/>
-                <a:cs typeface="Arial Unicode MS" pitchFamily="34" charset="-128"/>
-              </a:rPr>
-              <a:t>: </a:t>
-            </a:r>
-            <a:r>
-              <a:rPr lang="de-DE" sz="1800" kern="0" dirty="0" err="1">
-                <a:ea typeface="Arial Unicode MS" pitchFamily="34" charset="-128"/>
-                <a:cs typeface="Arial Unicode MS" pitchFamily="34" charset="-128"/>
-              </a:rPr>
-              <a:t>nginx</a:t>
-            </a:r>
-            <a:endParaRPr kumimoji="0" lang="de-DE" sz="1800" b="0" i="0" u="none" strike="noStrike" kern="0" cap="none" spc="0" normalizeH="0" baseline="0" noProof="0" dirty="0">
-              <a:ln>
-                <a:noFill/>
-              </a:ln>
-              <a:effectLst/>
-              <a:uLnTx/>
-              <a:uFillTx/>
-              <a:ea typeface="Arial Unicode MS" pitchFamily="34" charset="-128"/>
-              <a:cs typeface="Arial Unicode MS" pitchFamily="34" charset="-128"/>
-            </a:endParaRPr>
-          </a:p>
-        </p:txBody>
-      </p:sp>
-      <p:sp>
-        <p:nvSpPr>
-          <p:cNvPr id="50" name="Flowchart: Document 49"/>
-          <p:cNvSpPr/>
-          <p:nvPr/>
-        </p:nvSpPr>
-        <p:spPr bwMode="gray">
-          <a:xfrm>
-            <a:off x="5986539" y="4718721"/>
-            <a:ext cx="1506583" cy="766354"/>
-          </a:xfrm>
-          <a:prstGeom prst="flowChartDocument">
-            <a:avLst/>
-          </a:prstGeom>
-          <a:ln>
-            <a:headEnd/>
-            <a:tailEnd/>
-          </a:ln>
-        </p:spPr>
-        <p:style>
-          <a:lnRef idx="2">
-            <a:schemeClr val="accent5"/>
-          </a:lnRef>
-          <a:fillRef idx="1">
-            <a:schemeClr val="lt1"/>
-          </a:fillRef>
-          <a:effectRef idx="0">
-            <a:schemeClr val="accent5"/>
-          </a:effectRef>
-          <a:fontRef idx="minor">
-            <a:schemeClr val="dk1"/>
-          </a:fontRef>
-        </p:style>
-        <p:txBody>
-          <a:bodyPr lIns="90000" tIns="72000" rIns="90000" bIns="72000" rtlCol="0" anchor="ctr"/>
-          <a:lstStyle/>
-          <a:p>
-            <a:pPr algn="ctr" defTabSz="914400" fontAlgn="base">
-              <a:spcBef>
-                <a:spcPct val="50000"/>
-              </a:spcBef>
-              <a:spcAft>
-                <a:spcPct val="0"/>
-              </a:spcAft>
-              <a:buClr>
-                <a:srgbClr val="F0AB00"/>
-              </a:buClr>
-              <a:buSzPct val="80000"/>
-            </a:pPr>
-            <a:r>
-              <a:rPr lang="en-US" sz="1800" kern="0" dirty="0">
-                <a:ea typeface="Arial Unicode MS" pitchFamily="34" charset="-128"/>
-                <a:cs typeface="Arial Unicode MS" pitchFamily="34" charset="-128"/>
-              </a:rPr>
-              <a:t>Selector: access: ok</a:t>
-            </a:r>
-          </a:p>
-        </p:txBody>
-      </p:sp>
-      <p:sp>
-        <p:nvSpPr>
-          <p:cNvPr id="51" name="Rectangle 50"/>
-          <p:cNvSpPr/>
-          <p:nvPr/>
-        </p:nvSpPr>
-        <p:spPr bwMode="gray">
-          <a:xfrm>
-            <a:off x="2229377" y="2574739"/>
-            <a:ext cx="1645920" cy="365760"/>
-          </a:xfrm>
-          <a:prstGeom prst="rect">
-            <a:avLst/>
-          </a:prstGeom>
-          <a:ln>
-            <a:headEnd/>
-            <a:tailEnd/>
-          </a:ln>
-        </p:spPr>
-        <p:style>
-          <a:lnRef idx="2">
-            <a:schemeClr val="accent2"/>
-          </a:lnRef>
-          <a:fillRef idx="1">
-            <a:schemeClr val="lt1"/>
-          </a:fillRef>
-          <a:effectRef idx="0">
-            <a:schemeClr val="accent2"/>
-          </a:effectRef>
-          <a:fontRef idx="minor">
-            <a:schemeClr val="dk1"/>
-          </a:fontRef>
-        </p:style>
-        <p:txBody>
-          <a:bodyPr lIns="90000" tIns="72000" rIns="90000" bIns="72000" rtlCol="0" anchor="ctr"/>
-          <a:lstStyle/>
-          <a:p>
-            <a:pPr marR="0" algn="ctr" defTabSz="914400" eaLnBrk="1" fontAlgn="base" latinLnBrk="0" hangingPunct="1">
-              <a:lnSpc>
-                <a:spcPct val="100000"/>
-              </a:lnSpc>
-              <a:spcBef>
-                <a:spcPct val="50000"/>
-              </a:spcBef>
-              <a:spcAft>
-                <a:spcPct val="0"/>
-              </a:spcAft>
-              <a:buClr>
-                <a:srgbClr val="F0AB00"/>
-              </a:buClr>
-              <a:buSzPct val="80000"/>
-              <a:tabLst/>
-            </a:pPr>
-            <a:r>
-              <a:rPr lang="de-DE" sz="1800" kern="0" dirty="0" err="1">
-                <a:ea typeface="Arial Unicode MS" pitchFamily="34" charset="-128"/>
-                <a:cs typeface="Arial Unicode MS" pitchFamily="34" charset="-128"/>
-              </a:rPr>
-              <a:t>access</a:t>
-            </a:r>
-            <a:r>
-              <a:rPr lang="de-DE" sz="1800" kern="0" dirty="0">
-                <a:ea typeface="Arial Unicode MS" pitchFamily="34" charset="-128"/>
-                <a:cs typeface="Arial Unicode MS" pitchFamily="34" charset="-128"/>
-              </a:rPr>
-              <a:t>: ok</a:t>
-            </a:r>
-            <a:endParaRPr kumimoji="0" lang="de-DE" sz="1800" b="0" i="0" u="none" strike="noStrike" kern="0" cap="none" spc="0" normalizeH="0" baseline="0" noProof="0" dirty="0">
-              <a:ln>
-                <a:noFill/>
-              </a:ln>
-              <a:effectLst/>
-              <a:uLnTx/>
-              <a:uFillTx/>
-              <a:ea typeface="Arial Unicode MS" pitchFamily="34" charset="-128"/>
-              <a:cs typeface="Arial Unicode MS" pitchFamily="34" charset="-128"/>
-            </a:endParaRPr>
-          </a:p>
-        </p:txBody>
-      </p:sp>
-      <p:sp>
-        <p:nvSpPr>
-          <p:cNvPr id="52" name="Rectangle 51"/>
-          <p:cNvSpPr/>
-          <p:nvPr/>
-        </p:nvSpPr>
-        <p:spPr bwMode="gray">
-          <a:xfrm>
-            <a:off x="2351297" y="5119315"/>
-            <a:ext cx="1645920" cy="365760"/>
-          </a:xfrm>
-          <a:prstGeom prst="rect">
-            <a:avLst/>
-          </a:prstGeom>
-          <a:ln>
-            <a:headEnd/>
-            <a:tailEnd/>
-          </a:ln>
-        </p:spPr>
-        <p:style>
-          <a:lnRef idx="2">
-            <a:schemeClr val="accent2"/>
-          </a:lnRef>
-          <a:fillRef idx="1">
-            <a:schemeClr val="lt1"/>
-          </a:fillRef>
-          <a:effectRef idx="0">
-            <a:schemeClr val="accent2"/>
-          </a:effectRef>
-          <a:fontRef idx="minor">
-            <a:schemeClr val="dk1"/>
-          </a:fontRef>
-        </p:style>
-        <p:txBody>
-          <a:bodyPr lIns="90000" tIns="72000" rIns="90000" bIns="72000" rtlCol="0" anchor="ctr"/>
-          <a:lstStyle/>
-          <a:p>
-            <a:pPr marR="0" algn="ctr" defTabSz="914400" eaLnBrk="1" fontAlgn="base" latinLnBrk="0" hangingPunct="1">
-              <a:lnSpc>
-                <a:spcPct val="100000"/>
-              </a:lnSpc>
-              <a:spcBef>
-                <a:spcPct val="50000"/>
-              </a:spcBef>
-              <a:spcAft>
-                <a:spcPct val="0"/>
-              </a:spcAft>
-              <a:buClr>
-                <a:srgbClr val="F0AB00"/>
-              </a:buClr>
-              <a:buSzPct val="80000"/>
-              <a:tabLst/>
-            </a:pPr>
-            <a:r>
-              <a:rPr lang="de-DE" sz="1800" kern="0" dirty="0" err="1">
-                <a:ea typeface="Arial Unicode MS" pitchFamily="34" charset="-128"/>
-                <a:cs typeface="Arial Unicode MS" pitchFamily="34" charset="-128"/>
-              </a:rPr>
-              <a:t>access</a:t>
-            </a:r>
-            <a:r>
-              <a:rPr lang="de-DE" sz="1800" kern="0" dirty="0">
-                <a:ea typeface="Arial Unicode MS" pitchFamily="34" charset="-128"/>
-                <a:cs typeface="Arial Unicode MS" pitchFamily="34" charset="-128"/>
-              </a:rPr>
-              <a:t>: not ok</a:t>
-            </a:r>
-            <a:endParaRPr kumimoji="0" lang="de-DE" sz="1800" b="0" i="0" u="none" strike="noStrike" kern="0" cap="none" spc="0" normalizeH="0" baseline="0" noProof="0" dirty="0">
-              <a:ln>
-                <a:noFill/>
-              </a:ln>
-              <a:effectLst/>
-              <a:uLnTx/>
-              <a:uFillTx/>
-              <a:ea typeface="Arial Unicode MS" pitchFamily="34" charset="-128"/>
-              <a:cs typeface="Arial Unicode MS" pitchFamily="34" charset="-128"/>
-            </a:endParaRPr>
-          </a:p>
-        </p:txBody>
-      </p:sp>
-    </p:spTree>
-    <p:extLst>
-      <p:ext uri="{BB962C8B-B14F-4D97-AF65-F5344CB8AC3E}">
-        <p14:creationId xmlns:p14="http://schemas.microsoft.com/office/powerpoint/2010/main" val="4084543091"/>
       </p:ext>
     </p:extLst>
   </p:cSld>

--- a/kubernetes/08_administration.pptx
+++ b/kubernetes/08_administration.pptx
@@ -5,10 +5,10 @@
     <p:sldMasterId id="2147483733" r:id="rId1"/>
   </p:sldMasterIdLst>
   <p:notesMasterIdLst>
-    <p:notesMasterId r:id="rId17"/>
+    <p:notesMasterId r:id="rId18"/>
   </p:notesMasterIdLst>
   <p:handoutMasterIdLst>
-    <p:handoutMasterId r:id="rId18"/>
+    <p:handoutMasterId r:id="rId19"/>
   </p:handoutMasterIdLst>
   <p:sldIdLst>
     <p:sldId id="433" r:id="rId2"/>
@@ -21,11 +21,12 @@
     <p:sldId id="453" r:id="rId9"/>
     <p:sldId id="454" r:id="rId10"/>
     <p:sldId id="446" r:id="rId11"/>
-    <p:sldId id="448" r:id="rId12"/>
-    <p:sldId id="445" r:id="rId13"/>
-    <p:sldId id="450" r:id="rId14"/>
-    <p:sldId id="449" r:id="rId15"/>
-    <p:sldId id="265" r:id="rId16"/>
+    <p:sldId id="445" r:id="rId12"/>
+    <p:sldId id="450" r:id="rId13"/>
+    <p:sldId id="457" r:id="rId14"/>
+    <p:sldId id="456" r:id="rId15"/>
+    <p:sldId id="449" r:id="rId16"/>
+    <p:sldId id="265" r:id="rId17"/>
   </p:sldIdLst>
   <p:sldSz cx="12195175" cy="6858000"/>
   <p:notesSz cx="6858000" cy="9144000"/>
@@ -633,6 +634,53 @@
       </p:grpSpPr>
       <p:sp>
         <p:nvSpPr>
+          <p:cNvPr id="2" name="Slide Image Placeholder 1"/>
+          <p:cNvSpPr>
+            <a:spLocks noGrp="1" noRot="1" noChangeAspect="1"/>
+          </p:cNvSpPr>
+          <p:nvPr>
+            <p:ph type="sldImg"/>
+          </p:nvPr>
+        </p:nvSpPr>
+        <p:spPr/>
+      </p:sp>
+      <p:sp>
+        <p:nvSpPr>
+          <p:cNvPr id="3" name="Notes Placeholder 2"/>
+          <p:cNvSpPr>
+            <a:spLocks noGrp="1"/>
+          </p:cNvSpPr>
+          <p:nvPr>
+            <p:ph type="body" idx="1"/>
+          </p:nvPr>
+        </p:nvSpPr>
+        <p:spPr/>
+        <p:txBody>
+          <a:bodyPr/>
+          <a:lstStyle/>
+          <a:p>
+            <a:r>
+              <a:rPr lang="en-US" dirty="0" err="1"/>
+              <a:t>kubectl</a:t>
+            </a:r>
+            <a:r>
+              <a:rPr lang="en-US" baseline="0" dirty="0"/>
+              <a:t> drain &lt;node&gt; --ignore-</a:t>
+            </a:r>
+            <a:r>
+              <a:rPr lang="en-US" baseline="0" dirty="0" err="1"/>
+              <a:t>daemonset</a:t>
+            </a:r>
+            <a:r>
+              <a:rPr lang="en-US" baseline="0" dirty="0"/>
+              <a:t>=true</a:t>
+            </a:r>
+            <a:endParaRPr lang="en-US" dirty="0"/>
+          </a:p>
+        </p:txBody>
+      </p:sp>
+      <p:sp>
+        <p:nvSpPr>
           <p:cNvPr id="4" name="Slide Number Placeholder 3"/>
           <p:cNvSpPr>
             <a:spLocks noGrp="1"/>
@@ -647,9 +695,310 @@
           <a:lstStyle/>
           <a:p>
             <a:fld id="{7D8C2C35-2B8A-446E-BEC0-FD36716C29AC}" type="slidenum">
+              <a:rPr lang="de-DE" smtClean="0"/>
+              <a:pPr/>
+              <a:t>11</a:t>
+            </a:fld>
+            <a:endParaRPr lang="de-DE" dirty="0"/>
+          </a:p>
+        </p:txBody>
+      </p:sp>
+    </p:spTree>
+    <p:extLst>
+      <p:ext uri="{BB962C8B-B14F-4D97-AF65-F5344CB8AC3E}">
+        <p14:creationId xmlns:p14="http://schemas.microsoft.com/office/powerpoint/2010/main" val="4167137068"/>
+      </p:ext>
+    </p:extLst>
+  </p:cSld>
+  <p:clrMapOvr>
+    <a:masterClrMapping/>
+  </p:clrMapOvr>
+</p:notes>
+</file>
+
+<file path=ppt/notesSlides/notesSlide11.xml><?xml version="1.0" encoding="utf-8"?>
+<p:notes xmlns:a="http://schemas.openxmlformats.org/drawingml/2006/main" xmlns:r="http://schemas.openxmlformats.org/officeDocument/2006/relationships" xmlns:p="http://schemas.openxmlformats.org/presentationml/2006/main">
+  <p:cSld>
+    <p:spTree>
+      <p:nvGrpSpPr>
+        <p:cNvPr id="1" name=""/>
+        <p:cNvGrpSpPr/>
+        <p:nvPr/>
+      </p:nvGrpSpPr>
+      <p:grpSpPr>
+        <a:xfrm>
+          <a:off x="0" y="0"/>
+          <a:ext cx="0" cy="0"/>
+          <a:chOff x="0" y="0"/>
+          <a:chExt cx="0" cy="0"/>
+        </a:xfrm>
+      </p:grpSpPr>
+      <p:sp>
+        <p:nvSpPr>
+          <p:cNvPr id="2" name="Slide Image Placeholder 1"/>
+          <p:cNvSpPr>
+            <a:spLocks noGrp="1" noRot="1" noChangeAspect="1"/>
+          </p:cNvSpPr>
+          <p:nvPr>
+            <p:ph type="sldImg"/>
+          </p:nvPr>
+        </p:nvSpPr>
+        <p:spPr/>
+      </p:sp>
+      <p:sp>
+        <p:nvSpPr>
+          <p:cNvPr id="3" name="Notes Placeholder 2"/>
+          <p:cNvSpPr>
+            <a:spLocks noGrp="1"/>
+          </p:cNvSpPr>
+          <p:nvPr>
+            <p:ph type="body" idx="1"/>
+          </p:nvPr>
+        </p:nvSpPr>
+        <p:spPr/>
+        <p:txBody>
+          <a:bodyPr/>
+          <a:lstStyle/>
+          <a:p>
+            <a:endParaRPr lang="en-US" dirty="0"/>
+          </a:p>
+        </p:txBody>
+      </p:sp>
+      <p:sp>
+        <p:nvSpPr>
+          <p:cNvPr id="4" name="Slide Number Placeholder 3"/>
+          <p:cNvSpPr>
+            <a:spLocks noGrp="1"/>
+          </p:cNvSpPr>
+          <p:nvPr>
+            <p:ph type="sldNum" sz="quarter" idx="10"/>
+          </p:nvPr>
+        </p:nvSpPr>
+        <p:spPr/>
+        <p:txBody>
+          <a:bodyPr/>
+          <a:lstStyle/>
+          <a:p>
+            <a:fld id="{7D8C2C35-2B8A-446E-BEC0-FD36716C29AC}" type="slidenum">
+              <a:rPr lang="de-DE" smtClean="0"/>
+              <a:pPr/>
+              <a:t>13</a:t>
+            </a:fld>
+            <a:endParaRPr lang="de-DE" dirty="0"/>
+          </a:p>
+        </p:txBody>
+      </p:sp>
+    </p:spTree>
+    <p:extLst>
+      <p:ext uri="{BB962C8B-B14F-4D97-AF65-F5344CB8AC3E}">
+        <p14:creationId xmlns:p14="http://schemas.microsoft.com/office/powerpoint/2010/main" val="3466716593"/>
+      </p:ext>
+    </p:extLst>
+  </p:cSld>
+  <p:clrMapOvr>
+    <a:masterClrMapping/>
+  </p:clrMapOvr>
+</p:notes>
+</file>
+
+<file path=ppt/notesSlides/notesSlide12.xml><?xml version="1.0" encoding="utf-8"?>
+<p:notes xmlns:a="http://schemas.openxmlformats.org/drawingml/2006/main" xmlns:r="http://schemas.openxmlformats.org/officeDocument/2006/relationships" xmlns:p="http://schemas.openxmlformats.org/presentationml/2006/main">
+  <p:cSld>
+    <p:spTree>
+      <p:nvGrpSpPr>
+        <p:cNvPr id="1" name=""/>
+        <p:cNvGrpSpPr/>
+        <p:nvPr/>
+      </p:nvGrpSpPr>
+      <p:grpSpPr>
+        <a:xfrm>
+          <a:off x="0" y="0"/>
+          <a:ext cx="0" cy="0"/>
+          <a:chOff x="0" y="0"/>
+          <a:chExt cx="0" cy="0"/>
+        </a:xfrm>
+      </p:grpSpPr>
+      <p:sp>
+        <p:nvSpPr>
+          <p:cNvPr id="2" name="Slide Image Placeholder 1"/>
+          <p:cNvSpPr>
+            <a:spLocks noGrp="1" noRot="1" noChangeAspect="1"/>
+          </p:cNvSpPr>
+          <p:nvPr>
+            <p:ph type="sldImg"/>
+          </p:nvPr>
+        </p:nvSpPr>
+        <p:spPr/>
+      </p:sp>
+      <p:sp>
+        <p:nvSpPr>
+          <p:cNvPr id="3" name="Notes Placeholder 2"/>
+          <p:cNvSpPr>
+            <a:spLocks noGrp="1"/>
+          </p:cNvSpPr>
+          <p:nvPr>
+            <p:ph type="body" idx="1"/>
+          </p:nvPr>
+        </p:nvSpPr>
+        <p:spPr/>
+        <p:txBody>
+          <a:bodyPr/>
+          <a:lstStyle/>
+          <a:p>
+            <a:r>
+              <a:rPr lang="en-US" dirty="0"/>
+              <a:t>Works only with localhost – hence, run</a:t>
+            </a:r>
+            <a:r>
+              <a:rPr lang="en-US" baseline="0" dirty="0"/>
+              <a:t> commands on a machine, where you have a UI /can access a browser:</a:t>
+            </a:r>
+          </a:p>
+          <a:p>
+            <a:r>
+              <a:rPr lang="en-US" baseline="0" dirty="0"/>
+              <a:t>- </a:t>
+            </a:r>
+            <a:r>
+              <a:rPr lang="en-US" baseline="0" dirty="0" err="1"/>
+              <a:t>kubectl</a:t>
+            </a:r>
+            <a:r>
+              <a:rPr lang="en-US" baseline="0" dirty="0"/>
+              <a:t> proxy</a:t>
+            </a:r>
+          </a:p>
+          <a:p>
+            <a:r>
+              <a:rPr lang="en-US" dirty="0"/>
+              <a:t>- Open browser</a:t>
+            </a:r>
+            <a:r>
+              <a:rPr lang="en-US" baseline="0" dirty="0"/>
+              <a:t> on localhost:8001 (port may vary) and show the API</a:t>
+            </a:r>
+          </a:p>
+          <a:p>
+            <a:r>
+              <a:rPr lang="en-US" baseline="0" dirty="0"/>
+              <a:t>- Open browser on localhost:8001:ui, logon with token from </a:t>
+            </a:r>
+            <a:r>
+              <a:rPr lang="en-US" baseline="0" dirty="0" err="1"/>
+              <a:t>kubeconfig</a:t>
+            </a:r>
+            <a:endParaRPr lang="en-US" baseline="0" dirty="0"/>
+          </a:p>
+          <a:p>
+            <a:r>
+              <a:rPr lang="en-US" baseline="0" dirty="0"/>
+              <a:t>Demo the dashboard</a:t>
+            </a:r>
+          </a:p>
+          <a:p>
+            <a:r>
+              <a:rPr lang="en-US" baseline="0" dirty="0"/>
+              <a:t>- Show status info &amp; utilization of nodes</a:t>
+            </a:r>
+          </a:p>
+          <a:p>
+            <a:r>
+              <a:rPr lang="en-US" dirty="0"/>
+              <a:t>- Show deployments</a:t>
+            </a:r>
+            <a:r>
+              <a:rPr lang="en-US" baseline="0" dirty="0"/>
+              <a:t> </a:t>
+            </a:r>
+            <a:r>
+              <a:rPr lang="en-US" dirty="0"/>
+              <a:t>&amp; services and how to create a </a:t>
+            </a:r>
+            <a:r>
+              <a:rPr lang="en-US"/>
+              <a:t>new</a:t>
+            </a:r>
+            <a:r>
+              <a:rPr lang="en-US" baseline="0"/>
+              <a:t> deployment</a:t>
+            </a:r>
+            <a:endParaRPr lang="en-US" dirty="0"/>
+          </a:p>
+        </p:txBody>
+      </p:sp>
+      <p:sp>
+        <p:nvSpPr>
+          <p:cNvPr id="4" name="Slide Number Placeholder 3"/>
+          <p:cNvSpPr>
+            <a:spLocks noGrp="1"/>
+          </p:cNvSpPr>
+          <p:nvPr>
+            <p:ph type="sldNum" sz="quarter" idx="10"/>
+          </p:nvPr>
+        </p:nvSpPr>
+        <p:spPr/>
+        <p:txBody>
+          <a:bodyPr/>
+          <a:lstStyle/>
+          <a:p>
+            <a:fld id="{7D8C2C35-2B8A-446E-BEC0-FD36716C29AC}" type="slidenum">
+              <a:rPr lang="de-DE" smtClean="0"/>
+              <a:pPr/>
+              <a:t>14</a:t>
+            </a:fld>
+            <a:endParaRPr lang="de-DE" dirty="0"/>
+          </a:p>
+        </p:txBody>
+      </p:sp>
+    </p:spTree>
+    <p:extLst>
+      <p:ext uri="{BB962C8B-B14F-4D97-AF65-F5344CB8AC3E}">
+        <p14:creationId xmlns:p14="http://schemas.microsoft.com/office/powerpoint/2010/main" val="157809321"/>
+      </p:ext>
+    </p:extLst>
+  </p:cSld>
+  <p:clrMapOvr>
+    <a:masterClrMapping/>
+  </p:clrMapOvr>
+</p:notes>
+</file>
+
+<file path=ppt/notesSlides/notesSlide13.xml><?xml version="1.0" encoding="utf-8"?>
+<p:notes xmlns:a="http://schemas.openxmlformats.org/drawingml/2006/main" xmlns:r="http://schemas.openxmlformats.org/officeDocument/2006/relationships" xmlns:p="http://schemas.openxmlformats.org/presentationml/2006/main">
+  <p:cSld>
+    <p:spTree>
+      <p:nvGrpSpPr>
+        <p:cNvPr id="1" name=""/>
+        <p:cNvGrpSpPr/>
+        <p:nvPr/>
+      </p:nvGrpSpPr>
+      <p:grpSpPr>
+        <a:xfrm>
+          <a:off x="0" y="0"/>
+          <a:ext cx="0" cy="0"/>
+          <a:chOff x="0" y="0"/>
+          <a:chExt cx="0" cy="0"/>
+        </a:xfrm>
+      </p:grpSpPr>
+      <p:sp>
+        <p:nvSpPr>
+          <p:cNvPr id="4" name="Slide Number Placeholder 3"/>
+          <p:cNvSpPr>
+            <a:spLocks noGrp="1"/>
+          </p:cNvSpPr>
+          <p:nvPr>
+            <p:ph type="sldNum" sz="quarter" idx="10"/>
+          </p:nvPr>
+        </p:nvSpPr>
+        <p:spPr/>
+        <p:txBody>
+          <a:bodyPr/>
+          <a:lstStyle/>
+          <a:p>
+            <a:fld id="{7D8C2C35-2B8A-446E-BEC0-FD36716C29AC}" type="slidenum">
               <a:rPr lang="en-US" smtClean="0"/>
               <a:pPr/>
-              <a:t>15</a:t>
+              <a:t>16</a:t>
             </a:fld>
             <a:endParaRPr lang="en-US" dirty="0"/>
           </a:p>
@@ -1468,6 +1817,216 @@
         <p:txBody>
           <a:bodyPr/>
           <a:lstStyle/>
+          <a:p>
+            <a:r>
+              <a:rPr lang="de-DE" dirty="0"/>
+              <a:t>Demo:</a:t>
+            </a:r>
+          </a:p>
+          <a:p>
+            <a:r>
+              <a:rPr lang="de-DE" dirty="0" err="1"/>
+              <a:t>kubectl</a:t>
+            </a:r>
+            <a:r>
+              <a:rPr lang="de-DE" dirty="0"/>
+              <a:t> </a:t>
+            </a:r>
+            <a:r>
+              <a:rPr lang="de-DE" dirty="0" err="1"/>
+              <a:t>run</a:t>
+            </a:r>
+            <a:r>
+              <a:rPr lang="de-DE" dirty="0"/>
+              <a:t> </a:t>
+            </a:r>
+            <a:r>
+              <a:rPr lang="de-DE" dirty="0" err="1"/>
+              <a:t>nginx</a:t>
+            </a:r>
+            <a:r>
+              <a:rPr lang="de-DE" dirty="0"/>
+              <a:t> --image</a:t>
+            </a:r>
+            <a:r>
+              <a:rPr lang="de-DE" b="1" dirty="0"/>
+              <a:t>=</a:t>
+            </a:r>
+            <a:r>
+              <a:rPr lang="de-DE" dirty="0" err="1"/>
+              <a:t>nginx</a:t>
+            </a:r>
+            <a:r>
+              <a:rPr lang="de-DE" dirty="0"/>
+              <a:t> --</a:t>
+            </a:r>
+            <a:r>
+              <a:rPr lang="de-DE" dirty="0" err="1"/>
+              <a:t>replicas</a:t>
+            </a:r>
+            <a:r>
+              <a:rPr lang="de-DE" b="1" dirty="0"/>
+              <a:t>=</a:t>
+            </a:r>
+            <a:r>
+              <a:rPr lang="de-DE" dirty="0"/>
+              <a:t>2 </a:t>
+            </a:r>
+          </a:p>
+          <a:p>
+            <a:r>
+              <a:rPr lang="de-DE" dirty="0" err="1"/>
+              <a:t>kubectl</a:t>
+            </a:r>
+            <a:r>
+              <a:rPr lang="de-DE" dirty="0"/>
+              <a:t> </a:t>
+            </a:r>
+            <a:r>
+              <a:rPr lang="de-DE" dirty="0" err="1"/>
+              <a:t>expose</a:t>
+            </a:r>
+            <a:r>
+              <a:rPr lang="de-DE" dirty="0"/>
+              <a:t> </a:t>
+            </a:r>
+            <a:r>
+              <a:rPr lang="de-DE" dirty="0" err="1"/>
+              <a:t>deployment</a:t>
+            </a:r>
+            <a:r>
+              <a:rPr lang="de-DE" dirty="0"/>
+              <a:t> </a:t>
+            </a:r>
+            <a:r>
+              <a:rPr lang="de-DE" dirty="0" err="1"/>
+              <a:t>nginx</a:t>
+            </a:r>
+            <a:r>
+              <a:rPr lang="de-DE" dirty="0"/>
+              <a:t> --</a:t>
+            </a:r>
+            <a:r>
+              <a:rPr lang="de-DE" dirty="0" err="1"/>
+              <a:t>port</a:t>
+            </a:r>
+            <a:r>
+              <a:rPr lang="de-DE" b="1" dirty="0"/>
+              <a:t>=</a:t>
+            </a:r>
+            <a:r>
+              <a:rPr lang="de-DE" dirty="0"/>
+              <a:t>80</a:t>
+            </a:r>
+          </a:p>
+          <a:p>
+            <a:r>
+              <a:rPr lang="de-DE" dirty="0" err="1"/>
+              <a:t>kubectl</a:t>
+            </a:r>
+            <a:r>
+              <a:rPr lang="de-DE" dirty="0"/>
+              <a:t> </a:t>
+            </a:r>
+            <a:r>
+              <a:rPr lang="de-DE" dirty="0" err="1"/>
+              <a:t>run</a:t>
+            </a:r>
+            <a:r>
+              <a:rPr lang="de-DE" dirty="0"/>
+              <a:t> </a:t>
+            </a:r>
+            <a:r>
+              <a:rPr lang="de-DE" dirty="0" err="1"/>
+              <a:t>busybox</a:t>
+            </a:r>
+            <a:r>
+              <a:rPr lang="de-DE" dirty="0"/>
+              <a:t> --</a:t>
+            </a:r>
+            <a:r>
+              <a:rPr lang="de-DE" dirty="0" err="1"/>
+              <a:t>rm</a:t>
+            </a:r>
+            <a:r>
+              <a:rPr lang="de-DE" dirty="0"/>
+              <a:t> -</a:t>
+            </a:r>
+            <a:r>
+              <a:rPr lang="de-DE" dirty="0" err="1"/>
+              <a:t>ti</a:t>
+            </a:r>
+            <a:r>
+              <a:rPr lang="de-DE" dirty="0"/>
+              <a:t> --image</a:t>
+            </a:r>
+            <a:r>
+              <a:rPr lang="de-DE" b="1" dirty="0"/>
+              <a:t>=</a:t>
+            </a:r>
+            <a:r>
+              <a:rPr lang="de-DE" dirty="0" err="1"/>
+              <a:t>busybox</a:t>
+            </a:r>
+            <a:r>
+              <a:rPr lang="de-DE" dirty="0"/>
+              <a:t> /bin/sh</a:t>
+            </a:r>
+          </a:p>
+          <a:p>
+            <a:r>
+              <a:rPr lang="de-DE" dirty="0"/>
+              <a:t> # </a:t>
+            </a:r>
+            <a:r>
+              <a:rPr lang="de-DE" dirty="0" err="1"/>
+              <a:t>wget</a:t>
+            </a:r>
+            <a:r>
+              <a:rPr lang="de-DE" dirty="0"/>
+              <a:t> --spider --timeout=1 </a:t>
+            </a:r>
+            <a:r>
+              <a:rPr lang="de-DE" dirty="0" err="1"/>
+              <a:t>nginx</a:t>
+            </a:r>
+            <a:endParaRPr lang="en-US" dirty="0"/>
+          </a:p>
+          <a:p>
+            <a:r>
+              <a:rPr lang="en-US" dirty="0" err="1"/>
+              <a:t>Kubectl</a:t>
+            </a:r>
+            <a:r>
+              <a:rPr lang="en-US" dirty="0"/>
+              <a:t> create –f network-</a:t>
+            </a:r>
+            <a:r>
+              <a:rPr lang="en-US" dirty="0" err="1"/>
+              <a:t>policy.yaml</a:t>
+            </a:r>
+            <a:endParaRPr lang="en-US" dirty="0"/>
+          </a:p>
+          <a:p>
+            <a:r>
+              <a:rPr lang="en-US" dirty="0" err="1"/>
+              <a:t>Kubectl</a:t>
+            </a:r>
+            <a:r>
+              <a:rPr lang="en-US" dirty="0"/>
+              <a:t> run ..</a:t>
+            </a:r>
+          </a:p>
+          <a:p>
+            <a:r>
+              <a:rPr lang="en-US" dirty="0" err="1"/>
+              <a:t>Kubectl</a:t>
+            </a:r>
+            <a:r>
+              <a:rPr lang="en-US" dirty="0"/>
+              <a:t> run … -l access=true</a:t>
+            </a:r>
+          </a:p>
           <a:p>
             <a:endParaRPr lang="en-US" dirty="0"/>
           </a:p>
@@ -15456,7 +16015,7 @@
                 <a:ea typeface="Arial Unicode MS" pitchFamily="34" charset="-128"/>
                 <a:cs typeface="Arial Unicode MS" pitchFamily="34" charset="-128"/>
               </a:rPr>
-              <a:t> A</a:t>
+              <a:t> B</a:t>
             </a:r>
             <a:endParaRPr kumimoji="0" lang="en-US" sz="1800" b="0" i="0" u="none" strike="noStrike" kern="0" cap="none" spc="0" normalizeH="0" baseline="0" noProof="0" dirty="0">
               <a:ln>
@@ -15536,7 +16095,7 @@
                 <a:ea typeface="Arial Unicode MS" pitchFamily="34" charset="-128"/>
                 <a:cs typeface="Arial Unicode MS" pitchFamily="34" charset="-128"/>
               </a:rPr>
-              <a:t> A</a:t>
+              <a:t> M</a:t>
             </a:r>
             <a:endParaRPr kumimoji="0" lang="en-US" sz="1800" b="0" i="0" u="none" strike="noStrike" kern="0" cap="none" spc="0" normalizeH="0" baseline="0" noProof="0" dirty="0">
               <a:ln>
@@ -15981,296 +16540,6 @@
 </file>
 
 <file path=ppt/slides/slide11.xml><?xml version="1.0" encoding="utf-8"?>
-<p:sld xmlns:a="http://schemas.openxmlformats.org/drawingml/2006/main" xmlns:r="http://schemas.openxmlformats.org/officeDocument/2006/relationships" xmlns:p="http://schemas.openxmlformats.org/presentationml/2006/main" show="0">
-  <p:cSld>
-    <p:spTree>
-      <p:nvGrpSpPr>
-        <p:cNvPr id="1" name=""/>
-        <p:cNvGrpSpPr/>
-        <p:nvPr/>
-      </p:nvGrpSpPr>
-      <p:grpSpPr>
-        <a:xfrm>
-          <a:off x="0" y="0"/>
-          <a:ext cx="0" cy="0"/>
-          <a:chOff x="0" y="0"/>
-          <a:chExt cx="0" cy="0"/>
-        </a:xfrm>
-      </p:grpSpPr>
-      <p:sp>
-        <p:nvSpPr>
-          <p:cNvPr id="4" name="Text Placeholder 3"/>
-          <p:cNvSpPr>
-            <a:spLocks noGrp="1"/>
-          </p:cNvSpPr>
-          <p:nvPr>
-            <p:ph type="body" sz="quarter" idx="10"/>
-          </p:nvPr>
-        </p:nvSpPr>
-        <p:spPr>
-          <a:xfrm>
-            <a:off x="504000" y="1110343"/>
-            <a:ext cx="11185200" cy="4266129"/>
-          </a:xfrm>
-        </p:spPr>
-        <p:txBody>
-          <a:bodyPr/>
-          <a:lstStyle/>
-          <a:p>
-            <a:pPr marL="342900" indent="-342900">
-              <a:buFontTx/>
-              <a:buChar char="-"/>
-            </a:pPr>
-            <a:r>
-              <a:rPr lang="en-US" dirty="0"/>
-              <a:t>Create a network policy</a:t>
-            </a:r>
-          </a:p>
-          <a:p>
-            <a:r>
-              <a:rPr lang="de-DE" dirty="0" err="1"/>
-              <a:t>kubectl</a:t>
-            </a:r>
-            <a:r>
-              <a:rPr lang="de-DE" dirty="0"/>
-              <a:t> </a:t>
-            </a:r>
-            <a:r>
-              <a:rPr lang="de-DE" dirty="0" err="1"/>
-              <a:t>run</a:t>
-            </a:r>
-            <a:r>
-              <a:rPr lang="de-DE" dirty="0"/>
-              <a:t> </a:t>
-            </a:r>
-            <a:r>
-              <a:rPr lang="de-DE" dirty="0" err="1"/>
-              <a:t>nginx</a:t>
-            </a:r>
-            <a:r>
-              <a:rPr lang="de-DE" dirty="0"/>
-              <a:t> --image</a:t>
-            </a:r>
-            <a:r>
-              <a:rPr lang="de-DE" b="1" dirty="0"/>
-              <a:t>=</a:t>
-            </a:r>
-            <a:r>
-              <a:rPr lang="de-DE" dirty="0" err="1"/>
-              <a:t>nginx</a:t>
-            </a:r>
-            <a:r>
-              <a:rPr lang="de-DE" dirty="0"/>
-              <a:t> --</a:t>
-            </a:r>
-            <a:r>
-              <a:rPr lang="de-DE" dirty="0" err="1"/>
-              <a:t>replicas</a:t>
-            </a:r>
-            <a:r>
-              <a:rPr lang="de-DE" b="1" dirty="0"/>
-              <a:t>=</a:t>
-            </a:r>
-            <a:r>
-              <a:rPr lang="de-DE" dirty="0"/>
-              <a:t>2 </a:t>
-            </a:r>
-          </a:p>
-          <a:p>
-            <a:r>
-              <a:rPr lang="de-DE" dirty="0" err="1"/>
-              <a:t>kubectl</a:t>
-            </a:r>
-            <a:r>
-              <a:rPr lang="de-DE" dirty="0"/>
-              <a:t> </a:t>
-            </a:r>
-            <a:r>
-              <a:rPr lang="de-DE" dirty="0" err="1"/>
-              <a:t>expose</a:t>
-            </a:r>
-            <a:r>
-              <a:rPr lang="de-DE" dirty="0"/>
-              <a:t> </a:t>
-            </a:r>
-            <a:r>
-              <a:rPr lang="de-DE" dirty="0" err="1"/>
-              <a:t>deployment</a:t>
-            </a:r>
-            <a:r>
-              <a:rPr lang="de-DE" dirty="0"/>
-              <a:t> </a:t>
-            </a:r>
-            <a:r>
-              <a:rPr lang="de-DE" dirty="0" err="1"/>
-              <a:t>nginx</a:t>
-            </a:r>
-            <a:r>
-              <a:rPr lang="de-DE" dirty="0"/>
-              <a:t> --</a:t>
-            </a:r>
-            <a:r>
-              <a:rPr lang="de-DE" dirty="0" err="1"/>
-              <a:t>port</a:t>
-            </a:r>
-            <a:r>
-              <a:rPr lang="de-DE" b="1" dirty="0"/>
-              <a:t>=</a:t>
-            </a:r>
-            <a:r>
-              <a:rPr lang="de-DE" dirty="0"/>
-              <a:t>80</a:t>
-            </a:r>
-          </a:p>
-          <a:p>
-            <a:r>
-              <a:rPr lang="de-DE" dirty="0" err="1"/>
-              <a:t>kubectl</a:t>
-            </a:r>
-            <a:r>
-              <a:rPr lang="de-DE" dirty="0"/>
-              <a:t> </a:t>
-            </a:r>
-            <a:r>
-              <a:rPr lang="de-DE" dirty="0" err="1"/>
-              <a:t>run</a:t>
-            </a:r>
-            <a:r>
-              <a:rPr lang="de-DE" dirty="0"/>
-              <a:t> </a:t>
-            </a:r>
-            <a:r>
-              <a:rPr lang="de-DE" dirty="0" err="1"/>
-              <a:t>busybox</a:t>
-            </a:r>
-            <a:r>
-              <a:rPr lang="de-DE" dirty="0"/>
-              <a:t> --</a:t>
-            </a:r>
-            <a:r>
-              <a:rPr lang="de-DE" dirty="0" err="1"/>
-              <a:t>rm</a:t>
-            </a:r>
-            <a:r>
-              <a:rPr lang="de-DE" dirty="0"/>
-              <a:t> -</a:t>
-            </a:r>
-            <a:r>
-              <a:rPr lang="de-DE" dirty="0" err="1"/>
-              <a:t>ti</a:t>
-            </a:r>
-            <a:r>
-              <a:rPr lang="de-DE" dirty="0"/>
-              <a:t> --image</a:t>
-            </a:r>
-            <a:r>
-              <a:rPr lang="de-DE" b="1" dirty="0"/>
-              <a:t>=</a:t>
-            </a:r>
-            <a:r>
-              <a:rPr lang="de-DE" dirty="0" err="1"/>
-              <a:t>busybox</a:t>
-            </a:r>
-            <a:r>
-              <a:rPr lang="de-DE" dirty="0"/>
-              <a:t> /bin/sh</a:t>
-            </a:r>
-          </a:p>
-          <a:p>
-            <a:r>
-              <a:rPr lang="de-DE" dirty="0"/>
-              <a:t> # </a:t>
-            </a:r>
-            <a:r>
-              <a:rPr lang="de-DE" dirty="0" err="1"/>
-              <a:t>wget</a:t>
-            </a:r>
-            <a:r>
-              <a:rPr lang="de-DE" dirty="0"/>
-              <a:t> --spider --timeout=1 </a:t>
-            </a:r>
-            <a:r>
-              <a:rPr lang="de-DE" dirty="0" err="1"/>
-              <a:t>nginx</a:t>
-            </a:r>
-            <a:endParaRPr lang="en-US" dirty="0"/>
-          </a:p>
-          <a:p>
-            <a:r>
-              <a:rPr lang="en-US" dirty="0" err="1"/>
-              <a:t>Kubectl</a:t>
-            </a:r>
-            <a:r>
-              <a:rPr lang="en-US" dirty="0"/>
-              <a:t> create –f network-</a:t>
-            </a:r>
-            <a:r>
-              <a:rPr lang="en-US" dirty="0" err="1"/>
-              <a:t>policy.yaml</a:t>
-            </a:r>
-            <a:endParaRPr lang="en-US" dirty="0"/>
-          </a:p>
-          <a:p>
-            <a:r>
-              <a:rPr lang="en-US" dirty="0" err="1"/>
-              <a:t>Kubectl</a:t>
-            </a:r>
-            <a:r>
-              <a:rPr lang="en-US" dirty="0"/>
-              <a:t> run ..</a:t>
-            </a:r>
-          </a:p>
-          <a:p>
-            <a:r>
-              <a:rPr lang="en-US" dirty="0" err="1"/>
-              <a:t>Kubectl</a:t>
-            </a:r>
-            <a:r>
-              <a:rPr lang="en-US" dirty="0"/>
-              <a:t> run … -l access=true</a:t>
-            </a:r>
-          </a:p>
-          <a:p>
-            <a:endParaRPr lang="en-US" dirty="0"/>
-          </a:p>
-        </p:txBody>
-      </p:sp>
-      <p:sp>
-        <p:nvSpPr>
-          <p:cNvPr id="3" name="Title 2"/>
-          <p:cNvSpPr>
-            <a:spLocks noGrp="1"/>
-          </p:cNvSpPr>
-          <p:nvPr>
-            <p:ph type="title"/>
-          </p:nvPr>
-        </p:nvSpPr>
-        <p:spPr/>
-        <p:txBody>
-          <a:bodyPr/>
-          <a:lstStyle/>
-          <a:p>
-            <a:r>
-              <a:rPr lang="en-US" dirty="0"/>
-              <a:t>Demo</a:t>
-            </a:r>
-          </a:p>
-        </p:txBody>
-      </p:sp>
-    </p:spTree>
-    <p:extLst>
-      <p:ext uri="{BB962C8B-B14F-4D97-AF65-F5344CB8AC3E}">
-        <p14:creationId xmlns:p14="http://schemas.microsoft.com/office/powerpoint/2010/main" val="1163760557"/>
-      </p:ext>
-    </p:extLst>
-  </p:cSld>
-  <p:clrMapOvr>
-    <a:masterClrMapping/>
-  </p:clrMapOvr>
-</p:sld>
-</file>
-
-<file path=ppt/slides/slide12.xml><?xml version="1.0" encoding="utf-8"?>
 <p:sld xmlns:a="http://schemas.openxmlformats.org/drawingml/2006/main" xmlns:r="http://schemas.openxmlformats.org/officeDocument/2006/relationships" xmlns:p="http://schemas.openxmlformats.org/presentationml/2006/main">
   <p:cSld>
     <p:spTree>
@@ -17490,7 +17759,7 @@
 </p:sld>
 </file>
 
-<file path=ppt/slides/slide13.xml><?xml version="1.0" encoding="utf-8"?>
+<file path=ppt/slides/slide12.xml><?xml version="1.0" encoding="utf-8"?>
 <p:sld xmlns:a="http://schemas.openxmlformats.org/drawingml/2006/main" xmlns:r="http://schemas.openxmlformats.org/officeDocument/2006/relationships" xmlns:p="http://schemas.openxmlformats.org/presentationml/2006/main">
   <p:cSld>
     <p:spTree>
@@ -18595,7 +18864,215 @@
 </p:sld>
 </file>
 
+<file path=ppt/slides/slide13.xml><?xml version="1.0" encoding="utf-8"?>
+<p:sld xmlns:a="http://schemas.openxmlformats.org/drawingml/2006/main" xmlns:r="http://schemas.openxmlformats.org/officeDocument/2006/relationships" xmlns:p="http://schemas.openxmlformats.org/presentationml/2006/main">
+  <p:cSld>
+    <p:spTree>
+      <p:nvGrpSpPr>
+        <p:cNvPr id="1" name=""/>
+        <p:cNvGrpSpPr/>
+        <p:nvPr/>
+      </p:nvGrpSpPr>
+      <p:grpSpPr>
+        <a:xfrm>
+          <a:off x="0" y="0"/>
+          <a:ext cx="0" cy="0"/>
+          <a:chOff x="0" y="0"/>
+          <a:chExt cx="0" cy="0"/>
+        </a:xfrm>
+      </p:grpSpPr>
+      <p:sp>
+        <p:nvSpPr>
+          <p:cNvPr id="3" name="Title 2"/>
+          <p:cNvSpPr>
+            <a:spLocks noGrp="1"/>
+          </p:cNvSpPr>
+          <p:nvPr>
+            <p:ph type="title"/>
+          </p:nvPr>
+        </p:nvSpPr>
+        <p:spPr/>
+        <p:txBody>
+          <a:bodyPr/>
+          <a:lstStyle/>
+          <a:p>
+            <a:r>
+              <a:rPr lang="en-US" dirty="0"/>
+              <a:t>Sometimes working with </a:t>
+            </a:r>
+            <a:r>
+              <a:rPr lang="en-US" dirty="0" err="1"/>
+              <a:t>kubernetes</a:t>
+            </a:r>
+            <a:r>
+              <a:rPr lang="en-US" dirty="0"/>
+              <a:t> is like …</a:t>
+            </a:r>
+          </a:p>
+        </p:txBody>
+      </p:sp>
+      <p:pic>
+        <p:nvPicPr>
+          <p:cNvPr id="1028" name="Picture 4" descr="The Important Field"/>
+          <p:cNvPicPr>
+            <a:picLocks noChangeAspect="1" noChangeArrowheads="1"/>
+          </p:cNvPicPr>
+          <p:nvPr/>
+        </p:nvPicPr>
+        <p:blipFill>
+          <a:blip r:embed="rId3">
+            <a:extLst>
+              <a:ext uri="{28A0092B-C50C-407E-A947-70E740481C1C}">
+                <a14:useLocalDpi xmlns:a14="http://schemas.microsoft.com/office/drawing/2010/main" val="0"/>
+              </a:ext>
+            </a:extLst>
+          </a:blip>
+          <a:srcRect/>
+          <a:stretch>
+            <a:fillRect/>
+          </a:stretch>
+        </p:blipFill>
+        <p:spPr bwMode="auto">
+          <a:xfrm>
+            <a:off x="1258388" y="1370845"/>
+            <a:ext cx="9753039" cy="4239116"/>
+          </a:xfrm>
+          <a:prstGeom prst="rect">
+            <a:avLst/>
+          </a:prstGeom>
+          <a:noFill/>
+          <a:extLst>
+            <a:ext uri="{909E8E84-426E-40DD-AFC4-6F175D3DCCD1}">
+              <a14:hiddenFill xmlns:a14="http://schemas.microsoft.com/office/drawing/2010/main">
+                <a:solidFill>
+                  <a:srgbClr val="FFFFFF"/>
+                </a:solidFill>
+              </a14:hiddenFill>
+            </a:ext>
+          </a:extLst>
+        </p:spPr>
+      </p:pic>
+      <p:sp>
+        <p:nvSpPr>
+          <p:cNvPr id="5" name="Rectangle 4"/>
+          <p:cNvSpPr/>
+          <p:nvPr/>
+        </p:nvSpPr>
+        <p:spPr>
+          <a:xfrm>
+            <a:off x="4732922" y="5691976"/>
+            <a:ext cx="2803973" cy="415498"/>
+          </a:xfrm>
+          <a:prstGeom prst="rect">
+            <a:avLst/>
+          </a:prstGeom>
+        </p:spPr>
+        <p:txBody>
+          <a:bodyPr wrap="none">
+            <a:spAutoFit/>
+          </a:bodyPr>
+          <a:lstStyle/>
+          <a:p>
+            <a:r>
+              <a:rPr lang="en-US" dirty="0">
+                <a:hlinkClick r:id="rId4"/>
+              </a:rPr>
+              <a:t>https://xkcd.com/970/</a:t>
+            </a:r>
+            <a:endParaRPr lang="en-US" dirty="0"/>
+          </a:p>
+        </p:txBody>
+      </p:sp>
+    </p:spTree>
+    <p:extLst>
+      <p:ext uri="{BB962C8B-B14F-4D97-AF65-F5344CB8AC3E}">
+        <p14:creationId xmlns:p14="http://schemas.microsoft.com/office/powerpoint/2010/main" val="822933932"/>
+      </p:ext>
+    </p:extLst>
+  </p:cSld>
+  <p:clrMapOvr>
+    <a:masterClrMapping/>
+  </p:clrMapOvr>
+</p:sld>
+</file>
+
 <file path=ppt/slides/slide14.xml><?xml version="1.0" encoding="utf-8"?>
+<p:sld xmlns:a="http://schemas.openxmlformats.org/drawingml/2006/main" xmlns:r="http://schemas.openxmlformats.org/officeDocument/2006/relationships" xmlns:p="http://schemas.openxmlformats.org/presentationml/2006/main">
+  <p:cSld>
+    <p:spTree>
+      <p:nvGrpSpPr>
+        <p:cNvPr id="1" name=""/>
+        <p:cNvGrpSpPr/>
+        <p:nvPr/>
+      </p:nvGrpSpPr>
+      <p:grpSpPr>
+        <a:xfrm>
+          <a:off x="0" y="0"/>
+          <a:ext cx="0" cy="0"/>
+          <a:chOff x="0" y="0"/>
+          <a:chExt cx="0" cy="0"/>
+        </a:xfrm>
+      </p:grpSpPr>
+      <p:sp>
+        <p:nvSpPr>
+          <p:cNvPr id="3" name="Title 2"/>
+          <p:cNvSpPr>
+            <a:spLocks noGrp="1"/>
+          </p:cNvSpPr>
+          <p:nvPr>
+            <p:ph type="title"/>
+          </p:nvPr>
+        </p:nvSpPr>
+        <p:spPr/>
+        <p:txBody>
+          <a:bodyPr/>
+          <a:lstStyle/>
+          <a:p>
+            <a:r>
+              <a:rPr lang="en-US" dirty="0"/>
+              <a:t> K8s Dashboard</a:t>
+            </a:r>
+          </a:p>
+        </p:txBody>
+      </p:sp>
+      <p:pic>
+        <p:nvPicPr>
+          <p:cNvPr id="5" name="Picture 4"/>
+          <p:cNvPicPr>
+            <a:picLocks noChangeAspect="1"/>
+          </p:cNvPicPr>
+          <p:nvPr/>
+        </p:nvPicPr>
+        <p:blipFill>
+          <a:blip r:embed="rId3"/>
+          <a:stretch>
+            <a:fillRect/>
+          </a:stretch>
+        </p:blipFill>
+        <p:spPr>
+          <a:xfrm>
+            <a:off x="598254" y="959749"/>
+            <a:ext cx="10997970" cy="5435976"/>
+          </a:xfrm>
+          <a:prstGeom prst="rect">
+            <a:avLst/>
+          </a:prstGeom>
+        </p:spPr>
+      </p:pic>
+    </p:spTree>
+    <p:extLst>
+      <p:ext uri="{BB962C8B-B14F-4D97-AF65-F5344CB8AC3E}">
+        <p14:creationId xmlns:p14="http://schemas.microsoft.com/office/powerpoint/2010/main" val="306142951"/>
+      </p:ext>
+    </p:extLst>
+  </p:cSld>
+  <p:clrMapOvr>
+    <a:masterClrMapping/>
+  </p:clrMapOvr>
+</p:sld>
+</file>
+
+<file path=ppt/slides/slide15.xml><?xml version="1.0" encoding="utf-8"?>
 <p:sld xmlns:a="http://schemas.openxmlformats.org/drawingml/2006/main" xmlns:r="http://schemas.openxmlformats.org/officeDocument/2006/relationships" xmlns:p="http://schemas.openxmlformats.org/presentationml/2006/main">
   <p:cSld>
     <p:spTree>
@@ -19167,7 +19644,7 @@
 </p:sld>
 </file>
 
-<file path=ppt/slides/slide15.xml><?xml version="1.0" encoding="utf-8"?>
+<file path=ppt/slides/slide16.xml><?xml version="1.0" encoding="utf-8"?>
 <p:sld xmlns:a="http://schemas.openxmlformats.org/drawingml/2006/main" xmlns:r="http://schemas.openxmlformats.org/officeDocument/2006/relationships" xmlns:p="http://schemas.openxmlformats.org/presentationml/2006/main" show="0">
   <p:cSld>
     <p:spTree>
@@ -22468,12 +22945,9 @@
           <a:prstGeom prst="straightConnector1">
             <a:avLst/>
           </a:prstGeom>
-          <a:ln w="38100">
+          <a:ln w="57150">
             <a:solidFill>
-              <a:schemeClr val="tx2">
-                <a:lumMod val="60000"/>
-                <a:lumOff val="40000"/>
-              </a:schemeClr>
+              <a:schemeClr val="accent1"/>
             </a:solidFill>
             <a:headEnd type="triangle" w="med" len="med"/>
             <a:tailEnd type="triangle" w="med" len="med"/>
@@ -22781,12 +23255,9 @@
           <a:prstGeom prst="straightConnector1">
             <a:avLst/>
           </a:prstGeom>
-          <a:ln w="38100">
+          <a:ln w="57150">
             <a:solidFill>
-              <a:schemeClr val="tx2">
-                <a:lumMod val="60000"/>
-                <a:lumOff val="40000"/>
-              </a:schemeClr>
+              <a:schemeClr val="accent1"/>
             </a:solidFill>
             <a:headEnd type="triangle" w="med" len="med"/>
             <a:tailEnd type="triangle" w="med" len="med"/>
@@ -23708,12 +24179,9 @@
           <a:prstGeom prst="straightConnector1">
             <a:avLst/>
           </a:prstGeom>
-          <a:ln w="38100">
+          <a:ln w="57150">
             <a:solidFill>
-              <a:schemeClr val="tx2">
-                <a:lumMod val="60000"/>
-                <a:lumOff val="40000"/>
-              </a:schemeClr>
+              <a:schemeClr val="accent1"/>
             </a:solidFill>
             <a:headEnd type="triangle" w="med" len="med"/>
             <a:tailEnd type="triangle" w="med" len="med"/>
@@ -23751,15 +24219,12 @@
           <a:prstGeom prst="straightConnector1">
             <a:avLst/>
           </a:prstGeom>
-          <a:ln w="38100">
+          <a:ln w="57150">
             <a:solidFill>
-              <a:schemeClr val="tx2">
-                <a:lumMod val="60000"/>
-                <a:lumOff val="40000"/>
-              </a:schemeClr>
+              <a:schemeClr val="accent1"/>
             </a:solidFill>
-            <a:headEnd type="none" w="med" len="med"/>
-            <a:tailEnd type="none" w="med" len="med"/>
+            <a:headEnd type="triangle" w="med" len="med"/>
+            <a:tailEnd type="triangle" w="med" len="med"/>
           </a:ln>
         </p:spPr>
         <p:style>
@@ -23793,15 +24258,12 @@
           <a:prstGeom prst="straightConnector1">
             <a:avLst/>
           </a:prstGeom>
-          <a:ln w="38100">
+          <a:ln w="57150">
             <a:solidFill>
-              <a:schemeClr val="tx2">
-                <a:lumMod val="60000"/>
-                <a:lumOff val="40000"/>
-              </a:schemeClr>
+              <a:schemeClr val="accent1"/>
             </a:solidFill>
-            <a:headEnd type="none" w="med" len="med"/>
-            <a:tailEnd type="none" w="med" len="med"/>
+            <a:headEnd type="triangle" w="med" len="med"/>
+            <a:tailEnd type="triangle" w="med" len="med"/>
           </a:ln>
         </p:spPr>
         <p:style>
@@ -24088,9 +24550,10 @@
           </a:prstGeom>
           <a:ln w="57150">
             <a:solidFill>
-              <a:schemeClr val="tx2"/>
+              <a:schemeClr val="accent1"/>
             </a:solidFill>
-            <a:tailEnd type="triangle"/>
+            <a:headEnd type="triangle" w="med" len="med"/>
+            <a:tailEnd type="triangle" w="med" len="med"/>
           </a:ln>
         </p:spPr>
         <p:style>
@@ -24127,9 +24590,10 @@
           </a:prstGeom>
           <a:ln w="57150">
             <a:solidFill>
-              <a:schemeClr val="tx2"/>
+              <a:schemeClr val="accent1"/>
             </a:solidFill>
-            <a:tailEnd type="triangle"/>
+            <a:headEnd type="triangle" w="med" len="med"/>
+            <a:tailEnd type="triangle" w="med" len="med"/>
           </a:ln>
         </p:spPr>
         <p:style>
@@ -24580,9 +25044,10 @@
           </a:prstGeom>
           <a:ln w="57150">
             <a:solidFill>
-              <a:schemeClr val="tx2"/>
+              <a:schemeClr val="accent1"/>
             </a:solidFill>
-            <a:tailEnd type="triangle"/>
+            <a:headEnd type="triangle" w="med" len="med"/>
+            <a:tailEnd type="triangle" w="med" len="med"/>
           </a:ln>
         </p:spPr>
         <p:style>
@@ -24619,9 +25084,10 @@
           </a:prstGeom>
           <a:ln w="57150">
             <a:solidFill>
-              <a:schemeClr val="tx2"/>
+              <a:schemeClr val="accent1"/>
             </a:solidFill>
-            <a:tailEnd type="triangle"/>
+            <a:headEnd type="triangle" w="med" len="med"/>
+            <a:tailEnd type="triangle" w="med" len="med"/>
           </a:ln>
         </p:spPr>
         <p:style>

--- a/kubernetes/08_administration.pptx
+++ b/kubernetes/08_administration.pptx
@@ -5,10 +5,10 @@
     <p:sldMasterId id="2147483733" r:id="rId1"/>
   </p:sldMasterIdLst>
   <p:notesMasterIdLst>
-    <p:notesMasterId r:id="rId18"/>
+    <p:notesMasterId r:id="rId19"/>
   </p:notesMasterIdLst>
   <p:handoutMasterIdLst>
-    <p:handoutMasterId r:id="rId19"/>
+    <p:handoutMasterId r:id="rId20"/>
   </p:handoutMasterIdLst>
   <p:sldIdLst>
     <p:sldId id="433" r:id="rId2"/>
@@ -21,12 +21,13 @@
     <p:sldId id="453" r:id="rId9"/>
     <p:sldId id="454" r:id="rId10"/>
     <p:sldId id="446" r:id="rId11"/>
-    <p:sldId id="445" r:id="rId12"/>
-    <p:sldId id="450" r:id="rId13"/>
-    <p:sldId id="457" r:id="rId14"/>
-    <p:sldId id="456" r:id="rId15"/>
-    <p:sldId id="449" r:id="rId16"/>
-    <p:sldId id="265" r:id="rId17"/>
+    <p:sldId id="458" r:id="rId12"/>
+    <p:sldId id="445" r:id="rId13"/>
+    <p:sldId id="450" r:id="rId14"/>
+    <p:sldId id="457" r:id="rId15"/>
+    <p:sldId id="456" r:id="rId16"/>
+    <p:sldId id="449" r:id="rId17"/>
+    <p:sldId id="265" r:id="rId18"/>
   </p:sldIdLst>
   <p:sldSz cx="12195175" cy="6858000"/>
   <p:notesSz cx="6858000" cy="9144000"/>
@@ -202,6 +203,10 @@
 </p:presentation>
 </file>
 
+<file path=ppt/revisionInfo.xml><?xml version="1.0" encoding="utf-8"?>
+<p1510:revInfo xmlns:a="http://schemas.openxmlformats.org/drawingml/2006/main" xmlns:r="http://schemas.openxmlformats.org/officeDocument/2006/relationships" xmlns:p1510="http://schemas.microsoft.com/office/powerpoint/2015/10/main"/>
+</file>
+
 <file path=ppt/handoutMasters/handoutMaster1.xml><?xml version="1.0" encoding="utf-8"?>
 <p:handoutMaster xmlns:a="http://schemas.openxmlformats.org/drawingml/2006/main" xmlns:r="http://schemas.openxmlformats.org/officeDocument/2006/relationships" xmlns:p="http://schemas.openxmlformats.org/presentationml/2006/main">
   <p:cSld>
@@ -697,7 +702,7 @@
             <a:fld id="{7D8C2C35-2B8A-446E-BEC0-FD36716C29AC}" type="slidenum">
               <a:rPr lang="de-DE" smtClean="0"/>
               <a:pPr/>
-              <a:t>11</a:t>
+              <a:t>12</a:t>
             </a:fld>
             <a:endParaRPr lang="de-DE" dirty="0"/>
           </a:p>
@@ -782,7 +787,7 @@
             <a:fld id="{7D8C2C35-2B8A-446E-BEC0-FD36716C29AC}" type="slidenum">
               <a:rPr lang="de-DE" smtClean="0"/>
               <a:pPr/>
-              <a:t>13</a:t>
+              <a:t>14</a:t>
             </a:fld>
             <a:endParaRPr lang="de-DE" dirty="0"/>
           </a:p>
@@ -944,7 +949,7 @@
             <a:fld id="{7D8C2C35-2B8A-446E-BEC0-FD36716C29AC}" type="slidenum">
               <a:rPr lang="de-DE" smtClean="0"/>
               <a:pPr/>
-              <a:t>14</a:t>
+              <a:t>15</a:t>
             </a:fld>
             <a:endParaRPr lang="de-DE" dirty="0"/>
           </a:p>
@@ -998,7 +1003,7 @@
             <a:fld id="{7D8C2C35-2B8A-446E-BEC0-FD36716C29AC}" type="slidenum">
               <a:rPr lang="en-US" smtClean="0"/>
               <a:pPr/>
-              <a:t>16</a:t>
+              <a:t>17</a:t>
             </a:fld>
             <a:endParaRPr lang="en-US" dirty="0"/>
           </a:p>
@@ -16573,6 +16578,1229 @@
           <a:p>
             <a:r>
               <a:rPr lang="en-US" dirty="0"/>
+              <a:t>Desired target state</a:t>
+            </a:r>
+          </a:p>
+        </p:txBody>
+      </p:sp>
+      <p:grpSp>
+        <p:nvGrpSpPr>
+          <p:cNvPr id="13" name="Group 12"/>
+          <p:cNvGrpSpPr/>
+          <p:nvPr/>
+        </p:nvGrpSpPr>
+        <p:grpSpPr>
+          <a:xfrm>
+            <a:off x="2674620" y="3124200"/>
+            <a:ext cx="6187440" cy="1752600"/>
+            <a:chOff x="2697480" y="2743200"/>
+            <a:chExt cx="6187440" cy="2034540"/>
+          </a:xfrm>
+        </p:grpSpPr>
+        <p:sp>
+          <p:nvSpPr>
+            <p:cNvPr id="12" name="Rectangle: Rounded Corners 11"/>
+            <p:cNvSpPr/>
+            <p:nvPr/>
+          </p:nvSpPr>
+          <p:spPr bwMode="gray">
+            <a:xfrm>
+              <a:off x="2697480" y="2743200"/>
+              <a:ext cx="6187440" cy="2034540"/>
+            </a:xfrm>
+            <a:prstGeom prst="roundRect">
+              <a:avLst/>
+            </a:prstGeom>
+            <a:ln>
+              <a:headEnd/>
+              <a:tailEnd/>
+            </a:ln>
+          </p:spPr>
+          <p:style>
+            <a:lnRef idx="2">
+              <a:schemeClr val="accent4"/>
+            </a:lnRef>
+            <a:fillRef idx="1">
+              <a:schemeClr val="lt1"/>
+            </a:fillRef>
+            <a:effectRef idx="0">
+              <a:schemeClr val="accent4"/>
+            </a:effectRef>
+            <a:fontRef idx="minor">
+              <a:schemeClr val="dk1"/>
+            </a:fontRef>
+          </p:style>
+          <p:txBody>
+            <a:bodyPr lIns="90000" tIns="72000" rIns="90000" bIns="72000" rtlCol="0" anchor="ctr"/>
+            <a:lstStyle/>
+            <a:p>
+              <a:pPr marR="0" algn="ctr" defTabSz="914400" eaLnBrk="1" fontAlgn="base" latinLnBrk="0" hangingPunct="1">
+                <a:lnSpc>
+                  <a:spcPct val="100000"/>
+                </a:lnSpc>
+                <a:spcBef>
+                  <a:spcPct val="50000"/>
+                </a:spcBef>
+                <a:spcAft>
+                  <a:spcPct val="0"/>
+                </a:spcAft>
+                <a:buClr>
+                  <a:srgbClr val="F0AB00"/>
+                </a:buClr>
+                <a:buSzPct val="80000"/>
+                <a:tabLst/>
+              </a:pPr>
+              <a:endParaRPr kumimoji="0" lang="en-US" sz="1800" b="0" i="0" u="none" strike="noStrike" kern="0" cap="none" spc="0" normalizeH="0" baseline="0" noProof="0" dirty="0" err="1">
+                <a:ln>
+                  <a:noFill/>
+                </a:ln>
+                <a:effectLst/>
+                <a:uLnTx/>
+                <a:uFillTx/>
+                <a:ea typeface="Arial Unicode MS" pitchFamily="34" charset="-128"/>
+                <a:cs typeface="Arial Unicode MS" pitchFamily="34" charset="-128"/>
+              </a:endParaRPr>
+            </a:p>
+          </p:txBody>
+        </p:sp>
+        <p:sp>
+          <p:nvSpPr>
+            <p:cNvPr id="4" name="Rectangle 3"/>
+            <p:cNvSpPr/>
+            <p:nvPr/>
+          </p:nvSpPr>
+          <p:spPr bwMode="gray">
+            <a:xfrm>
+              <a:off x="2989653" y="3164976"/>
+              <a:ext cx="1627931" cy="1156258"/>
+            </a:xfrm>
+            <a:prstGeom prst="rect">
+              <a:avLst/>
+            </a:prstGeom>
+            <a:ln>
+              <a:headEnd/>
+              <a:tailEnd/>
+            </a:ln>
+          </p:spPr>
+          <p:style>
+            <a:lnRef idx="2">
+              <a:schemeClr val="accent4"/>
+            </a:lnRef>
+            <a:fillRef idx="1">
+              <a:schemeClr val="lt1"/>
+            </a:fillRef>
+            <a:effectRef idx="0">
+              <a:schemeClr val="accent4"/>
+            </a:effectRef>
+            <a:fontRef idx="minor">
+              <a:schemeClr val="dk1"/>
+            </a:fontRef>
+          </p:style>
+          <p:txBody>
+            <a:bodyPr lIns="90000" tIns="72000" rIns="90000" bIns="72000" rtlCol="0" anchor="ctr"/>
+            <a:lstStyle/>
+            <a:p>
+              <a:pPr marR="0" algn="ctr" defTabSz="914400" eaLnBrk="1" fontAlgn="base" latinLnBrk="0" hangingPunct="1">
+                <a:lnSpc>
+                  <a:spcPct val="100000"/>
+                </a:lnSpc>
+                <a:spcBef>
+                  <a:spcPct val="50000"/>
+                </a:spcBef>
+                <a:spcAft>
+                  <a:spcPct val="0"/>
+                </a:spcAft>
+                <a:buClr>
+                  <a:srgbClr val="F0AB00"/>
+                </a:buClr>
+                <a:buSzPct val="80000"/>
+                <a:tabLst/>
+              </a:pPr>
+              <a:r>
+                <a:rPr lang="de-DE" sz="1800" kern="0" dirty="0" err="1">
+                  <a:ea typeface="Arial Unicode MS" pitchFamily="34" charset="-128"/>
+                  <a:cs typeface="Arial Unicode MS" pitchFamily="34" charset="-128"/>
+                </a:rPr>
+                <a:t>nginx</a:t>
+              </a:r>
+              <a:endParaRPr kumimoji="0" lang="de-DE" sz="1800" b="0" i="0" u="none" strike="noStrike" kern="0" cap="none" spc="0" normalizeH="0" baseline="0" noProof="0" dirty="0">
+                <a:ln>
+                  <a:noFill/>
+                </a:ln>
+                <a:effectLst/>
+                <a:uLnTx/>
+                <a:uFillTx/>
+                <a:ea typeface="Arial Unicode MS" pitchFamily="34" charset="-128"/>
+                <a:cs typeface="Arial Unicode MS" pitchFamily="34" charset="-128"/>
+              </a:endParaRPr>
+            </a:p>
+          </p:txBody>
+        </p:sp>
+        <p:sp>
+          <p:nvSpPr>
+            <p:cNvPr id="6" name="Rectangle 5"/>
+            <p:cNvSpPr/>
+            <p:nvPr/>
+          </p:nvSpPr>
+          <p:spPr bwMode="gray">
+            <a:xfrm>
+              <a:off x="6855115" y="3164976"/>
+              <a:ext cx="1627931" cy="1156258"/>
+            </a:xfrm>
+            <a:prstGeom prst="rect">
+              <a:avLst/>
+            </a:prstGeom>
+            <a:ln>
+              <a:headEnd/>
+              <a:tailEnd/>
+            </a:ln>
+          </p:spPr>
+          <p:style>
+            <a:lnRef idx="2">
+              <a:schemeClr val="accent4"/>
+            </a:lnRef>
+            <a:fillRef idx="1">
+              <a:schemeClr val="lt1"/>
+            </a:fillRef>
+            <a:effectRef idx="0">
+              <a:schemeClr val="accent4"/>
+            </a:effectRef>
+            <a:fontRef idx="minor">
+              <a:schemeClr val="dk1"/>
+            </a:fontRef>
+          </p:style>
+          <p:txBody>
+            <a:bodyPr lIns="90000" tIns="72000" rIns="90000" bIns="72000" rtlCol="0" anchor="ctr"/>
+            <a:lstStyle/>
+            <a:p>
+              <a:pPr marR="0" algn="ctr" defTabSz="914400" eaLnBrk="1" fontAlgn="base" latinLnBrk="0" hangingPunct="1">
+                <a:lnSpc>
+                  <a:spcPct val="100000"/>
+                </a:lnSpc>
+                <a:spcBef>
+                  <a:spcPct val="50000"/>
+                </a:spcBef>
+                <a:spcAft>
+                  <a:spcPct val="0"/>
+                </a:spcAft>
+                <a:buClr>
+                  <a:srgbClr val="F0AB00"/>
+                </a:buClr>
+                <a:buSzPct val="80000"/>
+                <a:tabLst/>
+              </a:pPr>
+              <a:r>
+                <a:rPr lang="de-DE" sz="1800" kern="0" dirty="0" err="1">
+                  <a:ea typeface="Arial Unicode MS" pitchFamily="34" charset="-128"/>
+                  <a:cs typeface="Arial Unicode MS" pitchFamily="34" charset="-128"/>
+                </a:rPr>
+                <a:t>nginx</a:t>
+              </a:r>
+              <a:endParaRPr kumimoji="0" lang="de-DE" sz="1800" b="0" i="0" u="none" strike="noStrike" kern="0" cap="none" spc="0" normalizeH="0" baseline="0" noProof="0" dirty="0">
+                <a:ln>
+                  <a:noFill/>
+                </a:ln>
+                <a:effectLst/>
+                <a:uLnTx/>
+                <a:uFillTx/>
+                <a:ea typeface="Arial Unicode MS" pitchFamily="34" charset="-128"/>
+                <a:cs typeface="Arial Unicode MS" pitchFamily="34" charset="-128"/>
+              </a:endParaRPr>
+            </a:p>
+          </p:txBody>
+        </p:sp>
+        <p:sp>
+          <p:nvSpPr>
+            <p:cNvPr id="7" name="Rectangle 6"/>
+            <p:cNvSpPr/>
+            <p:nvPr/>
+          </p:nvSpPr>
+          <p:spPr bwMode="gray">
+            <a:xfrm>
+              <a:off x="4922384" y="3164976"/>
+              <a:ext cx="1627931" cy="1156258"/>
+            </a:xfrm>
+            <a:prstGeom prst="rect">
+              <a:avLst/>
+            </a:prstGeom>
+            <a:ln>
+              <a:headEnd/>
+              <a:tailEnd/>
+            </a:ln>
+          </p:spPr>
+          <p:style>
+            <a:lnRef idx="2">
+              <a:schemeClr val="accent4"/>
+            </a:lnRef>
+            <a:fillRef idx="1">
+              <a:schemeClr val="lt1"/>
+            </a:fillRef>
+            <a:effectRef idx="0">
+              <a:schemeClr val="accent4"/>
+            </a:effectRef>
+            <a:fontRef idx="minor">
+              <a:schemeClr val="dk1"/>
+            </a:fontRef>
+          </p:style>
+          <p:txBody>
+            <a:bodyPr lIns="90000" tIns="72000" rIns="90000" bIns="72000" rtlCol="0" anchor="ctr"/>
+            <a:lstStyle/>
+            <a:p>
+              <a:pPr marR="0" algn="ctr" defTabSz="914400" eaLnBrk="1" fontAlgn="base" latinLnBrk="0" hangingPunct="1">
+                <a:lnSpc>
+                  <a:spcPct val="100000"/>
+                </a:lnSpc>
+                <a:spcBef>
+                  <a:spcPct val="50000"/>
+                </a:spcBef>
+                <a:spcAft>
+                  <a:spcPct val="0"/>
+                </a:spcAft>
+                <a:buClr>
+                  <a:srgbClr val="F0AB00"/>
+                </a:buClr>
+                <a:buSzPct val="80000"/>
+                <a:tabLst/>
+              </a:pPr>
+              <a:r>
+                <a:rPr lang="de-DE" sz="1800" kern="0" dirty="0" err="1">
+                  <a:ea typeface="Arial Unicode MS" pitchFamily="34" charset="-128"/>
+                  <a:cs typeface="Arial Unicode MS" pitchFamily="34" charset="-128"/>
+                </a:rPr>
+                <a:t>nginx</a:t>
+              </a:r>
+              <a:endParaRPr kumimoji="0" lang="de-DE" sz="1800" b="0" i="0" u="none" strike="noStrike" kern="0" cap="none" spc="0" normalizeH="0" baseline="0" noProof="0" dirty="0">
+                <a:ln>
+                  <a:noFill/>
+                </a:ln>
+                <a:effectLst/>
+                <a:uLnTx/>
+                <a:uFillTx/>
+                <a:ea typeface="Arial Unicode MS" pitchFamily="34" charset="-128"/>
+                <a:cs typeface="Arial Unicode MS" pitchFamily="34" charset="-128"/>
+              </a:endParaRPr>
+            </a:p>
+          </p:txBody>
+        </p:sp>
+      </p:grpSp>
+      <p:grpSp>
+        <p:nvGrpSpPr>
+          <p:cNvPr id="15" name="Group 14"/>
+          <p:cNvGrpSpPr/>
+          <p:nvPr/>
+        </p:nvGrpSpPr>
+        <p:grpSpPr>
+          <a:xfrm>
+            <a:off x="3482340" y="5191896"/>
+            <a:ext cx="4572000" cy="1363980"/>
+            <a:chOff x="3421380" y="5067300"/>
+            <a:chExt cx="4572000" cy="1363980"/>
+          </a:xfrm>
+        </p:grpSpPr>
+        <p:sp>
+          <p:nvSpPr>
+            <p:cNvPr id="14" name="Rectangle: Rounded Corners 13"/>
+            <p:cNvSpPr/>
+            <p:nvPr/>
+          </p:nvSpPr>
+          <p:spPr bwMode="gray">
+            <a:xfrm>
+              <a:off x="3421380" y="5067300"/>
+              <a:ext cx="4572000" cy="1363980"/>
+            </a:xfrm>
+            <a:prstGeom prst="roundRect">
+              <a:avLst/>
+            </a:prstGeom>
+            <a:ln>
+              <a:headEnd/>
+              <a:tailEnd/>
+            </a:ln>
+          </p:spPr>
+          <p:style>
+            <a:lnRef idx="2">
+              <a:schemeClr val="accent4"/>
+            </a:lnRef>
+            <a:fillRef idx="1">
+              <a:schemeClr val="lt1"/>
+            </a:fillRef>
+            <a:effectRef idx="0">
+              <a:schemeClr val="accent4"/>
+            </a:effectRef>
+            <a:fontRef idx="minor">
+              <a:schemeClr val="dk1"/>
+            </a:fontRef>
+          </p:style>
+          <p:txBody>
+            <a:bodyPr lIns="90000" tIns="72000" rIns="90000" bIns="72000" rtlCol="0" anchor="ctr"/>
+            <a:lstStyle/>
+            <a:p>
+              <a:pPr marR="0" algn="ctr" defTabSz="914400" eaLnBrk="1" fontAlgn="base" latinLnBrk="0" hangingPunct="1">
+                <a:lnSpc>
+                  <a:spcPct val="100000"/>
+                </a:lnSpc>
+                <a:spcBef>
+                  <a:spcPct val="50000"/>
+                </a:spcBef>
+                <a:spcAft>
+                  <a:spcPct val="0"/>
+                </a:spcAft>
+                <a:buClr>
+                  <a:srgbClr val="F0AB00"/>
+                </a:buClr>
+                <a:buSzPct val="80000"/>
+                <a:tabLst/>
+              </a:pPr>
+              <a:endParaRPr kumimoji="0" lang="en-US" sz="1800" b="0" i="0" u="none" strike="noStrike" kern="0" cap="none" spc="0" normalizeH="0" baseline="0" noProof="0" dirty="0" err="1">
+                <a:ln>
+                  <a:noFill/>
+                </a:ln>
+                <a:effectLst/>
+                <a:uLnTx/>
+                <a:uFillTx/>
+                <a:ea typeface="Arial Unicode MS" pitchFamily="34" charset="-128"/>
+                <a:cs typeface="Arial Unicode MS" pitchFamily="34" charset="-128"/>
+              </a:endParaRPr>
+            </a:p>
+          </p:txBody>
+        </p:sp>
+        <p:sp>
+          <p:nvSpPr>
+            <p:cNvPr id="8" name="Cylinder 7"/>
+            <p:cNvSpPr/>
+            <p:nvPr/>
+          </p:nvSpPr>
+          <p:spPr bwMode="gray">
+            <a:xfrm>
+              <a:off x="3946888" y="5248563"/>
+              <a:ext cx="998220" cy="1004248"/>
+            </a:xfrm>
+            <a:prstGeom prst="can">
+              <a:avLst/>
+            </a:prstGeom>
+            <a:ln>
+              <a:headEnd/>
+              <a:tailEnd/>
+            </a:ln>
+          </p:spPr>
+          <p:style>
+            <a:lnRef idx="2">
+              <a:schemeClr val="accent4"/>
+            </a:lnRef>
+            <a:fillRef idx="1">
+              <a:schemeClr val="lt1"/>
+            </a:fillRef>
+            <a:effectRef idx="0">
+              <a:schemeClr val="accent4"/>
+            </a:effectRef>
+            <a:fontRef idx="minor">
+              <a:schemeClr val="dk1"/>
+            </a:fontRef>
+          </p:style>
+          <p:txBody>
+            <a:bodyPr lIns="90000" tIns="72000" rIns="90000" bIns="72000" rtlCol="0" anchor="ctr"/>
+            <a:lstStyle/>
+            <a:p>
+              <a:pPr marR="0" algn="ctr" defTabSz="914400" eaLnBrk="1" fontAlgn="base" latinLnBrk="0" hangingPunct="1">
+                <a:lnSpc>
+                  <a:spcPct val="100000"/>
+                </a:lnSpc>
+                <a:spcBef>
+                  <a:spcPct val="50000"/>
+                </a:spcBef>
+                <a:spcAft>
+                  <a:spcPct val="0"/>
+                </a:spcAft>
+                <a:buClr>
+                  <a:srgbClr val="F0AB00"/>
+                </a:buClr>
+                <a:buSzPct val="80000"/>
+                <a:tabLst/>
+              </a:pPr>
+              <a:r>
+                <a:rPr lang="de-DE" sz="1800" kern="0" dirty="0" err="1">
+                  <a:ea typeface="Arial Unicode MS" pitchFamily="34" charset="-128"/>
+                  <a:cs typeface="Arial Unicode MS" pitchFamily="34" charset="-128"/>
+                </a:rPr>
+                <a:t>custom</a:t>
+              </a:r>
+              <a:r>
+                <a:rPr lang="de-DE" sz="1800" kern="0" dirty="0">
+                  <a:ea typeface="Arial Unicode MS" pitchFamily="34" charset="-128"/>
+                  <a:cs typeface="Arial Unicode MS" pitchFamily="34" charset="-128"/>
+                </a:rPr>
+                <a:t> </a:t>
+              </a:r>
+              <a:r>
+                <a:rPr kumimoji="0" lang="de-DE" sz="1800" b="0" i="0" u="none" strike="noStrike" kern="0" cap="none" spc="0" normalizeH="0" baseline="0" noProof="0" dirty="0" err="1">
+                  <a:ln>
+                    <a:noFill/>
+                  </a:ln>
+                  <a:effectLst/>
+                  <a:uLnTx/>
+                  <a:uFillTx/>
+                  <a:ea typeface="Arial Unicode MS" pitchFamily="34" charset="-128"/>
+                  <a:cs typeface="Arial Unicode MS" pitchFamily="34" charset="-128"/>
+                </a:rPr>
+                <a:t>content</a:t>
+              </a:r>
+              <a:endParaRPr kumimoji="0" lang="de-DE" sz="1800" b="0" i="0" u="none" strike="noStrike" kern="0" cap="none" spc="0" normalizeH="0" baseline="0" noProof="0" dirty="0">
+                <a:ln>
+                  <a:noFill/>
+                </a:ln>
+                <a:effectLst/>
+                <a:uLnTx/>
+                <a:uFillTx/>
+                <a:ea typeface="Arial Unicode MS" pitchFamily="34" charset="-128"/>
+                <a:cs typeface="Arial Unicode MS" pitchFamily="34" charset="-128"/>
+              </a:endParaRPr>
+            </a:p>
+          </p:txBody>
+        </p:sp>
+        <p:sp>
+          <p:nvSpPr>
+            <p:cNvPr id="9" name="Cylinder 8"/>
+            <p:cNvSpPr/>
+            <p:nvPr/>
+          </p:nvSpPr>
+          <p:spPr bwMode="gray">
+            <a:xfrm>
+              <a:off x="5214379" y="5248563"/>
+              <a:ext cx="998220" cy="1004248"/>
+            </a:xfrm>
+            <a:prstGeom prst="can">
+              <a:avLst/>
+            </a:prstGeom>
+            <a:ln>
+              <a:headEnd/>
+              <a:tailEnd/>
+            </a:ln>
+          </p:spPr>
+          <p:style>
+            <a:lnRef idx="2">
+              <a:schemeClr val="accent4"/>
+            </a:lnRef>
+            <a:fillRef idx="1">
+              <a:schemeClr val="lt1"/>
+            </a:fillRef>
+            <a:effectRef idx="0">
+              <a:schemeClr val="accent4"/>
+            </a:effectRef>
+            <a:fontRef idx="minor">
+              <a:schemeClr val="dk1"/>
+            </a:fontRef>
+          </p:style>
+          <p:txBody>
+            <a:bodyPr lIns="90000" tIns="72000" rIns="90000" bIns="72000" rtlCol="0" anchor="ctr"/>
+            <a:lstStyle/>
+            <a:p>
+              <a:pPr marR="0" algn="ctr" defTabSz="914400" eaLnBrk="1" fontAlgn="base" latinLnBrk="0" hangingPunct="1">
+                <a:lnSpc>
+                  <a:spcPct val="100000"/>
+                </a:lnSpc>
+                <a:spcBef>
+                  <a:spcPct val="50000"/>
+                </a:spcBef>
+                <a:spcAft>
+                  <a:spcPct val="0"/>
+                </a:spcAft>
+                <a:buClr>
+                  <a:srgbClr val="F0AB00"/>
+                </a:buClr>
+                <a:buSzPct val="80000"/>
+                <a:tabLst/>
+              </a:pPr>
+              <a:r>
+                <a:rPr kumimoji="0" lang="de-DE" sz="1800" b="0" i="0" u="none" strike="noStrike" kern="0" cap="none" spc="0" normalizeH="0" baseline="0" noProof="0" dirty="0" err="1">
+                  <a:ln>
+                    <a:noFill/>
+                  </a:ln>
+                  <a:effectLst/>
+                  <a:uLnTx/>
+                  <a:uFillTx/>
+                  <a:ea typeface="Arial Unicode MS" pitchFamily="34" charset="-128"/>
+                  <a:cs typeface="Arial Unicode MS" pitchFamily="34" charset="-128"/>
+                </a:rPr>
+                <a:t>config</a:t>
+              </a:r>
+              <a:endParaRPr kumimoji="0" lang="de-DE" sz="1800" b="0" i="0" u="none" strike="noStrike" kern="0" cap="none" spc="0" normalizeH="0" baseline="0" noProof="0" dirty="0">
+                <a:ln>
+                  <a:noFill/>
+                </a:ln>
+                <a:effectLst/>
+                <a:uLnTx/>
+                <a:uFillTx/>
+                <a:ea typeface="Arial Unicode MS" pitchFamily="34" charset="-128"/>
+                <a:cs typeface="Arial Unicode MS" pitchFamily="34" charset="-128"/>
+              </a:endParaRPr>
+            </a:p>
+          </p:txBody>
+        </p:sp>
+        <p:sp>
+          <p:nvSpPr>
+            <p:cNvPr id="10" name="Cylinder 9"/>
+            <p:cNvSpPr/>
+            <p:nvPr/>
+          </p:nvSpPr>
+          <p:spPr bwMode="gray">
+            <a:xfrm>
+              <a:off x="6481870" y="5248563"/>
+              <a:ext cx="998220" cy="1004248"/>
+            </a:xfrm>
+            <a:prstGeom prst="can">
+              <a:avLst/>
+            </a:prstGeom>
+            <a:ln>
+              <a:headEnd/>
+              <a:tailEnd/>
+            </a:ln>
+          </p:spPr>
+          <p:style>
+            <a:lnRef idx="2">
+              <a:schemeClr val="accent4"/>
+            </a:lnRef>
+            <a:fillRef idx="1">
+              <a:schemeClr val="lt1"/>
+            </a:fillRef>
+            <a:effectRef idx="0">
+              <a:schemeClr val="accent4"/>
+            </a:effectRef>
+            <a:fontRef idx="minor">
+              <a:schemeClr val="dk1"/>
+            </a:fontRef>
+          </p:style>
+          <p:txBody>
+            <a:bodyPr lIns="90000" tIns="72000" rIns="90000" bIns="72000" rtlCol="0" anchor="ctr"/>
+            <a:lstStyle/>
+            <a:p>
+              <a:pPr marR="0" algn="ctr" defTabSz="914400" eaLnBrk="1" fontAlgn="base" latinLnBrk="0" hangingPunct="1">
+                <a:lnSpc>
+                  <a:spcPct val="100000"/>
+                </a:lnSpc>
+                <a:spcBef>
+                  <a:spcPct val="50000"/>
+                </a:spcBef>
+                <a:spcAft>
+                  <a:spcPct val="0"/>
+                </a:spcAft>
+                <a:buClr>
+                  <a:srgbClr val="F0AB00"/>
+                </a:buClr>
+                <a:buSzPct val="80000"/>
+                <a:tabLst/>
+              </a:pPr>
+              <a:r>
+                <a:rPr lang="de-DE" sz="1800" kern="0" dirty="0" err="1">
+                  <a:ea typeface="Arial Unicode MS" pitchFamily="34" charset="-128"/>
+                  <a:cs typeface="Arial Unicode MS" pitchFamily="34" charset="-128"/>
+                </a:rPr>
+                <a:t>tls</a:t>
+              </a:r>
+              <a:r>
+                <a:rPr lang="de-DE" sz="1800" kern="0" dirty="0">
+                  <a:ea typeface="Arial Unicode MS" pitchFamily="34" charset="-128"/>
+                  <a:cs typeface="Arial Unicode MS" pitchFamily="34" charset="-128"/>
+                </a:rPr>
+                <a:t> </a:t>
+              </a:r>
+              <a:r>
+                <a:rPr lang="de-DE" sz="1800" kern="0" dirty="0" err="1">
+                  <a:ea typeface="Arial Unicode MS" pitchFamily="34" charset="-128"/>
+                  <a:cs typeface="Arial Unicode MS" pitchFamily="34" charset="-128"/>
+                </a:rPr>
+                <a:t>certs</a:t>
+              </a:r>
+              <a:endParaRPr kumimoji="0" lang="de-DE" sz="1800" b="0" i="0" u="none" strike="noStrike" kern="0" cap="none" spc="0" normalizeH="0" baseline="0" noProof="0" dirty="0">
+                <a:ln>
+                  <a:noFill/>
+                </a:ln>
+                <a:effectLst/>
+                <a:uLnTx/>
+                <a:uFillTx/>
+                <a:ea typeface="Arial Unicode MS" pitchFamily="34" charset="-128"/>
+                <a:cs typeface="Arial Unicode MS" pitchFamily="34" charset="-128"/>
+              </a:endParaRPr>
+            </a:p>
+          </p:txBody>
+        </p:sp>
+      </p:grpSp>
+      <p:sp>
+        <p:nvSpPr>
+          <p:cNvPr id="16" name="Arrow: Up-Down 15"/>
+          <p:cNvSpPr/>
+          <p:nvPr/>
+        </p:nvSpPr>
+        <p:spPr bwMode="gray">
+          <a:xfrm>
+            <a:off x="5657231" y="4702919"/>
+            <a:ext cx="222219" cy="635300"/>
+          </a:xfrm>
+          <a:prstGeom prst="upDownArrow">
+            <a:avLst/>
+          </a:prstGeom>
+          <a:solidFill>
+            <a:schemeClr val="accent4"/>
+          </a:solidFill>
+          <a:ln w="6350" algn="ctr">
+            <a:noFill/>
+            <a:miter lim="800000"/>
+            <a:headEnd/>
+            <a:tailEnd/>
+          </a:ln>
+        </p:spPr>
+        <p:txBody>
+          <a:bodyPr lIns="90000" tIns="72000" rIns="90000" bIns="72000" rtlCol="0" anchor="ctr"/>
+          <a:lstStyle/>
+          <a:p>
+            <a:pPr marR="0" algn="ctr" defTabSz="914400" eaLnBrk="1" fontAlgn="base" latinLnBrk="0" hangingPunct="1">
+              <a:lnSpc>
+                <a:spcPct val="100000"/>
+              </a:lnSpc>
+              <a:spcBef>
+                <a:spcPct val="50000"/>
+              </a:spcBef>
+              <a:spcAft>
+                <a:spcPct val="0"/>
+              </a:spcAft>
+              <a:buClr>
+                <a:srgbClr val="F0AB00"/>
+              </a:buClr>
+              <a:buSzPct val="80000"/>
+              <a:tabLst/>
+            </a:pPr>
+            <a:endParaRPr kumimoji="0" lang="en-US" sz="1800" b="0" i="0" u="none" strike="noStrike" kern="0" cap="none" spc="0" normalizeH="0" baseline="0" noProof="0" dirty="0" err="1">
+              <a:ln>
+                <a:noFill/>
+              </a:ln>
+              <a:effectLst/>
+              <a:uLnTx/>
+              <a:uFillTx/>
+              <a:ea typeface="Arial Unicode MS" pitchFamily="34" charset="-128"/>
+              <a:cs typeface="Arial Unicode MS" pitchFamily="34" charset="-128"/>
+            </a:endParaRPr>
+          </a:p>
+        </p:txBody>
+      </p:sp>
+      <p:sp>
+        <p:nvSpPr>
+          <p:cNvPr id="17" name="Cloud 16"/>
+          <p:cNvSpPr/>
+          <p:nvPr/>
+        </p:nvSpPr>
+        <p:spPr bwMode="gray">
+          <a:xfrm>
+            <a:off x="4077318" y="772619"/>
+            <a:ext cx="3382042" cy="807791"/>
+          </a:xfrm>
+          <a:prstGeom prst="cloud">
+            <a:avLst/>
+          </a:prstGeom>
+          <a:solidFill>
+            <a:schemeClr val="accent1"/>
+          </a:solidFill>
+          <a:ln w="6350" algn="ctr">
+            <a:noFill/>
+            <a:miter lim="800000"/>
+            <a:headEnd/>
+            <a:tailEnd/>
+          </a:ln>
+        </p:spPr>
+        <p:txBody>
+          <a:bodyPr lIns="90000" tIns="72000" rIns="90000" bIns="72000" rtlCol="0" anchor="ctr"/>
+          <a:lstStyle/>
+          <a:p>
+            <a:pPr marR="0" algn="ctr" defTabSz="914400" eaLnBrk="1" fontAlgn="base" latinLnBrk="0" hangingPunct="1">
+              <a:lnSpc>
+                <a:spcPct val="100000"/>
+              </a:lnSpc>
+              <a:spcBef>
+                <a:spcPct val="50000"/>
+              </a:spcBef>
+              <a:spcAft>
+                <a:spcPct val="0"/>
+              </a:spcAft>
+              <a:buClr>
+                <a:srgbClr val="F0AB00"/>
+              </a:buClr>
+              <a:buSzPct val="80000"/>
+              <a:tabLst/>
+            </a:pPr>
+            <a:endParaRPr kumimoji="0" lang="en-US" sz="1800" b="0" i="0" u="none" strike="noStrike" kern="0" cap="none" spc="0" normalizeH="0" baseline="0" noProof="0" dirty="0" err="1">
+              <a:ln>
+                <a:noFill/>
+              </a:ln>
+              <a:effectLst/>
+              <a:uLnTx/>
+              <a:uFillTx/>
+              <a:ea typeface="Arial Unicode MS" pitchFamily="34" charset="-128"/>
+              <a:cs typeface="Arial Unicode MS" pitchFamily="34" charset="-128"/>
+            </a:endParaRPr>
+          </a:p>
+        </p:txBody>
+      </p:sp>
+      <p:grpSp>
+        <p:nvGrpSpPr>
+          <p:cNvPr id="27" name="Group 26"/>
+          <p:cNvGrpSpPr/>
+          <p:nvPr/>
+        </p:nvGrpSpPr>
+        <p:grpSpPr>
+          <a:xfrm>
+            <a:off x="4165925" y="2129720"/>
+            <a:ext cx="3204830" cy="681069"/>
+            <a:chOff x="2697480" y="2743200"/>
+            <a:chExt cx="6187440" cy="2034540"/>
+          </a:xfrm>
+        </p:grpSpPr>
+        <p:sp>
+          <p:nvSpPr>
+            <p:cNvPr id="28" name="Rectangle: Rounded Corners 27"/>
+            <p:cNvSpPr/>
+            <p:nvPr/>
+          </p:nvSpPr>
+          <p:spPr bwMode="gray">
+            <a:xfrm>
+              <a:off x="2697480" y="2743200"/>
+              <a:ext cx="6187440" cy="2034540"/>
+            </a:xfrm>
+            <a:prstGeom prst="roundRect">
+              <a:avLst/>
+            </a:prstGeom>
+            <a:ln>
+              <a:headEnd/>
+              <a:tailEnd/>
+            </a:ln>
+          </p:spPr>
+          <p:style>
+            <a:lnRef idx="2">
+              <a:schemeClr val="accent4"/>
+            </a:lnRef>
+            <a:fillRef idx="1">
+              <a:schemeClr val="lt1"/>
+            </a:fillRef>
+            <a:effectRef idx="0">
+              <a:schemeClr val="accent4"/>
+            </a:effectRef>
+            <a:fontRef idx="minor">
+              <a:schemeClr val="dk1"/>
+            </a:fontRef>
+          </p:style>
+          <p:txBody>
+            <a:bodyPr lIns="90000" tIns="72000" rIns="90000" bIns="72000" rtlCol="0" anchor="ctr"/>
+            <a:lstStyle/>
+            <a:p>
+              <a:pPr marR="0" algn="ctr" defTabSz="914400" eaLnBrk="1" fontAlgn="base" latinLnBrk="0" hangingPunct="1">
+                <a:lnSpc>
+                  <a:spcPct val="100000"/>
+                </a:lnSpc>
+                <a:spcBef>
+                  <a:spcPct val="50000"/>
+                </a:spcBef>
+                <a:spcAft>
+                  <a:spcPct val="0"/>
+                </a:spcAft>
+                <a:buClr>
+                  <a:srgbClr val="F0AB00"/>
+                </a:buClr>
+                <a:buSzPct val="80000"/>
+                <a:tabLst/>
+              </a:pPr>
+              <a:endParaRPr kumimoji="0" lang="en-US" sz="1800" b="0" i="0" u="none" strike="noStrike" kern="0" cap="none" spc="0" normalizeH="0" baseline="0" noProof="0" dirty="0" err="1">
+                <a:ln>
+                  <a:noFill/>
+                </a:ln>
+                <a:effectLst/>
+                <a:uLnTx/>
+                <a:uFillTx/>
+                <a:ea typeface="Arial Unicode MS" pitchFamily="34" charset="-128"/>
+                <a:cs typeface="Arial Unicode MS" pitchFamily="34" charset="-128"/>
+              </a:endParaRPr>
+            </a:p>
+          </p:txBody>
+        </p:sp>
+        <p:sp>
+          <p:nvSpPr>
+            <p:cNvPr id="29" name="Rectangle 28"/>
+            <p:cNvSpPr/>
+            <p:nvPr/>
+          </p:nvSpPr>
+          <p:spPr bwMode="gray">
+            <a:xfrm>
+              <a:off x="3493771" y="3130180"/>
+              <a:ext cx="4594857" cy="1156257"/>
+            </a:xfrm>
+            <a:prstGeom prst="rect">
+              <a:avLst/>
+            </a:prstGeom>
+            <a:ln>
+              <a:headEnd/>
+              <a:tailEnd/>
+            </a:ln>
+          </p:spPr>
+          <p:style>
+            <a:lnRef idx="2">
+              <a:schemeClr val="accent4"/>
+            </a:lnRef>
+            <a:fillRef idx="1">
+              <a:schemeClr val="lt1"/>
+            </a:fillRef>
+            <a:effectRef idx="0">
+              <a:schemeClr val="accent4"/>
+            </a:effectRef>
+            <a:fontRef idx="minor">
+              <a:schemeClr val="dk1"/>
+            </a:fontRef>
+          </p:style>
+          <p:txBody>
+            <a:bodyPr lIns="90000" tIns="72000" rIns="90000" bIns="72000" rtlCol="0" anchor="ctr"/>
+            <a:lstStyle/>
+            <a:p>
+              <a:pPr marR="0" algn="ctr" defTabSz="914400" eaLnBrk="1" fontAlgn="base" latinLnBrk="0" hangingPunct="1">
+                <a:lnSpc>
+                  <a:spcPct val="100000"/>
+                </a:lnSpc>
+                <a:spcBef>
+                  <a:spcPct val="50000"/>
+                </a:spcBef>
+                <a:spcAft>
+                  <a:spcPct val="0"/>
+                </a:spcAft>
+                <a:buClr>
+                  <a:srgbClr val="F0AB00"/>
+                </a:buClr>
+                <a:buSzPct val="80000"/>
+                <a:tabLst/>
+              </a:pPr>
+              <a:r>
+                <a:rPr lang="de-DE" sz="1800" kern="0" dirty="0" err="1">
+                  <a:ea typeface="Arial Unicode MS" pitchFamily="34" charset="-128"/>
+                  <a:cs typeface="Arial Unicode MS" pitchFamily="34" charset="-128"/>
+                </a:rPr>
+                <a:t>service</a:t>
+              </a:r>
+              <a:r>
+                <a:rPr lang="de-DE" sz="1800" kern="0" dirty="0">
+                  <a:ea typeface="Arial Unicode MS" pitchFamily="34" charset="-128"/>
+                  <a:cs typeface="Arial Unicode MS" pitchFamily="34" charset="-128"/>
+                </a:rPr>
+                <a:t> http / https</a:t>
+              </a:r>
+              <a:endParaRPr kumimoji="0" lang="de-DE" sz="1800" b="0" i="0" u="none" strike="noStrike" kern="0" cap="none" spc="0" normalizeH="0" baseline="0" noProof="0" dirty="0">
+                <a:ln>
+                  <a:noFill/>
+                </a:ln>
+                <a:effectLst/>
+                <a:uLnTx/>
+                <a:uFillTx/>
+                <a:ea typeface="Arial Unicode MS" pitchFamily="34" charset="-128"/>
+                <a:cs typeface="Arial Unicode MS" pitchFamily="34" charset="-128"/>
+              </a:endParaRPr>
+            </a:p>
+          </p:txBody>
+        </p:sp>
+      </p:grpSp>
+      <p:sp>
+        <p:nvSpPr>
+          <p:cNvPr id="18" name="Arrow: Up-Down 17"/>
+          <p:cNvSpPr/>
+          <p:nvPr/>
+        </p:nvSpPr>
+        <p:spPr bwMode="gray">
+          <a:xfrm>
+            <a:off x="5657231" y="2669184"/>
+            <a:ext cx="222219" cy="686436"/>
+          </a:xfrm>
+          <a:prstGeom prst="upDownArrow">
+            <a:avLst/>
+          </a:prstGeom>
+          <a:solidFill>
+            <a:schemeClr val="accent4"/>
+          </a:solidFill>
+          <a:ln w="6350" algn="ctr">
+            <a:noFill/>
+            <a:miter lim="800000"/>
+            <a:headEnd/>
+            <a:tailEnd/>
+          </a:ln>
+        </p:spPr>
+        <p:txBody>
+          <a:bodyPr lIns="90000" tIns="72000" rIns="90000" bIns="72000" rtlCol="0" anchor="ctr"/>
+          <a:lstStyle/>
+          <a:p>
+            <a:pPr marR="0" algn="ctr" defTabSz="914400" eaLnBrk="1" fontAlgn="base" latinLnBrk="0" hangingPunct="1">
+              <a:lnSpc>
+                <a:spcPct val="100000"/>
+              </a:lnSpc>
+              <a:spcBef>
+                <a:spcPct val="50000"/>
+              </a:spcBef>
+              <a:spcAft>
+                <a:spcPct val="0"/>
+              </a:spcAft>
+              <a:buClr>
+                <a:srgbClr val="F0AB00"/>
+              </a:buClr>
+              <a:buSzPct val="80000"/>
+              <a:tabLst/>
+            </a:pPr>
+            <a:endParaRPr kumimoji="0" lang="en-US" sz="1800" b="0" i="0" u="none" strike="noStrike" kern="0" cap="none" spc="0" normalizeH="0" baseline="0" noProof="0" dirty="0" err="1">
+              <a:ln>
+                <a:noFill/>
+              </a:ln>
+              <a:effectLst/>
+              <a:uLnTx/>
+              <a:uFillTx/>
+              <a:ea typeface="Arial Unicode MS" pitchFamily="34" charset="-128"/>
+              <a:cs typeface="Arial Unicode MS" pitchFamily="34" charset="-128"/>
+            </a:endParaRPr>
+          </a:p>
+        </p:txBody>
+      </p:sp>
+      <p:sp>
+        <p:nvSpPr>
+          <p:cNvPr id="32" name="Arrow: Up-Down 31"/>
+          <p:cNvSpPr/>
+          <p:nvPr/>
+        </p:nvSpPr>
+        <p:spPr bwMode="gray">
+          <a:xfrm>
+            <a:off x="5657230" y="1585837"/>
+            <a:ext cx="222219" cy="686436"/>
+          </a:xfrm>
+          <a:prstGeom prst="upDownArrow">
+            <a:avLst/>
+          </a:prstGeom>
+          <a:solidFill>
+            <a:schemeClr val="accent4"/>
+          </a:solidFill>
+          <a:ln w="6350" algn="ctr">
+            <a:noFill/>
+            <a:miter lim="800000"/>
+            <a:headEnd/>
+            <a:tailEnd/>
+          </a:ln>
+        </p:spPr>
+        <p:txBody>
+          <a:bodyPr lIns="90000" tIns="72000" rIns="90000" bIns="72000" rtlCol="0" anchor="ctr"/>
+          <a:lstStyle/>
+          <a:p>
+            <a:pPr marR="0" algn="ctr" defTabSz="914400" eaLnBrk="1" fontAlgn="base" latinLnBrk="0" hangingPunct="1">
+              <a:lnSpc>
+                <a:spcPct val="100000"/>
+              </a:lnSpc>
+              <a:spcBef>
+                <a:spcPct val="50000"/>
+              </a:spcBef>
+              <a:spcAft>
+                <a:spcPct val="0"/>
+              </a:spcAft>
+              <a:buClr>
+                <a:srgbClr val="F0AB00"/>
+              </a:buClr>
+              <a:buSzPct val="80000"/>
+              <a:tabLst/>
+            </a:pPr>
+            <a:endParaRPr kumimoji="0" lang="en-US" sz="1800" b="0" i="0" u="none" strike="noStrike" kern="0" cap="none" spc="0" normalizeH="0" baseline="0" noProof="0" dirty="0" err="1">
+              <a:ln>
+                <a:noFill/>
+              </a:ln>
+              <a:effectLst/>
+              <a:uLnTx/>
+              <a:uFillTx/>
+              <a:ea typeface="Arial Unicode MS" pitchFamily="34" charset="-128"/>
+              <a:cs typeface="Arial Unicode MS" pitchFamily="34" charset="-128"/>
+            </a:endParaRPr>
+          </a:p>
+        </p:txBody>
+      </p:sp>
+      <p:sp>
+        <p:nvSpPr>
+          <p:cNvPr id="20" name="Rectangle: Single Corner Snipped 19">
+            <a:extLst>
+              <a:ext uri="{FF2B5EF4-FFF2-40B4-BE49-F238E27FC236}">
+                <a16:creationId xmlns:a16="http://schemas.microsoft.com/office/drawing/2014/main" id="{C7F2FB60-D7EF-485F-AA1B-FC0AF0234EFB}"/>
+              </a:ext>
+            </a:extLst>
+          </p:cNvPr>
+          <p:cNvSpPr/>
+          <p:nvPr/>
+        </p:nvSpPr>
+        <p:spPr bwMode="gray">
+          <a:xfrm>
+            <a:off x="8616279" y="873332"/>
+            <a:ext cx="2619143" cy="1338815"/>
+          </a:xfrm>
+          <a:prstGeom prst="snip1Rect">
+            <a:avLst/>
+          </a:prstGeom>
+          <a:ln>
+            <a:headEnd/>
+            <a:tailEnd/>
+          </a:ln>
+        </p:spPr>
+        <p:style>
+          <a:lnRef idx="2">
+            <a:schemeClr val="accent2"/>
+          </a:lnRef>
+          <a:fillRef idx="1">
+            <a:schemeClr val="lt1"/>
+          </a:fillRef>
+          <a:effectRef idx="0">
+            <a:schemeClr val="accent2"/>
+          </a:effectRef>
+          <a:fontRef idx="minor">
+            <a:schemeClr val="dk1"/>
+          </a:fontRef>
+        </p:style>
+        <p:txBody>
+          <a:bodyPr lIns="90000" tIns="72000" rIns="90000" bIns="72000" rtlCol="0" anchor="ctr"/>
+          <a:lstStyle/>
+          <a:p>
+            <a:pPr marR="0" algn="ctr" defTabSz="914400" eaLnBrk="1" fontAlgn="base" latinLnBrk="0" hangingPunct="1">
+              <a:lnSpc>
+                <a:spcPct val="100000"/>
+              </a:lnSpc>
+              <a:spcBef>
+                <a:spcPct val="50000"/>
+              </a:spcBef>
+              <a:spcAft>
+                <a:spcPct val="0"/>
+              </a:spcAft>
+              <a:buClr>
+                <a:srgbClr val="F0AB00"/>
+              </a:buClr>
+              <a:buSzPct val="80000"/>
+              <a:tabLst/>
+            </a:pPr>
+            <a:r>
+              <a:rPr lang="en-US" sz="1800" kern="0" dirty="0">
+                <a:ea typeface="Arial Unicode MS" pitchFamily="34" charset="-128"/>
+                <a:cs typeface="Arial Unicode MS" pitchFamily="34" charset="-128"/>
+              </a:rPr>
+              <a:t>Filter incoming traffic </a:t>
+            </a:r>
+            <a:r>
+              <a:rPr lang="en-US" sz="1800" kern="0">
+                <a:ea typeface="Arial Unicode MS" pitchFamily="34" charset="-128"/>
+                <a:cs typeface="Arial Unicode MS" pitchFamily="34" charset="-128"/>
+              </a:rPr>
+              <a:t>with a network </a:t>
+            </a:r>
+            <a:r>
+              <a:rPr lang="en-US" sz="1800" kern="0" dirty="0">
+                <a:ea typeface="Arial Unicode MS" pitchFamily="34" charset="-128"/>
+                <a:cs typeface="Arial Unicode MS" pitchFamily="34" charset="-128"/>
+              </a:rPr>
+              <a:t>Policy</a:t>
+            </a:r>
+            <a:endParaRPr kumimoji="0" lang="en-US" sz="1800" b="0" i="0" u="none" strike="noStrike" kern="0" cap="none" spc="0" normalizeH="0" baseline="0" noProof="0" dirty="0">
+              <a:ln>
+                <a:noFill/>
+              </a:ln>
+              <a:effectLst/>
+              <a:uLnTx/>
+              <a:uFillTx/>
+              <a:ea typeface="Arial Unicode MS" pitchFamily="34" charset="-128"/>
+              <a:cs typeface="Arial Unicode MS" pitchFamily="34" charset="-128"/>
+            </a:endParaRPr>
+          </a:p>
+        </p:txBody>
+      </p:sp>
+      <p:cxnSp>
+        <p:nvCxnSpPr>
+          <p:cNvPr id="21" name="Straight Arrow Connector 20">
+            <a:extLst>
+              <a:ext uri="{FF2B5EF4-FFF2-40B4-BE49-F238E27FC236}">
+                <a16:creationId xmlns:a16="http://schemas.microsoft.com/office/drawing/2014/main" id="{484F8FEA-C495-402A-8FB3-F57A76F2BE67}"/>
+              </a:ext>
+            </a:extLst>
+          </p:cNvPr>
+          <p:cNvCxnSpPr>
+            <a:cxnSpLocks/>
+            <a:stCxn id="20" idx="2"/>
+          </p:cNvCxnSpPr>
+          <p:nvPr/>
+        </p:nvCxnSpPr>
+        <p:spPr>
+          <a:xfrm flipH="1">
+            <a:off x="5812113" y="1542740"/>
+            <a:ext cx="2804166" cy="214913"/>
+          </a:xfrm>
+          <a:prstGeom prst="straightConnector1">
+            <a:avLst/>
+          </a:prstGeom>
+          <a:ln w="38100">
+            <a:solidFill>
+              <a:schemeClr val="tx2">
+                <a:lumMod val="60000"/>
+                <a:lumOff val="40000"/>
+              </a:schemeClr>
+            </a:solidFill>
+            <a:headEnd type="none" w="med" len="med"/>
+            <a:tailEnd type="triangle"/>
+          </a:ln>
+        </p:spPr>
+        <p:style>
+          <a:lnRef idx="1">
+            <a:schemeClr val="accent1"/>
+          </a:lnRef>
+          <a:fillRef idx="0">
+            <a:schemeClr val="accent1"/>
+          </a:fillRef>
+          <a:effectRef idx="0">
+            <a:schemeClr val="accent1"/>
+          </a:effectRef>
+          <a:fontRef idx="minor">
+            <a:schemeClr val="tx1"/>
+          </a:fontRef>
+        </p:style>
+      </p:cxnSp>
+    </p:spTree>
+    <p:extLst>
+      <p:ext uri="{BB962C8B-B14F-4D97-AF65-F5344CB8AC3E}">
+        <p14:creationId xmlns:p14="http://schemas.microsoft.com/office/powerpoint/2010/main" val="4085581448"/>
+      </p:ext>
+    </p:extLst>
+  </p:cSld>
+  <p:clrMapOvr>
+    <a:masterClrMapping/>
+  </p:clrMapOvr>
+</p:sld>
+</file>
+
+<file path=ppt/slides/slide12.xml><?xml version="1.0" encoding="utf-8"?>
+<p:sld xmlns:a="http://schemas.openxmlformats.org/drawingml/2006/main" xmlns:r="http://schemas.openxmlformats.org/officeDocument/2006/relationships" xmlns:p="http://schemas.openxmlformats.org/presentationml/2006/main">
+  <p:cSld>
+    <p:spTree>
+      <p:nvGrpSpPr>
+        <p:cNvPr id="1" name=""/>
+        <p:cNvGrpSpPr/>
+        <p:nvPr/>
+      </p:nvGrpSpPr>
+      <p:grpSpPr>
+        <a:xfrm>
+          <a:off x="0" y="0"/>
+          <a:ext cx="0" cy="0"/>
+          <a:chOff x="0" y="0"/>
+          <a:chExt cx="0" cy="0"/>
+        </a:xfrm>
+      </p:grpSpPr>
+      <p:sp>
+        <p:nvSpPr>
+          <p:cNvPr id="3" name="Title 2"/>
+          <p:cNvSpPr>
+            <a:spLocks noGrp="1"/>
+          </p:cNvSpPr>
+          <p:nvPr>
+            <p:ph type="title"/>
+          </p:nvPr>
+        </p:nvSpPr>
+        <p:spPr/>
+        <p:txBody>
+          <a:bodyPr/>
+          <a:lstStyle/>
+          <a:p>
+            <a:r>
+              <a:rPr lang="en-US" dirty="0"/>
               <a:t>Node Management</a:t>
             </a:r>
           </a:p>
@@ -17759,7 +18987,7 @@
 </p:sld>
 </file>
 
-<file path=ppt/slides/slide12.xml><?xml version="1.0" encoding="utf-8"?>
+<file path=ppt/slides/slide13.xml><?xml version="1.0" encoding="utf-8"?>
 <p:sld xmlns:a="http://schemas.openxmlformats.org/drawingml/2006/main" xmlns:r="http://schemas.openxmlformats.org/officeDocument/2006/relationships" xmlns:p="http://schemas.openxmlformats.org/presentationml/2006/main">
   <p:cSld>
     <p:spTree>
@@ -18864,7 +20092,7 @@
 </p:sld>
 </file>
 
-<file path=ppt/slides/slide13.xml><?xml version="1.0" encoding="utf-8"?>
+<file path=ppt/slides/slide14.xml><?xml version="1.0" encoding="utf-8"?>
 <p:sld xmlns:a="http://schemas.openxmlformats.org/drawingml/2006/main" xmlns:r="http://schemas.openxmlformats.org/officeDocument/2006/relationships" xmlns:p="http://schemas.openxmlformats.org/presentationml/2006/main">
   <p:cSld>
     <p:spTree>
@@ -18996,7 +20224,7 @@
 </p:sld>
 </file>
 
-<file path=ppt/slides/slide14.xml><?xml version="1.0" encoding="utf-8"?>
+<file path=ppt/slides/slide15.xml><?xml version="1.0" encoding="utf-8"?>
 <p:sld xmlns:a="http://schemas.openxmlformats.org/drawingml/2006/main" xmlns:r="http://schemas.openxmlformats.org/officeDocument/2006/relationships" xmlns:p="http://schemas.openxmlformats.org/presentationml/2006/main">
   <p:cSld>
     <p:spTree>
@@ -19072,7 +20300,7 @@
 </p:sld>
 </file>
 
-<file path=ppt/slides/slide15.xml><?xml version="1.0" encoding="utf-8"?>
+<file path=ppt/slides/slide16.xml><?xml version="1.0" encoding="utf-8"?>
 <p:sld xmlns:a="http://schemas.openxmlformats.org/drawingml/2006/main" xmlns:r="http://schemas.openxmlformats.org/officeDocument/2006/relationships" xmlns:p="http://schemas.openxmlformats.org/presentationml/2006/main">
   <p:cSld>
     <p:spTree>
@@ -19644,7 +20872,7 @@
 </p:sld>
 </file>
 
-<file path=ppt/slides/slide16.xml><?xml version="1.0" encoding="utf-8"?>
+<file path=ppt/slides/slide17.xml><?xml version="1.0" encoding="utf-8"?>
 <p:sld xmlns:a="http://schemas.openxmlformats.org/drawingml/2006/main" xmlns:r="http://schemas.openxmlformats.org/officeDocument/2006/relationships" xmlns:p="http://schemas.openxmlformats.org/presentationml/2006/main" show="0">
   <p:cSld>
     <p:spTree>

--- a/kubernetes/08_administration.pptx
+++ b/kubernetes/08_administration.pptx
@@ -680,6 +680,15 @@
               <a:rPr lang="en-US" baseline="0" dirty="0"/>
               <a:t>=true</a:t>
             </a:r>
+          </a:p>
+          <a:p>
+            <a:endParaRPr lang="en-US" baseline="0" dirty="0"/>
+          </a:p>
+          <a:p>
+            <a:r>
+              <a:rPr lang="en-US" baseline="0" dirty="0"/>
+              <a:t>To evict pods from a node, e.g. for maintenance, you can “drain” it. To mark it, so no new pods are scheduled to it, “cordon” the node. </a:t>
+            </a:r>
             <a:endParaRPr lang="en-US" dirty="0"/>
           </a:p>
         </p:txBody>
@@ -765,7 +774,50 @@
           <a:bodyPr/>
           <a:lstStyle/>
           <a:p>
-            <a:endParaRPr lang="en-US" dirty="0"/>
+            <a:r>
+              <a:rPr lang="en-US" dirty="0"/>
+              <a:t>There are multiple ways, to influence where pods are scheduled:</a:t>
+            </a:r>
+          </a:p>
+          <a:p>
+            <a:pPr marL="285750" indent="-285750">
+              <a:buFontTx/>
+              <a:buChar char="-"/>
+            </a:pPr>
+            <a:r>
+              <a:rPr lang="en-US" dirty="0"/>
+              <a:t>Taints &amp; tolerations: a node is tainted and only pods explicitly tolerating the taint will be scheduled</a:t>
+            </a:r>
+          </a:p>
+          <a:p>
+            <a:pPr marL="285750" indent="-285750">
+              <a:buFontTx/>
+              <a:buChar char="-"/>
+            </a:pPr>
+            <a:r>
+              <a:rPr lang="en-US" dirty="0"/>
+              <a:t>Node selector: specify a node “type” by label to assign a pod to certain node pool</a:t>
+            </a:r>
+          </a:p>
+          <a:p>
+            <a:pPr marL="285750" indent="-285750">
+              <a:buFontTx/>
+              <a:buChar char="-"/>
+            </a:pPr>
+            <a:r>
+              <a:rPr lang="en-US" dirty="0"/>
+              <a:t>Pod affinity: explicitly schedule a pod on a node where certain pod is already running</a:t>
+            </a:r>
+          </a:p>
+          <a:p>
+            <a:pPr marL="285750" indent="-285750">
+              <a:buFontTx/>
+              <a:buChar char="-"/>
+            </a:pPr>
+            <a:r>
+              <a:rPr lang="en-US" dirty="0"/>
+              <a:t>Pod anti-affinity: don’t schedule on a node, where a certain pod is already running</a:t>
+            </a:r>
           </a:p>
         </p:txBody>
       </p:sp>
@@ -787,7 +839,7 @@
             <a:fld id="{7D8C2C35-2B8A-446E-BEC0-FD36716C29AC}" type="slidenum">
               <a:rPr lang="de-DE" smtClean="0"/>
               <a:pPr/>
-              <a:t>14</a:t>
+              <a:t>13</a:t>
             </a:fld>
             <a:endParaRPr lang="de-DE" dirty="0"/>
           </a:p>
@@ -796,7 +848,7 @@
     </p:spTree>
     <p:extLst>
       <p:ext uri="{BB962C8B-B14F-4D97-AF65-F5344CB8AC3E}">
-        <p14:creationId xmlns:p14="http://schemas.microsoft.com/office/powerpoint/2010/main" val="3466716593"/>
+        <p14:creationId xmlns:p14="http://schemas.microsoft.com/office/powerpoint/2010/main" val="195966228"/>
       </p:ext>
     </p:extLst>
   </p:cSld>
@@ -850,83 +902,6 @@
           <a:bodyPr/>
           <a:lstStyle/>
           <a:p>
-            <a:r>
-              <a:rPr lang="en-US" dirty="0"/>
-              <a:t>Works only with localhost – hence, run</a:t>
-            </a:r>
-            <a:r>
-              <a:rPr lang="en-US" baseline="0" dirty="0"/>
-              <a:t> commands on a machine, where you have a UI /can access a browser:</a:t>
-            </a:r>
-          </a:p>
-          <a:p>
-            <a:r>
-              <a:rPr lang="en-US" baseline="0" dirty="0"/>
-              <a:t>- </a:t>
-            </a:r>
-            <a:r>
-              <a:rPr lang="en-US" baseline="0" dirty="0" err="1"/>
-              <a:t>kubectl</a:t>
-            </a:r>
-            <a:r>
-              <a:rPr lang="en-US" baseline="0" dirty="0"/>
-              <a:t> proxy</a:t>
-            </a:r>
-          </a:p>
-          <a:p>
-            <a:r>
-              <a:rPr lang="en-US" dirty="0"/>
-              <a:t>- Open browser</a:t>
-            </a:r>
-            <a:r>
-              <a:rPr lang="en-US" baseline="0" dirty="0"/>
-              <a:t> on localhost:8001 (port may vary) and show the API</a:t>
-            </a:r>
-          </a:p>
-          <a:p>
-            <a:r>
-              <a:rPr lang="en-US" baseline="0" dirty="0"/>
-              <a:t>- Open browser on localhost:8001:ui, logon with token from </a:t>
-            </a:r>
-            <a:r>
-              <a:rPr lang="en-US" baseline="0" dirty="0" err="1"/>
-              <a:t>kubeconfig</a:t>
-            </a:r>
-            <a:endParaRPr lang="en-US" baseline="0" dirty="0"/>
-          </a:p>
-          <a:p>
-            <a:r>
-              <a:rPr lang="en-US" baseline="0" dirty="0"/>
-              <a:t>Demo the dashboard</a:t>
-            </a:r>
-          </a:p>
-          <a:p>
-            <a:r>
-              <a:rPr lang="en-US" baseline="0" dirty="0"/>
-              <a:t>- Show status info &amp; utilization of nodes</a:t>
-            </a:r>
-          </a:p>
-          <a:p>
-            <a:r>
-              <a:rPr lang="en-US" dirty="0"/>
-              <a:t>- Show deployments</a:t>
-            </a:r>
-            <a:r>
-              <a:rPr lang="en-US" baseline="0" dirty="0"/>
-              <a:t> </a:t>
-            </a:r>
-            <a:r>
-              <a:rPr lang="en-US" dirty="0"/>
-              <a:t>&amp; services and how to create a </a:t>
-            </a:r>
-            <a:r>
-              <a:rPr lang="en-US"/>
-              <a:t>new</a:t>
-            </a:r>
-            <a:r>
-              <a:rPr lang="en-US" baseline="0"/>
-              <a:t> deployment</a:t>
-            </a:r>
             <a:endParaRPr lang="en-US" dirty="0"/>
           </a:p>
         </p:txBody>
@@ -949,6 +924,164 @@
             <a:fld id="{7D8C2C35-2B8A-446E-BEC0-FD36716C29AC}" type="slidenum">
               <a:rPr lang="de-DE" smtClean="0"/>
               <a:pPr/>
+              <a:t>14</a:t>
+            </a:fld>
+            <a:endParaRPr lang="de-DE" dirty="0"/>
+          </a:p>
+        </p:txBody>
+      </p:sp>
+    </p:spTree>
+    <p:extLst>
+      <p:ext uri="{BB962C8B-B14F-4D97-AF65-F5344CB8AC3E}">
+        <p14:creationId xmlns:p14="http://schemas.microsoft.com/office/powerpoint/2010/main" val="3466716593"/>
+      </p:ext>
+    </p:extLst>
+  </p:cSld>
+  <p:clrMapOvr>
+    <a:masterClrMapping/>
+  </p:clrMapOvr>
+</p:notes>
+</file>
+
+<file path=ppt/notesSlides/notesSlide13.xml><?xml version="1.0" encoding="utf-8"?>
+<p:notes xmlns:a="http://schemas.openxmlformats.org/drawingml/2006/main" xmlns:r="http://schemas.openxmlformats.org/officeDocument/2006/relationships" xmlns:p="http://schemas.openxmlformats.org/presentationml/2006/main">
+  <p:cSld>
+    <p:spTree>
+      <p:nvGrpSpPr>
+        <p:cNvPr id="1" name=""/>
+        <p:cNvGrpSpPr/>
+        <p:nvPr/>
+      </p:nvGrpSpPr>
+      <p:grpSpPr>
+        <a:xfrm>
+          <a:off x="0" y="0"/>
+          <a:ext cx="0" cy="0"/>
+          <a:chOff x="0" y="0"/>
+          <a:chExt cx="0" cy="0"/>
+        </a:xfrm>
+      </p:grpSpPr>
+      <p:sp>
+        <p:nvSpPr>
+          <p:cNvPr id="2" name="Slide Image Placeholder 1"/>
+          <p:cNvSpPr>
+            <a:spLocks noGrp="1" noRot="1" noChangeAspect="1"/>
+          </p:cNvSpPr>
+          <p:nvPr>
+            <p:ph type="sldImg"/>
+          </p:nvPr>
+        </p:nvSpPr>
+        <p:spPr/>
+      </p:sp>
+      <p:sp>
+        <p:nvSpPr>
+          <p:cNvPr id="3" name="Notes Placeholder 2"/>
+          <p:cNvSpPr>
+            <a:spLocks noGrp="1"/>
+          </p:cNvSpPr>
+          <p:nvPr>
+            <p:ph type="body" idx="1"/>
+          </p:nvPr>
+        </p:nvSpPr>
+        <p:spPr/>
+        <p:txBody>
+          <a:bodyPr/>
+          <a:lstStyle/>
+          <a:p>
+            <a:r>
+              <a:rPr lang="en-US" dirty="0"/>
+              <a:t>Works only with localhost – hence, run</a:t>
+            </a:r>
+            <a:r>
+              <a:rPr lang="en-US" baseline="0" dirty="0"/>
+              <a:t> commands on a machine, where you have a UI /can access a browser:</a:t>
+            </a:r>
+          </a:p>
+          <a:p>
+            <a:r>
+              <a:rPr lang="en-US" baseline="0" dirty="0"/>
+              <a:t>- </a:t>
+            </a:r>
+            <a:r>
+              <a:rPr lang="en-US" baseline="0" dirty="0" err="1"/>
+              <a:t>kubectl</a:t>
+            </a:r>
+            <a:r>
+              <a:rPr lang="en-US" baseline="0" dirty="0"/>
+              <a:t> proxy</a:t>
+            </a:r>
+          </a:p>
+          <a:p>
+            <a:r>
+              <a:rPr lang="en-US" dirty="0"/>
+              <a:t>- Open browser</a:t>
+            </a:r>
+            <a:r>
+              <a:rPr lang="en-US" baseline="0" dirty="0"/>
+              <a:t> on localhost:8001 (port may vary) and show the API</a:t>
+            </a:r>
+          </a:p>
+          <a:p>
+            <a:r>
+              <a:rPr lang="en-US" baseline="0" dirty="0"/>
+              <a:t>- Open browser on localhost:8001:ui, logon with token from </a:t>
+            </a:r>
+            <a:r>
+              <a:rPr lang="en-US" baseline="0" dirty="0" err="1"/>
+              <a:t>kubeconfig</a:t>
+            </a:r>
+            <a:endParaRPr lang="en-US" baseline="0" dirty="0"/>
+          </a:p>
+          <a:p>
+            <a:r>
+              <a:rPr lang="en-US" baseline="0" dirty="0"/>
+              <a:t>Demo the dashboard</a:t>
+            </a:r>
+          </a:p>
+          <a:p>
+            <a:r>
+              <a:rPr lang="en-US" baseline="0" dirty="0"/>
+              <a:t>- Show status info &amp; utilization of nodes</a:t>
+            </a:r>
+          </a:p>
+          <a:p>
+            <a:r>
+              <a:rPr lang="en-US" dirty="0"/>
+              <a:t>- Show deployments</a:t>
+            </a:r>
+            <a:r>
+              <a:rPr lang="en-US" baseline="0" dirty="0"/>
+              <a:t> </a:t>
+            </a:r>
+            <a:r>
+              <a:rPr lang="en-US" dirty="0"/>
+              <a:t>&amp; services and how to create a new</a:t>
+            </a:r>
+            <a:r>
+              <a:rPr lang="en-US" baseline="0" dirty="0"/>
+              <a:t> deployment</a:t>
+            </a:r>
+            <a:endParaRPr lang="en-US" dirty="0"/>
+          </a:p>
+        </p:txBody>
+      </p:sp>
+      <p:sp>
+        <p:nvSpPr>
+          <p:cNvPr id="4" name="Slide Number Placeholder 3"/>
+          <p:cNvSpPr>
+            <a:spLocks noGrp="1"/>
+          </p:cNvSpPr>
+          <p:nvPr>
+            <p:ph type="sldNum" sz="quarter" idx="10"/>
+          </p:nvPr>
+        </p:nvSpPr>
+        <p:spPr/>
+        <p:txBody>
+          <a:bodyPr/>
+          <a:lstStyle/>
+          <a:p>
+            <a:fld id="{7D8C2C35-2B8A-446E-BEC0-FD36716C29AC}" type="slidenum">
+              <a:rPr lang="de-DE" smtClean="0"/>
+              <a:pPr/>
               <a:t>15</a:t>
             </a:fld>
             <a:endParaRPr lang="de-DE" dirty="0"/>
@@ -968,7 +1101,7 @@
 </p:notes>
 </file>
 
-<file path=ppt/notesSlides/notesSlide13.xml><?xml version="1.0" encoding="utf-8"?>
+<file path=ppt/notesSlides/notesSlide14.xml><?xml version="1.0" encoding="utf-8"?>
 <p:notes xmlns:a="http://schemas.openxmlformats.org/drawingml/2006/main" xmlns:r="http://schemas.openxmlformats.org/officeDocument/2006/relationships" xmlns:p="http://schemas.openxmlformats.org/presentationml/2006/main">
   <p:cSld>
     <p:spTree>
@@ -1101,9 +1234,92 @@
         </p:nvSpPr>
         <p:spPr/>
         <p:txBody>
-          <a:bodyPr/>
+          <a:bodyPr>
+            <a:normAutofit lnSpcReduction="10000"/>
+          </a:bodyPr>
           <a:lstStyle/>
           <a:p>
+            <a:r>
+              <a:rPr lang="en-US" dirty="0"/>
+              <a:t>Currently there are two types of users in </a:t>
+            </a:r>
+            <a:r>
+              <a:rPr lang="en-US" dirty="0" err="1"/>
+              <a:t>kubernetes</a:t>
+            </a:r>
+            <a:r>
+              <a:rPr lang="en-US" dirty="0"/>
+              <a:t> – technical and administrators. Administrators are considered to be human (end-)users and by default they have access to everything in the cluster. </a:t>
+            </a:r>
+          </a:p>
+          <a:p>
+            <a:endParaRPr lang="en-US" dirty="0"/>
+          </a:p>
+          <a:p>
+            <a:r>
+              <a:rPr lang="en-US" dirty="0"/>
+              <a:t>The 2</a:t>
+            </a:r>
+            <a:r>
+              <a:rPr lang="en-US" baseline="30000" dirty="0"/>
+              <a:t>nd</a:t>
+            </a:r>
+            <a:r>
+              <a:rPr lang="en-US" dirty="0"/>
+              <a:t> type of user is a technical user, called “service account”. A service account is bound to a namespace and in every namespace there is “default” service account. Of course it is possible to create further service accounts. </a:t>
+            </a:r>
+          </a:p>
+          <a:p>
+            <a:r>
+              <a:rPr lang="en-US" dirty="0"/>
+              <a:t>Usually a service account holds an access token allowing to communicate with the cluster’s API server. The token itself is a </a:t>
+            </a:r>
+            <a:r>
+              <a:rPr lang="en-US" dirty="0" err="1"/>
+              <a:t>kubernetes</a:t>
+            </a:r>
+            <a:r>
+              <a:rPr lang="en-US" dirty="0"/>
+              <a:t> secret. Additionally you can assign an image pull secret to the service account (see slide 5 </a:t>
+            </a:r>
+            <a:r>
+              <a:rPr lang="en-US" dirty="0" err="1"/>
+              <a:t>ff</a:t>
+            </a:r>
+            <a:r>
+              <a:rPr lang="en-US" dirty="0"/>
+              <a:t> for further info).</a:t>
+            </a:r>
+          </a:p>
+          <a:p>
+            <a:endParaRPr lang="en-US" dirty="0"/>
+          </a:p>
+          <a:p>
+            <a:r>
+              <a:rPr lang="en-US" dirty="0"/>
+              <a:t>When scheduling resources like a pod, they always run in the “name” of the service account. This means, the service account’s secrets will be mounted into the pod. Hence a pod is also able to access the API server with the identity of the service account and its valid credentials.</a:t>
+            </a:r>
+          </a:p>
+          <a:p>
+            <a:r>
+              <a:rPr lang="en-US" dirty="0"/>
+              <a:t>If not specified differently, the default service account will be used. </a:t>
+            </a:r>
+          </a:p>
+          <a:p>
+            <a:endParaRPr lang="en-US" dirty="0"/>
+          </a:p>
+          <a:p>
+            <a:r>
+              <a:rPr lang="en-US" dirty="0"/>
+              <a:t>Since a pod can access the API, think about possible consequences. Could it modify the system? To avoid potential security issues, it is recommended to limit the access scope of the service account using RBAC </a:t>
+            </a:r>
+            <a:r>
+              <a:rPr lang="en-US" dirty="0">
+                <a:sym typeface="Wingdings" panose="05000000000000000000" pitchFamily="2" charset="2"/>
+              </a:rPr>
+              <a:t> see next slide</a:t>
+            </a:r>
             <a:endParaRPr lang="en-US" dirty="0"/>
           </a:p>
         </p:txBody>
@@ -1189,7 +1405,10 @@
           <a:bodyPr/>
           <a:lstStyle/>
           <a:p>
-            <a:endParaRPr lang="en-US" dirty="0"/>
+            <a:r>
+              <a:rPr lang="en-US" dirty="0"/>
+              <a:t>To limit the access scope of a service account, you can use existing roles or create your own. These roles are bound to the respective service account.</a:t>
+            </a:r>
           </a:p>
         </p:txBody>
       </p:sp>
@@ -1276,22 +1495,17 @@
           <a:p>
             <a:r>
               <a:rPr lang="en-US" dirty="0"/>
-              <a:t>Docker daemon runs on</a:t>
+              <a:t>The docker daemon runs on</a:t>
             </a:r>
             <a:r>
               <a:rPr lang="en-US" baseline="0" dirty="0"/>
-              <a:t> each node and has an individual, local image store</a:t>
-            </a:r>
-            <a:endParaRPr lang="en-US" dirty="0"/>
-          </a:p>
-          <a:p>
-            <a:r>
-              <a:rPr lang="en-US" dirty="0"/>
-              <a:t>Demo</a:t>
-            </a:r>
+              <a:t> each node and has an individual, local image store. So each time a pod is scheduled on a node, the daemon checks, if the image is already present.</a:t>
+            </a:r>
+          </a:p>
+          <a:p>
             <a:r>
               <a:rPr lang="en-US" baseline="0" dirty="0"/>
-              <a:t> part: show image list of a node</a:t>
+              <a:t>If not the image has to be pulled (= downloaded).</a:t>
             </a:r>
             <a:endParaRPr lang="en-US" dirty="0"/>
           </a:p>
@@ -1389,22 +1603,18 @@
           </a:p>
           <a:p>
             <a:r>
+              <a:rPr lang="en-US" baseline="0" dirty="0" err="1"/>
+              <a:t>Adocker</a:t>
+            </a:r>
+            <a:r>
               <a:rPr lang="en-US" baseline="0" dirty="0"/>
-              <a:t>An anonymous </a:t>
-            </a:r>
-            <a:r>
-              <a:rPr lang="en-US" baseline="0" dirty="0" err="1"/>
-              <a:t>docker</a:t>
-            </a:r>
+              <a:t> daemon cannot pull images from a protected registry anonymously</a:t>
+            </a:r>
+          </a:p>
+          <a:p>
             <a:r>
               <a:rPr lang="en-US" baseline="0" dirty="0"/>
-              <a:t> daemon cannot pull images from a protected registry</a:t>
-            </a:r>
-          </a:p>
-          <a:p>
-            <a:r>
-              <a:rPr lang="en-US" baseline="0" dirty="0"/>
-              <a:t>=&gt; Authentication is required</a:t>
+              <a:t>=&gt; So there is authentication required, similar to a local docker installation, where you run a docker login &lt;registry&gt;</a:t>
             </a:r>
             <a:endParaRPr lang="en-US" dirty="0"/>
           </a:p>
@@ -1542,6 +1752,12 @@
               <a:t>: https://kubernetes.io/docs/reference/generated/kubernetes-api/v1.9/#podspec-v1-core</a:t>
             </a:r>
           </a:p>
+          <a:p>
+            <a:r>
+              <a:rPr lang="en-US" baseline="0" dirty="0"/>
+              <a:t>Without such a secret, the pod will end in an error state because the image cannot be downloaded</a:t>
+            </a:r>
+          </a:p>
         </p:txBody>
       </p:sp>
       <p:sp>
@@ -1627,17 +1843,23 @@
           <a:p>
             <a:r>
               <a:rPr lang="en-US" dirty="0"/>
-              <a:t>Assign</a:t>
+              <a:t>Editing every single pod specification is cumbersome and might introduce dependencies you want to avoid. </a:t>
+            </a:r>
+          </a:p>
+          <a:p>
+            <a:r>
+              <a:rPr lang="en-US" dirty="0"/>
+              <a:t>The easier way is to assign</a:t>
             </a:r>
             <a:r>
               <a:rPr lang="en-US" baseline="0" dirty="0"/>
-              <a:t> the image pull secret to the default (or any other) service account</a:t>
+              <a:t> the image pull secret to the default (or any other) service account.</a:t>
             </a:r>
           </a:p>
           <a:p>
             <a:r>
               <a:rPr lang="en-US" baseline="0" dirty="0"/>
-              <a:t>The service account gives its’ identity to the pod =&gt; the pot can use the image pull secret</a:t>
+              <a:t>As explained earlier, the service account gives its’ identity to the pod. Hence the pod can use the image pull secret implicitly.</a:t>
             </a:r>
             <a:endParaRPr lang="en-US" dirty="0"/>
           </a:p>
@@ -1726,19 +1948,45 @@
           <a:p>
             <a:r>
               <a:rPr lang="en-US" dirty="0"/>
-              <a:t>Docker build</a:t>
-            </a:r>
-            <a:r>
-              <a:rPr lang="en-US" baseline="0" dirty="0"/>
-              <a:t> =&gt; local</a:t>
-            </a:r>
-          </a:p>
-          <a:p>
-            <a:r>
-              <a:rPr lang="en-US" baseline="0" dirty="0"/>
-              <a:t>Docker push =&gt; local to registry with authentication</a:t>
-            </a:r>
+              <a:t>How could an example look like?</a:t>
+            </a:r>
+          </a:p>
+          <a:p>
+            <a:r>
+              <a:rPr lang="en-US" dirty="0"/>
+              <a:t>Imagine, you develop locally and push your ready docker images to the </a:t>
+            </a:r>
+            <a:r>
+              <a:rPr lang="en-US" dirty="0" err="1"/>
+              <a:t>artifactory</a:t>
+            </a:r>
+            <a:r>
+              <a:rPr lang="en-US" dirty="0"/>
+              <a:t> in DMZ. To do so, you probably use your personal credentials to the registry and the target repository.</a:t>
+            </a:r>
+          </a:p>
+          <a:p>
             <a:endParaRPr lang="en-US" dirty="0"/>
+          </a:p>
+          <a:p>
+            <a:r>
+              <a:rPr lang="en-US" dirty="0"/>
+              <a:t>To deploy your application to Kubernetes, you write a deployment and specify the image you pushed to </a:t>
+            </a:r>
+            <a:r>
+              <a:rPr lang="en-US" dirty="0" err="1"/>
+              <a:t>artifactory</a:t>
+            </a:r>
+            <a:r>
+              <a:rPr lang="en-US" dirty="0"/>
+              <a:t>. When posting the deployment to the API server, the pod creation fails as the image cannot be downloaded – permission denied.</a:t>
+            </a:r>
+          </a:p>
+          <a:p>
+            <a:r>
+              <a:rPr lang="en-US" dirty="0"/>
+              <a:t>So next, you create an Image Pull Secret with the credentials of a technical user and attach it to the default service account of your namespace. Now the docker daemons on your nodes can download the image.</a:t>
+            </a:r>
           </a:p>
         </p:txBody>
       </p:sp>
@@ -1822,6 +2070,38 @@
         <p:txBody>
           <a:bodyPr/>
           <a:lstStyle/>
+          <a:p>
+            <a:r>
+              <a:rPr lang="en-US" noProof="0" dirty="0"/>
+              <a:t>Network policies are </a:t>
+            </a:r>
+            <a:r>
+              <a:rPr lang="en-US" noProof="0" dirty="0" err="1"/>
+              <a:t>kubernetes</a:t>
+            </a:r>
+            <a:r>
+              <a:rPr lang="en-US" noProof="0" dirty="0"/>
+              <a:t> object just as pods. The need an overlay network that supports the enforcement of their rules, like Calico. </a:t>
+            </a:r>
+          </a:p>
+          <a:p>
+            <a:r>
+              <a:rPr lang="en-US" noProof="0" dirty="0"/>
+              <a:t>Basically they define rules for incoming (ingress) and outgoing (egress) traffic to pods. As filter rules you can set IP addresses or use labels. Filter actions are deny or allow.</a:t>
+            </a:r>
+          </a:p>
+          <a:p>
+            <a:r>
+              <a:rPr lang="en-US" noProof="0" dirty="0"/>
+              <a:t>In the example above, the network policy is enforced for access to “Pod A”, determined by its label and the corresponding selector.</a:t>
+            </a:r>
+          </a:p>
+          <a:p>
+            <a:r>
+              <a:rPr lang="en-US" noProof="0" dirty="0"/>
+              <a:t>Pod B is allowed to access pod A since it has the correct label. Traffic from pod M will be blocked.</a:t>
+            </a:r>
+          </a:p>
           <a:p>
             <a:r>
               <a:rPr lang="de-DE" dirty="0"/>
@@ -21662,7 +21942,7 @@
           <a:p>
             <a:r>
               <a:rPr lang="en-US" dirty="0"/>
-              <a:t>Role based authorization (RBAC)</a:t>
+              <a:t>Role based access control (RBAC)</a:t>
             </a:r>
           </a:p>
         </p:txBody>
